--- a/SchaefferProposal.pptx
+++ b/SchaefferProposal.pptx
@@ -5,8 +5,11 @@
     <p:sldMasterId id="2147483708" r:id="rId1"/>
   </p:sldMasterIdLst>
   <p:notesMasterIdLst>
-    <p:notesMasterId r:id="rId18"/>
+    <p:notesMasterId r:id="rId20"/>
   </p:notesMasterIdLst>
+  <p:handoutMasterIdLst>
+    <p:handoutMasterId r:id="rId21"/>
+  </p:handoutMasterIdLst>
   <p:sldIdLst>
     <p:sldId id="256" r:id="rId2"/>
     <p:sldId id="257" r:id="rId3"/>
@@ -14,16 +17,18 @@
     <p:sldId id="259" r:id="rId5"/>
     <p:sldId id="261" r:id="rId6"/>
     <p:sldId id="262" r:id="rId7"/>
-    <p:sldId id="263" r:id="rId8"/>
+    <p:sldId id="273" r:id="rId8"/>
     <p:sldId id="264" r:id="rId9"/>
-    <p:sldId id="266" r:id="rId10"/>
-    <p:sldId id="265" r:id="rId11"/>
-    <p:sldId id="270" r:id="rId12"/>
-    <p:sldId id="267" r:id="rId13"/>
-    <p:sldId id="268" r:id="rId14"/>
-    <p:sldId id="269" r:id="rId15"/>
-    <p:sldId id="271" r:id="rId16"/>
-    <p:sldId id="272" r:id="rId17"/>
+    <p:sldId id="274" r:id="rId10"/>
+    <p:sldId id="275" r:id="rId11"/>
+    <p:sldId id="265" r:id="rId12"/>
+    <p:sldId id="270" r:id="rId13"/>
+    <p:sldId id="267" r:id="rId14"/>
+    <p:sldId id="268" r:id="rId15"/>
+    <p:sldId id="269" r:id="rId16"/>
+    <p:sldId id="271" r:id="rId17"/>
+    <p:sldId id="272" r:id="rId18"/>
+    <p:sldId id="276" r:id="rId19"/>
   </p:sldIdLst>
   <p:sldSz cx="9144000" cy="6858000" type="screen4x3"/>
   <p:notesSz cx="6858000" cy="9144000"/>
@@ -1043,23 +1048,7 @@
         <a:p>
           <a:r>
             <a:rPr lang="en-US" dirty="0" smtClean="0"/>
-            <a:t>Hypothesize how </a:t>
-          </a:r>
-          <a:r>
-            <a:rPr lang="en-US" dirty="0" smtClean="0"/>
-            <a:t>to </a:t>
-          </a:r>
-          <a:r>
-            <a:rPr lang="en-US" dirty="0" smtClean="0"/>
-            <a:t>better use </a:t>
-          </a:r>
-          <a:r>
-            <a:rPr lang="en-US" dirty="0" smtClean="0"/>
-            <a:t>spaced seeds in </a:t>
-          </a:r>
-          <a:r>
-            <a:rPr lang="en-US" dirty="0" smtClean="0"/>
-            <a:t>RAIDER.</a:t>
+            <a:t>Hypothesize how to better use spaced seeds in RAIDER.</a:t>
           </a:r>
           <a:endParaRPr lang="en-US" dirty="0"/>
         </a:p>
@@ -1096,15 +1085,7 @@
         <a:p>
           <a:r>
             <a:rPr lang="en-US" dirty="0" smtClean="0"/>
-            <a:t>If still attempting to optimize </a:t>
-          </a:r>
-          <a:r>
-            <a:rPr lang="en-US" dirty="0" smtClean="0"/>
-            <a:t>individual spaced seeds</a:t>
-          </a:r>
-          <a:r>
-            <a:rPr lang="en-US" dirty="0" smtClean="0"/>
-            <a:t>, continue to do so.</a:t>
+            <a:t>If still attempting to optimize individual spaced seeds, continue to do so.</a:t>
           </a:r>
           <a:endParaRPr lang="en-US" dirty="0"/>
         </a:p>
@@ -1141,11 +1122,7 @@
         <a:p>
           <a:r>
             <a:rPr lang="en-US" dirty="0" smtClean="0"/>
-            <a:t>Prepare </a:t>
-          </a:r>
-          <a:r>
-            <a:rPr lang="en-US" dirty="0" smtClean="0"/>
-            <a:t>results (proofs, sensitivity comparisons, etc.).</a:t>
+            <a:t>Prepare results (proofs, sensitivity comparisons, etc.).</a:t>
           </a:r>
           <a:endParaRPr lang="en-US" dirty="0"/>
         </a:p>
@@ -1664,6 +1641,13 @@
         </dgm:presLayoutVars>
       </dgm:prSet>
       <dgm:spPr/>
+      <dgm:t>
+        <a:bodyPr/>
+        <a:lstStyle/>
+        <a:p>
+          <a:endParaRPr lang="en-US"/>
+        </a:p>
+      </dgm:t>
     </dgm:pt>
     <dgm:pt modelId="{3F8CB817-157F-8B4F-8EDA-98086678DF3B}" type="pres">
       <dgm:prSet presAssocID="{F517C940-B9CE-E84A-AE6B-1AB6D574A991}" presName="horFlow" presStyleCnt="0"/>
@@ -2033,50 +2017,57 @@
         </dgm:presLayoutVars>
       </dgm:prSet>
       <dgm:spPr/>
+      <dgm:t>
+        <a:bodyPr/>
+        <a:lstStyle/>
+        <a:p>
+          <a:endParaRPr lang="en-US"/>
+        </a:p>
+      </dgm:t>
     </dgm:pt>
   </dgm:ptLst>
   <dgm:cxnLst>
-    <dgm:cxn modelId="{A787FF2B-1D2F-DB4B-A42E-09FE130FD39C}" type="presOf" srcId="{EBBB9B94-6474-9D4E-9337-AAC6399159F2}" destId="{F74DA447-BE91-2D49-9434-F5CFE31A5B37}" srcOrd="0" destOrd="0" presId="urn:microsoft.com/office/officeart/2005/8/layout/lProcess3"/>
     <dgm:cxn modelId="{C7221337-CA6C-C34B-9E81-AD1BE04A7A1D}" srcId="{86B18E18-5750-DF40-9A71-587B8602B692}" destId="{B295E2F1-B088-1445-85FE-650DB2ABEE21}" srcOrd="2" destOrd="0" parTransId="{804C3A91-DD0B-E949-9D6C-A0BA382D0BF7}" sibTransId="{1BC724D3-8E76-DB4D-9234-78B29040AA29}"/>
-    <dgm:cxn modelId="{F9303634-0E64-A64C-A0A3-78382FF0F69C}" type="presOf" srcId="{B295E2F1-B088-1445-85FE-650DB2ABEE21}" destId="{7057EDE8-01A3-704E-9892-0BCE717A2EC2}" srcOrd="0" destOrd="0" presId="urn:microsoft.com/office/officeart/2005/8/layout/lProcess3"/>
+    <dgm:cxn modelId="{1D3456CC-7A3D-7947-A952-F28A0050DA0A}" type="presOf" srcId="{9C41DFEC-9D01-B440-B918-866033ADB1F2}" destId="{0EB6D55B-5C5B-6941-A1B9-41A446585E03}" srcOrd="0" destOrd="0" presId="urn:microsoft.com/office/officeart/2005/8/layout/lProcess3"/>
+    <dgm:cxn modelId="{59F55BE5-2B01-8B46-9CE7-246C89EFC596}" srcId="{B6E4BD2E-4C64-3C4E-92FD-C3304FB7A095}" destId="{9A243D71-9CD1-D44B-A59D-26EA7CF8960D}" srcOrd="2" destOrd="0" parTransId="{1443568D-B98E-4844-B203-228C43ED9140}" sibTransId="{E8B29EF8-0241-474B-91E3-B4E21C1A5FDC}"/>
+    <dgm:cxn modelId="{466DF5F5-5F15-854D-8108-77B47EE9F0FE}" srcId="{9FE4E972-C3CA-8648-B351-75F86ACB7027}" destId="{EC63B6D9-9A41-3944-BA79-3D528D2520B5}" srcOrd="0" destOrd="0" parTransId="{9A7D4878-2875-2A47-BC77-9443FD3D81A7}" sibTransId="{AEAA361D-9D39-FE4F-968B-99DCE97BAAB4}"/>
+    <dgm:cxn modelId="{5154BB9E-013D-3C45-8994-29AEB33FDF8B}" srcId="{9FE4E972-C3CA-8648-B351-75F86ACB7027}" destId="{AA6CD1A2-FCFE-F54C-A3F2-1E301AF5402D}" srcOrd="1" destOrd="0" parTransId="{68B439A5-9C19-9647-9998-A027118126B6}" sibTransId="{13D0F01E-91EB-4541-82C7-FB2D42B21671}"/>
+    <dgm:cxn modelId="{4A449B68-46E8-A14C-A555-4AD6939AE1E7}" srcId="{F65596F6-427B-5343-9428-48EE38A0C85C}" destId="{70C1527D-4245-DC45-B799-B4E194A0DD46}" srcOrd="4" destOrd="0" parTransId="{A9682BC5-526E-C640-B059-E44620CE097A}" sibTransId="{8C7D42B3-5297-D04B-BA9F-07730FA4A1F4}"/>
+    <dgm:cxn modelId="{DB98D05C-2176-5A4A-B3B6-29AEBE9A95B3}" type="presOf" srcId="{86B18E18-5750-DF40-9A71-587B8602B692}" destId="{99F80E00-BD23-1E42-BE6D-45787DCD2005}" srcOrd="0" destOrd="0" presId="urn:microsoft.com/office/officeart/2005/8/layout/lProcess3"/>
+    <dgm:cxn modelId="{ABB59309-3254-584B-8960-4F6427254A79}" srcId="{F517C940-B9CE-E84A-AE6B-1AB6D574A991}" destId="{08F29856-001D-B546-8E76-9EE4D75974C3}" srcOrd="0" destOrd="0" parTransId="{7A1B105E-7220-7742-AFC4-B5CC6263C2EF}" sibTransId="{668E81E9-0568-9C4B-B3DF-A933EF4C009B}"/>
+    <dgm:cxn modelId="{DACE9A7B-545F-2249-87ED-0CE502B54A55}" type="presOf" srcId="{29566574-4671-6F4F-A20B-2E030348D0CE}" destId="{3522D688-8522-934C-85B1-5033D7AA4B61}" srcOrd="0" destOrd="0" presId="urn:microsoft.com/office/officeart/2005/8/layout/lProcess3"/>
+    <dgm:cxn modelId="{A6669EF1-528F-914C-B035-DD4B4E9A1395}" type="presOf" srcId="{9F0336C7-AE7C-5F47-9DEC-118E475CA047}" destId="{8CF5D049-CF97-1F41-AD6C-B87150579182}" srcOrd="0" destOrd="0" presId="urn:microsoft.com/office/officeart/2005/8/layout/lProcess3"/>
+    <dgm:cxn modelId="{7123C7B6-A925-5440-BFBC-BEF54F85BEAE}" type="presOf" srcId="{756FAAB2-1FDD-1342-A3AB-14951F76EBFD}" destId="{1DB7577E-B5F7-5343-A88E-F1B8773A55F2}" srcOrd="0" destOrd="0" presId="urn:microsoft.com/office/officeart/2005/8/layout/lProcess3"/>
+    <dgm:cxn modelId="{2EC91FDB-1568-3B41-B9CE-5E8A5BA7CB1D}" srcId="{F517C940-B9CE-E84A-AE6B-1AB6D574A991}" destId="{2F11840A-C873-2745-8CEA-AF9B884CB7AD}" srcOrd="1" destOrd="0" parTransId="{7D925A9A-A441-D44B-BD6F-4C491CF1C08F}" sibTransId="{0B239F29-D670-AB49-81EF-01CC7351AAB6}"/>
+    <dgm:cxn modelId="{0C3E81DC-1021-A649-8300-8701E038D49B}" type="presOf" srcId="{CA9BF810-E275-5C4B-B20A-EF2EF56EA763}" destId="{80D68624-8187-7E4C-887C-5D3901646A1F}" srcOrd="0" destOrd="0" presId="urn:microsoft.com/office/officeart/2005/8/layout/lProcess3"/>
+    <dgm:cxn modelId="{AAD882DC-EABC-2E46-8F74-9824AB8391F7}" type="presOf" srcId="{F65596F6-427B-5343-9428-48EE38A0C85C}" destId="{9081E8D5-578E-9348-83C0-A67A4FD56F3B}" srcOrd="0" destOrd="0" presId="urn:microsoft.com/office/officeart/2005/8/layout/lProcess3"/>
     <dgm:cxn modelId="{8E9F6C06-DBDB-004A-8CC6-C923CFC95C2F}" srcId="{F65596F6-427B-5343-9428-48EE38A0C85C}" destId="{B6E4BD2E-4C64-3C4E-92FD-C3304FB7A095}" srcOrd="1" destOrd="0" parTransId="{F2AF0C63-9BA5-6E41-987F-30F8FAF0DBAF}" sibTransId="{702E910E-F812-434C-B54F-85ECDA24AB75}"/>
     <dgm:cxn modelId="{285D8B15-81DD-F348-B267-7B7F0F9D3530}" srcId="{9FE4E972-C3CA-8648-B351-75F86ACB7027}" destId="{CA9BF810-E275-5C4B-B20A-EF2EF56EA763}" srcOrd="2" destOrd="0" parTransId="{7488309E-0917-E743-AAA4-D49A2951C540}" sibTransId="{8D0E4E60-2F78-DB44-8FB7-5940A4534F4A}"/>
-    <dgm:cxn modelId="{4A449B68-46E8-A14C-A555-4AD6939AE1E7}" srcId="{F65596F6-427B-5343-9428-48EE38A0C85C}" destId="{70C1527D-4245-DC45-B799-B4E194A0DD46}" srcOrd="4" destOrd="0" parTransId="{A9682BC5-526E-C640-B059-E44620CE097A}" sibTransId="{8C7D42B3-5297-D04B-BA9F-07730FA4A1F4}"/>
-    <dgm:cxn modelId="{5154BB9E-013D-3C45-8994-29AEB33FDF8B}" srcId="{9FE4E972-C3CA-8648-B351-75F86ACB7027}" destId="{AA6CD1A2-FCFE-F54C-A3F2-1E301AF5402D}" srcOrd="1" destOrd="0" parTransId="{68B439A5-9C19-9647-9998-A027118126B6}" sibTransId="{13D0F01E-91EB-4541-82C7-FB2D42B21671}"/>
-    <dgm:cxn modelId="{DB98D05C-2176-5A4A-B3B6-29AEBE9A95B3}" type="presOf" srcId="{86B18E18-5750-DF40-9A71-587B8602B692}" destId="{99F80E00-BD23-1E42-BE6D-45787DCD2005}" srcOrd="0" destOrd="0" presId="urn:microsoft.com/office/officeart/2005/8/layout/lProcess3"/>
+    <dgm:cxn modelId="{51C5CF9D-8840-1843-9EDF-9EB239C171A0}" type="presOf" srcId="{08F29856-001D-B546-8E76-9EE4D75974C3}" destId="{0B9DC8BF-D049-994F-9E8C-C2A5D4174157}" srcOrd="0" destOrd="0" presId="urn:microsoft.com/office/officeart/2005/8/layout/lProcess3"/>
+    <dgm:cxn modelId="{EA1F6116-0AF3-3542-95A6-8B7D93C3FE87}" type="presOf" srcId="{47A3DEDC-AA6D-9E43-8D89-1D393CFEE825}" destId="{51096AD9-6905-5948-A0F5-4602E8A325B8}" srcOrd="0" destOrd="0" presId="urn:microsoft.com/office/officeart/2005/8/layout/lProcess3"/>
+    <dgm:cxn modelId="{94ABB858-2F41-3D41-9A2A-92D5C7DDF343}" srcId="{B6E4BD2E-4C64-3C4E-92FD-C3304FB7A095}" destId="{9C41DFEC-9D01-B440-B918-866033ADB1F2}" srcOrd="1" destOrd="0" parTransId="{1B58CFC4-76CA-C148-ACA1-C2BC95B03358}" sibTransId="{B1A9B82B-36D3-D44C-A928-CB5C8F526EC3}"/>
+    <dgm:cxn modelId="{59C50DA4-F334-7E4E-8FA0-92647A35ADB7}" type="presOf" srcId="{70C1527D-4245-DC45-B799-B4E194A0DD46}" destId="{E2179FC6-9A63-FD45-A8B5-9C0AF91509C6}" srcOrd="0" destOrd="0" presId="urn:microsoft.com/office/officeart/2005/8/layout/lProcess3"/>
+    <dgm:cxn modelId="{DE3F547E-02E2-AF4B-9B7F-C34BCEDF4D89}" srcId="{86B18E18-5750-DF40-9A71-587B8602B692}" destId="{9F0336C7-AE7C-5F47-9DEC-118E475CA047}" srcOrd="1" destOrd="0" parTransId="{C158625F-8BE5-7E44-8634-0154FB5365CB}" sibTransId="{C129A04F-3302-BD42-A6BA-ECD268B57620}"/>
+    <dgm:cxn modelId="{AFFE82CC-5BD2-7A43-858F-87E47347FF7F}" type="presOf" srcId="{F517C940-B9CE-E84A-AE6B-1AB6D574A991}" destId="{FD8D6E92-3BE2-7644-8175-16A8E6C0AB27}" srcOrd="0" destOrd="0" presId="urn:microsoft.com/office/officeart/2005/8/layout/lProcess3"/>
+    <dgm:cxn modelId="{DC5BD4EA-6715-2044-943B-F6181AFD8921}" srcId="{F65596F6-427B-5343-9428-48EE38A0C85C}" destId="{86B18E18-5750-DF40-9A71-587B8602B692}" srcOrd="2" destOrd="0" parTransId="{67289A3E-8267-AA4D-8588-E7508D5D85E9}" sibTransId="{85B7EA81-BE05-1744-B4E8-80C181072584}"/>
+    <dgm:cxn modelId="{C380365A-E5F5-6F45-87AA-CEE83EFE0C58}" type="presOf" srcId="{2F11840A-C873-2745-8CEA-AF9B884CB7AD}" destId="{98BD8008-643E-D043-99EC-1ED3DF56CADA}" srcOrd="0" destOrd="0" presId="urn:microsoft.com/office/officeart/2005/8/layout/lProcess3"/>
+    <dgm:cxn modelId="{5A1C3C15-94A2-6143-8CCE-2E7798F374AA}" type="presOf" srcId="{B6E4BD2E-4C64-3C4E-92FD-C3304FB7A095}" destId="{9AB3E6F2-416C-7442-ADB3-36BB254B508F}" srcOrd="0" destOrd="0" presId="urn:microsoft.com/office/officeart/2005/8/layout/lProcess3"/>
+    <dgm:cxn modelId="{B09A6FA4-BCA9-AA4E-891C-CCA73E1B108C}" type="presOf" srcId="{76E01E85-A1B6-9140-954B-40945B78F0B9}" destId="{DF62C348-80A5-934F-B840-19A7F33B8B9F}" srcOrd="0" destOrd="0" presId="urn:microsoft.com/office/officeart/2005/8/layout/lProcess3"/>
+    <dgm:cxn modelId="{F1B8611F-06DF-5E46-B850-7A058892B949}" type="presOf" srcId="{9FE4E972-C3CA-8648-B351-75F86ACB7027}" destId="{89840CD6-B6F4-E24E-8C7C-EAEA8157523A}" srcOrd="0" destOrd="0" presId="urn:microsoft.com/office/officeart/2005/8/layout/lProcess3"/>
+    <dgm:cxn modelId="{E88F1D97-A600-D44F-AA5B-22CB081E0570}" type="presOf" srcId="{9A243D71-9CD1-D44B-A59D-26EA7CF8960D}" destId="{E65B238E-7A89-4343-80F8-16194CBAC27A}" srcOrd="0" destOrd="0" presId="urn:microsoft.com/office/officeart/2005/8/layout/lProcess3"/>
     <dgm:cxn modelId="{056877E5-B810-3040-89C7-7347852D5F3C}" type="presOf" srcId="{A95F0AAC-82FB-164F-88E7-51E1772750B0}" destId="{A9706D98-D064-BA4C-93FA-8AECB68DE611}" srcOrd="0" destOrd="0" presId="urn:microsoft.com/office/officeart/2005/8/layout/lProcess3"/>
+    <dgm:cxn modelId="{8A1A6A00-91ED-874A-9D69-C2033C8C1B55}" srcId="{F65596F6-427B-5343-9428-48EE38A0C85C}" destId="{F517C940-B9CE-E84A-AE6B-1AB6D574A991}" srcOrd="0" destOrd="0" parTransId="{827F4F11-12FC-C247-82AA-413F7A977010}" sibTransId="{E11C0FE3-6464-AB44-AA96-220C15991401}"/>
+    <dgm:cxn modelId="{F9303634-0E64-A64C-A0A3-78382FF0F69C}" type="presOf" srcId="{B295E2F1-B088-1445-85FE-650DB2ABEE21}" destId="{7057EDE8-01A3-704E-9892-0BCE717A2EC2}" srcOrd="0" destOrd="0" presId="urn:microsoft.com/office/officeart/2005/8/layout/lProcess3"/>
     <dgm:cxn modelId="{64BBC5F8-7A6D-EE4E-9917-000A63DF395C}" type="presOf" srcId="{AA6CD1A2-FCFE-F54C-A3F2-1E301AF5402D}" destId="{DD841503-62AC-FC4B-9D40-ADF6A339C949}" srcOrd="0" destOrd="0" presId="urn:microsoft.com/office/officeart/2005/8/layout/lProcess3"/>
-    <dgm:cxn modelId="{5A1C3C15-94A2-6143-8CCE-2E7798F374AA}" type="presOf" srcId="{B6E4BD2E-4C64-3C4E-92FD-C3304FB7A095}" destId="{9AB3E6F2-416C-7442-ADB3-36BB254B508F}" srcOrd="0" destOrd="0" presId="urn:microsoft.com/office/officeart/2005/8/layout/lProcess3"/>
-    <dgm:cxn modelId="{C380365A-E5F5-6F45-87AA-CEE83EFE0C58}" type="presOf" srcId="{2F11840A-C873-2745-8CEA-AF9B884CB7AD}" destId="{98BD8008-643E-D043-99EC-1ED3DF56CADA}" srcOrd="0" destOrd="0" presId="urn:microsoft.com/office/officeart/2005/8/layout/lProcess3"/>
     <dgm:cxn modelId="{0A6C2ED9-054D-1B40-9545-2674A7232518}" srcId="{70C1527D-4245-DC45-B799-B4E194A0DD46}" destId="{EBBB9B94-6474-9D4E-9337-AAC6399159F2}" srcOrd="0" destOrd="0" parTransId="{FB77F317-BCB2-B941-ACC8-6D13BFE3BFE1}" sibTransId="{70604105-8B42-7A4E-A157-5E65B5B69B37}"/>
+    <dgm:cxn modelId="{5DE613B2-8D39-644C-8E05-1D2C7ABD2C07}" type="presOf" srcId="{EC63B6D9-9A41-3944-BA79-3D528D2520B5}" destId="{000AEF74-C6D3-2744-9007-924FDDC9B9E2}" srcOrd="0" destOrd="0" presId="urn:microsoft.com/office/officeart/2005/8/layout/lProcess3"/>
+    <dgm:cxn modelId="{DC3CD732-7CB2-B84C-B417-60835B98B553}" srcId="{B6E4BD2E-4C64-3C4E-92FD-C3304FB7A095}" destId="{29566574-4671-6F4F-A20B-2E030348D0CE}" srcOrd="3" destOrd="0" parTransId="{BCFAE70A-113E-1844-8438-356C01B39B68}" sibTransId="{E55749E4-CD2C-A643-865C-3DF67FB344A0}"/>
+    <dgm:cxn modelId="{730D1BFC-FDCA-9D4F-97FD-4D9FF9EB32EE}" srcId="{9FE4E972-C3CA-8648-B351-75F86ACB7027}" destId="{47A3DEDC-AA6D-9E43-8D89-1D393CFEE825}" srcOrd="3" destOrd="0" parTransId="{627D87EA-8D22-A441-972A-A48109AB9F91}" sibTransId="{1FB9C8F9-7D3D-1349-9DDF-132DED681D43}"/>
     <dgm:cxn modelId="{73EB7981-A9FF-C448-9DB8-659704A7181E}" srcId="{70C1527D-4245-DC45-B799-B4E194A0DD46}" destId="{A95F0AAC-82FB-164F-88E7-51E1772750B0}" srcOrd="1" destOrd="0" parTransId="{93557060-0097-9149-A1E1-DA402C764778}" sibTransId="{8504090C-A76B-8F4A-B259-1044CAD2E2D3}"/>
+    <dgm:cxn modelId="{DACB96C1-51CA-374E-B416-6C09AA45BA7E}" srcId="{F65596F6-427B-5343-9428-48EE38A0C85C}" destId="{9FE4E972-C3CA-8648-B351-75F86ACB7027}" srcOrd="3" destOrd="0" parTransId="{EE1F1F05-3F95-5145-8F16-76563EFE6AD3}" sibTransId="{6E0188BB-C10C-FD42-8AAA-05A4F48DEEA5}"/>
     <dgm:cxn modelId="{604EDDD7-6521-3846-9B37-0536009F72C7}" srcId="{B6E4BD2E-4C64-3C4E-92FD-C3304FB7A095}" destId="{756FAAB2-1FDD-1342-A3AB-14951F76EBFD}" srcOrd="0" destOrd="0" parTransId="{A5B35805-C66D-D64E-BCF3-B4950FB6231E}" sibTransId="{3E2A0602-DC41-F847-96CA-7429B69698CE}"/>
-    <dgm:cxn modelId="{E88F1D97-A600-D44F-AA5B-22CB081E0570}" type="presOf" srcId="{9A243D71-9CD1-D44B-A59D-26EA7CF8960D}" destId="{E65B238E-7A89-4343-80F8-16194CBAC27A}" srcOrd="0" destOrd="0" presId="urn:microsoft.com/office/officeart/2005/8/layout/lProcess3"/>
-    <dgm:cxn modelId="{F1B8611F-06DF-5E46-B850-7A058892B949}" type="presOf" srcId="{9FE4E972-C3CA-8648-B351-75F86ACB7027}" destId="{89840CD6-B6F4-E24E-8C7C-EAEA8157523A}" srcOrd="0" destOrd="0" presId="urn:microsoft.com/office/officeart/2005/8/layout/lProcess3"/>
-    <dgm:cxn modelId="{ABB59309-3254-584B-8960-4F6427254A79}" srcId="{F517C940-B9CE-E84A-AE6B-1AB6D574A991}" destId="{08F29856-001D-B546-8E76-9EE4D75974C3}" srcOrd="0" destOrd="0" parTransId="{7A1B105E-7220-7742-AFC4-B5CC6263C2EF}" sibTransId="{668E81E9-0568-9C4B-B3DF-A933EF4C009B}"/>
-    <dgm:cxn modelId="{0C3E81DC-1021-A649-8300-8701E038D49B}" type="presOf" srcId="{CA9BF810-E275-5C4B-B20A-EF2EF56EA763}" destId="{80D68624-8187-7E4C-887C-5D3901646A1F}" srcOrd="0" destOrd="0" presId="urn:microsoft.com/office/officeart/2005/8/layout/lProcess3"/>
-    <dgm:cxn modelId="{59F55BE5-2B01-8B46-9CE7-246C89EFC596}" srcId="{B6E4BD2E-4C64-3C4E-92FD-C3304FB7A095}" destId="{9A243D71-9CD1-D44B-A59D-26EA7CF8960D}" srcOrd="2" destOrd="0" parTransId="{1443568D-B98E-4844-B203-228C43ED9140}" sibTransId="{E8B29EF8-0241-474B-91E3-B4E21C1A5FDC}"/>
-    <dgm:cxn modelId="{AFFE82CC-5BD2-7A43-858F-87E47347FF7F}" type="presOf" srcId="{F517C940-B9CE-E84A-AE6B-1AB6D574A991}" destId="{FD8D6E92-3BE2-7644-8175-16A8E6C0AB27}" srcOrd="0" destOrd="0" presId="urn:microsoft.com/office/officeart/2005/8/layout/lProcess3"/>
-    <dgm:cxn modelId="{DE3F547E-02E2-AF4B-9B7F-C34BCEDF4D89}" srcId="{86B18E18-5750-DF40-9A71-587B8602B692}" destId="{9F0336C7-AE7C-5F47-9DEC-118E475CA047}" srcOrd="1" destOrd="0" parTransId="{C158625F-8BE5-7E44-8634-0154FB5365CB}" sibTransId="{C129A04F-3302-BD42-A6BA-ECD268B57620}"/>
-    <dgm:cxn modelId="{EA1F6116-0AF3-3542-95A6-8B7D93C3FE87}" type="presOf" srcId="{47A3DEDC-AA6D-9E43-8D89-1D393CFEE825}" destId="{51096AD9-6905-5948-A0F5-4602E8A325B8}" srcOrd="0" destOrd="0" presId="urn:microsoft.com/office/officeart/2005/8/layout/lProcess3"/>
     <dgm:cxn modelId="{BFF3253C-B502-4A4B-807B-E01D1DEFC60B}" srcId="{86B18E18-5750-DF40-9A71-587B8602B692}" destId="{76E01E85-A1B6-9140-954B-40945B78F0B9}" srcOrd="0" destOrd="0" parTransId="{6E6014EB-DDE9-C546-AB96-5C22C9E91EEE}" sibTransId="{7CDE4C6D-EA39-F64F-B585-691FB0E06F8B}"/>
-    <dgm:cxn modelId="{466DF5F5-5F15-854D-8108-77B47EE9F0FE}" srcId="{9FE4E972-C3CA-8648-B351-75F86ACB7027}" destId="{EC63B6D9-9A41-3944-BA79-3D528D2520B5}" srcOrd="0" destOrd="0" parTransId="{9A7D4878-2875-2A47-BC77-9443FD3D81A7}" sibTransId="{AEAA361D-9D39-FE4F-968B-99DCE97BAAB4}"/>
-    <dgm:cxn modelId="{730D1BFC-FDCA-9D4F-97FD-4D9FF9EB32EE}" srcId="{9FE4E972-C3CA-8648-B351-75F86ACB7027}" destId="{47A3DEDC-AA6D-9E43-8D89-1D393CFEE825}" srcOrd="3" destOrd="0" parTransId="{627D87EA-8D22-A441-972A-A48109AB9F91}" sibTransId="{1FB9C8F9-7D3D-1349-9DDF-132DED681D43}"/>
-    <dgm:cxn modelId="{AAD882DC-EABC-2E46-8F74-9824AB8391F7}" type="presOf" srcId="{F65596F6-427B-5343-9428-48EE38A0C85C}" destId="{9081E8D5-578E-9348-83C0-A67A4FD56F3B}" srcOrd="0" destOrd="0" presId="urn:microsoft.com/office/officeart/2005/8/layout/lProcess3"/>
-    <dgm:cxn modelId="{94ABB858-2F41-3D41-9A2A-92D5C7DDF343}" srcId="{B6E4BD2E-4C64-3C4E-92FD-C3304FB7A095}" destId="{9C41DFEC-9D01-B440-B918-866033ADB1F2}" srcOrd="1" destOrd="0" parTransId="{1B58CFC4-76CA-C148-ACA1-C2BC95B03358}" sibTransId="{B1A9B82B-36D3-D44C-A928-CB5C8F526EC3}"/>
-    <dgm:cxn modelId="{B09A6FA4-BCA9-AA4E-891C-CCA73E1B108C}" type="presOf" srcId="{76E01E85-A1B6-9140-954B-40945B78F0B9}" destId="{DF62C348-80A5-934F-B840-19A7F33B8B9F}" srcOrd="0" destOrd="0" presId="urn:microsoft.com/office/officeart/2005/8/layout/lProcess3"/>
-    <dgm:cxn modelId="{7123C7B6-A925-5440-BFBC-BEF54F85BEAE}" type="presOf" srcId="{756FAAB2-1FDD-1342-A3AB-14951F76EBFD}" destId="{1DB7577E-B5F7-5343-A88E-F1B8773A55F2}" srcOrd="0" destOrd="0" presId="urn:microsoft.com/office/officeart/2005/8/layout/lProcess3"/>
-    <dgm:cxn modelId="{1D3456CC-7A3D-7947-A952-F28A0050DA0A}" type="presOf" srcId="{9C41DFEC-9D01-B440-B918-866033ADB1F2}" destId="{0EB6D55B-5C5B-6941-A1B9-41A446585E03}" srcOrd="0" destOrd="0" presId="urn:microsoft.com/office/officeart/2005/8/layout/lProcess3"/>
-    <dgm:cxn modelId="{DACB96C1-51CA-374E-B416-6C09AA45BA7E}" srcId="{F65596F6-427B-5343-9428-48EE38A0C85C}" destId="{9FE4E972-C3CA-8648-B351-75F86ACB7027}" srcOrd="3" destOrd="0" parTransId="{EE1F1F05-3F95-5145-8F16-76563EFE6AD3}" sibTransId="{6E0188BB-C10C-FD42-8AAA-05A4F48DEEA5}"/>
-    <dgm:cxn modelId="{2EC91FDB-1568-3B41-B9CE-5E8A5BA7CB1D}" srcId="{F517C940-B9CE-E84A-AE6B-1AB6D574A991}" destId="{2F11840A-C873-2745-8CEA-AF9B884CB7AD}" srcOrd="1" destOrd="0" parTransId="{7D925A9A-A441-D44B-BD6F-4C491CF1C08F}" sibTransId="{0B239F29-D670-AB49-81EF-01CC7351AAB6}"/>
-    <dgm:cxn modelId="{59C50DA4-F334-7E4E-8FA0-92647A35ADB7}" type="presOf" srcId="{70C1527D-4245-DC45-B799-B4E194A0DD46}" destId="{E2179FC6-9A63-FD45-A8B5-9C0AF91509C6}" srcOrd="0" destOrd="0" presId="urn:microsoft.com/office/officeart/2005/8/layout/lProcess3"/>
-    <dgm:cxn modelId="{A6669EF1-528F-914C-B035-DD4B4E9A1395}" type="presOf" srcId="{9F0336C7-AE7C-5F47-9DEC-118E475CA047}" destId="{8CF5D049-CF97-1F41-AD6C-B87150579182}" srcOrd="0" destOrd="0" presId="urn:microsoft.com/office/officeart/2005/8/layout/lProcess3"/>
-    <dgm:cxn modelId="{DACE9A7B-545F-2249-87ED-0CE502B54A55}" type="presOf" srcId="{29566574-4671-6F4F-A20B-2E030348D0CE}" destId="{3522D688-8522-934C-85B1-5033D7AA4B61}" srcOrd="0" destOrd="0" presId="urn:microsoft.com/office/officeart/2005/8/layout/lProcess3"/>
-    <dgm:cxn modelId="{51C5CF9D-8840-1843-9EDF-9EB239C171A0}" type="presOf" srcId="{08F29856-001D-B546-8E76-9EE4D75974C3}" destId="{0B9DC8BF-D049-994F-9E8C-C2A5D4174157}" srcOrd="0" destOrd="0" presId="urn:microsoft.com/office/officeart/2005/8/layout/lProcess3"/>
-    <dgm:cxn modelId="{DC3CD732-7CB2-B84C-B417-60835B98B553}" srcId="{B6E4BD2E-4C64-3C4E-92FD-C3304FB7A095}" destId="{29566574-4671-6F4F-A20B-2E030348D0CE}" srcOrd="3" destOrd="0" parTransId="{BCFAE70A-113E-1844-8438-356C01B39B68}" sibTransId="{E55749E4-CD2C-A643-865C-3DF67FB344A0}"/>
-    <dgm:cxn modelId="{5DE613B2-8D39-644C-8E05-1D2C7ABD2C07}" type="presOf" srcId="{EC63B6D9-9A41-3944-BA79-3D528D2520B5}" destId="{000AEF74-C6D3-2744-9007-924FDDC9B9E2}" srcOrd="0" destOrd="0" presId="urn:microsoft.com/office/officeart/2005/8/layout/lProcess3"/>
-    <dgm:cxn modelId="{DC5BD4EA-6715-2044-943B-F6181AFD8921}" srcId="{F65596F6-427B-5343-9428-48EE38A0C85C}" destId="{86B18E18-5750-DF40-9A71-587B8602B692}" srcOrd="2" destOrd="0" parTransId="{67289A3E-8267-AA4D-8588-E7508D5D85E9}" sibTransId="{85B7EA81-BE05-1744-B4E8-80C181072584}"/>
-    <dgm:cxn modelId="{8A1A6A00-91ED-874A-9D69-C2033C8C1B55}" srcId="{F65596F6-427B-5343-9428-48EE38A0C85C}" destId="{F517C940-B9CE-E84A-AE6B-1AB6D574A991}" srcOrd="0" destOrd="0" parTransId="{827F4F11-12FC-C247-82AA-413F7A977010}" sibTransId="{E11C0FE3-6464-AB44-AA96-220C15991401}"/>
+    <dgm:cxn modelId="{A787FF2B-1D2F-DB4B-A42E-09FE130FD39C}" type="presOf" srcId="{EBBB9B94-6474-9D4E-9337-AAC6399159F2}" destId="{F74DA447-BE91-2D49-9434-F5CFE31A5B37}" srcOrd="0" destOrd="0" presId="urn:microsoft.com/office/officeart/2005/8/layout/lProcess3"/>
     <dgm:cxn modelId="{FB24E6F4-FCAF-8040-9943-B704A8E3C3C3}" type="presParOf" srcId="{9081E8D5-578E-9348-83C0-A67A4FD56F3B}" destId="{3F8CB817-157F-8B4F-8EDA-98086678DF3B}" srcOrd="0" destOrd="0" presId="urn:microsoft.com/office/officeart/2005/8/layout/lProcess3"/>
     <dgm:cxn modelId="{8F697289-C33E-AB48-BC74-416ED8A970D9}" type="presParOf" srcId="{3F8CB817-157F-8B4F-8EDA-98086678DF3B}" destId="{FD8D6E92-3BE2-7644-8175-16A8E6C0AB27}" srcOrd="0" destOrd="0" presId="urn:microsoft.com/office/officeart/2005/8/layout/lProcess3"/>
     <dgm:cxn modelId="{0264CF52-F1E5-E54E-B737-575F0E170723}" type="presParOf" srcId="{3F8CB817-157F-8B4F-8EDA-98086678DF3B}" destId="{38E597EE-4FAF-DA41-9782-98B607C1C473}" srcOrd="1" destOrd="0" presId="urn:microsoft.com/office/officeart/2005/8/layout/lProcess3"/>
@@ -2559,23 +2550,7 @@
           </a:pPr>
           <a:r>
             <a:rPr lang="en-US" sz="800" kern="1200" dirty="0" smtClean="0"/>
-            <a:t>Hypothesize how </a:t>
-          </a:r>
-          <a:r>
-            <a:rPr lang="en-US" sz="800" kern="1200" dirty="0" smtClean="0"/>
-            <a:t>to </a:t>
-          </a:r>
-          <a:r>
-            <a:rPr lang="en-US" sz="800" kern="1200" dirty="0" smtClean="0"/>
-            <a:t>better use </a:t>
-          </a:r>
-          <a:r>
-            <a:rPr lang="en-US" sz="800" kern="1200" dirty="0" smtClean="0"/>
-            <a:t>spaced seeds in </a:t>
-          </a:r>
-          <a:r>
-            <a:rPr lang="en-US" sz="800" kern="1200" dirty="0" smtClean="0"/>
-            <a:t>RAIDER.</a:t>
+            <a:t>Hypothesize how to better use spaced seeds in RAIDER.</a:t>
           </a:r>
           <a:endParaRPr lang="en-US" sz="800" kern="1200" dirty="0"/>
         </a:p>
@@ -3320,15 +3295,7 @@
           </a:pPr>
           <a:r>
             <a:rPr lang="en-US" sz="800" kern="1200" dirty="0" smtClean="0"/>
-            <a:t>If still attempting to optimize </a:t>
-          </a:r>
-          <a:r>
-            <a:rPr lang="en-US" sz="800" kern="1200" dirty="0" smtClean="0"/>
-            <a:t>individual spaced seeds</a:t>
-          </a:r>
-          <a:r>
-            <a:rPr lang="en-US" sz="800" kern="1200" dirty="0" smtClean="0"/>
-            <a:t>, continue to do so.</a:t>
+            <a:t>If still attempting to optimize individual spaced seeds, continue to do so.</a:t>
           </a:r>
           <a:endParaRPr lang="en-US" sz="800" kern="1200" dirty="0"/>
         </a:p>
@@ -3740,11 +3707,7 @@
           </a:pPr>
           <a:r>
             <a:rPr lang="en-US" sz="800" kern="1200" dirty="0" smtClean="0"/>
-            <a:t>Prepare </a:t>
-          </a:r>
-          <a:r>
-            <a:rPr lang="en-US" sz="800" kern="1200" dirty="0" smtClean="0"/>
-            <a:t>results (proofs, sensitivity comparisons, etc.).</a:t>
+            <a:t>Prepare results (proofs, sensitivity comparisons, etc.).</a:t>
           </a:r>
           <a:endParaRPr lang="en-US" sz="800" kern="1200" dirty="0"/>
         </a:p>
@@ -5152,6 +5115,171 @@
 </dgm:styleDef>
 </file>
 
+<file path=ppt/handoutMasters/handoutMaster1.xml><?xml version="1.0" encoding="utf-8"?>
+<p:handoutMaster xmlns:a="http://schemas.openxmlformats.org/drawingml/2006/main" xmlns:r="http://schemas.openxmlformats.org/officeDocument/2006/relationships" xmlns:p="http://schemas.openxmlformats.org/presentationml/2006/main">
+  <p:cSld>
+    <p:bg>
+      <p:bgRef idx="1001">
+        <a:schemeClr val="bg1"/>
+      </p:bgRef>
+    </p:bg>
+    <p:spTree>
+      <p:nvGrpSpPr>
+        <p:cNvPr id="1" name=""/>
+        <p:cNvGrpSpPr/>
+        <p:nvPr/>
+      </p:nvGrpSpPr>
+      <p:grpSpPr>
+        <a:xfrm>
+          <a:off x="0" y="0"/>
+          <a:ext cx="0" cy="0"/>
+          <a:chOff x="0" y="0"/>
+          <a:chExt cx="0" cy="0"/>
+        </a:xfrm>
+      </p:grpSpPr>
+      <p:sp>
+        <p:nvSpPr>
+          <p:cNvPr id="2" name="Header Placeholder 1"/>
+          <p:cNvSpPr>
+            <a:spLocks noGrp="1"/>
+          </p:cNvSpPr>
+          <p:nvPr>
+            <p:ph type="hdr" sz="quarter"/>
+          </p:nvPr>
+        </p:nvSpPr>
+        <p:spPr>
+          <a:xfrm>
+            <a:off x="0" y="0"/>
+            <a:ext cx="2971800" cy="457200"/>
+          </a:xfrm>
+          <a:prstGeom prst="rect">
+            <a:avLst/>
+          </a:prstGeom>
+        </p:spPr>
+        <p:txBody>
+          <a:bodyPr vert="horz" lIns="91440" tIns="45720" rIns="91440" bIns="45720" rtlCol="0"/>
+          <a:lstStyle>
+            <a:lvl1pPr algn="l">
+              <a:defRPr sz="1200"/>
+            </a:lvl1pPr>
+          </a:lstStyle>
+          <a:p>
+            <a:endParaRPr lang="en-US"/>
+          </a:p>
+        </p:txBody>
+      </p:sp>
+      <p:sp>
+        <p:nvSpPr>
+          <p:cNvPr id="3" name="Date Placeholder 2"/>
+          <p:cNvSpPr>
+            <a:spLocks noGrp="1"/>
+          </p:cNvSpPr>
+          <p:nvPr>
+            <p:ph type="dt" sz="quarter" idx="1"/>
+          </p:nvPr>
+        </p:nvSpPr>
+        <p:spPr>
+          <a:xfrm>
+            <a:off x="3884613" y="0"/>
+            <a:ext cx="2971800" cy="457200"/>
+          </a:xfrm>
+          <a:prstGeom prst="rect">
+            <a:avLst/>
+          </a:prstGeom>
+        </p:spPr>
+        <p:txBody>
+          <a:bodyPr vert="horz" lIns="91440" tIns="45720" rIns="91440" bIns="45720" rtlCol="0"/>
+          <a:lstStyle>
+            <a:lvl1pPr algn="r">
+              <a:defRPr sz="1200"/>
+            </a:lvl1pPr>
+          </a:lstStyle>
+          <a:p>
+            <a:fld id="{15F16962-33E9-B148-8386-874839255F4A}" type="datetimeFigureOut">
+              <a:rPr lang="en-US" smtClean="0"/>
+              <a:t>10/22/14</a:t>
+            </a:fld>
+            <a:endParaRPr lang="en-US"/>
+          </a:p>
+        </p:txBody>
+      </p:sp>
+      <p:sp>
+        <p:nvSpPr>
+          <p:cNvPr id="4" name="Footer Placeholder 3"/>
+          <p:cNvSpPr>
+            <a:spLocks noGrp="1"/>
+          </p:cNvSpPr>
+          <p:nvPr>
+            <p:ph type="ftr" sz="quarter" idx="2"/>
+          </p:nvPr>
+        </p:nvSpPr>
+        <p:spPr>
+          <a:xfrm>
+            <a:off x="0" y="8685213"/>
+            <a:ext cx="2971800" cy="457200"/>
+          </a:xfrm>
+          <a:prstGeom prst="rect">
+            <a:avLst/>
+          </a:prstGeom>
+        </p:spPr>
+        <p:txBody>
+          <a:bodyPr vert="horz" lIns="91440" tIns="45720" rIns="91440" bIns="45720" rtlCol="0" anchor="b"/>
+          <a:lstStyle>
+            <a:lvl1pPr algn="l">
+              <a:defRPr sz="1200"/>
+            </a:lvl1pPr>
+          </a:lstStyle>
+          <a:p>
+            <a:endParaRPr lang="en-US"/>
+          </a:p>
+        </p:txBody>
+      </p:sp>
+      <p:sp>
+        <p:nvSpPr>
+          <p:cNvPr id="5" name="Slide Number Placeholder 4"/>
+          <p:cNvSpPr>
+            <a:spLocks noGrp="1"/>
+          </p:cNvSpPr>
+          <p:nvPr>
+            <p:ph type="sldNum" sz="quarter" idx="3"/>
+          </p:nvPr>
+        </p:nvSpPr>
+        <p:spPr>
+          <a:xfrm>
+            <a:off x="3884613" y="8685213"/>
+            <a:ext cx="2971800" cy="457200"/>
+          </a:xfrm>
+          <a:prstGeom prst="rect">
+            <a:avLst/>
+          </a:prstGeom>
+        </p:spPr>
+        <p:txBody>
+          <a:bodyPr vert="horz" lIns="91440" tIns="45720" rIns="91440" bIns="45720" rtlCol="0" anchor="b"/>
+          <a:lstStyle>
+            <a:lvl1pPr algn="r">
+              <a:defRPr sz="1200"/>
+            </a:lvl1pPr>
+          </a:lstStyle>
+          <a:p>
+            <a:fld id="{D443E4CC-330B-5E4C-A528-0524E666D9FE}" type="slidenum">
+              <a:rPr lang="en-US" smtClean="0"/>
+              <a:t>‹#›</a:t>
+            </a:fld>
+            <a:endParaRPr lang="en-US"/>
+          </a:p>
+        </p:txBody>
+      </p:sp>
+    </p:spTree>
+    <p:extLst>
+      <p:ext uri="{BB962C8B-B14F-4D97-AF65-F5344CB8AC3E}">
+        <p14:creationId xmlns:p14="http://schemas.microsoft.com/office/powerpoint/2010/main" val="2885092382"/>
+      </p:ext>
+    </p:extLst>
+  </p:cSld>
+  <p:clrMap bg1="lt1" tx1="dk1" bg2="lt2" tx2="dk2" accent1="accent1" accent2="accent2" accent3="accent3" accent4="accent4" accent5="accent5" accent6="accent6" hlink="hlink" folHlink="folHlink"/>
+</p:handoutMaster>
+</file>
+
 <file path=ppt/notesMasters/notesMaster1.xml><?xml version="1.0" encoding="utf-8"?>
 <p:notesMaster xmlns:a="http://schemas.openxmlformats.org/drawingml/2006/main" xmlns:r="http://schemas.openxmlformats.org/officeDocument/2006/relationships" xmlns:p="http://schemas.openxmlformats.org/presentationml/2006/main">
   <p:cSld>
@@ -5234,7 +5362,7 @@
           <a:p>
             <a:fld id="{95289444-13F6-FD4C-A7F9-1D96C398DB18}" type="datetimeFigureOut">
               <a:rPr lang="en-US" smtClean="0"/>
-              <a:t>10/21/14</a:t>
+              <a:t>10/22/14</a:t>
             </a:fld>
             <a:endParaRPr lang="en-US"/>
           </a:p>
@@ -5546,7 +5674,199 @@
           <a:bodyPr/>
           <a:lstStyle/>
           <a:p>
-            <a:pPr marL="0" marR="0" indent="0" algn="l" defTabSz="457200" rtl="0" eaLnBrk="1" fontAlgn="auto" latinLnBrk="0" hangingPunct="1">
+            <a:endParaRPr lang="en-US"/>
+          </a:p>
+          <a:p>
+            <a:r>
+              <a:rPr lang="en-US"/>
+              <a:t>----- Meeting Notes (10/22/14 14:27) -----</a:t>
+            </a:r>
+          </a:p>
+          <a:p>
+            <a:r>
+              <a:rPr lang="en-US"/>
+              <a:t>Introduce self</a:t>
+            </a:r>
+          </a:p>
+        </p:txBody>
+      </p:sp>
+      <p:sp>
+        <p:nvSpPr>
+          <p:cNvPr id="4" name="Slide Number Placeholder 3"/>
+          <p:cNvSpPr>
+            <a:spLocks noGrp="1"/>
+          </p:cNvSpPr>
+          <p:nvPr>
+            <p:ph type="sldNum" sz="quarter" idx="10"/>
+          </p:nvPr>
+        </p:nvSpPr>
+        <p:spPr/>
+        <p:txBody>
+          <a:bodyPr/>
+          <a:lstStyle/>
+          <a:p>
+            <a:fld id="{308729B0-B6CC-0A47-8502-98514D66846F}" type="slidenum">
+              <a:rPr lang="en-US" smtClean="0"/>
+              <a:t>1</a:t>
+            </a:fld>
+            <a:endParaRPr lang="en-US"/>
+          </a:p>
+        </p:txBody>
+      </p:sp>
+    </p:spTree>
+    <p:extLst>
+      <p:ext uri="{BB962C8B-B14F-4D97-AF65-F5344CB8AC3E}">
+        <p14:creationId xmlns:p14="http://schemas.microsoft.com/office/powerpoint/2010/main" val="2498153447"/>
+      </p:ext>
+    </p:extLst>
+  </p:cSld>
+  <p:clrMapOvr>
+    <a:masterClrMapping/>
+  </p:clrMapOvr>
+</p:notes>
+</file>
+
+<file path=ppt/notesSlides/notesSlide10.xml><?xml version="1.0" encoding="utf-8"?>
+<p:notes xmlns:a="http://schemas.openxmlformats.org/drawingml/2006/main" xmlns:r="http://schemas.openxmlformats.org/officeDocument/2006/relationships" xmlns:p="http://schemas.openxmlformats.org/presentationml/2006/main">
+  <p:cSld>
+    <p:spTree>
+      <p:nvGrpSpPr>
+        <p:cNvPr id="1" name=""/>
+        <p:cNvGrpSpPr/>
+        <p:nvPr/>
+      </p:nvGrpSpPr>
+      <p:grpSpPr>
+        <a:xfrm>
+          <a:off x="0" y="0"/>
+          <a:ext cx="0" cy="0"/>
+          <a:chOff x="0" y="0"/>
+          <a:chExt cx="0" cy="0"/>
+        </a:xfrm>
+      </p:grpSpPr>
+      <p:sp>
+        <p:nvSpPr>
+          <p:cNvPr id="2" name="Slide Image Placeholder 1"/>
+          <p:cNvSpPr>
+            <a:spLocks noGrp="1" noRot="1" noChangeAspect="1"/>
+          </p:cNvSpPr>
+          <p:nvPr>
+            <p:ph type="sldImg"/>
+          </p:nvPr>
+        </p:nvSpPr>
+        <p:spPr/>
+      </p:sp>
+      <p:sp>
+        <p:nvSpPr>
+          <p:cNvPr id="3" name="Notes Placeholder 2"/>
+          <p:cNvSpPr>
+            <a:spLocks noGrp="1"/>
+          </p:cNvSpPr>
+          <p:nvPr>
+            <p:ph type="body" idx="1"/>
+          </p:nvPr>
+        </p:nvSpPr>
+        <p:spPr/>
+        <p:txBody>
+          <a:bodyPr/>
+          <a:lstStyle/>
+          <a:p>
+            <a:endParaRPr lang="en-US"/>
+          </a:p>
+          <a:p>
+            <a:r>
+              <a:rPr lang="en-US"/>
+              <a:t>----- Meeting Notes (10/22/14 14:27) -----</a:t>
+            </a:r>
+          </a:p>
+          <a:p>
+            <a:r>
+              <a:rPr lang="en-US"/>
+              <a:t>Better explanation of this.</a:t>
+            </a:r>
+          </a:p>
+        </p:txBody>
+      </p:sp>
+      <p:sp>
+        <p:nvSpPr>
+          <p:cNvPr id="4" name="Slide Number Placeholder 3"/>
+          <p:cNvSpPr>
+            <a:spLocks noGrp="1"/>
+          </p:cNvSpPr>
+          <p:nvPr>
+            <p:ph type="sldNum" sz="quarter" idx="10"/>
+          </p:nvPr>
+        </p:nvSpPr>
+        <p:spPr/>
+        <p:txBody>
+          <a:bodyPr/>
+          <a:lstStyle/>
+          <a:p>
+            <a:fld id="{308729B0-B6CC-0A47-8502-98514D66846F}" type="slidenum">
+              <a:rPr lang="en-US" smtClean="0"/>
+              <a:t>10</a:t>
+            </a:fld>
+            <a:endParaRPr lang="en-US"/>
+          </a:p>
+        </p:txBody>
+      </p:sp>
+    </p:spTree>
+    <p:extLst>
+      <p:ext uri="{BB962C8B-B14F-4D97-AF65-F5344CB8AC3E}">
+        <p14:creationId xmlns:p14="http://schemas.microsoft.com/office/powerpoint/2010/main" val="758570641"/>
+      </p:ext>
+    </p:extLst>
+  </p:cSld>
+  <p:clrMapOvr>
+    <a:masterClrMapping/>
+  </p:clrMapOvr>
+</p:notes>
+</file>
+
+<file path=ppt/notesSlides/notesSlide11.xml><?xml version="1.0" encoding="utf-8"?>
+<p:notes xmlns:a="http://schemas.openxmlformats.org/drawingml/2006/main" xmlns:r="http://schemas.openxmlformats.org/officeDocument/2006/relationships" xmlns:p="http://schemas.openxmlformats.org/presentationml/2006/main">
+  <p:cSld>
+    <p:spTree>
+      <p:nvGrpSpPr>
+        <p:cNvPr id="1" name=""/>
+        <p:cNvGrpSpPr/>
+        <p:nvPr/>
+      </p:nvGrpSpPr>
+      <p:grpSpPr>
+        <a:xfrm>
+          <a:off x="0" y="0"/>
+          <a:ext cx="0" cy="0"/>
+          <a:chOff x="0" y="0"/>
+          <a:chExt cx="0" cy="0"/>
+        </a:xfrm>
+      </p:grpSpPr>
+      <p:sp>
+        <p:nvSpPr>
+          <p:cNvPr id="2" name="Slide Image Placeholder 1"/>
+          <p:cNvSpPr>
+            <a:spLocks noGrp="1" noRot="1" noChangeAspect="1"/>
+          </p:cNvSpPr>
+          <p:nvPr>
+            <p:ph type="sldImg"/>
+          </p:nvPr>
+        </p:nvSpPr>
+        <p:spPr/>
+      </p:sp>
+      <p:sp>
+        <p:nvSpPr>
+          <p:cNvPr id="3" name="Notes Placeholder 2"/>
+          <p:cNvSpPr>
+            <a:spLocks noGrp="1"/>
+          </p:cNvSpPr>
+          <p:nvPr>
+            <p:ph type="body" idx="1"/>
+          </p:nvPr>
+        </p:nvSpPr>
+        <p:spPr/>
+        <p:txBody>
+          <a:bodyPr/>
+          <a:lstStyle/>
+          <a:p>
+            <a:pPr marL="0" marR="0" lvl="1" indent="0" algn="l" defTabSz="457200" rtl="0" eaLnBrk="1" fontAlgn="auto" latinLnBrk="0" hangingPunct="1">
               <a:lnSpc>
                 <a:spcPct val="100000"/>
               </a:lnSpc>
@@ -5565,18 +5885,53 @@
             </a:pPr>
             <a:r>
               <a:rPr lang="en-US" dirty="0" smtClean="0"/>
-              <a:t>Hereditary information embedded inside genetic material (DNA)</a:t>
-            </a:r>
-          </a:p>
-          <a:p>
-            <a:r>
-              <a:rPr lang="en-US" dirty="0" smtClean="0"/>
-              <a:t>Repetitive DNA makes up a significant portion</a:t>
-            </a:r>
-            <a:r>
-              <a:rPr lang="en-US" baseline="0" dirty="0" smtClean="0"/>
-              <a:t> of eukaryotic chromosomes</a:t>
-            </a:r>
+              <a:t>Modifying algorithm to more effectively use spaced seeds</a:t>
+            </a:r>
+          </a:p>
+          <a:p>
+            <a:r>
+              <a:rPr lang="en-US" sz="1200" dirty="0" smtClean="0"/>
+              <a:t>Optimizing</a:t>
+            </a:r>
+            <a:r>
+              <a:rPr lang="en-US" sz="1200" baseline="0" dirty="0" smtClean="0"/>
+              <a:t> seed through determining </a:t>
+            </a:r>
+            <a:r>
+              <a:rPr lang="en-US" sz="1200" dirty="0" smtClean="0"/>
+              <a:t>characteristics of a spaced seed that make it</a:t>
+            </a:r>
+            <a:r>
+              <a:rPr lang="en-US" sz="1200" baseline="0" dirty="0" smtClean="0"/>
+              <a:t> </a:t>
+            </a:r>
+            <a:r>
+              <a:rPr lang="en-US" sz="1200" dirty="0" smtClean="0"/>
+              <a:t>better suited for repeat-finding purposes</a:t>
+            </a:r>
+          </a:p>
+          <a:p>
+            <a:r>
+              <a:rPr lang="en-US" sz="1200" dirty="0" smtClean="0"/>
+              <a:t>----- Meeting Notes (10/22/14 14:27) -----</a:t>
+            </a:r>
+          </a:p>
+          <a:p>
+            <a:r>
+              <a:rPr lang="en-US" sz="1200" dirty="0" smtClean="0"/>
+              <a:t>Modifying raider algorithm for use of spaced seeds</a:t>
+            </a:r>
+          </a:p>
+          <a:p>
+            <a:endParaRPr lang="en-US" sz="1200" dirty="0" smtClean="0"/>
+          </a:p>
+          <a:p>
+            <a:r>
+              <a:rPr lang="en-US" sz="1200" dirty="0" smtClean="0"/>
+              <a:t>Modifying raider to use multiple seeds</a:t>
+            </a:r>
+          </a:p>
+          <a:p>
             <a:endParaRPr lang="en-US" dirty="0"/>
           </a:p>
         </p:txBody>
@@ -5598,7 +5953,7 @@
           <a:p>
             <a:fld id="{308729B0-B6CC-0A47-8502-98514D66846F}" type="slidenum">
               <a:rPr lang="en-US" smtClean="0"/>
-              <a:t>3</a:t>
+              <a:t>12</a:t>
             </a:fld>
             <a:endParaRPr lang="en-US"/>
           </a:p>
@@ -5607,7 +5962,424 @@
     </p:spTree>
     <p:extLst>
       <p:ext uri="{BB962C8B-B14F-4D97-AF65-F5344CB8AC3E}">
-        <p14:creationId xmlns:p14="http://schemas.microsoft.com/office/powerpoint/2010/main" val="2390654423"/>
+        <p14:creationId xmlns:p14="http://schemas.microsoft.com/office/powerpoint/2010/main" val="3125565778"/>
+      </p:ext>
+    </p:extLst>
+  </p:cSld>
+  <p:clrMapOvr>
+    <a:masterClrMapping/>
+  </p:clrMapOvr>
+</p:notes>
+</file>
+
+<file path=ppt/notesSlides/notesSlide12.xml><?xml version="1.0" encoding="utf-8"?>
+<p:notes xmlns:a="http://schemas.openxmlformats.org/drawingml/2006/main" xmlns:r="http://schemas.openxmlformats.org/officeDocument/2006/relationships" xmlns:p="http://schemas.openxmlformats.org/presentationml/2006/main">
+  <p:cSld>
+    <p:spTree>
+      <p:nvGrpSpPr>
+        <p:cNvPr id="1" name=""/>
+        <p:cNvGrpSpPr/>
+        <p:nvPr/>
+      </p:nvGrpSpPr>
+      <p:grpSpPr>
+        <a:xfrm>
+          <a:off x="0" y="0"/>
+          <a:ext cx="0" cy="0"/>
+          <a:chOff x="0" y="0"/>
+          <a:chExt cx="0" cy="0"/>
+        </a:xfrm>
+      </p:grpSpPr>
+      <p:sp>
+        <p:nvSpPr>
+          <p:cNvPr id="2" name="Slide Image Placeholder 1"/>
+          <p:cNvSpPr>
+            <a:spLocks noGrp="1" noRot="1" noChangeAspect="1"/>
+          </p:cNvSpPr>
+          <p:nvPr>
+            <p:ph type="sldImg"/>
+          </p:nvPr>
+        </p:nvSpPr>
+        <p:spPr/>
+      </p:sp>
+      <p:sp>
+        <p:nvSpPr>
+          <p:cNvPr id="3" name="Notes Placeholder 2"/>
+          <p:cNvSpPr>
+            <a:spLocks noGrp="1"/>
+          </p:cNvSpPr>
+          <p:nvPr>
+            <p:ph type="body" idx="1"/>
+          </p:nvPr>
+        </p:nvSpPr>
+        <p:spPr/>
+        <p:txBody>
+          <a:bodyPr/>
+          <a:lstStyle/>
+          <a:p>
+            <a:endParaRPr lang="en-US" dirty="0"/>
+          </a:p>
+        </p:txBody>
+      </p:sp>
+      <p:sp>
+        <p:nvSpPr>
+          <p:cNvPr id="4" name="Slide Number Placeholder 3"/>
+          <p:cNvSpPr>
+            <a:spLocks noGrp="1"/>
+          </p:cNvSpPr>
+          <p:nvPr>
+            <p:ph type="sldNum" sz="quarter" idx="10"/>
+          </p:nvPr>
+        </p:nvSpPr>
+        <p:spPr/>
+        <p:txBody>
+          <a:bodyPr/>
+          <a:lstStyle/>
+          <a:p>
+            <a:fld id="{308729B0-B6CC-0A47-8502-98514D66846F}" type="slidenum">
+              <a:rPr lang="en-US" smtClean="0"/>
+              <a:t>13</a:t>
+            </a:fld>
+            <a:endParaRPr lang="en-US"/>
+          </a:p>
+        </p:txBody>
+      </p:sp>
+    </p:spTree>
+    <p:extLst>
+      <p:ext uri="{BB962C8B-B14F-4D97-AF65-F5344CB8AC3E}">
+        <p14:creationId xmlns:p14="http://schemas.microsoft.com/office/powerpoint/2010/main" val="881887752"/>
+      </p:ext>
+    </p:extLst>
+  </p:cSld>
+  <p:clrMapOvr>
+    <a:masterClrMapping/>
+  </p:clrMapOvr>
+</p:notes>
+</file>
+
+<file path=ppt/notesSlides/notesSlide13.xml><?xml version="1.0" encoding="utf-8"?>
+<p:notes xmlns:a="http://schemas.openxmlformats.org/drawingml/2006/main" xmlns:r="http://schemas.openxmlformats.org/officeDocument/2006/relationships" xmlns:p="http://schemas.openxmlformats.org/presentationml/2006/main">
+  <p:cSld>
+    <p:spTree>
+      <p:nvGrpSpPr>
+        <p:cNvPr id="1" name=""/>
+        <p:cNvGrpSpPr/>
+        <p:nvPr/>
+      </p:nvGrpSpPr>
+      <p:grpSpPr>
+        <a:xfrm>
+          <a:off x="0" y="0"/>
+          <a:ext cx="0" cy="0"/>
+          <a:chOff x="0" y="0"/>
+          <a:chExt cx="0" cy="0"/>
+        </a:xfrm>
+      </p:grpSpPr>
+      <p:sp>
+        <p:nvSpPr>
+          <p:cNvPr id="2" name="Slide Image Placeholder 1"/>
+          <p:cNvSpPr>
+            <a:spLocks noGrp="1" noRot="1" noChangeAspect="1"/>
+          </p:cNvSpPr>
+          <p:nvPr>
+            <p:ph type="sldImg"/>
+          </p:nvPr>
+        </p:nvSpPr>
+        <p:spPr/>
+      </p:sp>
+      <p:sp>
+        <p:nvSpPr>
+          <p:cNvPr id="3" name="Notes Placeholder 2"/>
+          <p:cNvSpPr>
+            <a:spLocks noGrp="1"/>
+          </p:cNvSpPr>
+          <p:nvPr>
+            <p:ph type="body" idx="1"/>
+          </p:nvPr>
+        </p:nvSpPr>
+        <p:spPr/>
+        <p:txBody>
+          <a:bodyPr/>
+          <a:lstStyle/>
+          <a:p>
+            <a:r>
+              <a:rPr lang="en-US" dirty="0" smtClean="0"/>
+              <a:t>Seed analysis -&gt;</a:t>
+            </a:r>
+            <a:r>
+              <a:rPr lang="en-US" baseline="0" dirty="0" smtClean="0"/>
+              <a:t> </a:t>
+            </a:r>
+            <a:r>
+              <a:rPr lang="en-US" dirty="0" smtClean="0"/>
+              <a:t>determine which which characteristics of a spaced-seed make it better suited for repeat-finding purposes</a:t>
+            </a:r>
+          </a:p>
+          <a:p>
+            <a:pPr marL="0" marR="0" lvl="1" indent="0" algn="l" defTabSz="457200" rtl="0" eaLnBrk="1" fontAlgn="auto" latinLnBrk="0" hangingPunct="1">
+              <a:lnSpc>
+                <a:spcPct val="100000"/>
+              </a:lnSpc>
+              <a:spcBef>
+                <a:spcPts val="0"/>
+              </a:spcBef>
+              <a:spcAft>
+                <a:spcPts val="0"/>
+              </a:spcAft>
+              <a:buClrTx/>
+              <a:buSzTx/>
+              <a:buFontTx/>
+              <a:buNone/>
+              <a:tabLst/>
+              <a:defRPr/>
+            </a:pPr>
+            <a:r>
+              <a:rPr lang="en-US" dirty="0" smtClean="0"/>
+              <a:t>Seed design -&gt;</a:t>
+            </a:r>
+            <a:r>
+              <a:rPr lang="en-US" baseline="0" dirty="0" smtClean="0"/>
+              <a:t> create seeds with these optimal characteristics</a:t>
+            </a:r>
+            <a:endParaRPr lang="en-US" dirty="0" smtClean="0"/>
+          </a:p>
+          <a:p>
+            <a:endParaRPr lang="en-US" dirty="0"/>
+          </a:p>
+        </p:txBody>
+      </p:sp>
+      <p:sp>
+        <p:nvSpPr>
+          <p:cNvPr id="4" name="Slide Number Placeholder 3"/>
+          <p:cNvSpPr>
+            <a:spLocks noGrp="1"/>
+          </p:cNvSpPr>
+          <p:nvPr>
+            <p:ph type="sldNum" sz="quarter" idx="10"/>
+          </p:nvPr>
+        </p:nvSpPr>
+        <p:spPr/>
+        <p:txBody>
+          <a:bodyPr/>
+          <a:lstStyle/>
+          <a:p>
+            <a:fld id="{308729B0-B6CC-0A47-8502-98514D66846F}" type="slidenum">
+              <a:rPr lang="en-US" smtClean="0"/>
+              <a:t>14</a:t>
+            </a:fld>
+            <a:endParaRPr lang="en-US"/>
+          </a:p>
+        </p:txBody>
+      </p:sp>
+    </p:spTree>
+    <p:extLst>
+      <p:ext uri="{BB962C8B-B14F-4D97-AF65-F5344CB8AC3E}">
+        <p14:creationId xmlns:p14="http://schemas.microsoft.com/office/powerpoint/2010/main" val="2489883265"/>
+      </p:ext>
+    </p:extLst>
+  </p:cSld>
+  <p:clrMapOvr>
+    <a:masterClrMapping/>
+  </p:clrMapOvr>
+</p:notes>
+</file>
+
+<file path=ppt/notesSlides/notesSlide14.xml><?xml version="1.0" encoding="utf-8"?>
+<p:notes xmlns:a="http://schemas.openxmlformats.org/drawingml/2006/main" xmlns:r="http://schemas.openxmlformats.org/officeDocument/2006/relationships" xmlns:p="http://schemas.openxmlformats.org/presentationml/2006/main">
+  <p:cSld>
+    <p:spTree>
+      <p:nvGrpSpPr>
+        <p:cNvPr id="1" name=""/>
+        <p:cNvGrpSpPr/>
+        <p:nvPr/>
+      </p:nvGrpSpPr>
+      <p:grpSpPr>
+        <a:xfrm>
+          <a:off x="0" y="0"/>
+          <a:ext cx="0" cy="0"/>
+          <a:chOff x="0" y="0"/>
+          <a:chExt cx="0" cy="0"/>
+        </a:xfrm>
+      </p:grpSpPr>
+      <p:sp>
+        <p:nvSpPr>
+          <p:cNvPr id="2" name="Slide Image Placeholder 1"/>
+          <p:cNvSpPr>
+            <a:spLocks noGrp="1" noRot="1" noChangeAspect="1"/>
+          </p:cNvSpPr>
+          <p:nvPr>
+            <p:ph type="sldImg"/>
+          </p:nvPr>
+        </p:nvSpPr>
+        <p:spPr/>
+      </p:sp>
+      <p:sp>
+        <p:nvSpPr>
+          <p:cNvPr id="3" name="Notes Placeholder 2"/>
+          <p:cNvSpPr>
+            <a:spLocks noGrp="1"/>
+          </p:cNvSpPr>
+          <p:nvPr>
+            <p:ph type="body" idx="1"/>
+          </p:nvPr>
+        </p:nvSpPr>
+        <p:spPr/>
+        <p:txBody>
+          <a:bodyPr/>
+          <a:lstStyle/>
+          <a:p>
+            <a:r>
+              <a:rPr lang="en-US" dirty="0" smtClean="0"/>
+              <a:t>I created an evaluation tool</a:t>
+            </a:r>
+            <a:r>
+              <a:rPr lang="en-US" baseline="0" dirty="0" smtClean="0"/>
+              <a:t> </a:t>
+            </a:r>
+            <a:r>
+              <a:rPr lang="en-US" dirty="0" smtClean="0"/>
+              <a:t>that compares the results of RAIDER against </a:t>
+            </a:r>
+            <a:r>
+              <a:rPr lang="en-US" dirty="0" err="1" smtClean="0"/>
+              <a:t>RepeatScout</a:t>
+            </a:r>
+            <a:r>
+              <a:rPr lang="en-US" dirty="0" smtClean="0"/>
+              <a:t>, a widely used repeat-finding tool, when both were run on the same simulated DNA sequence. </a:t>
+            </a:r>
+          </a:p>
+          <a:p>
+            <a:pPr marL="0" marR="0" lvl="1" indent="0" algn="l" defTabSz="457200" rtl="0" eaLnBrk="1" fontAlgn="auto" latinLnBrk="0" hangingPunct="1">
+              <a:lnSpc>
+                <a:spcPct val="100000"/>
+              </a:lnSpc>
+              <a:spcBef>
+                <a:spcPts val="0"/>
+              </a:spcBef>
+              <a:spcAft>
+                <a:spcPts val="0"/>
+              </a:spcAft>
+              <a:buClrTx/>
+              <a:buSzTx/>
+              <a:buFontTx/>
+              <a:buNone/>
+              <a:tabLst/>
+              <a:defRPr/>
+            </a:pPr>
+            <a:r>
+              <a:rPr lang="en-US" dirty="0" smtClean="0"/>
+              <a:t>Created with intention to compare results of RAIDER against </a:t>
+            </a:r>
+            <a:r>
+              <a:rPr lang="en-US" dirty="0" err="1" smtClean="0"/>
+              <a:t>RepeatScout</a:t>
+            </a:r>
+            <a:r>
+              <a:rPr lang="en-US" dirty="0" smtClean="0"/>
+              <a:t>,</a:t>
+            </a:r>
+            <a:r>
+              <a:rPr lang="en-US" baseline="0" dirty="0" smtClean="0"/>
+              <a:t> a widely used repeat-finding tool</a:t>
+            </a:r>
+            <a:endParaRPr lang="en-US" dirty="0" smtClean="0"/>
+          </a:p>
+          <a:p>
+            <a:endParaRPr lang="en-US" dirty="0" smtClean="0"/>
+          </a:p>
+          <a:p>
+            <a:r>
+              <a:rPr lang="en-US" dirty="0" smtClean="0"/>
+              <a:t>Since the chromosome being</a:t>
+            </a:r>
+            <a:r>
+              <a:rPr lang="en-US" baseline="0" dirty="0" smtClean="0"/>
+              <a:t> </a:t>
+            </a:r>
+            <a:r>
+              <a:rPr lang="en-US" dirty="0" smtClean="0"/>
+              <a:t>used is simulated, the locations of the repeats in the genome are already known. </a:t>
+            </a:r>
+          </a:p>
+          <a:p>
+            <a:r>
+              <a:rPr lang="en-US" dirty="0" smtClean="0"/>
+              <a:t>There</a:t>
+            </a:r>
+            <a:r>
+              <a:rPr lang="en-US" baseline="0" dirty="0" smtClean="0"/>
+              <a:t>fore, it is </a:t>
+            </a:r>
+            <a:r>
+              <a:rPr lang="en-US" dirty="0" smtClean="0"/>
+              <a:t>possible to calculate the number of bases that were accurately and inaccurately categorized</a:t>
+            </a:r>
+            <a:r>
+              <a:rPr lang="en-US" baseline="0" dirty="0" smtClean="0"/>
+              <a:t> </a:t>
+            </a:r>
+            <a:r>
+              <a:rPr lang="en-US" dirty="0" smtClean="0"/>
+              <a:t>as part of a repeat or not part of a repeat.</a:t>
+            </a:r>
+          </a:p>
+          <a:p>
+            <a:r>
+              <a:rPr lang="en-US" dirty="0" smtClean="0"/>
+              <a:t>Calculates</a:t>
+            </a:r>
+            <a:r>
+              <a:rPr lang="en-US" baseline="0" dirty="0" smtClean="0"/>
+              <a:t> </a:t>
+            </a:r>
+            <a:r>
+              <a:rPr lang="en-US" dirty="0" smtClean="0"/>
+              <a:t>the sensitivity and specificity for each tool, in addition to other related calculations</a:t>
+            </a:r>
+          </a:p>
+          <a:p>
+            <a:endParaRPr lang="en-US" dirty="0"/>
+          </a:p>
+          <a:p>
+            <a:r>
+              <a:rPr lang="en-US" dirty="0"/>
+              <a:t>----- Meeting Notes (10/22/14 14:27) -----</a:t>
+            </a:r>
+          </a:p>
+          <a:p>
+            <a:r>
+              <a:rPr lang="en-US" dirty="0"/>
+              <a:t>Extra slide after that quickly summarizes all of proposal</a:t>
+            </a:r>
+          </a:p>
+        </p:txBody>
+      </p:sp>
+      <p:sp>
+        <p:nvSpPr>
+          <p:cNvPr id="4" name="Slide Number Placeholder 3"/>
+          <p:cNvSpPr>
+            <a:spLocks noGrp="1"/>
+          </p:cNvSpPr>
+          <p:nvPr>
+            <p:ph type="sldNum" sz="quarter" idx="10"/>
+          </p:nvPr>
+        </p:nvSpPr>
+        <p:spPr/>
+        <p:txBody>
+          <a:bodyPr/>
+          <a:lstStyle/>
+          <a:p>
+            <a:fld id="{308729B0-B6CC-0A47-8502-98514D66846F}" type="slidenum">
+              <a:rPr lang="en-US" smtClean="0"/>
+              <a:t>16</a:t>
+            </a:fld>
+            <a:endParaRPr lang="en-US"/>
+          </a:p>
+        </p:txBody>
+      </p:sp>
+    </p:spTree>
+    <p:extLst>
+      <p:ext uri="{BB962C8B-B14F-4D97-AF65-F5344CB8AC3E}">
+        <p14:creationId xmlns:p14="http://schemas.microsoft.com/office/powerpoint/2010/main" val="80201734"/>
       </p:ext>
     </p:extLst>
   </p:cSld>
@@ -5661,196 +6433,7 @@
           <a:bodyPr/>
           <a:lstStyle/>
           <a:p>
-            <a:r>
-              <a:rPr lang="en-US" sz="1200" b="0" i="0" u="none" strike="noStrike" kern="1200" baseline="0" dirty="0" smtClean="0">
-                <a:solidFill>
-                  <a:schemeClr val="tx1"/>
-                </a:solidFill>
-                <a:latin typeface="+mn-lt"/>
-                <a:ea typeface="+mn-ea"/>
-                <a:cs typeface="+mn-cs"/>
-              </a:rPr>
-              <a:t>An exact matching is when two strings are the same size and are composed of the same sequence of characters.</a:t>
-            </a:r>
-          </a:p>
-          <a:p>
-            <a:endParaRPr lang="en-US" dirty="0" smtClean="0"/>
-          </a:p>
-          <a:p>
-            <a:r>
-              <a:rPr lang="en-US" dirty="0" smtClean="0"/>
-              <a:t>In</a:t>
-            </a:r>
-            <a:r>
-              <a:rPr lang="en-US" baseline="0" dirty="0" smtClean="0"/>
-              <a:t> the case of an approximate matching, t</a:t>
-            </a:r>
-            <a:r>
-              <a:rPr lang="en-US" dirty="0" smtClean="0"/>
-              <a:t>wo strings can differ to some degree and still be considered a “valid” match.</a:t>
-            </a:r>
-          </a:p>
-          <a:p>
-            <a:endParaRPr lang="en-US" sz="1200" b="0" i="0" u="none" strike="noStrike" kern="1200" baseline="0" dirty="0" smtClean="0">
-              <a:solidFill>
-                <a:schemeClr val="tx1"/>
-              </a:solidFill>
-              <a:latin typeface="+mn-lt"/>
-              <a:ea typeface="+mn-ea"/>
-              <a:cs typeface="+mn-cs"/>
-            </a:endParaRPr>
-          </a:p>
-          <a:p>
-            <a:endParaRPr lang="en-US" sz="1200" b="0" i="0" u="none" strike="noStrike" kern="1200" baseline="0" dirty="0" smtClean="0">
-              <a:solidFill>
-                <a:schemeClr val="tx1"/>
-              </a:solidFill>
-              <a:latin typeface="+mn-lt"/>
-              <a:ea typeface="+mn-ea"/>
-              <a:cs typeface="+mn-cs"/>
-            </a:endParaRPr>
-          </a:p>
-          <a:p>
-            <a:endParaRPr lang="en-US" sz="1200" b="0" i="0" u="none" strike="noStrike" kern="1200" baseline="0" dirty="0" smtClean="0">
-              <a:solidFill>
-                <a:schemeClr val="tx1"/>
-              </a:solidFill>
-              <a:latin typeface="+mn-lt"/>
-              <a:ea typeface="+mn-ea"/>
-              <a:cs typeface="+mn-cs"/>
-            </a:endParaRPr>
-          </a:p>
-          <a:p>
-            <a:r>
-              <a:rPr lang="en-US" sz="1200" b="0" i="0" u="none" strike="noStrike" kern="1200" baseline="0" dirty="0" smtClean="0">
-                <a:solidFill>
-                  <a:schemeClr val="tx1"/>
-                </a:solidFill>
-                <a:latin typeface="+mn-lt"/>
-                <a:ea typeface="+mn-ea"/>
-                <a:cs typeface="+mn-cs"/>
-              </a:rPr>
-              <a:t>String matching is fundamental to the process of </a:t>
-            </a:r>
-            <a:r>
-              <a:rPr lang="en-US" sz="1200" b="0" i="0" u="none" strike="noStrike" kern="1200" baseline="0" dirty="0" err="1" smtClean="0">
-                <a:solidFill>
-                  <a:schemeClr val="tx1"/>
-                </a:solidFill>
-                <a:latin typeface="+mn-lt"/>
-                <a:ea typeface="+mn-ea"/>
-                <a:cs typeface="+mn-cs"/>
-              </a:rPr>
-              <a:t>nding</a:t>
-            </a:r>
-            <a:r>
-              <a:rPr lang="en-US" sz="1200" b="0" i="0" u="none" strike="noStrike" kern="1200" baseline="0" dirty="0" smtClean="0">
-                <a:solidFill>
-                  <a:schemeClr val="tx1"/>
-                </a:solidFill>
-                <a:latin typeface="+mn-lt"/>
-                <a:ea typeface="+mn-ea"/>
-                <a:cs typeface="+mn-cs"/>
-              </a:rPr>
-              <a:t> repetitive DNA, and can be categorized</a:t>
-            </a:r>
-          </a:p>
-          <a:p>
-            <a:r>
-              <a:rPr lang="en-US" sz="1200" b="0" i="0" u="none" strike="noStrike" kern="1200" baseline="0" dirty="0" smtClean="0">
-                <a:solidFill>
-                  <a:schemeClr val="tx1"/>
-                </a:solidFill>
-                <a:latin typeface="+mn-lt"/>
-                <a:ea typeface="+mn-ea"/>
-                <a:cs typeface="+mn-cs"/>
-              </a:rPr>
-              <a:t>into one of two types: exact </a:t>
-            </a:r>
-            <a:r>
-              <a:rPr lang="en-US" sz="1200" b="0" i="0" u="none" strike="noStrike" kern="1200" baseline="0" dirty="0" err="1" smtClean="0">
-                <a:solidFill>
-                  <a:schemeClr val="tx1"/>
-                </a:solidFill>
-                <a:latin typeface="+mn-lt"/>
-                <a:ea typeface="+mn-ea"/>
-                <a:cs typeface="+mn-cs"/>
-              </a:rPr>
-              <a:t>matchings</a:t>
-            </a:r>
-            <a:r>
-              <a:rPr lang="en-US" sz="1200" b="0" i="0" u="none" strike="noStrike" kern="1200" baseline="0" dirty="0" smtClean="0">
-                <a:solidFill>
-                  <a:schemeClr val="tx1"/>
-                </a:solidFill>
-                <a:latin typeface="+mn-lt"/>
-                <a:ea typeface="+mn-ea"/>
-                <a:cs typeface="+mn-cs"/>
-              </a:rPr>
-              <a:t> and inexact </a:t>
-            </a:r>
-            <a:r>
-              <a:rPr lang="en-US" sz="1200" b="0" i="0" u="none" strike="noStrike" kern="1200" baseline="0" dirty="0" err="1" smtClean="0">
-                <a:solidFill>
-                  <a:schemeClr val="tx1"/>
-                </a:solidFill>
-                <a:latin typeface="+mn-lt"/>
-                <a:ea typeface="+mn-ea"/>
-                <a:cs typeface="+mn-cs"/>
-              </a:rPr>
-              <a:t>matchings</a:t>
-            </a:r>
-            <a:r>
-              <a:rPr lang="en-US" sz="1200" b="0" i="0" u="none" strike="noStrike" kern="1200" baseline="0" dirty="0" smtClean="0">
-                <a:solidFill>
-                  <a:schemeClr val="tx1"/>
-                </a:solidFill>
-                <a:latin typeface="+mn-lt"/>
-                <a:ea typeface="+mn-ea"/>
-                <a:cs typeface="+mn-cs"/>
-              </a:rPr>
-              <a:t> [9]. An exact matching is when two</a:t>
-            </a:r>
-          </a:p>
-          <a:p>
-            <a:r>
-              <a:rPr lang="en-US" sz="1200" b="0" i="0" u="none" strike="noStrike" kern="1200" baseline="0" dirty="0" smtClean="0">
-                <a:solidFill>
-                  <a:schemeClr val="tx1"/>
-                </a:solidFill>
-                <a:latin typeface="+mn-lt"/>
-                <a:ea typeface="+mn-ea"/>
-                <a:cs typeface="+mn-cs"/>
-              </a:rPr>
-              <a:t>strings are the same size and are composed of the same sequence of characters. While this type of</a:t>
-            </a:r>
-          </a:p>
-          <a:p>
-            <a:r>
-              <a:rPr lang="en-US" sz="1200" b="0" i="0" u="none" strike="noStrike" kern="1200" baseline="0" dirty="0" smtClean="0">
-                <a:solidFill>
-                  <a:schemeClr val="tx1"/>
-                </a:solidFill>
-                <a:latin typeface="+mn-lt"/>
-                <a:ea typeface="+mn-ea"/>
-                <a:cs typeface="+mn-cs"/>
-              </a:rPr>
-              <a:t>matching is of use to this discussion, the more relevant type of matching is known as inexact or</a:t>
-            </a:r>
-          </a:p>
-          <a:p>
-            <a:r>
-              <a:rPr lang="en-US" sz="1200" b="0" i="0" u="none" strike="noStrike" kern="1200" baseline="0" dirty="0" smtClean="0">
-                <a:solidFill>
-                  <a:schemeClr val="tx1"/>
-                </a:solidFill>
-                <a:latin typeface="+mn-lt"/>
-                <a:ea typeface="+mn-ea"/>
-                <a:cs typeface="+mn-cs"/>
-              </a:rPr>
-              <a:t>approximate matching.</a:t>
-            </a:r>
-            <a:endParaRPr lang="en-US" dirty="0"/>
+            <a:endParaRPr lang="en-US"/>
           </a:p>
         </p:txBody>
       </p:sp>
@@ -5871,7 +6454,7 @@
           <a:p>
             <a:fld id="{308729B0-B6CC-0A47-8502-98514D66846F}" type="slidenum">
               <a:rPr lang="en-US" smtClean="0"/>
-              <a:t>4</a:t>
+              <a:t>2</a:t>
             </a:fld>
             <a:endParaRPr lang="en-US"/>
           </a:p>
@@ -5880,7 +6463,7 @@
     </p:spTree>
     <p:extLst>
       <p:ext uri="{BB962C8B-B14F-4D97-AF65-F5344CB8AC3E}">
-        <p14:creationId xmlns:p14="http://schemas.microsoft.com/office/powerpoint/2010/main" val="1989878447"/>
+        <p14:creationId xmlns:p14="http://schemas.microsoft.com/office/powerpoint/2010/main" val="3344733519"/>
       </p:ext>
     </p:extLst>
   </p:cSld>
@@ -5934,6 +6517,37 @@
           <a:bodyPr/>
           <a:lstStyle/>
           <a:p>
+            <a:pPr marL="0" marR="0" indent="0" algn="l" defTabSz="457200" rtl="0" eaLnBrk="1" fontAlgn="auto" latinLnBrk="0" hangingPunct="1">
+              <a:lnSpc>
+                <a:spcPct val="100000"/>
+              </a:lnSpc>
+              <a:spcBef>
+                <a:spcPts val="0"/>
+              </a:spcBef>
+              <a:spcAft>
+                <a:spcPts val="0"/>
+              </a:spcAft>
+              <a:buClrTx/>
+              <a:buSzTx/>
+              <a:buFontTx/>
+              <a:buNone/>
+              <a:tabLst/>
+              <a:defRPr/>
+            </a:pPr>
+            <a:r>
+              <a:rPr lang="en-US" dirty="0" smtClean="0"/>
+              <a:t>Hereditary information embedded inside genetic material (DNA)</a:t>
+            </a:r>
+          </a:p>
+          <a:p>
+            <a:r>
+              <a:rPr lang="en-US" dirty="0" smtClean="0"/>
+              <a:t>Repetitive DNA makes up a significant portion</a:t>
+            </a:r>
+            <a:r>
+              <a:rPr lang="en-US" baseline="0" dirty="0" smtClean="0"/>
+              <a:t> of eukaryotic chromosomes</a:t>
+            </a:r>
             <a:endParaRPr lang="en-US" dirty="0"/>
           </a:p>
         </p:txBody>
@@ -5955,7 +6569,7 @@
           <a:p>
             <a:fld id="{308729B0-B6CC-0A47-8502-98514D66846F}" type="slidenum">
               <a:rPr lang="en-US" smtClean="0"/>
-              <a:t>5</a:t>
+              <a:t>3</a:t>
             </a:fld>
             <a:endParaRPr lang="en-US"/>
           </a:p>
@@ -5964,7 +6578,7 @@
     </p:spTree>
     <p:extLst>
       <p:ext uri="{BB962C8B-B14F-4D97-AF65-F5344CB8AC3E}">
-        <p14:creationId xmlns:p14="http://schemas.microsoft.com/office/powerpoint/2010/main" val="2921359999"/>
+        <p14:creationId xmlns:p14="http://schemas.microsoft.com/office/powerpoint/2010/main" val="2390654423"/>
       </p:ext>
     </p:extLst>
   </p:cSld>
@@ -6019,12 +6633,199 @@
           <a:lstStyle/>
           <a:p>
             <a:r>
+              <a:rPr lang="en-US" sz="1200" b="0" i="0" u="none" strike="noStrike" kern="1200" baseline="0" dirty="0" smtClean="0">
+                <a:solidFill>
+                  <a:schemeClr val="tx1"/>
+                </a:solidFill>
+                <a:latin typeface="+mn-lt"/>
+                <a:ea typeface="+mn-ea"/>
+                <a:cs typeface="+mn-cs"/>
+              </a:rPr>
+              <a:t>An exact matching is when two strings are the same size and are composed of the same sequence of characters.</a:t>
+            </a:r>
+          </a:p>
+          <a:p>
+            <a:endParaRPr lang="en-US" dirty="0" smtClean="0"/>
+          </a:p>
+          <a:p>
+            <a:r>
               <a:rPr lang="en-US" dirty="0" smtClean="0"/>
-              <a:t>Spaced seed = pattern describing which positions in two</a:t>
+              <a:t>In</a:t>
             </a:r>
             <a:r>
               <a:rPr lang="en-US" baseline="0" dirty="0" smtClean="0"/>
-              <a:t> strings must match and which positions are not so constrained</a:t>
+              <a:t> the case of an approximate matching, t</a:t>
+            </a:r>
+            <a:r>
+              <a:rPr lang="en-US" dirty="0" smtClean="0"/>
+              <a:t>wo strings can differ to some degree and still be considered a “valid” match.</a:t>
+            </a:r>
+          </a:p>
+          <a:p>
+            <a:endParaRPr lang="en-US" sz="1200" b="0" i="0" u="none" strike="noStrike" kern="1200" baseline="0" dirty="0" smtClean="0">
+              <a:solidFill>
+                <a:schemeClr val="tx1"/>
+              </a:solidFill>
+              <a:latin typeface="+mn-lt"/>
+              <a:ea typeface="+mn-ea"/>
+              <a:cs typeface="+mn-cs"/>
+            </a:endParaRPr>
+          </a:p>
+          <a:p>
+            <a:r>
+              <a:rPr lang="en-US" sz="1200" b="0" i="0" u="none" strike="noStrike" kern="1200" baseline="0" dirty="0" smtClean="0">
+                <a:solidFill>
+                  <a:schemeClr val="tx1"/>
+                </a:solidFill>
+                <a:latin typeface="+mn-lt"/>
+                <a:ea typeface="+mn-ea"/>
+                <a:cs typeface="+mn-cs"/>
+              </a:rPr>
+              <a:t>String matching is fundamental to the process of </a:t>
+            </a:r>
+            <a:r>
+              <a:rPr lang="en-US" sz="1200" b="0" i="0" u="none" strike="noStrike" kern="1200" baseline="0" dirty="0" smtClean="0">
+                <a:solidFill>
+                  <a:schemeClr val="tx1"/>
+                </a:solidFill>
+                <a:latin typeface="+mn-lt"/>
+                <a:ea typeface="+mn-ea"/>
+                <a:cs typeface="+mn-cs"/>
+              </a:rPr>
+              <a:t>finding </a:t>
+            </a:r>
+            <a:r>
+              <a:rPr lang="en-US" sz="1200" b="0" i="0" u="none" strike="noStrike" kern="1200" baseline="0" dirty="0" smtClean="0">
+                <a:solidFill>
+                  <a:schemeClr val="tx1"/>
+                </a:solidFill>
+                <a:latin typeface="+mn-lt"/>
+                <a:ea typeface="+mn-ea"/>
+                <a:cs typeface="+mn-cs"/>
+              </a:rPr>
+              <a:t>repetitive DNA, and can be categorized</a:t>
+            </a:r>
+          </a:p>
+          <a:p>
+            <a:r>
+              <a:rPr lang="en-US" sz="1200" b="0" i="0" u="none" strike="noStrike" kern="1200" baseline="0" dirty="0" smtClean="0">
+                <a:solidFill>
+                  <a:schemeClr val="tx1"/>
+                </a:solidFill>
+                <a:latin typeface="+mn-lt"/>
+                <a:ea typeface="+mn-ea"/>
+                <a:cs typeface="+mn-cs"/>
+              </a:rPr>
+              <a:t>into one of two types: exact </a:t>
+            </a:r>
+            <a:r>
+              <a:rPr lang="en-US" sz="1200" b="0" i="0" u="none" strike="noStrike" kern="1200" baseline="0" dirty="0" err="1" smtClean="0">
+                <a:solidFill>
+                  <a:schemeClr val="tx1"/>
+                </a:solidFill>
+                <a:latin typeface="+mn-lt"/>
+                <a:ea typeface="+mn-ea"/>
+                <a:cs typeface="+mn-cs"/>
+              </a:rPr>
+              <a:t>matchings</a:t>
+            </a:r>
+            <a:r>
+              <a:rPr lang="en-US" sz="1200" b="0" i="0" u="none" strike="noStrike" kern="1200" baseline="0" dirty="0" smtClean="0">
+                <a:solidFill>
+                  <a:schemeClr val="tx1"/>
+                </a:solidFill>
+                <a:latin typeface="+mn-lt"/>
+                <a:ea typeface="+mn-ea"/>
+                <a:cs typeface="+mn-cs"/>
+              </a:rPr>
+              <a:t> and inexact </a:t>
+            </a:r>
+            <a:r>
+              <a:rPr lang="en-US" sz="1200" b="0" i="0" u="none" strike="noStrike" kern="1200" baseline="0" dirty="0" err="1" smtClean="0">
+                <a:solidFill>
+                  <a:schemeClr val="tx1"/>
+                </a:solidFill>
+                <a:latin typeface="+mn-lt"/>
+                <a:ea typeface="+mn-ea"/>
+                <a:cs typeface="+mn-cs"/>
+              </a:rPr>
+              <a:t>matchings</a:t>
+            </a:r>
+            <a:r>
+              <a:rPr lang="en-US" sz="1200" b="0" i="0" u="none" strike="noStrike" kern="1200" baseline="0" dirty="0" smtClean="0">
+                <a:solidFill>
+                  <a:schemeClr val="tx1"/>
+                </a:solidFill>
+                <a:latin typeface="+mn-lt"/>
+                <a:ea typeface="+mn-ea"/>
+                <a:cs typeface="+mn-cs"/>
+              </a:rPr>
+              <a:t> [9]. An exact matching is when two</a:t>
+            </a:r>
+          </a:p>
+          <a:p>
+            <a:r>
+              <a:rPr lang="en-US" sz="1200" b="0" i="0" u="none" strike="noStrike" kern="1200" baseline="0" dirty="0" smtClean="0">
+                <a:solidFill>
+                  <a:schemeClr val="tx1"/>
+                </a:solidFill>
+                <a:latin typeface="+mn-lt"/>
+                <a:ea typeface="+mn-ea"/>
+                <a:cs typeface="+mn-cs"/>
+              </a:rPr>
+              <a:t>strings are the same size and are composed of the same sequence of characters. While this type of</a:t>
+            </a:r>
+          </a:p>
+          <a:p>
+            <a:r>
+              <a:rPr lang="en-US" sz="1200" b="0" i="0" u="none" strike="noStrike" kern="1200" baseline="0" dirty="0" smtClean="0">
+                <a:solidFill>
+                  <a:schemeClr val="tx1"/>
+                </a:solidFill>
+                <a:latin typeface="+mn-lt"/>
+                <a:ea typeface="+mn-ea"/>
+                <a:cs typeface="+mn-cs"/>
+              </a:rPr>
+              <a:t>matching is of use to this discussion, the more relevant type of matching is known as inexact or</a:t>
+            </a:r>
+          </a:p>
+          <a:p>
+            <a:r>
+              <a:rPr lang="en-US" sz="1200" b="0" i="0" u="none" strike="noStrike" kern="1200" baseline="0" dirty="0" smtClean="0">
+                <a:solidFill>
+                  <a:schemeClr val="tx1"/>
+                </a:solidFill>
+                <a:latin typeface="+mn-lt"/>
+                <a:ea typeface="+mn-ea"/>
+                <a:cs typeface="+mn-cs"/>
+              </a:rPr>
+              <a:t>approximate matching.</a:t>
+            </a:r>
+          </a:p>
+          <a:p>
+            <a:r>
+              <a:rPr lang="en-US" sz="1200" b="0" i="0" u="none" strike="noStrike" kern="1200" baseline="0" dirty="0" smtClean="0">
+                <a:solidFill>
+                  <a:schemeClr val="tx1"/>
+                </a:solidFill>
+                <a:latin typeface="+mn-lt"/>
+                <a:ea typeface="+mn-ea"/>
+                <a:cs typeface="+mn-cs"/>
+              </a:rPr>
+              <a:t>----- Meeting Notes (10/22/14 14:27) -----</a:t>
+            </a:r>
+          </a:p>
+          <a:p>
+            <a:r>
+              <a:rPr lang="en-US" sz="1200" b="0" i="0" u="none" strike="noStrike" kern="1200" baseline="0" dirty="0" smtClean="0">
+                <a:solidFill>
+                  <a:schemeClr val="tx1"/>
+                </a:solidFill>
+                <a:latin typeface="+mn-lt"/>
+                <a:ea typeface="+mn-ea"/>
+                <a:cs typeface="+mn-cs"/>
+              </a:rPr>
+              <a:t>Other ways strings can differ...</a:t>
             </a:r>
             <a:endParaRPr lang="en-US" dirty="0"/>
           </a:p>
@@ -6047,7 +6848,7 @@
           <a:p>
             <a:fld id="{308729B0-B6CC-0A47-8502-98514D66846F}" type="slidenum">
               <a:rPr lang="en-US" smtClean="0"/>
-              <a:t>8</a:t>
+              <a:t>4</a:t>
             </a:fld>
             <a:endParaRPr lang="en-US"/>
           </a:p>
@@ -6056,7 +6857,7 @@
     </p:spTree>
     <p:extLst>
       <p:ext uri="{BB962C8B-B14F-4D97-AF65-F5344CB8AC3E}">
-        <p14:creationId xmlns:p14="http://schemas.microsoft.com/office/powerpoint/2010/main" val="1396508923"/>
+        <p14:creationId xmlns:p14="http://schemas.microsoft.com/office/powerpoint/2010/main" val="1989878447"/>
       </p:ext>
     </p:extLst>
   </p:cSld>
@@ -6110,49 +6911,6 @@
           <a:bodyPr/>
           <a:lstStyle/>
           <a:p>
-            <a:pPr marL="0" marR="0" lvl="1" indent="0" algn="l" defTabSz="457200" rtl="0" eaLnBrk="1" fontAlgn="auto" latinLnBrk="0" hangingPunct="1">
-              <a:lnSpc>
-                <a:spcPct val="100000"/>
-              </a:lnSpc>
-              <a:spcBef>
-                <a:spcPts val="0"/>
-              </a:spcBef>
-              <a:spcAft>
-                <a:spcPts val="0"/>
-              </a:spcAft>
-              <a:buClrTx/>
-              <a:buSzTx/>
-              <a:buFontTx/>
-              <a:buNone/>
-              <a:tabLst/>
-              <a:defRPr/>
-            </a:pPr>
-            <a:r>
-              <a:rPr lang="en-US" dirty="0" smtClean="0"/>
-              <a:t>Modifying algorithm to more effectively use spaced seeds</a:t>
-            </a:r>
-          </a:p>
-          <a:p>
-            <a:r>
-              <a:rPr lang="en-US" sz="1200" dirty="0" smtClean="0"/>
-              <a:t>Optimizing</a:t>
-            </a:r>
-            <a:r>
-              <a:rPr lang="en-US" sz="1200" baseline="0" dirty="0" smtClean="0"/>
-              <a:t> seed through determining </a:t>
-            </a:r>
-            <a:r>
-              <a:rPr lang="en-US" sz="1200" dirty="0" smtClean="0"/>
-              <a:t>characteristics of a spaced seed that make it</a:t>
-            </a:r>
-            <a:r>
-              <a:rPr lang="en-US" sz="1200" baseline="0" dirty="0" smtClean="0"/>
-              <a:t> </a:t>
-            </a:r>
-            <a:r>
-              <a:rPr lang="en-US" sz="1200" dirty="0" smtClean="0"/>
-              <a:t>better suited for repeat-finding purposes</a:t>
-            </a:r>
             <a:endParaRPr lang="en-US" dirty="0"/>
           </a:p>
         </p:txBody>
@@ -6174,7 +6932,7 @@
           <a:p>
             <a:fld id="{308729B0-B6CC-0A47-8502-98514D66846F}" type="slidenum">
               <a:rPr lang="en-US" smtClean="0"/>
-              <a:t>11</a:t>
+              <a:t>5</a:t>
             </a:fld>
             <a:endParaRPr lang="en-US"/>
           </a:p>
@@ -6183,7 +6941,7 @@
     </p:spTree>
     <p:extLst>
       <p:ext uri="{BB962C8B-B14F-4D97-AF65-F5344CB8AC3E}">
-        <p14:creationId xmlns:p14="http://schemas.microsoft.com/office/powerpoint/2010/main" val="3125565778"/>
+        <p14:creationId xmlns:p14="http://schemas.microsoft.com/office/powerpoint/2010/main" val="2921359999"/>
       </p:ext>
     </p:extLst>
   </p:cSld>
@@ -6237,7 +6995,37 @@
           <a:bodyPr/>
           <a:lstStyle/>
           <a:p>
-            <a:endParaRPr lang="en-US" dirty="0"/>
+            <a:endParaRPr lang="en-US"/>
+          </a:p>
+          <a:p>
+            <a:r>
+              <a:rPr lang="en-US"/>
+              <a:t>----- Meeting Notes (10/22/14 14:27) -----</a:t>
+            </a:r>
+          </a:p>
+          <a:p>
+            <a:r>
+              <a:rPr lang="en-US"/>
+              <a:t>Slide prior that mentions Nate and his work on RAIDER.</a:t>
+            </a:r>
+          </a:p>
+          <a:p>
+            <a:endParaRPr lang="en-US"/>
+          </a:p>
+          <a:p>
+            <a:r>
+              <a:rPr lang="en-US"/>
+              <a:t>Explain more intuitively.</a:t>
+            </a:r>
+          </a:p>
+          <a:p>
+            <a:endParaRPr lang="en-US"/>
+          </a:p>
+          <a:p>
+            <a:r>
+              <a:rPr lang="en-US"/>
+              <a:t>Can't be subsequence of another one.. otherwise</a:t>
+            </a:r>
           </a:p>
         </p:txBody>
       </p:sp>
@@ -6258,7 +7046,7 @@
           <a:p>
             <a:fld id="{308729B0-B6CC-0A47-8502-98514D66846F}" type="slidenum">
               <a:rPr lang="en-US" smtClean="0"/>
-              <a:t>12</a:t>
+              <a:t>6</a:t>
             </a:fld>
             <a:endParaRPr lang="en-US"/>
           </a:p>
@@ -6267,7 +7055,7 @@
     </p:spTree>
     <p:extLst>
       <p:ext uri="{BB962C8B-B14F-4D97-AF65-F5344CB8AC3E}">
-        <p14:creationId xmlns:p14="http://schemas.microsoft.com/office/powerpoint/2010/main" val="881887752"/>
+        <p14:creationId xmlns:p14="http://schemas.microsoft.com/office/powerpoint/2010/main" val="1225217862"/>
       </p:ext>
     </p:extLst>
   </p:cSld>
@@ -6321,49 +7109,19 @@
           <a:bodyPr/>
           <a:lstStyle/>
           <a:p>
-            <a:r>
-              <a:rPr lang="en-US" dirty="0" smtClean="0"/>
-              <a:t>Seed analysis -&gt;</a:t>
-            </a:r>
-            <a:r>
-              <a:rPr lang="en-US" baseline="0" dirty="0" smtClean="0"/>
-              <a:t> </a:t>
-            </a:r>
-            <a:r>
-              <a:rPr lang="en-US" dirty="0" smtClean="0"/>
-              <a:t>determine which which characteristics of a spaced-seed make it better suited for repeat-finding purposes</a:t>
-            </a:r>
-          </a:p>
-          <a:p>
-            <a:pPr marL="0" marR="0" lvl="1" indent="0" algn="l" defTabSz="457200" rtl="0" eaLnBrk="1" fontAlgn="auto" latinLnBrk="0" hangingPunct="1">
-              <a:lnSpc>
-                <a:spcPct val="100000"/>
-              </a:lnSpc>
-              <a:spcBef>
-                <a:spcPts val="0"/>
-              </a:spcBef>
-              <a:spcAft>
-                <a:spcPts val="0"/>
-              </a:spcAft>
-              <a:buClrTx/>
-              <a:buSzTx/>
-              <a:buFontTx/>
-              <a:buNone/>
-              <a:tabLst/>
-              <a:defRPr/>
-            </a:pPr>
-            <a:r>
-              <a:rPr lang="en-US" dirty="0" smtClean="0"/>
-              <a:t>Seed design -&gt;</a:t>
-            </a:r>
-            <a:r>
-              <a:rPr lang="en-US" baseline="0" dirty="0" smtClean="0"/>
-              <a:t> create seeds with these optimal characteristics</a:t>
-            </a:r>
-            <a:endParaRPr lang="en-US" dirty="0" smtClean="0"/>
-          </a:p>
-          <a:p>
-            <a:endParaRPr lang="en-US" dirty="0"/>
+            <a:endParaRPr lang="en-US"/>
+          </a:p>
+          <a:p>
+            <a:r>
+              <a:rPr lang="en-US"/>
+              <a:t>----- Meeting Notes (10/22/14 14:27) -----</a:t>
+            </a:r>
+          </a:p>
+          <a:p>
+            <a:r>
+              <a:rPr lang="en-US"/>
+              <a:t>Transition between 7 and 8</a:t>
+            </a:r>
           </a:p>
         </p:txBody>
       </p:sp>
@@ -6384,7 +7142,7 @@
           <a:p>
             <a:fld id="{308729B0-B6CC-0A47-8502-98514D66846F}" type="slidenum">
               <a:rPr lang="en-US" smtClean="0"/>
-              <a:t>13</a:t>
+              <a:t>7</a:t>
             </a:fld>
             <a:endParaRPr lang="en-US"/>
           </a:p>
@@ -6393,7 +7151,7 @@
     </p:spTree>
     <p:extLst>
       <p:ext uri="{BB962C8B-B14F-4D97-AF65-F5344CB8AC3E}">
-        <p14:creationId xmlns:p14="http://schemas.microsoft.com/office/powerpoint/2010/main" val="2489883265"/>
+        <p14:creationId xmlns:p14="http://schemas.microsoft.com/office/powerpoint/2010/main" val="2011246577"/>
       </p:ext>
     </p:extLst>
   </p:cSld>
@@ -6449,115 +7207,24 @@
           <a:p>
             <a:r>
               <a:rPr lang="en-US" dirty="0" smtClean="0"/>
-              <a:t>I created an evaluation tool</a:t>
+              <a:t>Spaced seed = pattern describing which positions in two</a:t>
             </a:r>
             <a:r>
               <a:rPr lang="en-US" baseline="0" dirty="0" smtClean="0"/>
-              <a:t> </a:t>
-            </a:r>
-            <a:r>
-              <a:rPr lang="en-US" dirty="0" smtClean="0"/>
-              <a:t>that compares the results of RAIDER against </a:t>
-            </a:r>
-            <a:r>
-              <a:rPr lang="en-US" dirty="0" err="1" smtClean="0"/>
-              <a:t>RepeatScout</a:t>
-            </a:r>
-            <a:r>
-              <a:rPr lang="en-US" dirty="0" smtClean="0"/>
-              <a:t>, a widely used repeat-finding tool, when both were run on the same simulated DNA sequence. </a:t>
-            </a:r>
-          </a:p>
-          <a:p>
-            <a:pPr marL="0" marR="0" lvl="1" indent="0" algn="l" defTabSz="457200" rtl="0" eaLnBrk="1" fontAlgn="auto" latinLnBrk="0" hangingPunct="1">
-              <a:lnSpc>
-                <a:spcPct val="100000"/>
-              </a:lnSpc>
-              <a:spcBef>
-                <a:spcPts val="0"/>
-              </a:spcBef>
-              <a:spcAft>
-                <a:spcPts val="0"/>
-              </a:spcAft>
-              <a:buClrTx/>
-              <a:buSzTx/>
-              <a:buFontTx/>
-              <a:buNone/>
-              <a:tabLst/>
-              <a:defRPr/>
-            </a:pPr>
-            <a:r>
-              <a:rPr lang="en-US" dirty="0" smtClean="0"/>
-              <a:t>Created with intention to compare results of RAIDER against </a:t>
-            </a:r>
-            <a:r>
-              <a:rPr lang="en-US" dirty="0" err="1" smtClean="0"/>
-              <a:t>RepeatScout</a:t>
-            </a:r>
-            <a:r>
-              <a:rPr lang="en-US" dirty="0" smtClean="0"/>
-              <a:t>,</a:t>
-            </a:r>
+              <a:t> strings must match and which positions are not so constrained</a:t>
+            </a:r>
+          </a:p>
+          <a:p>
             <a:r>
               <a:rPr lang="en-US" baseline="0" dirty="0" smtClean="0"/>
-              <a:t> a widely used repeat-finding tool</a:t>
-            </a:r>
-            <a:endParaRPr lang="en-US" dirty="0" smtClean="0"/>
-          </a:p>
-          <a:p>
-            <a:endParaRPr lang="en-US" dirty="0" smtClean="0"/>
-          </a:p>
-          <a:p>
-            <a:r>
-              <a:rPr lang="en-US" dirty="0" smtClean="0"/>
-              <a:t>Since the chromosome being</a:t>
-            </a:r>
+              <a:t>----- Meeting Notes (10/22/14 14:27) -----</a:t>
+            </a:r>
+          </a:p>
+          <a:p>
             <a:r>
               <a:rPr lang="en-US" baseline="0" dirty="0" smtClean="0"/>
-              <a:t> </a:t>
-            </a:r>
-            <a:r>
-              <a:rPr lang="en-US" dirty="0" smtClean="0"/>
-              <a:t>used is simulated, the locations of the repeats in the genome are already known. </a:t>
-            </a:r>
-          </a:p>
-          <a:p>
-            <a:r>
-              <a:rPr lang="en-US" dirty="0" smtClean="0"/>
-              <a:t>There</a:t>
-            </a:r>
-            <a:r>
-              <a:rPr lang="en-US" baseline="0" dirty="0" smtClean="0"/>
-              <a:t>fore, it is </a:t>
-            </a:r>
-            <a:r>
-              <a:rPr lang="en-US" dirty="0" smtClean="0"/>
-              <a:t>possible to calculate the number of bases that were accurately and inaccurately categorized</a:t>
-            </a:r>
-            <a:r>
-              <a:rPr lang="en-US" baseline="0" dirty="0" smtClean="0"/>
-              <a:t> </a:t>
-            </a:r>
-            <a:r>
-              <a:rPr lang="en-US" dirty="0" smtClean="0"/>
-              <a:t>as part of a repeat or not part of a repeat.</a:t>
-            </a:r>
-          </a:p>
-          <a:p>
-            <a:r>
-              <a:rPr lang="en-US" dirty="0" smtClean="0"/>
-              <a:t>Calculates</a:t>
-            </a:r>
-            <a:r>
-              <a:rPr lang="en-US" baseline="0" dirty="0" smtClean="0"/>
-              <a:t> </a:t>
-            </a:r>
-            <a:r>
-              <a:rPr lang="en-US" dirty="0" smtClean="0"/>
-              <a:t>the sensitivity and specificity for each tool, in addition to other related calculations</a:t>
-            </a:r>
-          </a:p>
-          <a:p>
+              <a:t>Add transitions</a:t>
+            </a:r>
             <a:endParaRPr lang="en-US" dirty="0"/>
           </a:p>
         </p:txBody>
@@ -6579,7 +7246,7 @@
           <a:p>
             <a:fld id="{308729B0-B6CC-0A47-8502-98514D66846F}" type="slidenum">
               <a:rPr lang="en-US" smtClean="0"/>
-              <a:t>15</a:t>
+              <a:t>8</a:t>
             </a:fld>
             <a:endParaRPr lang="en-US"/>
           </a:p>
@@ -6588,7 +7255,106 @@
     </p:spTree>
     <p:extLst>
       <p:ext uri="{BB962C8B-B14F-4D97-AF65-F5344CB8AC3E}">
-        <p14:creationId xmlns:p14="http://schemas.microsoft.com/office/powerpoint/2010/main" val="80201734"/>
+        <p14:creationId xmlns:p14="http://schemas.microsoft.com/office/powerpoint/2010/main" val="1396508923"/>
+      </p:ext>
+    </p:extLst>
+  </p:cSld>
+  <p:clrMapOvr>
+    <a:masterClrMapping/>
+  </p:clrMapOvr>
+</p:notes>
+</file>
+
+<file path=ppt/notesSlides/notesSlide9.xml><?xml version="1.0" encoding="utf-8"?>
+<p:notes xmlns:a="http://schemas.openxmlformats.org/drawingml/2006/main" xmlns:r="http://schemas.openxmlformats.org/officeDocument/2006/relationships" xmlns:p="http://schemas.openxmlformats.org/presentationml/2006/main">
+  <p:cSld>
+    <p:spTree>
+      <p:nvGrpSpPr>
+        <p:cNvPr id="1" name=""/>
+        <p:cNvGrpSpPr/>
+        <p:nvPr/>
+      </p:nvGrpSpPr>
+      <p:grpSpPr>
+        <a:xfrm>
+          <a:off x="0" y="0"/>
+          <a:ext cx="0" cy="0"/>
+          <a:chOff x="0" y="0"/>
+          <a:chExt cx="0" cy="0"/>
+        </a:xfrm>
+      </p:grpSpPr>
+      <p:sp>
+        <p:nvSpPr>
+          <p:cNvPr id="2" name="Slide Image Placeholder 1"/>
+          <p:cNvSpPr>
+            <a:spLocks noGrp="1" noRot="1" noChangeAspect="1"/>
+          </p:cNvSpPr>
+          <p:nvPr>
+            <p:ph type="sldImg"/>
+          </p:nvPr>
+        </p:nvSpPr>
+        <p:spPr/>
+      </p:sp>
+      <p:sp>
+        <p:nvSpPr>
+          <p:cNvPr id="3" name="Notes Placeholder 2"/>
+          <p:cNvSpPr>
+            <a:spLocks noGrp="1"/>
+          </p:cNvSpPr>
+          <p:nvPr>
+            <p:ph type="body" idx="1"/>
+          </p:nvPr>
+        </p:nvSpPr>
+        <p:spPr/>
+        <p:txBody>
+          <a:bodyPr/>
+          <a:lstStyle/>
+          <a:p>
+            <a:endParaRPr lang="en-US"/>
+          </a:p>
+          <a:p>
+            <a:r>
+              <a:rPr lang="en-US"/>
+              <a:t>----- Meeting Notes (10/22/14 14:27) -----</a:t>
+            </a:r>
+          </a:p>
+          <a:p>
+            <a:r>
+              <a:rPr lang="en-US"/>
+              <a:t>Consider using 0's instead of *s</a:t>
+            </a:r>
+          </a:p>
+          <a:p>
+            <a:endParaRPr lang="en-US"/>
+          </a:p>
+        </p:txBody>
+      </p:sp>
+      <p:sp>
+        <p:nvSpPr>
+          <p:cNvPr id="4" name="Slide Number Placeholder 3"/>
+          <p:cNvSpPr>
+            <a:spLocks noGrp="1"/>
+          </p:cNvSpPr>
+          <p:nvPr>
+            <p:ph type="sldNum" sz="quarter" idx="10"/>
+          </p:nvPr>
+        </p:nvSpPr>
+        <p:spPr/>
+        <p:txBody>
+          <a:bodyPr/>
+          <a:lstStyle/>
+          <a:p>
+            <a:fld id="{308729B0-B6CC-0A47-8502-98514D66846F}" type="slidenum">
+              <a:rPr lang="en-US" smtClean="0"/>
+              <a:t>9</a:t>
+            </a:fld>
+            <a:endParaRPr lang="en-US"/>
+          </a:p>
+        </p:txBody>
+      </p:sp>
+    </p:spTree>
+    <p:extLst>
+      <p:ext uri="{BB962C8B-B14F-4D97-AF65-F5344CB8AC3E}">
+        <p14:creationId xmlns:p14="http://schemas.microsoft.com/office/powerpoint/2010/main" val="3845649364"/>
       </p:ext>
     </p:extLst>
   </p:cSld>
@@ -6879,7 +7645,7 @@
             <a:fld id="{34D8DEE8-7A87-4E01-8ADE-4C49CDD43F74}" type="datetime1">
               <a:rPr lang="en-US" smtClean="0"/>
               <a:pPr/>
-              <a:t>10/21/14</a:t>
+              <a:t>10/22/14</a:t>
             </a:fld>
             <a:endParaRPr lang="en-US" dirty="0"/>
           </a:p>
@@ -7275,7 +8041,7 @@
             <a:fld id="{7F8F9461-E3EB-40CD-B93F-E5CBBBD8E0BA}" type="datetimeFigureOut">
               <a:rPr lang="en-US" smtClean="0"/>
               <a:pPr/>
-              <a:t>10/21/14</a:t>
+              <a:t>10/22/14</a:t>
             </a:fld>
             <a:endParaRPr lang="en-US"/>
           </a:p>
@@ -7810,7 +8576,7 @@
             <a:fld id="{60578FA3-38AD-400D-A4D2-18E8EF129E5F}" type="datetime1">
               <a:rPr lang="en-US" smtClean="0"/>
               <a:pPr/>
-              <a:t>10/21/14</a:t>
+              <a:t>10/22/14</a:t>
             </a:fld>
             <a:endParaRPr lang="en-US"/>
           </a:p>
@@ -7944,7 +8710,7 @@
             <a:fld id="{A2EFF424-F111-43CB-9C75-D52325012943}" type="datetime1">
               <a:rPr lang="en-US" smtClean="0"/>
               <a:pPr/>
-              <a:t>10/21/14</a:t>
+              <a:t>10/22/14</a:t>
             </a:fld>
             <a:endParaRPr lang="en-US"/>
           </a:p>
@@ -8489,7 +9255,7 @@
             <a:fld id="{74A8BBF0-342D-409A-9C0A-B1B451E92883}" type="datetime1">
               <a:rPr lang="en-US" smtClean="0"/>
               <a:pPr/>
-              <a:t>10/21/14</a:t>
+              <a:t>10/22/14</a:t>
             </a:fld>
             <a:endParaRPr lang="en-US" dirty="0"/>
           </a:p>
@@ -8787,7 +9553,7 @@
             <a:fld id="{345DA190-4BDC-4D39-B5BB-A14B3E8B1B3D}" type="datetime1">
               <a:rPr lang="en-US" smtClean="0"/>
               <a:pPr/>
-              <a:t>10/21/14</a:t>
+              <a:t>10/22/14</a:t>
             </a:fld>
             <a:endParaRPr lang="en-US"/>
           </a:p>
@@ -9448,7 +10214,7 @@
             <a:fld id="{581D52F2-9B11-4FC0-9217-7D20B3AC9849}" type="datetime1">
               <a:rPr lang="en-US" smtClean="0"/>
               <a:pPr/>
-              <a:t>10/21/14</a:t>
+              <a:t>10/22/14</a:t>
             </a:fld>
             <a:endParaRPr lang="en-US"/>
           </a:p>
@@ -9886,7 +10652,7 @@
             <a:fld id="{4CF13737-8506-438E-ABC0-0BE7E06DCCA6}" type="datetime1">
               <a:rPr lang="en-US" smtClean="0"/>
               <a:pPr/>
-              <a:t>10/21/14</a:t>
+              <a:t>10/22/14</a:t>
             </a:fld>
             <a:endParaRPr lang="en-US"/>
           </a:p>
@@ -10201,7 +10967,7 @@
             <a:fld id="{941D58AA-1C84-40C9-BFEE-631CCB17636C}" type="datetime1">
               <a:rPr lang="en-US" smtClean="0"/>
               <a:pPr/>
-              <a:t>10/21/14</a:t>
+              <a:t>10/22/14</a:t>
             </a:fld>
             <a:endParaRPr lang="en-US"/>
           </a:p>
@@ -10936,7 +11702,7 @@
             <a:fld id="{936542C1-4E96-413B-B72E-6C4B39D85C9D}" type="datetime1">
               <a:rPr lang="en-US" smtClean="0"/>
               <a:pPr/>
-              <a:t>10/21/14</a:t>
+              <a:t>10/22/14</a:t>
             </a:fld>
             <a:endParaRPr lang="en-US"/>
           </a:p>
@@ -11602,7 +12368,7 @@
             <a:fld id="{F0542AA2-D442-471A-9D69-80392E1E581D}" type="datetime1">
               <a:rPr lang="en-US" smtClean="0"/>
               <a:pPr/>
-              <a:t>10/21/14</a:t>
+              <a:t>10/22/14</a:t>
             </a:fld>
             <a:endParaRPr lang="en-US" dirty="0"/>
           </a:p>
@@ -11876,7 +12642,7 @@
             <a:fld id="{EC43563C-D9B3-4432-B336-144C997D6215}" type="datetime1">
               <a:rPr lang="en-US" smtClean="0"/>
               <a:pPr/>
-              <a:t>10/21/14</a:t>
+              <a:t>10/22/14</a:t>
             </a:fld>
             <a:endParaRPr lang="en-US" dirty="0"/>
           </a:p>
@@ -12658,26 +13424,7 @@
       </p:grpSpPr>
       <p:sp>
         <p:nvSpPr>
-          <p:cNvPr id="2" name="Text Placeholder 1"/>
-          <p:cNvSpPr>
-            <a:spLocks noGrp="1"/>
-          </p:cNvSpPr>
-          <p:nvPr>
-            <p:ph type="body" idx="1"/>
-          </p:nvPr>
-        </p:nvSpPr>
-        <p:spPr/>
-        <p:txBody>
-          <a:bodyPr/>
-          <a:lstStyle/>
-          <a:p>
-            <a:endParaRPr lang="en-US"/>
-          </a:p>
-        </p:txBody>
-      </p:sp>
-      <p:sp>
-        <p:nvSpPr>
-          <p:cNvPr id="3" name="Title 2"/>
+          <p:cNvPr id="2" name="Title 1"/>
           <p:cNvSpPr>
             <a:spLocks noGrp="1"/>
           </p:cNvSpPr>
@@ -12692,8 +13439,114 @@
           <a:p>
             <a:r>
               <a:rPr lang="en-US" dirty="0" smtClean="0"/>
-              <a:t>Proposed Research</a:t>
-            </a:r>
+              <a:t>Spaced Seeds </a:t>
+            </a:r>
+            <a:r>
+              <a:rPr lang="en-US" dirty="0"/>
+              <a:t>&amp;</a:t>
+            </a:r>
+            <a:r>
+              <a:rPr lang="en-US" dirty="0" smtClean="0"/>
+              <a:t> Approximate Repeats</a:t>
+            </a:r>
+            <a:endParaRPr lang="en-US" dirty="0"/>
+          </a:p>
+        </p:txBody>
+      </p:sp>
+      <p:sp>
+        <p:nvSpPr>
+          <p:cNvPr id="3" name="Content Placeholder 2"/>
+          <p:cNvSpPr>
+            <a:spLocks noGrp="1"/>
+          </p:cNvSpPr>
+          <p:nvPr>
+            <p:ph sz="quarter" idx="1"/>
+          </p:nvPr>
+        </p:nvSpPr>
+        <p:spPr/>
+        <p:txBody>
+          <a:bodyPr/>
+          <a:lstStyle/>
+          <a:p>
+            <a:r>
+              <a:rPr lang="en-US" dirty="0" smtClean="0"/>
+              <a:t>Note</a:t>
+            </a:r>
+            <a:r>
+              <a:rPr lang="en-US" dirty="0"/>
+              <a:t>: For any two sequences </a:t>
+            </a:r>
+            <a:r>
+              <a:rPr lang="en-US" i="1" dirty="0" smtClean="0"/>
+              <a:t>q </a:t>
+            </a:r>
+            <a:r>
+              <a:rPr lang="en-US" dirty="0" smtClean="0"/>
+              <a:t>and</a:t>
+            </a:r>
+            <a:r>
+              <a:rPr lang="en-US" i="1" dirty="0" smtClean="0"/>
+              <a:t> t</a:t>
+            </a:r>
+            <a:r>
+              <a:rPr lang="en-US" dirty="0" smtClean="0"/>
+              <a:t> </a:t>
+            </a:r>
+            <a:r>
+              <a:rPr lang="en-US" dirty="0"/>
+              <a:t>that match WRT seed π, the following holds</a:t>
+            </a:r>
+            <a:r>
+              <a:rPr lang="en-US" dirty="0" smtClean="0"/>
+              <a:t>:</a:t>
+            </a:r>
+            <a:endParaRPr lang="en-US" dirty="0"/>
+          </a:p>
+          <a:p>
+            <a:pPr marL="0" indent="0">
+              <a:buNone/>
+            </a:pPr>
+            <a:r>
+              <a:rPr lang="en-US" dirty="0"/>
+              <a:t>	</a:t>
+            </a:r>
+            <a:r>
+              <a:rPr lang="en-US" dirty="0" err="1"/>
+              <a:t>d</a:t>
+            </a:r>
+            <a:r>
+              <a:rPr lang="en-US" baseline="-25000" dirty="0" err="1"/>
+              <a:t>H</a:t>
+            </a:r>
+            <a:r>
+              <a:rPr lang="en-US" dirty="0"/>
+              <a:t>(</a:t>
+            </a:r>
+            <a:r>
+              <a:rPr lang="en-US" dirty="0" err="1"/>
+              <a:t>q,t</a:t>
+            </a:r>
+            <a:r>
+              <a:rPr lang="en-US" dirty="0"/>
+              <a:t>) ≤ |π| - </a:t>
+            </a:r>
+            <a:r>
+              <a:rPr lang="en-US" sz="2800" dirty="0" smtClean="0"/>
+              <a:t>w</a:t>
+            </a:r>
+            <a:r>
+              <a:rPr lang="en-US" sz="2800" baseline="-25000" dirty="0" smtClean="0"/>
+              <a:t>π</a:t>
+            </a:r>
+          </a:p>
+          <a:p>
+            <a:r>
+              <a:rPr lang="en-US" dirty="0" smtClean="0"/>
+              <a:t>Spaced seeds can be used to put an upper bound on the maximum difference between two sequences in order for them to still be considered a valid match</a:t>
+            </a:r>
+            <a:endParaRPr lang="en-US" dirty="0"/>
+          </a:p>
+          <a:p>
             <a:endParaRPr lang="en-US" dirty="0"/>
           </a:p>
         </p:txBody>
@@ -12701,7 +13554,7 @@
     </p:spTree>
     <p:extLst>
       <p:ext uri="{BB962C8B-B14F-4D97-AF65-F5344CB8AC3E}">
-        <p14:creationId xmlns:p14="http://schemas.microsoft.com/office/powerpoint/2010/main" val="828007722"/>
+        <p14:creationId xmlns:p14="http://schemas.microsoft.com/office/powerpoint/2010/main" val="3352683019"/>
       </p:ext>
     </p:extLst>
   </p:cSld>
@@ -12711,9 +13564,182 @@
   <p:timing>
     <p:tnLst>
       <p:par>
-        <p:cTn xmlns:p14="http://schemas.microsoft.com/office/powerpoint/2010/main" id="1" dur="indefinite" restart="never" nodeType="tmRoot"/>
+        <p:cTn xmlns:p14="http://schemas.microsoft.com/office/powerpoint/2010/main" id="1" dur="indefinite" restart="never" nodeType="tmRoot">
+          <p:childTnLst>
+            <p:seq concurrent="1" nextAc="seek">
+              <p:cTn id="2" dur="indefinite" nodeType="mainSeq">
+                <p:childTnLst>
+                  <p:par>
+                    <p:cTn id="3" fill="hold">
+                      <p:stCondLst>
+                        <p:cond delay="indefinite"/>
+                      </p:stCondLst>
+                      <p:childTnLst>
+                        <p:par>
+                          <p:cTn id="4" fill="hold">
+                            <p:stCondLst>
+                              <p:cond delay="0"/>
+                            </p:stCondLst>
+                            <p:childTnLst>
+                              <p:par>
+                                <p:cTn id="5" presetID="1" presetClass="entr" presetSubtype="0" fill="hold" grpId="0" nodeType="clickEffect">
+                                  <p:stCondLst>
+                                    <p:cond delay="0"/>
+                                  </p:stCondLst>
+                                  <p:childTnLst>
+                                    <p:set>
+                                      <p:cBhvr>
+                                        <p:cTn id="6" dur="1" fill="hold">
+                                          <p:stCondLst>
+                                            <p:cond delay="0"/>
+                                          </p:stCondLst>
+                                        </p:cTn>
+                                        <p:tgtEl>
+                                          <p:spTgt spid="3">
+                                            <p:txEl>
+                                              <p:pRg st="0" end="0"/>
+                                            </p:txEl>
+                                          </p:spTgt>
+                                        </p:tgtEl>
+                                        <p:attrNameLst>
+                                          <p:attrName>style.visibility</p:attrName>
+                                        </p:attrNameLst>
+                                      </p:cBhvr>
+                                      <p:to>
+                                        <p:strVal val="visible"/>
+                                      </p:to>
+                                    </p:set>
+                                  </p:childTnLst>
+                                </p:cTn>
+                              </p:par>
+                            </p:childTnLst>
+                          </p:cTn>
+                        </p:par>
+                      </p:childTnLst>
+                    </p:cTn>
+                  </p:par>
+                  <p:par>
+                    <p:cTn id="7" fill="hold">
+                      <p:stCondLst>
+                        <p:cond delay="indefinite"/>
+                      </p:stCondLst>
+                      <p:childTnLst>
+                        <p:par>
+                          <p:cTn id="8" fill="hold">
+                            <p:stCondLst>
+                              <p:cond delay="0"/>
+                            </p:stCondLst>
+                            <p:childTnLst>
+                              <p:par>
+                                <p:cTn id="9" presetID="1" presetClass="entr" presetSubtype="0" fill="hold" grpId="0" nodeType="clickEffect">
+                                  <p:stCondLst>
+                                    <p:cond delay="0"/>
+                                  </p:stCondLst>
+                                  <p:childTnLst>
+                                    <p:set>
+                                      <p:cBhvr>
+                                        <p:cTn id="10" dur="1" fill="hold">
+                                          <p:stCondLst>
+                                            <p:cond delay="0"/>
+                                          </p:stCondLst>
+                                        </p:cTn>
+                                        <p:tgtEl>
+                                          <p:spTgt spid="3">
+                                            <p:txEl>
+                                              <p:pRg st="1" end="1"/>
+                                            </p:txEl>
+                                          </p:spTgt>
+                                        </p:tgtEl>
+                                        <p:attrNameLst>
+                                          <p:attrName>style.visibility</p:attrName>
+                                        </p:attrNameLst>
+                                      </p:cBhvr>
+                                      <p:to>
+                                        <p:strVal val="visible"/>
+                                      </p:to>
+                                    </p:set>
+                                  </p:childTnLst>
+                                </p:cTn>
+                              </p:par>
+                            </p:childTnLst>
+                          </p:cTn>
+                        </p:par>
+                      </p:childTnLst>
+                    </p:cTn>
+                  </p:par>
+                  <p:par>
+                    <p:cTn id="11" fill="hold">
+                      <p:stCondLst>
+                        <p:cond delay="indefinite"/>
+                      </p:stCondLst>
+                      <p:childTnLst>
+                        <p:par>
+                          <p:cTn id="12" fill="hold">
+                            <p:stCondLst>
+                              <p:cond delay="0"/>
+                            </p:stCondLst>
+                            <p:childTnLst>
+                              <p:par>
+                                <p:cTn id="13" presetID="1" presetClass="entr" presetSubtype="0" fill="hold" grpId="0" nodeType="clickEffect">
+                                  <p:stCondLst>
+                                    <p:cond delay="0"/>
+                                  </p:stCondLst>
+                                  <p:childTnLst>
+                                    <p:set>
+                                      <p:cBhvr>
+                                        <p:cTn id="14" dur="1" fill="hold">
+                                          <p:stCondLst>
+                                            <p:cond delay="0"/>
+                                          </p:stCondLst>
+                                        </p:cTn>
+                                        <p:tgtEl>
+                                          <p:spTgt spid="3">
+                                            <p:txEl>
+                                              <p:pRg st="2" end="2"/>
+                                            </p:txEl>
+                                          </p:spTgt>
+                                        </p:tgtEl>
+                                        <p:attrNameLst>
+                                          <p:attrName>style.visibility</p:attrName>
+                                        </p:attrNameLst>
+                                      </p:cBhvr>
+                                      <p:to>
+                                        <p:strVal val="visible"/>
+                                      </p:to>
+                                    </p:set>
+                                  </p:childTnLst>
+                                </p:cTn>
+                              </p:par>
+                            </p:childTnLst>
+                          </p:cTn>
+                        </p:par>
+                      </p:childTnLst>
+                    </p:cTn>
+                  </p:par>
+                </p:childTnLst>
+              </p:cTn>
+              <p:prevCondLst>
+                <p:cond evt="onPrev" delay="0">
+                  <p:tgtEl>
+                    <p:sldTgt/>
+                  </p:tgtEl>
+                </p:cond>
+              </p:prevCondLst>
+              <p:nextCondLst>
+                <p:cond evt="onNext" delay="0">
+                  <p:tgtEl>
+                    <p:sldTgt/>
+                  </p:tgtEl>
+                </p:cond>
+              </p:nextCondLst>
+            </p:seq>
+          </p:childTnLst>
+        </p:cTn>
       </p:par>
     </p:tnLst>
+    <p:bldLst>
+      <p:bldP spid="3" grpId="0" build="p"/>
+    </p:bldLst>
   </p:timing>
 </p:sld>
 </file>
@@ -12737,7 +13763,26 @@
       </p:grpSpPr>
       <p:sp>
         <p:nvSpPr>
-          <p:cNvPr id="2" name="Title 1"/>
+          <p:cNvPr id="2" name="Text Placeholder 1"/>
+          <p:cNvSpPr>
+            <a:spLocks noGrp="1"/>
+          </p:cNvSpPr>
+          <p:nvPr>
+            <p:ph type="body" idx="1"/>
+          </p:nvPr>
+        </p:nvSpPr>
+        <p:spPr/>
+        <p:txBody>
+          <a:bodyPr/>
+          <a:lstStyle/>
+          <a:p>
+            <a:endParaRPr lang="en-US"/>
+          </a:p>
+        </p:txBody>
+      </p:sp>
+      <p:sp>
+        <p:nvSpPr>
+          <p:cNvPr id="3" name="Title 2"/>
           <p:cNvSpPr>
             <a:spLocks noGrp="1"/>
           </p:cNvSpPr>
@@ -12752,70 +13797,16 @@
           <a:p>
             <a:r>
               <a:rPr lang="en-US" dirty="0" smtClean="0"/>
-              <a:t>Hypothesis</a:t>
+              <a:t>Proposed Research</a:t>
             </a:r>
             <a:endParaRPr lang="en-US" dirty="0"/>
-          </a:p>
-        </p:txBody>
-      </p:sp>
-      <p:sp>
-        <p:nvSpPr>
-          <p:cNvPr id="3" name="Content Placeholder 2"/>
-          <p:cNvSpPr>
-            <a:spLocks noGrp="1"/>
-          </p:cNvSpPr>
-          <p:nvPr>
-            <p:ph sz="quarter" idx="1"/>
-          </p:nvPr>
-        </p:nvSpPr>
-        <p:spPr/>
-        <p:txBody>
-          <a:bodyPr>
-            <a:normAutofit/>
-          </a:bodyPr>
-          <a:lstStyle/>
-          <a:p>
-            <a:r>
-              <a:rPr lang="en-US" dirty="0" smtClean="0"/>
-              <a:t>We can improve upon RAIDER’s sensitivity to detection of approximate repeats through at least one of (more likely a combination of) the following:</a:t>
-            </a:r>
-          </a:p>
-          <a:p>
-            <a:pPr marL="731520" lvl="1" indent="-457200">
-              <a:buFont typeface="+mj-lt"/>
-              <a:buAutoNum type="arabicPeriod"/>
-            </a:pPr>
-            <a:r>
-              <a:rPr lang="en-US" dirty="0" smtClean="0"/>
-              <a:t>Modifying RAIDER algorithm</a:t>
-            </a:r>
-          </a:p>
-          <a:p>
-            <a:pPr marL="731520" lvl="1" indent="-457200">
-              <a:buFont typeface="+mj-lt"/>
-              <a:buAutoNum type="arabicPeriod"/>
-            </a:pPr>
-            <a:r>
-              <a:rPr lang="en-US" dirty="0" smtClean="0"/>
-              <a:t>Optimizing choice of seed</a:t>
-            </a:r>
-          </a:p>
-          <a:p>
-            <a:pPr marL="731520" lvl="1" indent="-457200">
-              <a:buFont typeface="+mj-lt"/>
-              <a:buAutoNum type="arabicPeriod"/>
-            </a:pPr>
-            <a:r>
-              <a:rPr lang="en-US" dirty="0" smtClean="0"/>
-              <a:t>Allowing use of multiple seeds</a:t>
-            </a:r>
           </a:p>
         </p:txBody>
       </p:sp>
     </p:spTree>
     <p:extLst>
       <p:ext uri="{BB962C8B-B14F-4D97-AF65-F5344CB8AC3E}">
-        <p14:creationId xmlns:p14="http://schemas.microsoft.com/office/powerpoint/2010/main" val="3204654304"/>
+        <p14:creationId xmlns:p14="http://schemas.microsoft.com/office/powerpoint/2010/main" val="828007722"/>
       </p:ext>
     </p:extLst>
   </p:cSld>
@@ -12866,7 +13857,7 @@
           <a:p>
             <a:r>
               <a:rPr lang="en-US" dirty="0" smtClean="0"/>
-              <a:t>Part 1: Modified Algorithm</a:t>
+              <a:t>Hypothesis</a:t>
             </a:r>
             <a:endParaRPr lang="en-US" dirty="0"/>
           </a:p>
@@ -12884,35 +13875,76 @@
         </p:nvSpPr>
         <p:spPr/>
         <p:txBody>
-          <a:bodyPr/>
+          <a:bodyPr>
+            <a:normAutofit/>
+          </a:bodyPr>
           <a:lstStyle/>
           <a:p>
             <a:r>
               <a:rPr lang="en-US" dirty="0" smtClean="0"/>
-              <a:t>Reasoning: RAIDER was not designed around the detection of approximate repeats/ the use of spaced seeds</a:t>
-            </a:r>
-          </a:p>
-          <a:p>
+              <a:t>RAIDER</a:t>
+            </a:r>
+          </a:p>
+          <a:p>
+            <a:pPr lvl="1"/>
+            <a:r>
+              <a:rPr lang="en-US" dirty="0"/>
+              <a:t>Time efficient repeat-finding algorithm</a:t>
+            </a:r>
+          </a:p>
+          <a:p>
+            <a:pPr lvl="1"/>
             <a:r>
               <a:rPr lang="en-US" dirty="0" smtClean="0"/>
-              <a:t>Approach: Modify algorithm with spaced seeds in mind</a:t>
-            </a:r>
-          </a:p>
-          <a:p>
-            <a:endParaRPr lang="en-US" dirty="0" smtClean="0"/>
-          </a:p>
-          <a:p>
-            <a:endParaRPr lang="en-US" dirty="0" smtClean="0"/>
-          </a:p>
-          <a:p>
-            <a:endParaRPr lang="en-US" dirty="0"/>
+              <a:t>Uses an arbitrarily chosen, singular spaced seed </a:t>
+            </a:r>
+          </a:p>
+          <a:p>
+            <a:r>
+              <a:rPr lang="en-US" dirty="0" smtClean="0"/>
+              <a:t>We </a:t>
+            </a:r>
+            <a:r>
+              <a:rPr lang="en-US" dirty="0" smtClean="0"/>
+              <a:t>can improve upon RAIDER’s sensitivity to detection of approximate repeats through at least one of (more likely a combination of) the following:</a:t>
+            </a:r>
+          </a:p>
+          <a:p>
+            <a:pPr marL="731520" lvl="1" indent="-457200">
+              <a:buFont typeface="+mj-lt"/>
+              <a:buAutoNum type="arabicPeriod"/>
+            </a:pPr>
+            <a:r>
+              <a:rPr lang="en-US" dirty="0" smtClean="0"/>
+              <a:t>Modifying RAIDER algorithm</a:t>
+            </a:r>
+          </a:p>
+          <a:p>
+            <a:pPr marL="731520" lvl="1" indent="-457200">
+              <a:buFont typeface="+mj-lt"/>
+              <a:buAutoNum type="arabicPeriod"/>
+            </a:pPr>
+            <a:r>
+              <a:rPr lang="en-US" dirty="0" smtClean="0"/>
+              <a:t>Optimizing choice of seed</a:t>
+            </a:r>
+          </a:p>
+          <a:p>
+            <a:pPr marL="731520" lvl="1" indent="-457200">
+              <a:buFont typeface="+mj-lt"/>
+              <a:buAutoNum type="arabicPeriod"/>
+            </a:pPr>
+            <a:r>
+              <a:rPr lang="en-US" dirty="0" smtClean="0"/>
+              <a:t>Allowing use of multiple seeds</a:t>
+            </a:r>
           </a:p>
         </p:txBody>
       </p:sp>
     </p:spTree>
     <p:extLst>
       <p:ext uri="{BB962C8B-B14F-4D97-AF65-F5344CB8AC3E}">
-        <p14:creationId xmlns:p14="http://schemas.microsoft.com/office/powerpoint/2010/main" val="2743340914"/>
+        <p14:creationId xmlns:p14="http://schemas.microsoft.com/office/powerpoint/2010/main" val="3204654304"/>
       </p:ext>
     </p:extLst>
   </p:cSld>
@@ -12922,9 +13954,378 @@
   <p:timing>
     <p:tnLst>
       <p:par>
-        <p:cTn xmlns:p14="http://schemas.microsoft.com/office/powerpoint/2010/main" id="1" dur="indefinite" restart="never" nodeType="tmRoot"/>
+        <p:cTn xmlns:p14="http://schemas.microsoft.com/office/powerpoint/2010/main" id="1" dur="indefinite" restart="never" nodeType="tmRoot">
+          <p:childTnLst>
+            <p:seq concurrent="1" nextAc="seek">
+              <p:cTn id="2" dur="indefinite" nodeType="mainSeq">
+                <p:childTnLst>
+                  <p:par>
+                    <p:cTn id="3" fill="hold">
+                      <p:stCondLst>
+                        <p:cond delay="indefinite"/>
+                      </p:stCondLst>
+                      <p:childTnLst>
+                        <p:par>
+                          <p:cTn id="4" fill="hold">
+                            <p:stCondLst>
+                              <p:cond delay="0"/>
+                            </p:stCondLst>
+                            <p:childTnLst>
+                              <p:par>
+                                <p:cTn id="5" presetID="1" presetClass="entr" presetSubtype="0" fill="hold" grpId="0" nodeType="clickEffect">
+                                  <p:stCondLst>
+                                    <p:cond delay="0"/>
+                                  </p:stCondLst>
+                                  <p:childTnLst>
+                                    <p:set>
+                                      <p:cBhvr>
+                                        <p:cTn id="6" dur="1" fill="hold">
+                                          <p:stCondLst>
+                                            <p:cond delay="0"/>
+                                          </p:stCondLst>
+                                        </p:cTn>
+                                        <p:tgtEl>
+                                          <p:spTgt spid="3">
+                                            <p:txEl>
+                                              <p:pRg st="0" end="0"/>
+                                            </p:txEl>
+                                          </p:spTgt>
+                                        </p:tgtEl>
+                                        <p:attrNameLst>
+                                          <p:attrName>style.visibility</p:attrName>
+                                        </p:attrNameLst>
+                                      </p:cBhvr>
+                                      <p:to>
+                                        <p:strVal val="visible"/>
+                                      </p:to>
+                                    </p:set>
+                                  </p:childTnLst>
+                                </p:cTn>
+                              </p:par>
+                            </p:childTnLst>
+                          </p:cTn>
+                        </p:par>
+                      </p:childTnLst>
+                    </p:cTn>
+                  </p:par>
+                  <p:par>
+                    <p:cTn id="7" fill="hold">
+                      <p:stCondLst>
+                        <p:cond delay="indefinite"/>
+                      </p:stCondLst>
+                      <p:childTnLst>
+                        <p:par>
+                          <p:cTn id="8" fill="hold">
+                            <p:stCondLst>
+                              <p:cond delay="0"/>
+                            </p:stCondLst>
+                            <p:childTnLst>
+                              <p:par>
+                                <p:cTn id="9" presetID="1" presetClass="entr" presetSubtype="0" fill="hold" grpId="0" nodeType="clickEffect">
+                                  <p:stCondLst>
+                                    <p:cond delay="0"/>
+                                  </p:stCondLst>
+                                  <p:childTnLst>
+                                    <p:set>
+                                      <p:cBhvr>
+                                        <p:cTn id="10" dur="1" fill="hold">
+                                          <p:stCondLst>
+                                            <p:cond delay="0"/>
+                                          </p:stCondLst>
+                                        </p:cTn>
+                                        <p:tgtEl>
+                                          <p:spTgt spid="3">
+                                            <p:txEl>
+                                              <p:pRg st="1" end="1"/>
+                                            </p:txEl>
+                                          </p:spTgt>
+                                        </p:tgtEl>
+                                        <p:attrNameLst>
+                                          <p:attrName>style.visibility</p:attrName>
+                                        </p:attrNameLst>
+                                      </p:cBhvr>
+                                      <p:to>
+                                        <p:strVal val="visible"/>
+                                      </p:to>
+                                    </p:set>
+                                  </p:childTnLst>
+                                </p:cTn>
+                              </p:par>
+                            </p:childTnLst>
+                          </p:cTn>
+                        </p:par>
+                      </p:childTnLst>
+                    </p:cTn>
+                  </p:par>
+                  <p:par>
+                    <p:cTn id="11" fill="hold">
+                      <p:stCondLst>
+                        <p:cond delay="indefinite"/>
+                      </p:stCondLst>
+                      <p:childTnLst>
+                        <p:par>
+                          <p:cTn id="12" fill="hold">
+                            <p:stCondLst>
+                              <p:cond delay="0"/>
+                            </p:stCondLst>
+                            <p:childTnLst>
+                              <p:par>
+                                <p:cTn id="13" presetID="1" presetClass="entr" presetSubtype="0" fill="hold" grpId="0" nodeType="clickEffect">
+                                  <p:stCondLst>
+                                    <p:cond delay="0"/>
+                                  </p:stCondLst>
+                                  <p:childTnLst>
+                                    <p:set>
+                                      <p:cBhvr>
+                                        <p:cTn id="14" dur="1" fill="hold">
+                                          <p:stCondLst>
+                                            <p:cond delay="0"/>
+                                          </p:stCondLst>
+                                        </p:cTn>
+                                        <p:tgtEl>
+                                          <p:spTgt spid="3">
+                                            <p:txEl>
+                                              <p:pRg st="2" end="2"/>
+                                            </p:txEl>
+                                          </p:spTgt>
+                                        </p:tgtEl>
+                                        <p:attrNameLst>
+                                          <p:attrName>style.visibility</p:attrName>
+                                        </p:attrNameLst>
+                                      </p:cBhvr>
+                                      <p:to>
+                                        <p:strVal val="visible"/>
+                                      </p:to>
+                                    </p:set>
+                                  </p:childTnLst>
+                                </p:cTn>
+                              </p:par>
+                            </p:childTnLst>
+                          </p:cTn>
+                        </p:par>
+                      </p:childTnLst>
+                    </p:cTn>
+                  </p:par>
+                  <p:par>
+                    <p:cTn id="15" fill="hold">
+                      <p:stCondLst>
+                        <p:cond delay="indefinite"/>
+                      </p:stCondLst>
+                      <p:childTnLst>
+                        <p:par>
+                          <p:cTn id="16" fill="hold">
+                            <p:stCondLst>
+                              <p:cond delay="0"/>
+                            </p:stCondLst>
+                            <p:childTnLst>
+                              <p:par>
+                                <p:cTn id="17" presetID="1" presetClass="entr" presetSubtype="0" fill="hold" grpId="0" nodeType="clickEffect">
+                                  <p:stCondLst>
+                                    <p:cond delay="0"/>
+                                  </p:stCondLst>
+                                  <p:childTnLst>
+                                    <p:set>
+                                      <p:cBhvr>
+                                        <p:cTn id="18" dur="1" fill="hold">
+                                          <p:stCondLst>
+                                            <p:cond delay="0"/>
+                                          </p:stCondLst>
+                                        </p:cTn>
+                                        <p:tgtEl>
+                                          <p:spTgt spid="3">
+                                            <p:txEl>
+                                              <p:pRg st="3" end="3"/>
+                                            </p:txEl>
+                                          </p:spTgt>
+                                        </p:tgtEl>
+                                        <p:attrNameLst>
+                                          <p:attrName>style.visibility</p:attrName>
+                                        </p:attrNameLst>
+                                      </p:cBhvr>
+                                      <p:to>
+                                        <p:strVal val="visible"/>
+                                      </p:to>
+                                    </p:set>
+                                  </p:childTnLst>
+                                </p:cTn>
+                              </p:par>
+                            </p:childTnLst>
+                          </p:cTn>
+                        </p:par>
+                      </p:childTnLst>
+                    </p:cTn>
+                  </p:par>
+                  <p:par>
+                    <p:cTn id="19" fill="hold">
+                      <p:stCondLst>
+                        <p:cond delay="indefinite"/>
+                      </p:stCondLst>
+                      <p:childTnLst>
+                        <p:par>
+                          <p:cTn id="20" fill="hold">
+                            <p:stCondLst>
+                              <p:cond delay="0"/>
+                            </p:stCondLst>
+                            <p:childTnLst>
+                              <p:par>
+                                <p:cTn id="21" presetID="1" presetClass="entr" presetSubtype="0" fill="hold" grpId="0" nodeType="clickEffect">
+                                  <p:stCondLst>
+                                    <p:cond delay="0"/>
+                                  </p:stCondLst>
+                                  <p:childTnLst>
+                                    <p:set>
+                                      <p:cBhvr>
+                                        <p:cTn id="22" dur="1" fill="hold">
+                                          <p:stCondLst>
+                                            <p:cond delay="0"/>
+                                          </p:stCondLst>
+                                        </p:cTn>
+                                        <p:tgtEl>
+                                          <p:spTgt spid="3">
+                                            <p:txEl>
+                                              <p:pRg st="4" end="4"/>
+                                            </p:txEl>
+                                          </p:spTgt>
+                                        </p:tgtEl>
+                                        <p:attrNameLst>
+                                          <p:attrName>style.visibility</p:attrName>
+                                        </p:attrNameLst>
+                                      </p:cBhvr>
+                                      <p:to>
+                                        <p:strVal val="visible"/>
+                                      </p:to>
+                                    </p:set>
+                                  </p:childTnLst>
+                                </p:cTn>
+                              </p:par>
+                            </p:childTnLst>
+                          </p:cTn>
+                        </p:par>
+                      </p:childTnLst>
+                    </p:cTn>
+                  </p:par>
+                  <p:par>
+                    <p:cTn id="23" fill="hold">
+                      <p:stCondLst>
+                        <p:cond delay="indefinite"/>
+                      </p:stCondLst>
+                      <p:childTnLst>
+                        <p:par>
+                          <p:cTn id="24" fill="hold">
+                            <p:stCondLst>
+                              <p:cond delay="0"/>
+                            </p:stCondLst>
+                            <p:childTnLst>
+                              <p:par>
+                                <p:cTn id="25" presetID="1" presetClass="entr" presetSubtype="0" fill="hold" grpId="0" nodeType="clickEffect">
+                                  <p:stCondLst>
+                                    <p:cond delay="0"/>
+                                  </p:stCondLst>
+                                  <p:childTnLst>
+                                    <p:set>
+                                      <p:cBhvr>
+                                        <p:cTn id="26" dur="1" fill="hold">
+                                          <p:stCondLst>
+                                            <p:cond delay="0"/>
+                                          </p:stCondLst>
+                                        </p:cTn>
+                                        <p:tgtEl>
+                                          <p:spTgt spid="3">
+                                            <p:txEl>
+                                              <p:pRg st="5" end="5"/>
+                                            </p:txEl>
+                                          </p:spTgt>
+                                        </p:tgtEl>
+                                        <p:attrNameLst>
+                                          <p:attrName>style.visibility</p:attrName>
+                                        </p:attrNameLst>
+                                      </p:cBhvr>
+                                      <p:to>
+                                        <p:strVal val="visible"/>
+                                      </p:to>
+                                    </p:set>
+                                  </p:childTnLst>
+                                </p:cTn>
+                              </p:par>
+                            </p:childTnLst>
+                          </p:cTn>
+                        </p:par>
+                      </p:childTnLst>
+                    </p:cTn>
+                  </p:par>
+                  <p:par>
+                    <p:cTn id="27" fill="hold">
+                      <p:stCondLst>
+                        <p:cond delay="indefinite"/>
+                      </p:stCondLst>
+                      <p:childTnLst>
+                        <p:par>
+                          <p:cTn id="28" fill="hold">
+                            <p:stCondLst>
+                              <p:cond delay="0"/>
+                            </p:stCondLst>
+                            <p:childTnLst>
+                              <p:par>
+                                <p:cTn id="29" presetID="1" presetClass="entr" presetSubtype="0" fill="hold" grpId="0" nodeType="clickEffect">
+                                  <p:stCondLst>
+                                    <p:cond delay="0"/>
+                                  </p:stCondLst>
+                                  <p:childTnLst>
+                                    <p:set>
+                                      <p:cBhvr>
+                                        <p:cTn id="30" dur="1" fill="hold">
+                                          <p:stCondLst>
+                                            <p:cond delay="0"/>
+                                          </p:stCondLst>
+                                        </p:cTn>
+                                        <p:tgtEl>
+                                          <p:spTgt spid="3">
+                                            <p:txEl>
+                                              <p:pRg st="6" end="6"/>
+                                            </p:txEl>
+                                          </p:spTgt>
+                                        </p:tgtEl>
+                                        <p:attrNameLst>
+                                          <p:attrName>style.visibility</p:attrName>
+                                        </p:attrNameLst>
+                                      </p:cBhvr>
+                                      <p:to>
+                                        <p:strVal val="visible"/>
+                                      </p:to>
+                                    </p:set>
+                                  </p:childTnLst>
+                                </p:cTn>
+                              </p:par>
+                            </p:childTnLst>
+                          </p:cTn>
+                        </p:par>
+                      </p:childTnLst>
+                    </p:cTn>
+                  </p:par>
+                </p:childTnLst>
+              </p:cTn>
+              <p:prevCondLst>
+                <p:cond evt="onPrev" delay="0">
+                  <p:tgtEl>
+                    <p:sldTgt/>
+                  </p:tgtEl>
+                </p:cond>
+              </p:prevCondLst>
+              <p:nextCondLst>
+                <p:cond evt="onNext" delay="0">
+                  <p:tgtEl>
+                    <p:sldTgt/>
+                  </p:tgtEl>
+                </p:cond>
+              </p:nextCondLst>
+            </p:seq>
+          </p:childTnLst>
+        </p:cTn>
       </p:par>
     </p:tnLst>
+    <p:bldLst>
+      <p:bldP spid="3" grpId="0" build="p"/>
+    </p:bldLst>
   </p:timing>
 </p:sld>
 </file>
@@ -12963,7 +14364,7 @@
           <a:p>
             <a:r>
               <a:rPr lang="en-US" dirty="0" smtClean="0"/>
-              <a:t>Part 2: Optimized Seed</a:t>
+              <a:t>Part 1: Modified Algorithm</a:t>
             </a:r>
             <a:endParaRPr lang="en-US" dirty="0"/>
           </a:p>
@@ -12986,35 +14387,22 @@
           <a:p>
             <a:r>
               <a:rPr lang="en-US" dirty="0" smtClean="0"/>
-              <a:t>Inspiration: </a:t>
+              <a:t>Reasoning: RAIDER was not designed around the detection of approximate repeats/ the use of spaced seeds</a:t>
             </a:r>
           </a:p>
           <a:p>
             <a:r>
               <a:rPr lang="en-US" dirty="0" smtClean="0"/>
-              <a:t>Reasoning: </a:t>
-            </a:r>
-          </a:p>
-          <a:p>
-            <a:pPr lvl="1"/>
-            <a:r>
-              <a:rPr lang="en-US" dirty="0" smtClean="0"/>
-              <a:t>There are likely to be some characteristics that make a spaced seed better (or worse) suited for use in repeat-finding algorithms.</a:t>
-            </a:r>
-            <a:endParaRPr lang="en-US" dirty="0"/>
-          </a:p>
-          <a:p>
-            <a:pPr lvl="1"/>
-            <a:r>
-              <a:rPr lang="en-US" dirty="0" smtClean="0"/>
-              <a:t>A few optimized spaced seeds could be as sensitive to repeat finding as many non-optimized ones.</a:t>
-            </a:r>
-          </a:p>
-          <a:p>
-            <a:r>
-              <a:rPr lang="en-US" dirty="0" smtClean="0"/>
-              <a:t>Approach: Seed design and analysis.</a:t>
-            </a:r>
+              <a:t>Approach: Modify algorithm with spaced seeds in mind</a:t>
+            </a:r>
+          </a:p>
+          <a:p>
+            <a:endParaRPr lang="en-US" dirty="0" smtClean="0"/>
+          </a:p>
+          <a:p>
+            <a:endParaRPr lang="en-US" dirty="0" smtClean="0"/>
+          </a:p>
+          <a:p>
             <a:endParaRPr lang="en-US" dirty="0"/>
           </a:p>
         </p:txBody>
@@ -13022,7 +14410,7 @@
     </p:spTree>
     <p:extLst>
       <p:ext uri="{BB962C8B-B14F-4D97-AF65-F5344CB8AC3E}">
-        <p14:creationId xmlns:p14="http://schemas.microsoft.com/office/powerpoint/2010/main" val="233711762"/>
+        <p14:creationId xmlns:p14="http://schemas.microsoft.com/office/powerpoint/2010/main" val="2743340914"/>
       </p:ext>
     </p:extLst>
   </p:cSld>
@@ -13073,7 +14461,7 @@
           <a:p>
             <a:r>
               <a:rPr lang="en-US" dirty="0" smtClean="0"/>
-              <a:t>Part 3: Multiple Seeds</a:t>
+              <a:t>Part 2: Optimized Seed</a:t>
             </a:r>
             <a:endParaRPr lang="en-US" dirty="0"/>
           </a:p>
@@ -13096,34 +14484,32 @@
           <a:p>
             <a:r>
               <a:rPr lang="en-US" dirty="0" smtClean="0"/>
-              <a:t>Inspiration: </a:t>
-            </a:r>
-            <a:r>
-              <a:rPr lang="en-US" dirty="0" err="1" smtClean="0"/>
-              <a:t>PatternHunter</a:t>
+              <a:t>Reasoning</a:t>
             </a:r>
             <a:r>
               <a:rPr lang="en-US" dirty="0" smtClean="0"/>
-              <a:t> II</a:t>
-            </a:r>
-          </a:p>
-          <a:p>
+              <a:t>: </a:t>
+            </a:r>
+          </a:p>
+          <a:p>
+            <a:pPr lvl="1"/>
             <a:r>
               <a:rPr lang="en-US" dirty="0" smtClean="0"/>
-              <a:t>Reasoning:</a:t>
-            </a:r>
+              <a:t>There are likely to be some characteristics that make a spaced seed better (or worse) suited for use in repeat-finding algorithms.</a:t>
+            </a:r>
+            <a:endParaRPr lang="en-US" dirty="0"/>
           </a:p>
           <a:p>
             <a:pPr lvl="1"/>
             <a:r>
               <a:rPr lang="en-US" dirty="0" smtClean="0"/>
-              <a:t>More seeds -&gt; more sensitive.</a:t>
+              <a:t>A few optimized spaced seeds could be as sensitive to repeat finding as many non-optimized ones.</a:t>
             </a:r>
           </a:p>
           <a:p>
             <a:r>
               <a:rPr lang="en-US" dirty="0" smtClean="0"/>
-              <a:t>Approach: Attempt to incorporate multiple seeds into algorithm without time and space complexity blowing up.</a:t>
+              <a:t>Approach: Seed design and analysis.</a:t>
             </a:r>
             <a:endParaRPr lang="en-US" dirty="0"/>
           </a:p>
@@ -13132,7 +14518,7 @@
     </p:spTree>
     <p:extLst>
       <p:ext uri="{BB962C8B-B14F-4D97-AF65-F5344CB8AC3E}">
-        <p14:creationId xmlns:p14="http://schemas.microsoft.com/office/powerpoint/2010/main" val="1127683396"/>
+        <p14:creationId xmlns:p14="http://schemas.microsoft.com/office/powerpoint/2010/main" val="233711762"/>
       </p:ext>
     </p:extLst>
   </p:cSld>
@@ -13183,7 +14569,7 @@
           <a:p>
             <a:r>
               <a:rPr lang="en-US" dirty="0" smtClean="0"/>
-              <a:t>Performance Evaluation</a:t>
+              <a:t>Part 3: Multiple Seeds</a:t>
             </a:r>
             <a:endParaRPr lang="en-US" dirty="0"/>
           </a:p>
@@ -13201,95 +14587,48 @@
         </p:nvSpPr>
         <p:spPr/>
         <p:txBody>
-          <a:bodyPr>
-            <a:normAutofit/>
-          </a:bodyPr>
+          <a:bodyPr/>
           <a:lstStyle/>
           <a:p>
             <a:r>
+              <a:rPr lang="en-US" dirty="0" smtClean="0"/>
+              <a:t>Inspiration: </a:t>
+            </a:r>
+            <a:r>
               <a:rPr lang="en-US" dirty="0" err="1" smtClean="0"/>
-              <a:t>RaiderEval</a:t>
-            </a:r>
-            <a:endParaRPr lang="en-US" dirty="0" smtClean="0"/>
+              <a:t>PatternHunter</a:t>
+            </a:r>
+            <a:r>
+              <a:rPr lang="en-US" dirty="0" smtClean="0"/>
+              <a:t> II</a:t>
+            </a:r>
+          </a:p>
+          <a:p>
+            <a:r>
+              <a:rPr lang="en-US" dirty="0" smtClean="0"/>
+              <a:t>Reasoning:</a:t>
+            </a:r>
           </a:p>
           <a:p>
             <a:pPr lvl="1"/>
             <a:r>
               <a:rPr lang="en-US" dirty="0" smtClean="0"/>
-              <a:t>Generates </a:t>
-            </a:r>
-            <a:r>
-              <a:rPr lang="en-US" dirty="0"/>
-              <a:t>performance statistics for one or more repeat-finding tool(s) when run on </a:t>
-            </a:r>
+              <a:t>More seeds -&gt; more sensitive.</a:t>
+            </a:r>
+          </a:p>
+          <a:p>
             <a:r>
               <a:rPr lang="en-US" dirty="0" smtClean="0"/>
-              <a:t>a simulated sequence</a:t>
-            </a:r>
-          </a:p>
-          <a:p>
-            <a:pPr lvl="2"/>
-            <a:r>
-              <a:rPr lang="en-US" dirty="0" smtClean="0"/>
-              <a:t>TODO: Ask </a:t>
-            </a:r>
-            <a:r>
-              <a:rPr lang="en-US" dirty="0" err="1" smtClean="0"/>
-              <a:t>Karro</a:t>
-            </a:r>
-            <a:r>
-              <a:rPr lang="en-US" dirty="0" smtClean="0"/>
-              <a:t> if this sequence has only exact repeats</a:t>
-            </a:r>
-          </a:p>
-          <a:p>
-            <a:pPr lvl="1"/>
-            <a:r>
-              <a:rPr lang="en-US" dirty="0" smtClean="0"/>
-              <a:t>Allows for quantitative comparison of tools</a:t>
-            </a:r>
-          </a:p>
-          <a:p>
-            <a:pPr lvl="2"/>
-            <a:r>
-              <a:rPr lang="en-US" dirty="0" smtClean="0"/>
-              <a:t>Initially created to compare results of RAIDER against </a:t>
-            </a:r>
-            <a:r>
-              <a:rPr lang="en-US" dirty="0" err="1" smtClean="0"/>
-              <a:t>RepeatScout</a:t>
-            </a:r>
-            <a:r>
-              <a:rPr lang="en-US" dirty="0" smtClean="0"/>
-              <a:t> </a:t>
-            </a:r>
-          </a:p>
-          <a:p>
-            <a:r>
-              <a:rPr lang="en-US" dirty="0" smtClean="0"/>
-              <a:t>Modify </a:t>
-            </a:r>
-            <a:r>
-              <a:rPr lang="en-US" dirty="0" err="1" smtClean="0"/>
-              <a:t>RaiderEval</a:t>
-            </a:r>
-            <a:r>
-              <a:rPr lang="en-US" dirty="0" smtClean="0"/>
-              <a:t> to allow option of running multiple versions of RAIDER</a:t>
-            </a:r>
-          </a:p>
-          <a:p>
-            <a:r>
-              <a:rPr lang="en-US" dirty="0" smtClean="0"/>
-              <a:t>Evaluate whether significantly improve sensitivity to detection of approximate repeats</a:t>
-            </a:r>
+              <a:t>Approach: Attempt to incorporate multiple seeds into algorithm without time and space complexity blowing up.</a:t>
+            </a:r>
+            <a:endParaRPr lang="en-US" dirty="0"/>
           </a:p>
         </p:txBody>
       </p:sp>
     </p:spTree>
     <p:extLst>
       <p:ext uri="{BB962C8B-B14F-4D97-AF65-F5344CB8AC3E}">
-        <p14:creationId xmlns:p14="http://schemas.microsoft.com/office/powerpoint/2010/main" val="1062490643"/>
+        <p14:creationId xmlns:p14="http://schemas.microsoft.com/office/powerpoint/2010/main" val="1127683396"/>
       </p:ext>
     </p:extLst>
   </p:cSld>
@@ -13307,6 +14646,532 @@
 </file>
 
 <file path=ppt/slides/slide16.xml><?xml version="1.0" encoding="utf-8"?>
+<p:sld xmlns:a="http://schemas.openxmlformats.org/drawingml/2006/main" xmlns:r="http://schemas.openxmlformats.org/officeDocument/2006/relationships" xmlns:p="http://schemas.openxmlformats.org/presentationml/2006/main">
+  <p:cSld>
+    <p:spTree>
+      <p:nvGrpSpPr>
+        <p:cNvPr id="1" name=""/>
+        <p:cNvGrpSpPr/>
+        <p:nvPr/>
+      </p:nvGrpSpPr>
+      <p:grpSpPr>
+        <a:xfrm>
+          <a:off x="0" y="0"/>
+          <a:ext cx="0" cy="0"/>
+          <a:chOff x="0" y="0"/>
+          <a:chExt cx="0" cy="0"/>
+        </a:xfrm>
+      </p:grpSpPr>
+      <p:sp>
+        <p:nvSpPr>
+          <p:cNvPr id="2" name="Title 1"/>
+          <p:cNvSpPr>
+            <a:spLocks noGrp="1"/>
+          </p:cNvSpPr>
+          <p:nvPr>
+            <p:ph type="title"/>
+          </p:nvPr>
+        </p:nvSpPr>
+        <p:spPr/>
+        <p:txBody>
+          <a:bodyPr/>
+          <a:lstStyle/>
+          <a:p>
+            <a:r>
+              <a:rPr lang="en-US" dirty="0" smtClean="0"/>
+              <a:t>Performance Evaluation</a:t>
+            </a:r>
+            <a:endParaRPr lang="en-US" dirty="0"/>
+          </a:p>
+        </p:txBody>
+      </p:sp>
+      <p:sp>
+        <p:nvSpPr>
+          <p:cNvPr id="3" name="Content Placeholder 2"/>
+          <p:cNvSpPr>
+            <a:spLocks noGrp="1"/>
+          </p:cNvSpPr>
+          <p:nvPr>
+            <p:ph sz="quarter" idx="1"/>
+          </p:nvPr>
+        </p:nvSpPr>
+        <p:spPr/>
+        <p:txBody>
+          <a:bodyPr>
+            <a:normAutofit/>
+          </a:bodyPr>
+          <a:lstStyle/>
+          <a:p>
+            <a:r>
+              <a:rPr lang="en-US" dirty="0" err="1" smtClean="0"/>
+              <a:t>RaiderEval</a:t>
+            </a:r>
+            <a:endParaRPr lang="en-US" dirty="0" smtClean="0"/>
+          </a:p>
+          <a:p>
+            <a:pPr lvl="1"/>
+            <a:r>
+              <a:rPr lang="en-US" dirty="0" smtClean="0"/>
+              <a:t>Generates </a:t>
+            </a:r>
+            <a:r>
+              <a:rPr lang="en-US" dirty="0"/>
+              <a:t>performance statistics for one or more repeat-finding tool(s) when run on </a:t>
+            </a:r>
+            <a:r>
+              <a:rPr lang="en-US" dirty="0" smtClean="0"/>
+              <a:t>a simulated sequence</a:t>
+            </a:r>
+          </a:p>
+          <a:p>
+            <a:pPr lvl="2"/>
+            <a:r>
+              <a:rPr lang="en-US" dirty="0" smtClean="0"/>
+              <a:t>TODO: Ask </a:t>
+            </a:r>
+            <a:r>
+              <a:rPr lang="en-US" dirty="0" err="1" smtClean="0"/>
+              <a:t>Karro</a:t>
+            </a:r>
+            <a:r>
+              <a:rPr lang="en-US" dirty="0" smtClean="0"/>
+              <a:t> if this sequence has only exact repeats</a:t>
+            </a:r>
+          </a:p>
+          <a:p>
+            <a:pPr lvl="1"/>
+            <a:r>
+              <a:rPr lang="en-US" dirty="0" smtClean="0"/>
+              <a:t>Allows for quantitative comparison of tools</a:t>
+            </a:r>
+          </a:p>
+          <a:p>
+            <a:pPr lvl="2"/>
+            <a:r>
+              <a:rPr lang="en-US" dirty="0" smtClean="0"/>
+              <a:t>Initially created to compare results of RAIDER against </a:t>
+            </a:r>
+            <a:r>
+              <a:rPr lang="en-US" dirty="0" err="1" smtClean="0"/>
+              <a:t>RepeatScout</a:t>
+            </a:r>
+            <a:r>
+              <a:rPr lang="en-US" dirty="0" smtClean="0"/>
+              <a:t> </a:t>
+            </a:r>
+          </a:p>
+          <a:p>
+            <a:r>
+              <a:rPr lang="en-US" dirty="0" smtClean="0"/>
+              <a:t>Modify </a:t>
+            </a:r>
+            <a:r>
+              <a:rPr lang="en-US" dirty="0" err="1" smtClean="0"/>
+              <a:t>RaiderEval</a:t>
+            </a:r>
+            <a:r>
+              <a:rPr lang="en-US" dirty="0" smtClean="0"/>
+              <a:t> to allow option of running multiple versions of RAIDER</a:t>
+            </a:r>
+          </a:p>
+          <a:p>
+            <a:r>
+              <a:rPr lang="en-US" dirty="0" smtClean="0"/>
+              <a:t>Evaluate whether significantly improve sensitivity to detection of approximate repeats</a:t>
+            </a:r>
+          </a:p>
+        </p:txBody>
+      </p:sp>
+    </p:spTree>
+    <p:extLst>
+      <p:ext uri="{BB962C8B-B14F-4D97-AF65-F5344CB8AC3E}">
+        <p14:creationId xmlns:p14="http://schemas.microsoft.com/office/powerpoint/2010/main" val="1062490643"/>
+      </p:ext>
+    </p:extLst>
+  </p:cSld>
+  <p:clrMapOvr>
+    <a:masterClrMapping/>
+  </p:clrMapOvr>
+  <p:timing>
+    <p:tnLst>
+      <p:par>
+        <p:cTn xmlns:p14="http://schemas.microsoft.com/office/powerpoint/2010/main" id="1" dur="indefinite" restart="never" nodeType="tmRoot">
+          <p:childTnLst>
+            <p:seq concurrent="1" nextAc="seek">
+              <p:cTn id="2" dur="indefinite" nodeType="mainSeq">
+                <p:childTnLst>
+                  <p:par>
+                    <p:cTn id="3" fill="hold">
+                      <p:stCondLst>
+                        <p:cond delay="indefinite"/>
+                      </p:stCondLst>
+                      <p:childTnLst>
+                        <p:par>
+                          <p:cTn id="4" fill="hold">
+                            <p:stCondLst>
+                              <p:cond delay="0"/>
+                            </p:stCondLst>
+                            <p:childTnLst>
+                              <p:par>
+                                <p:cTn id="5" presetID="1" presetClass="entr" presetSubtype="0" fill="hold" grpId="0" nodeType="clickEffect">
+                                  <p:stCondLst>
+                                    <p:cond delay="0"/>
+                                  </p:stCondLst>
+                                  <p:childTnLst>
+                                    <p:set>
+                                      <p:cBhvr>
+                                        <p:cTn id="6" dur="1" fill="hold">
+                                          <p:stCondLst>
+                                            <p:cond delay="0"/>
+                                          </p:stCondLst>
+                                        </p:cTn>
+                                        <p:tgtEl>
+                                          <p:spTgt spid="3">
+                                            <p:txEl>
+                                              <p:pRg st="0" end="0"/>
+                                            </p:txEl>
+                                          </p:spTgt>
+                                        </p:tgtEl>
+                                        <p:attrNameLst>
+                                          <p:attrName>style.visibility</p:attrName>
+                                        </p:attrNameLst>
+                                      </p:cBhvr>
+                                      <p:to>
+                                        <p:strVal val="visible"/>
+                                      </p:to>
+                                    </p:set>
+                                  </p:childTnLst>
+                                </p:cTn>
+                              </p:par>
+                            </p:childTnLst>
+                          </p:cTn>
+                        </p:par>
+                      </p:childTnLst>
+                    </p:cTn>
+                  </p:par>
+                  <p:par>
+                    <p:cTn id="7" fill="hold">
+                      <p:stCondLst>
+                        <p:cond delay="indefinite"/>
+                      </p:stCondLst>
+                      <p:childTnLst>
+                        <p:par>
+                          <p:cTn id="8" fill="hold">
+                            <p:stCondLst>
+                              <p:cond delay="0"/>
+                            </p:stCondLst>
+                            <p:childTnLst>
+                              <p:par>
+                                <p:cTn id="9" presetID="1" presetClass="entr" presetSubtype="0" fill="hold" grpId="0" nodeType="clickEffect">
+                                  <p:stCondLst>
+                                    <p:cond delay="0"/>
+                                  </p:stCondLst>
+                                  <p:childTnLst>
+                                    <p:set>
+                                      <p:cBhvr>
+                                        <p:cTn id="10" dur="1" fill="hold">
+                                          <p:stCondLst>
+                                            <p:cond delay="0"/>
+                                          </p:stCondLst>
+                                        </p:cTn>
+                                        <p:tgtEl>
+                                          <p:spTgt spid="3">
+                                            <p:txEl>
+                                              <p:pRg st="1" end="1"/>
+                                            </p:txEl>
+                                          </p:spTgt>
+                                        </p:tgtEl>
+                                        <p:attrNameLst>
+                                          <p:attrName>style.visibility</p:attrName>
+                                        </p:attrNameLst>
+                                      </p:cBhvr>
+                                      <p:to>
+                                        <p:strVal val="visible"/>
+                                      </p:to>
+                                    </p:set>
+                                  </p:childTnLst>
+                                </p:cTn>
+                              </p:par>
+                            </p:childTnLst>
+                          </p:cTn>
+                        </p:par>
+                      </p:childTnLst>
+                    </p:cTn>
+                  </p:par>
+                  <p:par>
+                    <p:cTn id="11" fill="hold">
+                      <p:stCondLst>
+                        <p:cond delay="indefinite"/>
+                      </p:stCondLst>
+                      <p:childTnLst>
+                        <p:par>
+                          <p:cTn id="12" fill="hold">
+                            <p:stCondLst>
+                              <p:cond delay="0"/>
+                            </p:stCondLst>
+                            <p:childTnLst>
+                              <p:par>
+                                <p:cTn id="13" presetID="1" presetClass="entr" presetSubtype="0" fill="hold" grpId="0" nodeType="clickEffect">
+                                  <p:stCondLst>
+                                    <p:cond delay="0"/>
+                                  </p:stCondLst>
+                                  <p:childTnLst>
+                                    <p:set>
+                                      <p:cBhvr>
+                                        <p:cTn id="14" dur="1" fill="hold">
+                                          <p:stCondLst>
+                                            <p:cond delay="0"/>
+                                          </p:stCondLst>
+                                        </p:cTn>
+                                        <p:tgtEl>
+                                          <p:spTgt spid="3">
+                                            <p:txEl>
+                                              <p:pRg st="2" end="2"/>
+                                            </p:txEl>
+                                          </p:spTgt>
+                                        </p:tgtEl>
+                                        <p:attrNameLst>
+                                          <p:attrName>style.visibility</p:attrName>
+                                        </p:attrNameLst>
+                                      </p:cBhvr>
+                                      <p:to>
+                                        <p:strVal val="visible"/>
+                                      </p:to>
+                                    </p:set>
+                                  </p:childTnLst>
+                                </p:cTn>
+                              </p:par>
+                            </p:childTnLst>
+                          </p:cTn>
+                        </p:par>
+                      </p:childTnLst>
+                    </p:cTn>
+                  </p:par>
+                  <p:par>
+                    <p:cTn id="15" fill="hold">
+                      <p:stCondLst>
+                        <p:cond delay="indefinite"/>
+                      </p:stCondLst>
+                      <p:childTnLst>
+                        <p:par>
+                          <p:cTn id="16" fill="hold">
+                            <p:stCondLst>
+                              <p:cond delay="0"/>
+                            </p:stCondLst>
+                            <p:childTnLst>
+                              <p:par>
+                                <p:cTn id="17" presetID="1" presetClass="entr" presetSubtype="0" fill="hold" grpId="0" nodeType="clickEffect">
+                                  <p:stCondLst>
+                                    <p:cond delay="0"/>
+                                  </p:stCondLst>
+                                  <p:childTnLst>
+                                    <p:set>
+                                      <p:cBhvr>
+                                        <p:cTn id="18" dur="1" fill="hold">
+                                          <p:stCondLst>
+                                            <p:cond delay="0"/>
+                                          </p:stCondLst>
+                                        </p:cTn>
+                                        <p:tgtEl>
+                                          <p:spTgt spid="3">
+                                            <p:txEl>
+                                              <p:pRg st="3" end="3"/>
+                                            </p:txEl>
+                                          </p:spTgt>
+                                        </p:tgtEl>
+                                        <p:attrNameLst>
+                                          <p:attrName>style.visibility</p:attrName>
+                                        </p:attrNameLst>
+                                      </p:cBhvr>
+                                      <p:to>
+                                        <p:strVal val="visible"/>
+                                      </p:to>
+                                    </p:set>
+                                  </p:childTnLst>
+                                </p:cTn>
+                              </p:par>
+                            </p:childTnLst>
+                          </p:cTn>
+                        </p:par>
+                      </p:childTnLst>
+                    </p:cTn>
+                  </p:par>
+                  <p:par>
+                    <p:cTn id="19" fill="hold">
+                      <p:stCondLst>
+                        <p:cond delay="indefinite"/>
+                      </p:stCondLst>
+                      <p:childTnLst>
+                        <p:par>
+                          <p:cTn id="20" fill="hold">
+                            <p:stCondLst>
+                              <p:cond delay="0"/>
+                            </p:stCondLst>
+                            <p:childTnLst>
+                              <p:par>
+                                <p:cTn id="21" presetID="1" presetClass="entr" presetSubtype="0" fill="hold" grpId="0" nodeType="clickEffect">
+                                  <p:stCondLst>
+                                    <p:cond delay="0"/>
+                                  </p:stCondLst>
+                                  <p:childTnLst>
+                                    <p:set>
+                                      <p:cBhvr>
+                                        <p:cTn id="22" dur="1" fill="hold">
+                                          <p:stCondLst>
+                                            <p:cond delay="0"/>
+                                          </p:stCondLst>
+                                        </p:cTn>
+                                        <p:tgtEl>
+                                          <p:spTgt spid="3">
+                                            <p:txEl>
+                                              <p:pRg st="4" end="4"/>
+                                            </p:txEl>
+                                          </p:spTgt>
+                                        </p:tgtEl>
+                                        <p:attrNameLst>
+                                          <p:attrName>style.visibility</p:attrName>
+                                        </p:attrNameLst>
+                                      </p:cBhvr>
+                                      <p:to>
+                                        <p:strVal val="visible"/>
+                                      </p:to>
+                                    </p:set>
+                                  </p:childTnLst>
+                                </p:cTn>
+                              </p:par>
+                            </p:childTnLst>
+                          </p:cTn>
+                        </p:par>
+                      </p:childTnLst>
+                    </p:cTn>
+                  </p:par>
+                  <p:par>
+                    <p:cTn id="23" fill="hold">
+                      <p:stCondLst>
+                        <p:cond delay="indefinite"/>
+                      </p:stCondLst>
+                      <p:childTnLst>
+                        <p:par>
+                          <p:cTn id="24" fill="hold">
+                            <p:stCondLst>
+                              <p:cond delay="0"/>
+                            </p:stCondLst>
+                            <p:childTnLst>
+                              <p:par>
+                                <p:cTn id="25" presetID="1" presetClass="entr" presetSubtype="0" fill="hold" grpId="0" nodeType="clickEffect">
+                                  <p:stCondLst>
+                                    <p:cond delay="0"/>
+                                  </p:stCondLst>
+                                  <p:childTnLst>
+                                    <p:set>
+                                      <p:cBhvr>
+                                        <p:cTn id="26" dur="1" fill="hold">
+                                          <p:stCondLst>
+                                            <p:cond delay="0"/>
+                                          </p:stCondLst>
+                                        </p:cTn>
+                                        <p:tgtEl>
+                                          <p:spTgt spid="3">
+                                            <p:txEl>
+                                              <p:pRg st="5" end="5"/>
+                                            </p:txEl>
+                                          </p:spTgt>
+                                        </p:tgtEl>
+                                        <p:attrNameLst>
+                                          <p:attrName>style.visibility</p:attrName>
+                                        </p:attrNameLst>
+                                      </p:cBhvr>
+                                      <p:to>
+                                        <p:strVal val="visible"/>
+                                      </p:to>
+                                    </p:set>
+                                  </p:childTnLst>
+                                </p:cTn>
+                              </p:par>
+                            </p:childTnLst>
+                          </p:cTn>
+                        </p:par>
+                      </p:childTnLst>
+                    </p:cTn>
+                  </p:par>
+                  <p:par>
+                    <p:cTn id="27" fill="hold">
+                      <p:stCondLst>
+                        <p:cond delay="indefinite"/>
+                      </p:stCondLst>
+                      <p:childTnLst>
+                        <p:par>
+                          <p:cTn id="28" fill="hold">
+                            <p:stCondLst>
+                              <p:cond delay="0"/>
+                            </p:stCondLst>
+                            <p:childTnLst>
+                              <p:par>
+                                <p:cTn id="29" presetID="1" presetClass="entr" presetSubtype="0" fill="hold" grpId="0" nodeType="clickEffect">
+                                  <p:stCondLst>
+                                    <p:cond delay="0"/>
+                                  </p:stCondLst>
+                                  <p:childTnLst>
+                                    <p:set>
+                                      <p:cBhvr>
+                                        <p:cTn id="30" dur="1" fill="hold">
+                                          <p:stCondLst>
+                                            <p:cond delay="0"/>
+                                          </p:stCondLst>
+                                        </p:cTn>
+                                        <p:tgtEl>
+                                          <p:spTgt spid="3">
+                                            <p:txEl>
+                                              <p:pRg st="6" end="6"/>
+                                            </p:txEl>
+                                          </p:spTgt>
+                                        </p:tgtEl>
+                                        <p:attrNameLst>
+                                          <p:attrName>style.visibility</p:attrName>
+                                        </p:attrNameLst>
+                                      </p:cBhvr>
+                                      <p:to>
+                                        <p:strVal val="visible"/>
+                                      </p:to>
+                                    </p:set>
+                                  </p:childTnLst>
+                                </p:cTn>
+                              </p:par>
+                            </p:childTnLst>
+                          </p:cTn>
+                        </p:par>
+                      </p:childTnLst>
+                    </p:cTn>
+                  </p:par>
+                </p:childTnLst>
+              </p:cTn>
+              <p:prevCondLst>
+                <p:cond evt="onPrev" delay="0">
+                  <p:tgtEl>
+                    <p:sldTgt/>
+                  </p:tgtEl>
+                </p:cond>
+              </p:prevCondLst>
+              <p:nextCondLst>
+                <p:cond evt="onNext" delay="0">
+                  <p:tgtEl>
+                    <p:sldTgt/>
+                  </p:tgtEl>
+                </p:cond>
+              </p:nextCondLst>
+            </p:seq>
+          </p:childTnLst>
+        </p:cTn>
+      </p:par>
+    </p:tnLst>
+    <p:bldLst>
+      <p:bldP spid="3" grpId="0" build="p"/>
+    </p:bldLst>
+  </p:timing>
+</p:sld>
+</file>
+
+<file path=ppt/slides/slide17.xml><?xml version="1.0" encoding="utf-8"?>
 <p:sld xmlns:a="http://schemas.openxmlformats.org/drawingml/2006/main" xmlns:r="http://schemas.openxmlformats.org/officeDocument/2006/relationships" xmlns:p="http://schemas.openxmlformats.org/presentationml/2006/main">
   <p:cSld>
     <p:spTree>
@@ -13388,6 +15253,90 @@
 </p:sld>
 </file>
 
+<file path=ppt/slides/slide18.xml><?xml version="1.0" encoding="utf-8"?>
+<p:sld xmlns:a="http://schemas.openxmlformats.org/drawingml/2006/main" xmlns:r="http://schemas.openxmlformats.org/officeDocument/2006/relationships" xmlns:p="http://schemas.openxmlformats.org/presentationml/2006/main">
+  <p:cSld>
+    <p:spTree>
+      <p:nvGrpSpPr>
+        <p:cNvPr id="1" name=""/>
+        <p:cNvGrpSpPr/>
+        <p:nvPr/>
+      </p:nvGrpSpPr>
+      <p:grpSpPr>
+        <a:xfrm>
+          <a:off x="0" y="0"/>
+          <a:ext cx="0" cy="0"/>
+          <a:chOff x="0" y="0"/>
+          <a:chExt cx="0" cy="0"/>
+        </a:xfrm>
+      </p:grpSpPr>
+      <p:sp>
+        <p:nvSpPr>
+          <p:cNvPr id="2" name="Title 1"/>
+          <p:cNvSpPr>
+            <a:spLocks noGrp="1"/>
+          </p:cNvSpPr>
+          <p:nvPr>
+            <p:ph type="title"/>
+          </p:nvPr>
+        </p:nvSpPr>
+        <p:spPr/>
+        <p:txBody>
+          <a:bodyPr/>
+          <a:lstStyle/>
+          <a:p>
+            <a:r>
+              <a:rPr lang="en-US" dirty="0" smtClean="0"/>
+              <a:t>Questions?</a:t>
+            </a:r>
+            <a:endParaRPr lang="en-US" dirty="0"/>
+          </a:p>
+        </p:txBody>
+      </p:sp>
+      <p:pic>
+        <p:nvPicPr>
+          <p:cNvPr id="3" name="Picture 2"/>
+          <p:cNvPicPr>
+            <a:picLocks noChangeAspect="1"/>
+          </p:cNvPicPr>
+          <p:nvPr/>
+        </p:nvPicPr>
+        <p:blipFill>
+          <a:blip r:embed="rId2"/>
+          <a:stretch>
+            <a:fillRect/>
+          </a:stretch>
+        </p:blipFill>
+        <p:spPr>
+          <a:xfrm>
+            <a:off x="301752" y="1447800"/>
+            <a:ext cx="8559800" cy="4584700"/>
+          </a:xfrm>
+          <a:prstGeom prst="rect">
+            <a:avLst/>
+          </a:prstGeom>
+        </p:spPr>
+      </p:pic>
+    </p:spTree>
+    <p:extLst>
+      <p:ext uri="{BB962C8B-B14F-4D97-AF65-F5344CB8AC3E}">
+        <p14:creationId xmlns:p14="http://schemas.microsoft.com/office/powerpoint/2010/main" val="4249949866"/>
+      </p:ext>
+    </p:extLst>
+  </p:cSld>
+  <p:clrMapOvr>
+    <a:masterClrMapping/>
+  </p:clrMapOvr>
+  <p:timing>
+    <p:tnLst>
+      <p:par>
+        <p:cTn xmlns:p14="http://schemas.microsoft.com/office/powerpoint/2010/main" id="1" dur="indefinite" restart="never" nodeType="tmRoot"/>
+      </p:par>
+    </p:tnLst>
+  </p:timing>
+</p:sld>
+</file>
+
 <file path=ppt/slides/slide2.xml><?xml version="1.0" encoding="utf-8"?>
 <p:sld xmlns:a="http://schemas.openxmlformats.org/drawingml/2006/main" xmlns:r="http://schemas.openxmlformats.org/officeDocument/2006/relationships" xmlns:p="http://schemas.openxmlformats.org/presentationml/2006/main">
   <p:cSld>
@@ -13589,8 +15538,30 @@
             <a:pPr lvl="1"/>
             <a:r>
               <a:rPr lang="en-US" dirty="0" smtClean="0"/>
-              <a:t>TODO: 1. transposable elements? 2. graph of % human genome repetitive</a:t>
-            </a:r>
+              <a:t>Discrete DNA sequences within same genome</a:t>
+            </a:r>
+          </a:p>
+          <a:p>
+            <a:pPr lvl="1"/>
+            <a:r>
+              <a:rPr lang="en-US" dirty="0" smtClean="0"/>
+              <a:t>Can be similar or identical</a:t>
+            </a:r>
+          </a:p>
+          <a:p>
+            <a:pPr lvl="1"/>
+            <a:r>
+              <a:rPr lang="en-US" dirty="0" smtClean="0"/>
+              <a:t>Significant portion of eukaryotic genomes</a:t>
+            </a:r>
+          </a:p>
+          <a:p>
+            <a:pPr lvl="2"/>
+            <a:r>
+              <a:rPr lang="en-US" dirty="0" smtClean="0"/>
+              <a:t>Over 50% of human genome</a:t>
+            </a:r>
+            <a:endParaRPr lang="en-US" dirty="0" smtClean="0"/>
           </a:p>
         </p:txBody>
       </p:sp>
@@ -13607,9 +15578,378 @@
   <p:timing>
     <p:tnLst>
       <p:par>
-        <p:cTn xmlns:p14="http://schemas.microsoft.com/office/powerpoint/2010/main" id="1" dur="indefinite" restart="never" nodeType="tmRoot"/>
+        <p:cTn xmlns:p14="http://schemas.microsoft.com/office/powerpoint/2010/main" id="1" dur="indefinite" restart="never" nodeType="tmRoot">
+          <p:childTnLst>
+            <p:seq concurrent="1" nextAc="seek">
+              <p:cTn id="2" dur="indefinite" nodeType="mainSeq">
+                <p:childTnLst>
+                  <p:par>
+                    <p:cTn id="3" fill="hold">
+                      <p:stCondLst>
+                        <p:cond delay="indefinite"/>
+                      </p:stCondLst>
+                      <p:childTnLst>
+                        <p:par>
+                          <p:cTn id="4" fill="hold">
+                            <p:stCondLst>
+                              <p:cond delay="0"/>
+                            </p:stCondLst>
+                            <p:childTnLst>
+                              <p:par>
+                                <p:cTn id="5" presetID="1" presetClass="entr" presetSubtype="0" fill="hold" grpId="0" nodeType="clickEffect">
+                                  <p:stCondLst>
+                                    <p:cond delay="0"/>
+                                  </p:stCondLst>
+                                  <p:childTnLst>
+                                    <p:set>
+                                      <p:cBhvr>
+                                        <p:cTn id="6" dur="1" fill="hold">
+                                          <p:stCondLst>
+                                            <p:cond delay="0"/>
+                                          </p:stCondLst>
+                                        </p:cTn>
+                                        <p:tgtEl>
+                                          <p:spTgt spid="3">
+                                            <p:txEl>
+                                              <p:pRg st="0" end="0"/>
+                                            </p:txEl>
+                                          </p:spTgt>
+                                        </p:tgtEl>
+                                        <p:attrNameLst>
+                                          <p:attrName>style.visibility</p:attrName>
+                                        </p:attrNameLst>
+                                      </p:cBhvr>
+                                      <p:to>
+                                        <p:strVal val="visible"/>
+                                      </p:to>
+                                    </p:set>
+                                  </p:childTnLst>
+                                </p:cTn>
+                              </p:par>
+                            </p:childTnLst>
+                          </p:cTn>
+                        </p:par>
+                      </p:childTnLst>
+                    </p:cTn>
+                  </p:par>
+                  <p:par>
+                    <p:cTn id="7" fill="hold">
+                      <p:stCondLst>
+                        <p:cond delay="indefinite"/>
+                      </p:stCondLst>
+                      <p:childTnLst>
+                        <p:par>
+                          <p:cTn id="8" fill="hold">
+                            <p:stCondLst>
+                              <p:cond delay="0"/>
+                            </p:stCondLst>
+                            <p:childTnLst>
+                              <p:par>
+                                <p:cTn id="9" presetID="1" presetClass="entr" presetSubtype="0" fill="hold" grpId="0" nodeType="clickEffect">
+                                  <p:stCondLst>
+                                    <p:cond delay="0"/>
+                                  </p:stCondLst>
+                                  <p:childTnLst>
+                                    <p:set>
+                                      <p:cBhvr>
+                                        <p:cTn id="10" dur="1" fill="hold">
+                                          <p:stCondLst>
+                                            <p:cond delay="0"/>
+                                          </p:stCondLst>
+                                        </p:cTn>
+                                        <p:tgtEl>
+                                          <p:spTgt spid="3">
+                                            <p:txEl>
+                                              <p:pRg st="1" end="1"/>
+                                            </p:txEl>
+                                          </p:spTgt>
+                                        </p:tgtEl>
+                                        <p:attrNameLst>
+                                          <p:attrName>style.visibility</p:attrName>
+                                        </p:attrNameLst>
+                                      </p:cBhvr>
+                                      <p:to>
+                                        <p:strVal val="visible"/>
+                                      </p:to>
+                                    </p:set>
+                                  </p:childTnLst>
+                                </p:cTn>
+                              </p:par>
+                            </p:childTnLst>
+                          </p:cTn>
+                        </p:par>
+                      </p:childTnLst>
+                    </p:cTn>
+                  </p:par>
+                  <p:par>
+                    <p:cTn id="11" fill="hold">
+                      <p:stCondLst>
+                        <p:cond delay="indefinite"/>
+                      </p:stCondLst>
+                      <p:childTnLst>
+                        <p:par>
+                          <p:cTn id="12" fill="hold">
+                            <p:stCondLst>
+                              <p:cond delay="0"/>
+                            </p:stCondLst>
+                            <p:childTnLst>
+                              <p:par>
+                                <p:cTn id="13" presetID="1" presetClass="entr" presetSubtype="0" fill="hold" grpId="0" nodeType="clickEffect">
+                                  <p:stCondLst>
+                                    <p:cond delay="0"/>
+                                  </p:stCondLst>
+                                  <p:childTnLst>
+                                    <p:set>
+                                      <p:cBhvr>
+                                        <p:cTn id="14" dur="1" fill="hold">
+                                          <p:stCondLst>
+                                            <p:cond delay="0"/>
+                                          </p:stCondLst>
+                                        </p:cTn>
+                                        <p:tgtEl>
+                                          <p:spTgt spid="3">
+                                            <p:txEl>
+                                              <p:pRg st="2" end="2"/>
+                                            </p:txEl>
+                                          </p:spTgt>
+                                        </p:tgtEl>
+                                        <p:attrNameLst>
+                                          <p:attrName>style.visibility</p:attrName>
+                                        </p:attrNameLst>
+                                      </p:cBhvr>
+                                      <p:to>
+                                        <p:strVal val="visible"/>
+                                      </p:to>
+                                    </p:set>
+                                  </p:childTnLst>
+                                </p:cTn>
+                              </p:par>
+                            </p:childTnLst>
+                          </p:cTn>
+                        </p:par>
+                      </p:childTnLst>
+                    </p:cTn>
+                  </p:par>
+                  <p:par>
+                    <p:cTn id="15" fill="hold">
+                      <p:stCondLst>
+                        <p:cond delay="indefinite"/>
+                      </p:stCondLst>
+                      <p:childTnLst>
+                        <p:par>
+                          <p:cTn id="16" fill="hold">
+                            <p:stCondLst>
+                              <p:cond delay="0"/>
+                            </p:stCondLst>
+                            <p:childTnLst>
+                              <p:par>
+                                <p:cTn id="17" presetID="1" presetClass="entr" presetSubtype="0" fill="hold" grpId="0" nodeType="clickEffect">
+                                  <p:stCondLst>
+                                    <p:cond delay="0"/>
+                                  </p:stCondLst>
+                                  <p:childTnLst>
+                                    <p:set>
+                                      <p:cBhvr>
+                                        <p:cTn id="18" dur="1" fill="hold">
+                                          <p:stCondLst>
+                                            <p:cond delay="0"/>
+                                          </p:stCondLst>
+                                        </p:cTn>
+                                        <p:tgtEl>
+                                          <p:spTgt spid="3">
+                                            <p:txEl>
+                                              <p:pRg st="3" end="3"/>
+                                            </p:txEl>
+                                          </p:spTgt>
+                                        </p:tgtEl>
+                                        <p:attrNameLst>
+                                          <p:attrName>style.visibility</p:attrName>
+                                        </p:attrNameLst>
+                                      </p:cBhvr>
+                                      <p:to>
+                                        <p:strVal val="visible"/>
+                                      </p:to>
+                                    </p:set>
+                                  </p:childTnLst>
+                                </p:cTn>
+                              </p:par>
+                            </p:childTnLst>
+                          </p:cTn>
+                        </p:par>
+                      </p:childTnLst>
+                    </p:cTn>
+                  </p:par>
+                  <p:par>
+                    <p:cTn id="19" fill="hold">
+                      <p:stCondLst>
+                        <p:cond delay="indefinite"/>
+                      </p:stCondLst>
+                      <p:childTnLst>
+                        <p:par>
+                          <p:cTn id="20" fill="hold">
+                            <p:stCondLst>
+                              <p:cond delay="0"/>
+                            </p:stCondLst>
+                            <p:childTnLst>
+                              <p:par>
+                                <p:cTn id="21" presetID="1" presetClass="entr" presetSubtype="0" fill="hold" grpId="0" nodeType="clickEffect">
+                                  <p:stCondLst>
+                                    <p:cond delay="0"/>
+                                  </p:stCondLst>
+                                  <p:childTnLst>
+                                    <p:set>
+                                      <p:cBhvr>
+                                        <p:cTn id="22" dur="1" fill="hold">
+                                          <p:stCondLst>
+                                            <p:cond delay="0"/>
+                                          </p:stCondLst>
+                                        </p:cTn>
+                                        <p:tgtEl>
+                                          <p:spTgt spid="3">
+                                            <p:txEl>
+                                              <p:pRg st="4" end="4"/>
+                                            </p:txEl>
+                                          </p:spTgt>
+                                        </p:tgtEl>
+                                        <p:attrNameLst>
+                                          <p:attrName>style.visibility</p:attrName>
+                                        </p:attrNameLst>
+                                      </p:cBhvr>
+                                      <p:to>
+                                        <p:strVal val="visible"/>
+                                      </p:to>
+                                    </p:set>
+                                  </p:childTnLst>
+                                </p:cTn>
+                              </p:par>
+                            </p:childTnLst>
+                          </p:cTn>
+                        </p:par>
+                      </p:childTnLst>
+                    </p:cTn>
+                  </p:par>
+                  <p:par>
+                    <p:cTn id="23" fill="hold">
+                      <p:stCondLst>
+                        <p:cond delay="indefinite"/>
+                      </p:stCondLst>
+                      <p:childTnLst>
+                        <p:par>
+                          <p:cTn id="24" fill="hold">
+                            <p:stCondLst>
+                              <p:cond delay="0"/>
+                            </p:stCondLst>
+                            <p:childTnLst>
+                              <p:par>
+                                <p:cTn id="25" presetID="1" presetClass="entr" presetSubtype="0" fill="hold" grpId="0" nodeType="clickEffect">
+                                  <p:stCondLst>
+                                    <p:cond delay="0"/>
+                                  </p:stCondLst>
+                                  <p:childTnLst>
+                                    <p:set>
+                                      <p:cBhvr>
+                                        <p:cTn id="26" dur="1" fill="hold">
+                                          <p:stCondLst>
+                                            <p:cond delay="0"/>
+                                          </p:stCondLst>
+                                        </p:cTn>
+                                        <p:tgtEl>
+                                          <p:spTgt spid="3">
+                                            <p:txEl>
+                                              <p:pRg st="5" end="5"/>
+                                            </p:txEl>
+                                          </p:spTgt>
+                                        </p:tgtEl>
+                                        <p:attrNameLst>
+                                          <p:attrName>style.visibility</p:attrName>
+                                        </p:attrNameLst>
+                                      </p:cBhvr>
+                                      <p:to>
+                                        <p:strVal val="visible"/>
+                                      </p:to>
+                                    </p:set>
+                                  </p:childTnLst>
+                                </p:cTn>
+                              </p:par>
+                            </p:childTnLst>
+                          </p:cTn>
+                        </p:par>
+                      </p:childTnLst>
+                    </p:cTn>
+                  </p:par>
+                  <p:par>
+                    <p:cTn id="27" fill="hold">
+                      <p:stCondLst>
+                        <p:cond delay="indefinite"/>
+                      </p:stCondLst>
+                      <p:childTnLst>
+                        <p:par>
+                          <p:cTn id="28" fill="hold">
+                            <p:stCondLst>
+                              <p:cond delay="0"/>
+                            </p:stCondLst>
+                            <p:childTnLst>
+                              <p:par>
+                                <p:cTn id="29" presetID="1" presetClass="entr" presetSubtype="0" fill="hold" grpId="0" nodeType="clickEffect">
+                                  <p:stCondLst>
+                                    <p:cond delay="0"/>
+                                  </p:stCondLst>
+                                  <p:childTnLst>
+                                    <p:set>
+                                      <p:cBhvr>
+                                        <p:cTn id="30" dur="1" fill="hold">
+                                          <p:stCondLst>
+                                            <p:cond delay="0"/>
+                                          </p:stCondLst>
+                                        </p:cTn>
+                                        <p:tgtEl>
+                                          <p:spTgt spid="3">
+                                            <p:txEl>
+                                              <p:pRg st="6" end="6"/>
+                                            </p:txEl>
+                                          </p:spTgt>
+                                        </p:tgtEl>
+                                        <p:attrNameLst>
+                                          <p:attrName>style.visibility</p:attrName>
+                                        </p:attrNameLst>
+                                      </p:cBhvr>
+                                      <p:to>
+                                        <p:strVal val="visible"/>
+                                      </p:to>
+                                    </p:set>
+                                  </p:childTnLst>
+                                </p:cTn>
+                              </p:par>
+                            </p:childTnLst>
+                          </p:cTn>
+                        </p:par>
+                      </p:childTnLst>
+                    </p:cTn>
+                  </p:par>
+                </p:childTnLst>
+              </p:cTn>
+              <p:prevCondLst>
+                <p:cond evt="onPrev" delay="0">
+                  <p:tgtEl>
+                    <p:sldTgt/>
+                  </p:tgtEl>
+                </p:cond>
+              </p:prevCondLst>
+              <p:nextCondLst>
+                <p:cond evt="onNext" delay="0">
+                  <p:tgtEl>
+                    <p:sldTgt/>
+                  </p:tgtEl>
+                </p:cond>
+              </p:nextCondLst>
+            </p:seq>
+          </p:childTnLst>
+        </p:cTn>
       </p:par>
     </p:tnLst>
+    <p:bldLst>
+      <p:bldP spid="3" grpId="0" build="p"/>
+    </p:bldLst>
   </p:timing>
 </p:sld>
 </file>
@@ -13709,8 +16049,20 @@
           <a:p>
             <a:r>
               <a:rPr lang="en-US" dirty="0" smtClean="0"/>
-              <a:t>Measuring string similarity</a:t>
-            </a:r>
+              <a:t>Measuring string </a:t>
+            </a:r>
+            <a:r>
+              <a:rPr lang="en-US" dirty="0" smtClean="0"/>
+              <a:t>similarity</a:t>
+            </a:r>
+          </a:p>
+          <a:p>
+            <a:pPr lvl="1"/>
+            <a:r>
+              <a:rPr lang="en-US" dirty="0" smtClean="0"/>
+              <a:t>Hamming distance</a:t>
+            </a:r>
+            <a:endParaRPr lang="en-US" dirty="0" smtClean="0"/>
           </a:p>
         </p:txBody>
       </p:sp>
@@ -13727,9 +16079,329 @@
   <p:timing>
     <p:tnLst>
       <p:par>
-        <p:cTn xmlns:p14="http://schemas.microsoft.com/office/powerpoint/2010/main" id="1" dur="indefinite" restart="never" nodeType="tmRoot"/>
+        <p:cTn xmlns:p14="http://schemas.microsoft.com/office/powerpoint/2010/main" id="1" dur="indefinite" restart="never" nodeType="tmRoot">
+          <p:childTnLst>
+            <p:seq concurrent="1" nextAc="seek">
+              <p:cTn id="2" dur="indefinite" nodeType="mainSeq">
+                <p:childTnLst>
+                  <p:par>
+                    <p:cTn id="3" fill="hold">
+                      <p:stCondLst>
+                        <p:cond delay="indefinite"/>
+                      </p:stCondLst>
+                      <p:childTnLst>
+                        <p:par>
+                          <p:cTn id="4" fill="hold">
+                            <p:stCondLst>
+                              <p:cond delay="0"/>
+                            </p:stCondLst>
+                            <p:childTnLst>
+                              <p:par>
+                                <p:cTn id="5" presetID="1" presetClass="entr" presetSubtype="0" fill="hold" grpId="0" nodeType="clickEffect">
+                                  <p:stCondLst>
+                                    <p:cond delay="0"/>
+                                  </p:stCondLst>
+                                  <p:childTnLst>
+                                    <p:set>
+                                      <p:cBhvr>
+                                        <p:cTn id="6" dur="1" fill="hold">
+                                          <p:stCondLst>
+                                            <p:cond delay="0"/>
+                                          </p:stCondLst>
+                                        </p:cTn>
+                                        <p:tgtEl>
+                                          <p:spTgt spid="3">
+                                            <p:txEl>
+                                              <p:pRg st="0" end="0"/>
+                                            </p:txEl>
+                                          </p:spTgt>
+                                        </p:tgtEl>
+                                        <p:attrNameLst>
+                                          <p:attrName>style.visibility</p:attrName>
+                                        </p:attrNameLst>
+                                      </p:cBhvr>
+                                      <p:to>
+                                        <p:strVal val="visible"/>
+                                      </p:to>
+                                    </p:set>
+                                  </p:childTnLst>
+                                </p:cTn>
+                              </p:par>
+                            </p:childTnLst>
+                          </p:cTn>
+                        </p:par>
+                      </p:childTnLst>
+                    </p:cTn>
+                  </p:par>
+                  <p:par>
+                    <p:cTn id="7" fill="hold">
+                      <p:stCondLst>
+                        <p:cond delay="indefinite"/>
+                      </p:stCondLst>
+                      <p:childTnLst>
+                        <p:par>
+                          <p:cTn id="8" fill="hold">
+                            <p:stCondLst>
+                              <p:cond delay="0"/>
+                            </p:stCondLst>
+                            <p:childTnLst>
+                              <p:par>
+                                <p:cTn id="9" presetID="1" presetClass="entr" presetSubtype="0" fill="hold" grpId="0" nodeType="clickEffect">
+                                  <p:stCondLst>
+                                    <p:cond delay="0"/>
+                                  </p:stCondLst>
+                                  <p:childTnLst>
+                                    <p:set>
+                                      <p:cBhvr>
+                                        <p:cTn id="10" dur="1" fill="hold">
+                                          <p:stCondLst>
+                                            <p:cond delay="0"/>
+                                          </p:stCondLst>
+                                        </p:cTn>
+                                        <p:tgtEl>
+                                          <p:spTgt spid="3">
+                                            <p:txEl>
+                                              <p:pRg st="1" end="1"/>
+                                            </p:txEl>
+                                          </p:spTgt>
+                                        </p:tgtEl>
+                                        <p:attrNameLst>
+                                          <p:attrName>style.visibility</p:attrName>
+                                        </p:attrNameLst>
+                                      </p:cBhvr>
+                                      <p:to>
+                                        <p:strVal val="visible"/>
+                                      </p:to>
+                                    </p:set>
+                                  </p:childTnLst>
+                                </p:cTn>
+                              </p:par>
+                            </p:childTnLst>
+                          </p:cTn>
+                        </p:par>
+                      </p:childTnLst>
+                    </p:cTn>
+                  </p:par>
+                  <p:par>
+                    <p:cTn id="11" fill="hold">
+                      <p:stCondLst>
+                        <p:cond delay="indefinite"/>
+                      </p:stCondLst>
+                      <p:childTnLst>
+                        <p:par>
+                          <p:cTn id="12" fill="hold">
+                            <p:stCondLst>
+                              <p:cond delay="0"/>
+                            </p:stCondLst>
+                            <p:childTnLst>
+                              <p:par>
+                                <p:cTn id="13" presetID="1" presetClass="entr" presetSubtype="0" fill="hold" grpId="0" nodeType="clickEffect">
+                                  <p:stCondLst>
+                                    <p:cond delay="0"/>
+                                  </p:stCondLst>
+                                  <p:childTnLst>
+                                    <p:set>
+                                      <p:cBhvr>
+                                        <p:cTn id="14" dur="1" fill="hold">
+                                          <p:stCondLst>
+                                            <p:cond delay="0"/>
+                                          </p:stCondLst>
+                                        </p:cTn>
+                                        <p:tgtEl>
+                                          <p:spTgt spid="3">
+                                            <p:txEl>
+                                              <p:pRg st="2" end="2"/>
+                                            </p:txEl>
+                                          </p:spTgt>
+                                        </p:tgtEl>
+                                        <p:attrNameLst>
+                                          <p:attrName>style.visibility</p:attrName>
+                                        </p:attrNameLst>
+                                      </p:cBhvr>
+                                      <p:to>
+                                        <p:strVal val="visible"/>
+                                      </p:to>
+                                    </p:set>
+                                  </p:childTnLst>
+                                </p:cTn>
+                              </p:par>
+                            </p:childTnLst>
+                          </p:cTn>
+                        </p:par>
+                      </p:childTnLst>
+                    </p:cTn>
+                  </p:par>
+                  <p:par>
+                    <p:cTn id="15" fill="hold">
+                      <p:stCondLst>
+                        <p:cond delay="indefinite"/>
+                      </p:stCondLst>
+                      <p:childTnLst>
+                        <p:par>
+                          <p:cTn id="16" fill="hold">
+                            <p:stCondLst>
+                              <p:cond delay="0"/>
+                            </p:stCondLst>
+                            <p:childTnLst>
+                              <p:par>
+                                <p:cTn id="17" presetID="1" presetClass="entr" presetSubtype="0" fill="hold" grpId="0" nodeType="clickEffect">
+                                  <p:stCondLst>
+                                    <p:cond delay="0"/>
+                                  </p:stCondLst>
+                                  <p:childTnLst>
+                                    <p:set>
+                                      <p:cBhvr>
+                                        <p:cTn id="18" dur="1" fill="hold">
+                                          <p:stCondLst>
+                                            <p:cond delay="0"/>
+                                          </p:stCondLst>
+                                        </p:cTn>
+                                        <p:tgtEl>
+                                          <p:spTgt spid="3">
+                                            <p:txEl>
+                                              <p:pRg st="3" end="3"/>
+                                            </p:txEl>
+                                          </p:spTgt>
+                                        </p:tgtEl>
+                                        <p:attrNameLst>
+                                          <p:attrName>style.visibility</p:attrName>
+                                        </p:attrNameLst>
+                                      </p:cBhvr>
+                                      <p:to>
+                                        <p:strVal val="visible"/>
+                                      </p:to>
+                                    </p:set>
+                                  </p:childTnLst>
+                                </p:cTn>
+                              </p:par>
+                            </p:childTnLst>
+                          </p:cTn>
+                        </p:par>
+                      </p:childTnLst>
+                    </p:cTn>
+                  </p:par>
+                  <p:par>
+                    <p:cTn id="19" fill="hold">
+                      <p:stCondLst>
+                        <p:cond delay="indefinite"/>
+                      </p:stCondLst>
+                      <p:childTnLst>
+                        <p:par>
+                          <p:cTn id="20" fill="hold">
+                            <p:stCondLst>
+                              <p:cond delay="0"/>
+                            </p:stCondLst>
+                            <p:childTnLst>
+                              <p:par>
+                                <p:cTn id="21" presetID="1" presetClass="entr" presetSubtype="0" fill="hold" grpId="0" nodeType="clickEffect">
+                                  <p:stCondLst>
+                                    <p:cond delay="0"/>
+                                  </p:stCondLst>
+                                  <p:childTnLst>
+                                    <p:set>
+                                      <p:cBhvr>
+                                        <p:cTn id="22" dur="1" fill="hold">
+                                          <p:stCondLst>
+                                            <p:cond delay="0"/>
+                                          </p:stCondLst>
+                                        </p:cTn>
+                                        <p:tgtEl>
+                                          <p:spTgt spid="3">
+                                            <p:txEl>
+                                              <p:pRg st="4" end="4"/>
+                                            </p:txEl>
+                                          </p:spTgt>
+                                        </p:tgtEl>
+                                        <p:attrNameLst>
+                                          <p:attrName>style.visibility</p:attrName>
+                                        </p:attrNameLst>
+                                      </p:cBhvr>
+                                      <p:to>
+                                        <p:strVal val="visible"/>
+                                      </p:to>
+                                    </p:set>
+                                  </p:childTnLst>
+                                </p:cTn>
+                              </p:par>
+                            </p:childTnLst>
+                          </p:cTn>
+                        </p:par>
+                      </p:childTnLst>
+                    </p:cTn>
+                  </p:par>
+                  <p:par>
+                    <p:cTn id="23" fill="hold">
+                      <p:stCondLst>
+                        <p:cond delay="indefinite"/>
+                      </p:stCondLst>
+                      <p:childTnLst>
+                        <p:par>
+                          <p:cTn id="24" fill="hold">
+                            <p:stCondLst>
+                              <p:cond delay="0"/>
+                            </p:stCondLst>
+                            <p:childTnLst>
+                              <p:par>
+                                <p:cTn id="25" presetID="1" presetClass="entr" presetSubtype="0" fill="hold" grpId="0" nodeType="clickEffect">
+                                  <p:stCondLst>
+                                    <p:cond delay="0"/>
+                                  </p:stCondLst>
+                                  <p:childTnLst>
+                                    <p:set>
+                                      <p:cBhvr>
+                                        <p:cTn id="26" dur="1" fill="hold">
+                                          <p:stCondLst>
+                                            <p:cond delay="0"/>
+                                          </p:stCondLst>
+                                        </p:cTn>
+                                        <p:tgtEl>
+                                          <p:spTgt spid="3">
+                                            <p:txEl>
+                                              <p:pRg st="5" end="5"/>
+                                            </p:txEl>
+                                          </p:spTgt>
+                                        </p:tgtEl>
+                                        <p:attrNameLst>
+                                          <p:attrName>style.visibility</p:attrName>
+                                        </p:attrNameLst>
+                                      </p:cBhvr>
+                                      <p:to>
+                                        <p:strVal val="visible"/>
+                                      </p:to>
+                                    </p:set>
+                                  </p:childTnLst>
+                                </p:cTn>
+                              </p:par>
+                            </p:childTnLst>
+                          </p:cTn>
+                        </p:par>
+                      </p:childTnLst>
+                    </p:cTn>
+                  </p:par>
+                </p:childTnLst>
+              </p:cTn>
+              <p:prevCondLst>
+                <p:cond evt="onPrev" delay="0">
+                  <p:tgtEl>
+                    <p:sldTgt/>
+                  </p:tgtEl>
+                </p:cond>
+              </p:prevCondLst>
+              <p:nextCondLst>
+                <p:cond evt="onNext" delay="0">
+                  <p:tgtEl>
+                    <p:sldTgt/>
+                  </p:tgtEl>
+                </p:cond>
+              </p:nextCondLst>
+            </p:seq>
+          </p:childTnLst>
+        </p:cTn>
       </p:par>
     </p:tnLst>
+    <p:bldLst>
+      <p:bldP spid="3" grpId="0" build="p"/>
+    </p:bldLst>
   </p:timing>
 </p:sld>
 </file>
@@ -13789,6 +16461,26 @@
           <a:bodyPr/>
           <a:lstStyle/>
           <a:p>
+            <a:r>
+              <a:rPr lang="en-US" i="1" dirty="0"/>
+              <a:t>s</a:t>
+            </a:r>
+            <a:r>
+              <a:rPr lang="en-US" dirty="0" smtClean="0"/>
+              <a:t> = INDUSTRY</a:t>
+            </a:r>
+          </a:p>
+          <a:p>
+            <a:r>
+              <a:rPr lang="en-US" i="1" dirty="0" smtClean="0"/>
+              <a:t>t </a:t>
+            </a:r>
+            <a:r>
+              <a:rPr lang="en-US" dirty="0" smtClean="0"/>
+              <a:t>= INTEREST</a:t>
+            </a:r>
+          </a:p>
+          <a:p>
             <a:endParaRPr lang="en-US" dirty="0"/>
           </a:p>
         </p:txBody>
@@ -13803,10 +16495,24 @@
             <p:ph sz="quarter" idx="1"/>
           </p:nvPr>
         </p:nvSpPr>
-        <p:spPr/>
+        <p:spPr>
+          <a:xfrm>
+            <a:off x="3124200" y="685800"/>
+            <a:ext cx="2568388" cy="5410200"/>
+          </a:xfrm>
+        </p:spPr>
         <p:txBody>
           <a:bodyPr/>
           <a:lstStyle/>
+          <a:p>
+            <a:pPr marL="0" indent="0">
+              <a:buNone/>
+            </a:pPr>
+            <a:endParaRPr lang="en-US" sz="3200" dirty="0" smtClean="0">
+              <a:latin typeface="Courier"/>
+              <a:cs typeface="Courier"/>
+            </a:endParaRPr>
+          </a:p>
           <a:p>
             <a:r>
               <a:rPr lang="en-US" sz="3200" dirty="0" smtClean="0">
@@ -13988,7 +16694,7 @@
         </p:nvSpPr>
         <p:spPr>
           <a:xfrm>
-            <a:off x="3884924" y="685800"/>
+            <a:off x="3884924" y="1261067"/>
             <a:ext cx="366891" cy="584776"/>
           </a:xfrm>
           <a:prstGeom prst="rect">
@@ -14030,7 +16736,7 @@
         </p:nvSpPr>
         <p:spPr>
           <a:xfrm>
-            <a:off x="4136484" y="1266093"/>
+            <a:off x="4136484" y="1864706"/>
             <a:ext cx="366891" cy="584776"/>
           </a:xfrm>
           <a:prstGeom prst="rect">
@@ -14072,7 +16778,7 @@
         </p:nvSpPr>
         <p:spPr>
           <a:xfrm>
-            <a:off x="4375452" y="1852676"/>
+            <a:off x="4375452" y="2435414"/>
             <a:ext cx="366891" cy="584776"/>
           </a:xfrm>
           <a:prstGeom prst="rect">
@@ -14114,7 +16820,7 @@
         </p:nvSpPr>
         <p:spPr>
           <a:xfrm>
-            <a:off x="4617488" y="2435554"/>
+            <a:off x="4617488" y="3018292"/>
             <a:ext cx="366891" cy="584776"/>
           </a:xfrm>
           <a:prstGeom prst="rect">
@@ -14156,7 +16862,7 @@
         </p:nvSpPr>
         <p:spPr>
           <a:xfrm>
-            <a:off x="4862161" y="3020330"/>
+            <a:off x="4862161" y="3603068"/>
             <a:ext cx="366891" cy="584776"/>
           </a:xfrm>
           <a:prstGeom prst="rect">
@@ -14198,7 +16904,7 @@
         </p:nvSpPr>
         <p:spPr>
           <a:xfrm>
-            <a:off x="5104676" y="3603810"/>
+            <a:off x="5104676" y="4186548"/>
             <a:ext cx="366891" cy="584776"/>
           </a:xfrm>
           <a:prstGeom prst="rect">
@@ -14229,6 +16935,651 @@
               <a:latin typeface="Courier"/>
               <a:cs typeface="Courier"/>
             </a:endParaRPr>
+          </a:p>
+        </p:txBody>
+      </p:sp>
+      <p:sp>
+        <p:nvSpPr>
+          <p:cNvPr id="15" name="Content Placeholder 3"/>
+          <p:cNvSpPr txBox="1">
+            <a:spLocks/>
+          </p:cNvSpPr>
+          <p:nvPr/>
+        </p:nvSpPr>
+        <p:spPr>
+          <a:xfrm>
+            <a:off x="5692588" y="670860"/>
+            <a:ext cx="2888130" cy="5837890"/>
+          </a:xfrm>
+          <a:prstGeom prst="rect">
+            <a:avLst/>
+          </a:prstGeom>
+        </p:spPr>
+        <p:txBody>
+          <a:bodyPr vert="horz">
+            <a:normAutofit/>
+          </a:bodyPr>
+          <a:lstStyle>
+            <a:lvl1pPr marL="274320" indent="-274320" algn="l" rtl="0" eaLnBrk="1" latinLnBrk="0" hangingPunct="1">
+              <a:spcBef>
+                <a:spcPct val="20000"/>
+              </a:spcBef>
+              <a:buClr>
+                <a:schemeClr val="accent1"/>
+              </a:buClr>
+              <a:buSzPct val="85000"/>
+              <a:buFont typeface="Wingdings 2"/>
+              <a:buChar char=""/>
+              <a:defRPr kumimoji="0" sz="2700" kern="1200">
+                <a:solidFill>
+                  <a:schemeClr val="tx1"/>
+                </a:solidFill>
+                <a:latin typeface="+mn-lt"/>
+                <a:ea typeface="+mn-ea"/>
+                <a:cs typeface="+mn-cs"/>
+              </a:defRPr>
+            </a:lvl1pPr>
+            <a:lvl2pPr marL="548640" indent="-274320" algn="l" rtl="0" eaLnBrk="1" latinLnBrk="0" hangingPunct="1">
+              <a:spcBef>
+                <a:spcPct val="20000"/>
+              </a:spcBef>
+              <a:buClr>
+                <a:schemeClr val="accent2"/>
+              </a:buClr>
+              <a:buSzPct val="70000"/>
+              <a:buFont typeface="Wingdings"/>
+              <a:buChar char=""/>
+              <a:defRPr kumimoji="0" sz="2200" kern="1200">
+                <a:solidFill>
+                  <a:schemeClr val="tx2"/>
+                </a:solidFill>
+                <a:latin typeface="+mn-lt"/>
+                <a:ea typeface="+mn-ea"/>
+                <a:cs typeface="+mn-cs"/>
+              </a:defRPr>
+            </a:lvl2pPr>
+            <a:lvl3pPr marL="822960" indent="-228600" algn="l" rtl="0" eaLnBrk="1" latinLnBrk="0" hangingPunct="1">
+              <a:spcBef>
+                <a:spcPct val="20000"/>
+              </a:spcBef>
+              <a:buClr>
+                <a:schemeClr val="accent3"/>
+              </a:buClr>
+              <a:buSzPct val="75000"/>
+              <a:buFont typeface="Wingdings 2"/>
+              <a:buChar char=""/>
+              <a:defRPr kumimoji="0" sz="2000" kern="1200">
+                <a:solidFill>
+                  <a:schemeClr val="tx1"/>
+                </a:solidFill>
+                <a:latin typeface="+mn-lt"/>
+                <a:ea typeface="+mn-ea"/>
+                <a:cs typeface="+mn-cs"/>
+              </a:defRPr>
+            </a:lvl3pPr>
+            <a:lvl4pPr marL="1097280" indent="-228600" algn="l" rtl="0" eaLnBrk="1" latinLnBrk="0" hangingPunct="1">
+              <a:spcBef>
+                <a:spcPct val="20000"/>
+              </a:spcBef>
+              <a:buClr>
+                <a:schemeClr val="accent4"/>
+              </a:buClr>
+              <a:buSzPct val="70000"/>
+              <a:buFont typeface="Wingdings"/>
+              <a:buChar char=""/>
+              <a:defRPr kumimoji="0" sz="2000" kern="1200">
+                <a:solidFill>
+                  <a:schemeClr val="tx2"/>
+                </a:solidFill>
+                <a:latin typeface="+mn-lt"/>
+                <a:ea typeface="+mn-ea"/>
+                <a:cs typeface="+mn-cs"/>
+              </a:defRPr>
+            </a:lvl4pPr>
+            <a:lvl5pPr marL="1371600" indent="-228600" algn="l" rtl="0" eaLnBrk="1" latinLnBrk="0" hangingPunct="1">
+              <a:spcBef>
+                <a:spcPct val="20000"/>
+              </a:spcBef>
+              <a:buClr>
+                <a:schemeClr val="accent5"/>
+              </a:buClr>
+              <a:buFontTx/>
+              <a:buChar char="•"/>
+              <a:defRPr kumimoji="0" sz="1800" kern="1200">
+                <a:solidFill>
+                  <a:schemeClr val="tx1"/>
+                </a:solidFill>
+                <a:latin typeface="+mn-lt"/>
+                <a:ea typeface="+mn-ea"/>
+                <a:cs typeface="+mn-cs"/>
+              </a:defRPr>
+            </a:lvl5pPr>
+            <a:lvl6pPr marL="1645920" indent="-182880" algn="l" rtl="0" eaLnBrk="1" latinLnBrk="0" hangingPunct="1">
+              <a:spcBef>
+                <a:spcPct val="20000"/>
+              </a:spcBef>
+              <a:buClr>
+                <a:schemeClr val="accent6"/>
+              </a:buClr>
+              <a:buSzPct val="80000"/>
+              <a:buFont typeface="Wingdings 2"/>
+              <a:buChar char=""/>
+              <a:defRPr kumimoji="0" sz="1800" kern="1200">
+                <a:solidFill>
+                  <a:schemeClr val="tx1"/>
+                </a:solidFill>
+                <a:latin typeface="+mn-lt"/>
+                <a:ea typeface="+mn-ea"/>
+                <a:cs typeface="+mn-cs"/>
+              </a:defRPr>
+            </a:lvl6pPr>
+            <a:lvl7pPr marL="1920240" indent="-182880" algn="l" rtl="0" eaLnBrk="1" latinLnBrk="0" hangingPunct="1">
+              <a:spcBef>
+                <a:spcPct val="20000"/>
+              </a:spcBef>
+              <a:buClr>
+                <a:schemeClr val="accent1">
+                  <a:shade val="75000"/>
+                </a:schemeClr>
+              </a:buClr>
+              <a:buSzPct val="90000"/>
+              <a:buChar char="•"/>
+              <a:defRPr kumimoji="0" sz="1600" kern="1200" baseline="0">
+                <a:solidFill>
+                  <a:schemeClr val="tx1"/>
+                </a:solidFill>
+                <a:latin typeface="+mn-lt"/>
+                <a:ea typeface="+mn-ea"/>
+                <a:cs typeface="+mn-cs"/>
+              </a:defRPr>
+            </a:lvl7pPr>
+            <a:lvl8pPr marL="2103120" indent="-182880" algn="l" rtl="0" eaLnBrk="1" latinLnBrk="0" hangingPunct="1">
+              <a:spcBef>
+                <a:spcPct val="20000"/>
+              </a:spcBef>
+              <a:buClr>
+                <a:schemeClr val="accent4">
+                  <a:shade val="75000"/>
+                </a:schemeClr>
+              </a:buClr>
+              <a:buChar char="•"/>
+              <a:defRPr kumimoji="0" sz="1600" kern="1200">
+                <a:solidFill>
+                  <a:schemeClr val="tx1"/>
+                </a:solidFill>
+                <a:latin typeface="+mn-lt"/>
+                <a:ea typeface="+mn-ea"/>
+                <a:cs typeface="+mn-cs"/>
+              </a:defRPr>
+            </a:lvl8pPr>
+            <a:lvl9pPr marL="2377440" indent="-182880" algn="l" rtl="0" eaLnBrk="1" latinLnBrk="0" hangingPunct="1">
+              <a:spcBef>
+                <a:spcPct val="20000"/>
+              </a:spcBef>
+              <a:buClr>
+                <a:schemeClr val="accent2">
+                  <a:shade val="75000"/>
+                </a:schemeClr>
+              </a:buClr>
+              <a:buSzPct val="90000"/>
+              <a:buChar char="•"/>
+              <a:defRPr kumimoji="0" sz="1400" kern="1200" cap="all" baseline="0">
+                <a:solidFill>
+                  <a:schemeClr val="tx1"/>
+                </a:solidFill>
+                <a:latin typeface="+mn-lt"/>
+                <a:ea typeface="+mn-ea"/>
+                <a:cs typeface="+mn-cs"/>
+              </a:defRPr>
+            </a:lvl9pPr>
+          </a:lstStyle>
+          <a:p>
+            <a:pPr marL="0" indent="0">
+              <a:buNone/>
+            </a:pPr>
+            <a:r>
+              <a:rPr lang="en-US" sz="2400" dirty="0" smtClean="0">
+                <a:cs typeface="Courier"/>
+              </a:rPr>
+              <a:t>Substitution script:</a:t>
+            </a:r>
+          </a:p>
+          <a:p>
+            <a:pPr marL="0" indent="0">
+              <a:buNone/>
+            </a:pPr>
+            <a:endParaRPr lang="en-US" sz="2400" dirty="0" smtClean="0">
+              <a:cs typeface="Courier"/>
+            </a:endParaRPr>
+          </a:p>
+          <a:p>
+            <a:pPr marL="514350" indent="-514350">
+              <a:spcBef>
+                <a:spcPts val="600"/>
+              </a:spcBef>
+              <a:spcAft>
+                <a:spcPts val="600"/>
+              </a:spcAft>
+              <a:buFont typeface="+mj-lt"/>
+              <a:buAutoNum type="arabicPeriod"/>
+            </a:pPr>
+            <a:r>
+              <a:rPr lang="en-US" sz="2800" dirty="0">
+                <a:cs typeface="Courier"/>
+              </a:rPr>
+              <a:t>r</a:t>
+            </a:r>
+            <a:r>
+              <a:rPr lang="en-US" sz="2800" baseline="-25000" dirty="0" smtClean="0">
+                <a:cs typeface="Courier"/>
+              </a:rPr>
+              <a:t>1</a:t>
+            </a:r>
+            <a:r>
+              <a:rPr lang="en-US" sz="2800" dirty="0" smtClean="0">
+                <a:cs typeface="Courier"/>
+              </a:rPr>
+              <a:t> = s</a:t>
+            </a:r>
+            <a:r>
+              <a:rPr lang="en-US" sz="2800" baseline="-25000" dirty="0">
+                <a:cs typeface="Courier"/>
+              </a:rPr>
+              <a:t>2</a:t>
+            </a:r>
+            <a:r>
+              <a:rPr lang="en-US" sz="2800" baseline="-25000" dirty="0" smtClean="0">
+                <a:cs typeface="Courier"/>
+              </a:rPr>
+              <a:t> </a:t>
+            </a:r>
+            <a:r>
+              <a:rPr lang="en-US" sz="2800" dirty="0" smtClean="0">
+                <a:cs typeface="Courier"/>
+              </a:rPr>
+              <a:t>-&gt; t</a:t>
+            </a:r>
+            <a:r>
+              <a:rPr lang="en-US" sz="2800" baseline="-25000" dirty="0">
+                <a:cs typeface="Courier"/>
+              </a:rPr>
+              <a:t>2</a:t>
+            </a:r>
+            <a:endParaRPr lang="en-US" sz="2800" dirty="0" smtClean="0">
+              <a:cs typeface="Courier"/>
+            </a:endParaRPr>
+          </a:p>
+          <a:p>
+            <a:pPr marL="514350" indent="-514350">
+              <a:spcBef>
+                <a:spcPts val="600"/>
+              </a:spcBef>
+              <a:spcAft>
+                <a:spcPts val="600"/>
+              </a:spcAft>
+              <a:buFont typeface="+mj-lt"/>
+              <a:buAutoNum type="arabicPeriod"/>
+            </a:pPr>
+            <a:r>
+              <a:rPr lang="en-US" sz="2800" dirty="0" smtClean="0">
+                <a:cs typeface="Courier"/>
+              </a:rPr>
+              <a:t>r</a:t>
+            </a:r>
+            <a:r>
+              <a:rPr lang="en-US" sz="2800" baseline="-25000" dirty="0">
+                <a:cs typeface="Courier"/>
+              </a:rPr>
+              <a:t>2</a:t>
+            </a:r>
+            <a:r>
+              <a:rPr lang="en-US" sz="2800" dirty="0" smtClean="0">
+                <a:cs typeface="Courier"/>
+              </a:rPr>
+              <a:t> </a:t>
+            </a:r>
+            <a:r>
+              <a:rPr lang="en-US" sz="2800" dirty="0">
+                <a:cs typeface="Courier"/>
+              </a:rPr>
+              <a:t>= s</a:t>
+            </a:r>
+            <a:r>
+              <a:rPr lang="en-US" sz="2800" baseline="-25000" dirty="0">
+                <a:cs typeface="Courier"/>
+              </a:rPr>
+              <a:t>3 </a:t>
+            </a:r>
+            <a:r>
+              <a:rPr lang="en-US" sz="2800" dirty="0">
+                <a:cs typeface="Courier"/>
+              </a:rPr>
+              <a:t>-&gt; t</a:t>
+            </a:r>
+            <a:r>
+              <a:rPr lang="en-US" sz="2800" baseline="-25000" dirty="0">
+                <a:cs typeface="Courier"/>
+              </a:rPr>
+              <a:t>3</a:t>
+            </a:r>
+            <a:endParaRPr lang="en-US" sz="2800" dirty="0">
+              <a:cs typeface="Courier"/>
+            </a:endParaRPr>
+          </a:p>
+          <a:p>
+            <a:pPr marL="514350" indent="-514350">
+              <a:spcBef>
+                <a:spcPts val="600"/>
+              </a:spcBef>
+              <a:spcAft>
+                <a:spcPts val="600"/>
+              </a:spcAft>
+              <a:buFont typeface="+mj-lt"/>
+              <a:buAutoNum type="arabicPeriod"/>
+            </a:pPr>
+            <a:r>
+              <a:rPr lang="en-US" sz="2800" dirty="0" smtClean="0">
+                <a:cs typeface="Courier"/>
+              </a:rPr>
+              <a:t>r</a:t>
+            </a:r>
+            <a:r>
+              <a:rPr lang="en-US" sz="2800" baseline="-25000" dirty="0" smtClean="0">
+                <a:cs typeface="Courier"/>
+              </a:rPr>
+              <a:t>3</a:t>
+            </a:r>
+            <a:r>
+              <a:rPr lang="en-US" sz="2800" dirty="0" smtClean="0">
+                <a:cs typeface="Courier"/>
+              </a:rPr>
+              <a:t> </a:t>
+            </a:r>
+            <a:r>
+              <a:rPr lang="en-US" sz="2800" dirty="0">
+                <a:cs typeface="Courier"/>
+              </a:rPr>
+              <a:t>= </a:t>
+            </a:r>
+            <a:r>
+              <a:rPr lang="en-US" sz="2800" dirty="0" smtClean="0">
+                <a:cs typeface="Courier"/>
+              </a:rPr>
+              <a:t>s</a:t>
+            </a:r>
+            <a:r>
+              <a:rPr lang="en-US" sz="2800" baseline="-25000" dirty="0" smtClean="0">
+                <a:cs typeface="Courier"/>
+              </a:rPr>
+              <a:t>4 </a:t>
+            </a:r>
+            <a:r>
+              <a:rPr lang="en-US" sz="2800" dirty="0">
+                <a:cs typeface="Courier"/>
+              </a:rPr>
+              <a:t>-&gt; </a:t>
+            </a:r>
+            <a:r>
+              <a:rPr lang="en-US" sz="2800" dirty="0" smtClean="0">
+                <a:cs typeface="Courier"/>
+              </a:rPr>
+              <a:t>t</a:t>
+            </a:r>
+            <a:r>
+              <a:rPr lang="en-US" sz="2800" baseline="-25000" dirty="0" smtClean="0">
+                <a:cs typeface="Courier"/>
+              </a:rPr>
+              <a:t>4</a:t>
+            </a:r>
+            <a:endParaRPr lang="en-US" sz="2800" dirty="0">
+              <a:cs typeface="Courier"/>
+            </a:endParaRPr>
+          </a:p>
+          <a:p>
+            <a:pPr marL="514350" indent="-514350">
+              <a:spcBef>
+                <a:spcPts val="600"/>
+              </a:spcBef>
+              <a:spcAft>
+                <a:spcPts val="600"/>
+              </a:spcAft>
+              <a:buFont typeface="+mj-lt"/>
+              <a:buAutoNum type="arabicPeriod"/>
+            </a:pPr>
+            <a:r>
+              <a:rPr lang="en-US" sz="2800" dirty="0" smtClean="0">
+                <a:cs typeface="Courier"/>
+              </a:rPr>
+              <a:t>r</a:t>
+            </a:r>
+            <a:r>
+              <a:rPr lang="en-US" sz="2800" baseline="-25000" dirty="0" smtClean="0">
+                <a:cs typeface="Courier"/>
+              </a:rPr>
+              <a:t>4</a:t>
+            </a:r>
+            <a:r>
+              <a:rPr lang="en-US" sz="2800" dirty="0" smtClean="0">
+                <a:cs typeface="Courier"/>
+              </a:rPr>
+              <a:t> </a:t>
+            </a:r>
+            <a:r>
+              <a:rPr lang="en-US" sz="2800" dirty="0">
+                <a:cs typeface="Courier"/>
+              </a:rPr>
+              <a:t>= </a:t>
+            </a:r>
+            <a:r>
+              <a:rPr lang="en-US" sz="2800" dirty="0" smtClean="0">
+                <a:cs typeface="Courier"/>
+              </a:rPr>
+              <a:t>s</a:t>
+            </a:r>
+            <a:r>
+              <a:rPr lang="en-US" sz="2800" baseline="-25000" dirty="0" smtClean="0">
+                <a:cs typeface="Courier"/>
+              </a:rPr>
+              <a:t>5 </a:t>
+            </a:r>
+            <a:r>
+              <a:rPr lang="en-US" sz="2800" dirty="0">
+                <a:cs typeface="Courier"/>
+              </a:rPr>
+              <a:t>-&gt; </a:t>
+            </a:r>
+            <a:r>
+              <a:rPr lang="en-US" sz="2800" dirty="0" smtClean="0">
+                <a:cs typeface="Courier"/>
+              </a:rPr>
+              <a:t>t</a:t>
+            </a:r>
+            <a:r>
+              <a:rPr lang="en-US" sz="2800" baseline="-25000" dirty="0" smtClean="0">
+                <a:cs typeface="Courier"/>
+              </a:rPr>
+              <a:t>5</a:t>
+            </a:r>
+            <a:endParaRPr lang="en-US" sz="2800" dirty="0">
+              <a:cs typeface="Courier"/>
+            </a:endParaRPr>
+          </a:p>
+          <a:p>
+            <a:pPr marL="514350" indent="-514350">
+              <a:spcBef>
+                <a:spcPts val="600"/>
+              </a:spcBef>
+              <a:spcAft>
+                <a:spcPts val="600"/>
+              </a:spcAft>
+              <a:buFont typeface="+mj-lt"/>
+              <a:buAutoNum type="arabicPeriod"/>
+            </a:pPr>
+            <a:r>
+              <a:rPr lang="en-US" sz="2800" dirty="0" smtClean="0">
+                <a:cs typeface="Courier"/>
+              </a:rPr>
+              <a:t>r</a:t>
+            </a:r>
+            <a:r>
+              <a:rPr lang="en-US" sz="2800" baseline="-25000" dirty="0" smtClean="0">
+                <a:cs typeface="Courier"/>
+              </a:rPr>
+              <a:t>5</a:t>
+            </a:r>
+            <a:r>
+              <a:rPr lang="en-US" sz="2800" dirty="0" smtClean="0">
+                <a:cs typeface="Courier"/>
+              </a:rPr>
+              <a:t> </a:t>
+            </a:r>
+            <a:r>
+              <a:rPr lang="en-US" sz="2800" dirty="0">
+                <a:cs typeface="Courier"/>
+              </a:rPr>
+              <a:t>= </a:t>
+            </a:r>
+            <a:r>
+              <a:rPr lang="en-US" sz="2800" dirty="0" smtClean="0">
+                <a:cs typeface="Courier"/>
+              </a:rPr>
+              <a:t>s</a:t>
+            </a:r>
+            <a:r>
+              <a:rPr lang="en-US" sz="2800" baseline="-25000" dirty="0">
+                <a:cs typeface="Courier"/>
+              </a:rPr>
+              <a:t>6</a:t>
+            </a:r>
+            <a:r>
+              <a:rPr lang="en-US" sz="2800" baseline="-25000" dirty="0" smtClean="0">
+                <a:cs typeface="Courier"/>
+              </a:rPr>
+              <a:t> </a:t>
+            </a:r>
+            <a:r>
+              <a:rPr lang="en-US" sz="2800" dirty="0">
+                <a:cs typeface="Courier"/>
+              </a:rPr>
+              <a:t>-&gt; </a:t>
+            </a:r>
+            <a:r>
+              <a:rPr lang="en-US" sz="2800" dirty="0" smtClean="0">
+                <a:cs typeface="Courier"/>
+              </a:rPr>
+              <a:t>t</a:t>
+            </a:r>
+            <a:r>
+              <a:rPr lang="en-US" sz="2800" baseline="-25000" dirty="0" smtClean="0">
+                <a:cs typeface="Courier"/>
+              </a:rPr>
+              <a:t>6</a:t>
+            </a:r>
+          </a:p>
+          <a:p>
+            <a:pPr marL="514350" indent="-514350">
+              <a:spcBef>
+                <a:spcPts val="600"/>
+              </a:spcBef>
+              <a:spcAft>
+                <a:spcPts val="600"/>
+              </a:spcAft>
+              <a:buFont typeface="+mj-lt"/>
+              <a:buAutoNum type="arabicPeriod"/>
+            </a:pPr>
+            <a:r>
+              <a:rPr lang="en-US" sz="2800" dirty="0" smtClean="0">
+                <a:cs typeface="Courier"/>
+              </a:rPr>
+              <a:t>r</a:t>
+            </a:r>
+            <a:r>
+              <a:rPr lang="en-US" sz="2800" baseline="-25000" dirty="0" smtClean="0">
+                <a:cs typeface="Courier"/>
+              </a:rPr>
+              <a:t>6</a:t>
+            </a:r>
+            <a:r>
+              <a:rPr lang="en-US" sz="2800" dirty="0" smtClean="0">
+                <a:cs typeface="Courier"/>
+              </a:rPr>
+              <a:t> </a:t>
+            </a:r>
+            <a:r>
+              <a:rPr lang="en-US" sz="2800" dirty="0">
+                <a:cs typeface="Courier"/>
+              </a:rPr>
+              <a:t>= </a:t>
+            </a:r>
+            <a:r>
+              <a:rPr lang="en-US" sz="2800" dirty="0" smtClean="0">
+                <a:cs typeface="Courier"/>
+              </a:rPr>
+              <a:t>s</a:t>
+            </a:r>
+            <a:r>
+              <a:rPr lang="en-US" sz="2800" baseline="-25000" dirty="0" smtClean="0">
+                <a:cs typeface="Courier"/>
+              </a:rPr>
+              <a:t>7 </a:t>
+            </a:r>
+            <a:r>
+              <a:rPr lang="en-US" sz="2800" dirty="0">
+                <a:cs typeface="Courier"/>
+              </a:rPr>
+              <a:t>-&gt; </a:t>
+            </a:r>
+            <a:r>
+              <a:rPr lang="en-US" sz="2800" dirty="0" smtClean="0">
+                <a:cs typeface="Courier"/>
+              </a:rPr>
+              <a:t>t</a:t>
+            </a:r>
+            <a:r>
+              <a:rPr lang="en-US" sz="2800" baseline="-25000" dirty="0" smtClean="0">
+                <a:cs typeface="Courier"/>
+              </a:rPr>
+              <a:t>7</a:t>
+            </a:r>
+            <a:endParaRPr lang="en-US" sz="2800" dirty="0" smtClean="0">
+              <a:cs typeface="Courier"/>
+            </a:endParaRPr>
+          </a:p>
+          <a:p>
+            <a:pPr marL="0" indent="0">
+              <a:buNone/>
+            </a:pPr>
+            <a:endParaRPr lang="en-US" sz="3200" dirty="0" smtClean="0"/>
+          </a:p>
+          <a:p>
+            <a:pPr marL="0" indent="0">
+              <a:buNone/>
+            </a:pPr>
+            <a:r>
+              <a:rPr lang="en-US" sz="2800" b="1" dirty="0" smtClean="0"/>
+              <a:t>         </a:t>
+            </a:r>
+            <a:r>
+              <a:rPr lang="en-US" sz="2800" b="1" dirty="0" err="1" smtClean="0"/>
+              <a:t>d</a:t>
+            </a:r>
+            <a:r>
+              <a:rPr lang="en-US" sz="2800" b="1" baseline="-25000" dirty="0" err="1" smtClean="0"/>
+              <a:t>H</a:t>
+            </a:r>
+            <a:r>
+              <a:rPr lang="en-US" sz="2800" b="1" dirty="0" smtClean="0"/>
+              <a:t>(</a:t>
+            </a:r>
+            <a:r>
+              <a:rPr lang="en-US" sz="2800" b="1" dirty="0" err="1" smtClean="0"/>
+              <a:t>s,t</a:t>
+            </a:r>
+            <a:r>
+              <a:rPr lang="en-US" sz="2800" b="1" dirty="0" smtClean="0"/>
+              <a:t>) = 6</a:t>
+            </a:r>
+            <a:endParaRPr lang="en-US" sz="2800" b="1" dirty="0"/>
           </a:p>
         </p:txBody>
       </p:sp>
@@ -14278,7 +17629,7 @@
                                         <p:tgtEl>
                                           <p:spTgt spid="4">
                                             <p:txEl>
-                                              <p:pRg st="0" end="0"/>
+                                              <p:pRg st="1" end="1"/>
                                             </p:txEl>
                                           </p:spTgt>
                                         </p:tgtEl>
@@ -14372,7 +17723,7 @@
                                         <p:tgtEl>
                                           <p:spTgt spid="4">
                                             <p:txEl>
-                                              <p:pRg st="1" end="1"/>
+                                              <p:pRg st="2" end="2"/>
                                             </p:txEl>
                                           </p:spTgt>
                                         </p:tgtEl>
@@ -14466,7 +17817,7 @@
                                         <p:tgtEl>
                                           <p:spTgt spid="4">
                                             <p:txEl>
-                                              <p:pRg st="2" end="2"/>
+                                              <p:pRg st="3" end="3"/>
                                             </p:txEl>
                                           </p:spTgt>
                                         </p:tgtEl>
@@ -14560,7 +17911,7 @@
                                         <p:tgtEl>
                                           <p:spTgt spid="4">
                                             <p:txEl>
-                                              <p:pRg st="3" end="3"/>
+                                              <p:pRg st="4" end="4"/>
                                             </p:txEl>
                                           </p:spTgt>
                                         </p:tgtEl>
@@ -14654,7 +18005,7 @@
                                         <p:tgtEl>
                                           <p:spTgt spid="4">
                                             <p:txEl>
-                                              <p:pRg st="4" end="4"/>
+                                              <p:pRg st="5" end="5"/>
                                             </p:txEl>
                                           </p:spTgt>
                                         </p:tgtEl>
@@ -14748,7 +18099,7 @@
                                         <p:tgtEl>
                                           <p:spTgt spid="4">
                                             <p:txEl>
-                                              <p:pRg st="5" end="5"/>
+                                              <p:pRg st="6" end="6"/>
                                             </p:txEl>
                                           </p:spTgt>
                                         </p:tgtEl>
@@ -14842,7 +18193,399 @@
                                         <p:tgtEl>
                                           <p:spTgt spid="4">
                                             <p:txEl>
+                                              <p:pRg st="7" end="7"/>
+                                            </p:txEl>
+                                          </p:spTgt>
+                                        </p:tgtEl>
+                                        <p:attrNameLst>
+                                          <p:attrName>style.visibility</p:attrName>
+                                        </p:attrNameLst>
+                                      </p:cBhvr>
+                                      <p:to>
+                                        <p:strVal val="visible"/>
+                                      </p:to>
+                                    </p:set>
+                                  </p:childTnLst>
+                                </p:cTn>
+                              </p:par>
+                            </p:childTnLst>
+                          </p:cTn>
+                        </p:par>
+                      </p:childTnLst>
+                    </p:cTn>
+                  </p:par>
+                  <p:par>
+                    <p:cTn id="55" fill="hold">
+                      <p:stCondLst>
+                        <p:cond delay="indefinite"/>
+                      </p:stCondLst>
+                      <p:childTnLst>
+                        <p:par>
+                          <p:cTn id="56" fill="hold">
+                            <p:stCondLst>
+                              <p:cond delay="0"/>
+                            </p:stCondLst>
+                            <p:childTnLst>
+                              <p:par>
+                                <p:cTn id="57" presetID="1" presetClass="entr" presetSubtype="0" fill="hold" grpId="0" nodeType="clickEffect">
+                                  <p:stCondLst>
+                                    <p:cond delay="0"/>
+                                  </p:stCondLst>
+                                  <p:childTnLst>
+                                    <p:set>
+                                      <p:cBhvr>
+                                        <p:cTn id="58" dur="1" fill="hold">
+                                          <p:stCondLst>
+                                            <p:cond delay="0"/>
+                                          </p:stCondLst>
+                                        </p:cTn>
+                                        <p:tgtEl>
+                                          <p:spTgt spid="15">
+                                            <p:txEl>
+                                              <p:pRg st="0" end="0"/>
+                                            </p:txEl>
+                                          </p:spTgt>
+                                        </p:tgtEl>
+                                        <p:attrNameLst>
+                                          <p:attrName>style.visibility</p:attrName>
+                                        </p:attrNameLst>
+                                      </p:cBhvr>
+                                      <p:to>
+                                        <p:strVal val="visible"/>
+                                      </p:to>
+                                    </p:set>
+                                  </p:childTnLst>
+                                </p:cTn>
+                              </p:par>
+                            </p:childTnLst>
+                          </p:cTn>
+                        </p:par>
+                      </p:childTnLst>
+                    </p:cTn>
+                  </p:par>
+                  <p:par>
+                    <p:cTn id="59" fill="hold">
+                      <p:stCondLst>
+                        <p:cond delay="indefinite"/>
+                      </p:stCondLst>
+                      <p:childTnLst>
+                        <p:par>
+                          <p:cTn id="60" fill="hold">
+                            <p:stCondLst>
+                              <p:cond delay="0"/>
+                            </p:stCondLst>
+                            <p:childTnLst>
+                              <p:par>
+                                <p:cTn id="61" presetID="1" presetClass="entr" presetSubtype="0" fill="hold" grpId="0" nodeType="clickEffect">
+                                  <p:stCondLst>
+                                    <p:cond delay="0"/>
+                                  </p:stCondLst>
+                                  <p:childTnLst>
+                                    <p:set>
+                                      <p:cBhvr>
+                                        <p:cTn id="62" dur="1" fill="hold">
+                                          <p:stCondLst>
+                                            <p:cond delay="0"/>
+                                          </p:stCondLst>
+                                        </p:cTn>
+                                        <p:tgtEl>
+                                          <p:spTgt spid="15">
+                                            <p:txEl>
+                                              <p:pRg st="2" end="2"/>
+                                            </p:txEl>
+                                          </p:spTgt>
+                                        </p:tgtEl>
+                                        <p:attrNameLst>
+                                          <p:attrName>style.visibility</p:attrName>
+                                        </p:attrNameLst>
+                                      </p:cBhvr>
+                                      <p:to>
+                                        <p:strVal val="visible"/>
+                                      </p:to>
+                                    </p:set>
+                                  </p:childTnLst>
+                                </p:cTn>
+                              </p:par>
+                            </p:childTnLst>
+                          </p:cTn>
+                        </p:par>
+                      </p:childTnLst>
+                    </p:cTn>
+                  </p:par>
+                  <p:par>
+                    <p:cTn id="63" fill="hold">
+                      <p:stCondLst>
+                        <p:cond delay="indefinite"/>
+                      </p:stCondLst>
+                      <p:childTnLst>
+                        <p:par>
+                          <p:cTn id="64" fill="hold">
+                            <p:stCondLst>
+                              <p:cond delay="0"/>
+                            </p:stCondLst>
+                            <p:childTnLst>
+                              <p:par>
+                                <p:cTn id="65" presetID="1" presetClass="entr" presetSubtype="0" fill="hold" grpId="0" nodeType="clickEffect">
+                                  <p:stCondLst>
+                                    <p:cond delay="0"/>
+                                  </p:stCondLst>
+                                  <p:childTnLst>
+                                    <p:set>
+                                      <p:cBhvr>
+                                        <p:cTn id="66" dur="1" fill="hold">
+                                          <p:stCondLst>
+                                            <p:cond delay="0"/>
+                                          </p:stCondLst>
+                                        </p:cTn>
+                                        <p:tgtEl>
+                                          <p:spTgt spid="15">
+                                            <p:txEl>
+                                              <p:pRg st="3" end="3"/>
+                                            </p:txEl>
+                                          </p:spTgt>
+                                        </p:tgtEl>
+                                        <p:attrNameLst>
+                                          <p:attrName>style.visibility</p:attrName>
+                                        </p:attrNameLst>
+                                      </p:cBhvr>
+                                      <p:to>
+                                        <p:strVal val="visible"/>
+                                      </p:to>
+                                    </p:set>
+                                  </p:childTnLst>
+                                </p:cTn>
+                              </p:par>
+                            </p:childTnLst>
+                          </p:cTn>
+                        </p:par>
+                      </p:childTnLst>
+                    </p:cTn>
+                  </p:par>
+                  <p:par>
+                    <p:cTn id="67" fill="hold">
+                      <p:stCondLst>
+                        <p:cond delay="indefinite"/>
+                      </p:stCondLst>
+                      <p:childTnLst>
+                        <p:par>
+                          <p:cTn id="68" fill="hold">
+                            <p:stCondLst>
+                              <p:cond delay="0"/>
+                            </p:stCondLst>
+                            <p:childTnLst>
+                              <p:par>
+                                <p:cTn id="69" presetID="1" presetClass="entr" presetSubtype="0" fill="hold" grpId="0" nodeType="clickEffect">
+                                  <p:stCondLst>
+                                    <p:cond delay="0"/>
+                                  </p:stCondLst>
+                                  <p:childTnLst>
+                                    <p:set>
+                                      <p:cBhvr>
+                                        <p:cTn id="70" dur="1" fill="hold">
+                                          <p:stCondLst>
+                                            <p:cond delay="0"/>
+                                          </p:stCondLst>
+                                        </p:cTn>
+                                        <p:tgtEl>
+                                          <p:spTgt spid="15">
+                                            <p:txEl>
+                                              <p:pRg st="4" end="4"/>
+                                            </p:txEl>
+                                          </p:spTgt>
+                                        </p:tgtEl>
+                                        <p:attrNameLst>
+                                          <p:attrName>style.visibility</p:attrName>
+                                        </p:attrNameLst>
+                                      </p:cBhvr>
+                                      <p:to>
+                                        <p:strVal val="visible"/>
+                                      </p:to>
+                                    </p:set>
+                                  </p:childTnLst>
+                                </p:cTn>
+                              </p:par>
+                            </p:childTnLst>
+                          </p:cTn>
+                        </p:par>
+                      </p:childTnLst>
+                    </p:cTn>
+                  </p:par>
+                  <p:par>
+                    <p:cTn id="71" fill="hold">
+                      <p:stCondLst>
+                        <p:cond delay="indefinite"/>
+                      </p:stCondLst>
+                      <p:childTnLst>
+                        <p:par>
+                          <p:cTn id="72" fill="hold">
+                            <p:stCondLst>
+                              <p:cond delay="0"/>
+                            </p:stCondLst>
+                            <p:childTnLst>
+                              <p:par>
+                                <p:cTn id="73" presetID="1" presetClass="entr" presetSubtype="0" fill="hold" grpId="0" nodeType="clickEffect">
+                                  <p:stCondLst>
+                                    <p:cond delay="0"/>
+                                  </p:stCondLst>
+                                  <p:childTnLst>
+                                    <p:set>
+                                      <p:cBhvr>
+                                        <p:cTn id="74" dur="1" fill="hold">
+                                          <p:stCondLst>
+                                            <p:cond delay="0"/>
+                                          </p:stCondLst>
+                                        </p:cTn>
+                                        <p:tgtEl>
+                                          <p:spTgt spid="15">
+                                            <p:txEl>
+                                              <p:pRg st="5" end="5"/>
+                                            </p:txEl>
+                                          </p:spTgt>
+                                        </p:tgtEl>
+                                        <p:attrNameLst>
+                                          <p:attrName>style.visibility</p:attrName>
+                                        </p:attrNameLst>
+                                      </p:cBhvr>
+                                      <p:to>
+                                        <p:strVal val="visible"/>
+                                      </p:to>
+                                    </p:set>
+                                  </p:childTnLst>
+                                </p:cTn>
+                              </p:par>
+                            </p:childTnLst>
+                          </p:cTn>
+                        </p:par>
+                      </p:childTnLst>
+                    </p:cTn>
+                  </p:par>
+                  <p:par>
+                    <p:cTn id="75" fill="hold">
+                      <p:stCondLst>
+                        <p:cond delay="indefinite"/>
+                      </p:stCondLst>
+                      <p:childTnLst>
+                        <p:par>
+                          <p:cTn id="76" fill="hold">
+                            <p:stCondLst>
+                              <p:cond delay="0"/>
+                            </p:stCondLst>
+                            <p:childTnLst>
+                              <p:par>
+                                <p:cTn id="77" presetID="1" presetClass="entr" presetSubtype="0" fill="hold" grpId="0" nodeType="clickEffect">
+                                  <p:stCondLst>
+                                    <p:cond delay="0"/>
+                                  </p:stCondLst>
+                                  <p:childTnLst>
+                                    <p:set>
+                                      <p:cBhvr>
+                                        <p:cTn id="78" dur="1" fill="hold">
+                                          <p:stCondLst>
+                                            <p:cond delay="0"/>
+                                          </p:stCondLst>
+                                        </p:cTn>
+                                        <p:tgtEl>
+                                          <p:spTgt spid="15">
+                                            <p:txEl>
                                               <p:pRg st="6" end="6"/>
+                                            </p:txEl>
+                                          </p:spTgt>
+                                        </p:tgtEl>
+                                        <p:attrNameLst>
+                                          <p:attrName>style.visibility</p:attrName>
+                                        </p:attrNameLst>
+                                      </p:cBhvr>
+                                      <p:to>
+                                        <p:strVal val="visible"/>
+                                      </p:to>
+                                    </p:set>
+                                  </p:childTnLst>
+                                </p:cTn>
+                              </p:par>
+                            </p:childTnLst>
+                          </p:cTn>
+                        </p:par>
+                      </p:childTnLst>
+                    </p:cTn>
+                  </p:par>
+                  <p:par>
+                    <p:cTn id="79" fill="hold">
+                      <p:stCondLst>
+                        <p:cond delay="indefinite"/>
+                      </p:stCondLst>
+                      <p:childTnLst>
+                        <p:par>
+                          <p:cTn id="80" fill="hold">
+                            <p:stCondLst>
+                              <p:cond delay="0"/>
+                            </p:stCondLst>
+                            <p:childTnLst>
+                              <p:par>
+                                <p:cTn id="81" presetID="1" presetClass="entr" presetSubtype="0" fill="hold" grpId="0" nodeType="clickEffect">
+                                  <p:stCondLst>
+                                    <p:cond delay="0"/>
+                                  </p:stCondLst>
+                                  <p:childTnLst>
+                                    <p:set>
+                                      <p:cBhvr>
+                                        <p:cTn id="82" dur="1" fill="hold">
+                                          <p:stCondLst>
+                                            <p:cond delay="0"/>
+                                          </p:stCondLst>
+                                        </p:cTn>
+                                        <p:tgtEl>
+                                          <p:spTgt spid="15">
+                                            <p:txEl>
+                                              <p:pRg st="7" end="7"/>
+                                            </p:txEl>
+                                          </p:spTgt>
+                                        </p:tgtEl>
+                                        <p:attrNameLst>
+                                          <p:attrName>style.visibility</p:attrName>
+                                        </p:attrNameLst>
+                                      </p:cBhvr>
+                                      <p:to>
+                                        <p:strVal val="visible"/>
+                                      </p:to>
+                                    </p:set>
+                                  </p:childTnLst>
+                                </p:cTn>
+                              </p:par>
+                            </p:childTnLst>
+                          </p:cTn>
+                        </p:par>
+                      </p:childTnLst>
+                    </p:cTn>
+                  </p:par>
+                  <p:par>
+                    <p:cTn id="83" fill="hold">
+                      <p:stCondLst>
+                        <p:cond delay="indefinite"/>
+                      </p:stCondLst>
+                      <p:childTnLst>
+                        <p:par>
+                          <p:cTn id="84" fill="hold">
+                            <p:stCondLst>
+                              <p:cond delay="0"/>
+                            </p:stCondLst>
+                            <p:childTnLst>
+                              <p:par>
+                                <p:cTn id="85" presetID="1" presetClass="entr" presetSubtype="0" fill="hold" grpId="0" nodeType="clickEffect">
+                                  <p:stCondLst>
+                                    <p:cond delay="0"/>
+                                  </p:stCondLst>
+                                  <p:childTnLst>
+                                    <p:set>
+                                      <p:cBhvr>
+                                        <p:cTn id="86" dur="1" fill="hold">
+                                          <p:stCondLst>
+                                            <p:cond delay="0"/>
+                                          </p:stCondLst>
+                                        </p:cTn>
+                                        <p:tgtEl>
+                                          <p:spTgt spid="15">
+                                            <p:txEl>
+                                              <p:pRg st="9" end="9"/>
                                             </p:txEl>
                                           </p:spTgt>
                                         </p:tgtEl>
@@ -14892,6 +18635,7 @@
       <p:bldP spid="12" grpId="0"/>
       <p:bldP spid="13" grpId="0"/>
       <p:bldP spid="14" grpId="0"/>
+      <p:bldP spid="15" grpId="0" build="p"/>
     </p:bldLst>
   </p:timing>
 </p:sld>
@@ -16255,9 +19999,1407 @@
   <p:timing>
     <p:tnLst>
       <p:par>
-        <p:cTn xmlns:p14="http://schemas.microsoft.com/office/powerpoint/2010/main" id="1" dur="indefinite" restart="never" nodeType="tmRoot"/>
+        <p:cTn xmlns:p14="http://schemas.microsoft.com/office/powerpoint/2010/main" id="1" dur="indefinite" restart="never" nodeType="tmRoot">
+          <p:childTnLst>
+            <p:seq concurrent="1" nextAc="seek">
+              <p:cTn id="2" dur="indefinite" nodeType="mainSeq">
+                <p:childTnLst>
+                  <p:par>
+                    <p:cTn id="3" fill="hold">
+                      <p:stCondLst>
+                        <p:cond delay="indefinite"/>
+                      </p:stCondLst>
+                      <p:childTnLst>
+                        <p:par>
+                          <p:cTn id="4" fill="hold">
+                            <p:stCondLst>
+                              <p:cond delay="0"/>
+                            </p:stCondLst>
+                            <p:childTnLst>
+                              <p:par>
+                                <p:cTn id="5" presetID="1" presetClass="entr" presetSubtype="0" fill="hold" grpId="0" nodeType="clickEffect">
+                                  <p:stCondLst>
+                                    <p:cond delay="0"/>
+                                  </p:stCondLst>
+                                  <p:childTnLst>
+                                    <p:set>
+                                      <p:cBhvr>
+                                        <p:cTn id="6" dur="1" fill="hold">
+                                          <p:stCondLst>
+                                            <p:cond delay="0"/>
+                                          </p:stCondLst>
+                                        </p:cTn>
+                                        <p:tgtEl>
+                                          <p:spTgt spid="3">
+                                            <p:txEl>
+                                              <p:pRg st="0" end="0"/>
+                                            </p:txEl>
+                                          </p:spTgt>
+                                        </p:tgtEl>
+                                        <p:attrNameLst>
+                                          <p:attrName>style.visibility</p:attrName>
+                                        </p:attrNameLst>
+                                      </p:cBhvr>
+                                      <p:to>
+                                        <p:strVal val="visible"/>
+                                      </p:to>
+                                    </p:set>
+                                  </p:childTnLst>
+                                </p:cTn>
+                              </p:par>
+                            </p:childTnLst>
+                          </p:cTn>
+                        </p:par>
+                      </p:childTnLst>
+                    </p:cTn>
+                  </p:par>
+                  <p:par>
+                    <p:cTn id="7" fill="hold">
+                      <p:stCondLst>
+                        <p:cond delay="indefinite"/>
+                      </p:stCondLst>
+                      <p:childTnLst>
+                        <p:par>
+                          <p:cTn id="8" fill="hold">
+                            <p:stCondLst>
+                              <p:cond delay="0"/>
+                            </p:stCondLst>
+                            <p:childTnLst>
+                              <p:par>
+                                <p:cTn id="9" presetID="1" presetClass="entr" presetSubtype="0" fill="hold" grpId="0" nodeType="clickEffect">
+                                  <p:stCondLst>
+                                    <p:cond delay="0"/>
+                                  </p:stCondLst>
+                                  <p:childTnLst>
+                                    <p:set>
+                                      <p:cBhvr>
+                                        <p:cTn id="10" dur="1" fill="hold">
+                                          <p:stCondLst>
+                                            <p:cond delay="0"/>
+                                          </p:stCondLst>
+                                        </p:cTn>
+                                        <p:tgtEl>
+                                          <p:spTgt spid="3">
+                                            <p:txEl>
+                                              <p:pRg st="1" end="1"/>
+                                            </p:txEl>
+                                          </p:spTgt>
+                                        </p:tgtEl>
+                                        <p:attrNameLst>
+                                          <p:attrName>style.visibility</p:attrName>
+                                        </p:attrNameLst>
+                                      </p:cBhvr>
+                                      <p:to>
+                                        <p:strVal val="visible"/>
+                                      </p:to>
+                                    </p:set>
+                                  </p:childTnLst>
+                                </p:cTn>
+                              </p:par>
+                            </p:childTnLst>
+                          </p:cTn>
+                        </p:par>
+                      </p:childTnLst>
+                    </p:cTn>
+                  </p:par>
+                  <p:par>
+                    <p:cTn id="11" fill="hold">
+                      <p:stCondLst>
+                        <p:cond delay="indefinite"/>
+                      </p:stCondLst>
+                      <p:childTnLst>
+                        <p:par>
+                          <p:cTn id="12" fill="hold">
+                            <p:stCondLst>
+                              <p:cond delay="0"/>
+                            </p:stCondLst>
+                            <p:childTnLst>
+                              <p:par>
+                                <p:cTn id="13" presetID="1" presetClass="entr" presetSubtype="0" fill="hold" grpId="0" nodeType="clickEffect">
+                                  <p:stCondLst>
+                                    <p:cond delay="0"/>
+                                  </p:stCondLst>
+                                  <p:childTnLst>
+                                    <p:set>
+                                      <p:cBhvr>
+                                        <p:cTn id="14" dur="1" fill="hold">
+                                          <p:stCondLst>
+                                            <p:cond delay="0"/>
+                                          </p:stCondLst>
+                                        </p:cTn>
+                                        <p:tgtEl>
+                                          <p:spTgt spid="16"/>
+                                        </p:tgtEl>
+                                        <p:attrNameLst>
+                                          <p:attrName>style.visibility</p:attrName>
+                                        </p:attrNameLst>
+                                      </p:cBhvr>
+                                      <p:to>
+                                        <p:strVal val="visible"/>
+                                      </p:to>
+                                    </p:set>
+                                  </p:childTnLst>
+                                </p:cTn>
+                              </p:par>
+                              <p:par>
+                                <p:cTn id="15" presetID="1" presetClass="entr" presetSubtype="0" fill="hold" grpId="0" nodeType="withEffect">
+                                  <p:stCondLst>
+                                    <p:cond delay="0"/>
+                                  </p:stCondLst>
+                                  <p:childTnLst>
+                                    <p:set>
+                                      <p:cBhvr>
+                                        <p:cTn id="16" dur="1" fill="hold">
+                                          <p:stCondLst>
+                                            <p:cond delay="0"/>
+                                          </p:stCondLst>
+                                        </p:cTn>
+                                        <p:tgtEl>
+                                          <p:spTgt spid="17"/>
+                                        </p:tgtEl>
+                                        <p:attrNameLst>
+                                          <p:attrName>style.visibility</p:attrName>
+                                        </p:attrNameLst>
+                                      </p:cBhvr>
+                                      <p:to>
+                                        <p:strVal val="visible"/>
+                                      </p:to>
+                                    </p:set>
+                                  </p:childTnLst>
+                                </p:cTn>
+                              </p:par>
+                              <p:par>
+                                <p:cTn id="17" presetID="1" presetClass="entr" presetSubtype="0" fill="hold" grpId="0" nodeType="withEffect">
+                                  <p:stCondLst>
+                                    <p:cond delay="0"/>
+                                  </p:stCondLst>
+                                  <p:childTnLst>
+                                    <p:set>
+                                      <p:cBhvr>
+                                        <p:cTn id="18" dur="1" fill="hold">
+                                          <p:stCondLst>
+                                            <p:cond delay="0"/>
+                                          </p:stCondLst>
+                                        </p:cTn>
+                                        <p:tgtEl>
+                                          <p:spTgt spid="102"/>
+                                        </p:tgtEl>
+                                        <p:attrNameLst>
+                                          <p:attrName>style.visibility</p:attrName>
+                                        </p:attrNameLst>
+                                      </p:cBhvr>
+                                      <p:to>
+                                        <p:strVal val="visible"/>
+                                      </p:to>
+                                    </p:set>
+                                  </p:childTnLst>
+                                </p:cTn>
+                              </p:par>
+                              <p:par>
+                                <p:cTn id="19" presetID="1" presetClass="entr" presetSubtype="0" fill="hold" grpId="0" nodeType="withEffect">
+                                  <p:stCondLst>
+                                    <p:cond delay="0"/>
+                                  </p:stCondLst>
+                                  <p:childTnLst>
+                                    <p:set>
+                                      <p:cBhvr>
+                                        <p:cTn id="20" dur="1" fill="hold">
+                                          <p:stCondLst>
+                                            <p:cond delay="0"/>
+                                          </p:stCondLst>
+                                        </p:cTn>
+                                        <p:tgtEl>
+                                          <p:spTgt spid="103"/>
+                                        </p:tgtEl>
+                                        <p:attrNameLst>
+                                          <p:attrName>style.visibility</p:attrName>
+                                        </p:attrNameLst>
+                                      </p:cBhvr>
+                                      <p:to>
+                                        <p:strVal val="visible"/>
+                                      </p:to>
+                                    </p:set>
+                                  </p:childTnLst>
+                                </p:cTn>
+                              </p:par>
+                              <p:par>
+                                <p:cTn id="21" presetID="1" presetClass="entr" presetSubtype="0" fill="hold" grpId="0" nodeType="withEffect">
+                                  <p:stCondLst>
+                                    <p:cond delay="0"/>
+                                  </p:stCondLst>
+                                  <p:childTnLst>
+                                    <p:set>
+                                      <p:cBhvr>
+                                        <p:cTn id="22" dur="1" fill="hold">
+                                          <p:stCondLst>
+                                            <p:cond delay="0"/>
+                                          </p:stCondLst>
+                                        </p:cTn>
+                                        <p:tgtEl>
+                                          <p:spTgt spid="104"/>
+                                        </p:tgtEl>
+                                        <p:attrNameLst>
+                                          <p:attrName>style.visibility</p:attrName>
+                                        </p:attrNameLst>
+                                      </p:cBhvr>
+                                      <p:to>
+                                        <p:strVal val="visible"/>
+                                      </p:to>
+                                    </p:set>
+                                  </p:childTnLst>
+                                </p:cTn>
+                              </p:par>
+                            </p:childTnLst>
+                          </p:cTn>
+                        </p:par>
+                      </p:childTnLst>
+                    </p:cTn>
+                  </p:par>
+                  <p:par>
+                    <p:cTn id="23" fill="hold">
+                      <p:stCondLst>
+                        <p:cond delay="indefinite"/>
+                      </p:stCondLst>
+                      <p:childTnLst>
+                        <p:par>
+                          <p:cTn id="24" fill="hold">
+                            <p:stCondLst>
+                              <p:cond delay="0"/>
+                            </p:stCondLst>
+                            <p:childTnLst>
+                              <p:par>
+                                <p:cTn id="25" presetID="1" presetClass="entr" presetSubtype="0" fill="hold" grpId="0" nodeType="clickEffect">
+                                  <p:stCondLst>
+                                    <p:cond delay="0"/>
+                                  </p:stCondLst>
+                                  <p:childTnLst>
+                                    <p:set>
+                                      <p:cBhvr>
+                                        <p:cTn id="26" dur="1" fill="hold">
+                                          <p:stCondLst>
+                                            <p:cond delay="0"/>
+                                          </p:stCondLst>
+                                        </p:cTn>
+                                        <p:tgtEl>
+                                          <p:spTgt spid="3">
+                                            <p:txEl>
+                                              <p:pRg st="4" end="4"/>
+                                            </p:txEl>
+                                          </p:spTgt>
+                                        </p:tgtEl>
+                                        <p:attrNameLst>
+                                          <p:attrName>style.visibility</p:attrName>
+                                        </p:attrNameLst>
+                                      </p:cBhvr>
+                                      <p:to>
+                                        <p:strVal val="visible"/>
+                                      </p:to>
+                                    </p:set>
+                                  </p:childTnLst>
+                                </p:cTn>
+                              </p:par>
+                            </p:childTnLst>
+                          </p:cTn>
+                        </p:par>
+                      </p:childTnLst>
+                    </p:cTn>
+                  </p:par>
+                  <p:par>
+                    <p:cTn id="27" fill="hold">
+                      <p:stCondLst>
+                        <p:cond delay="indefinite"/>
+                      </p:stCondLst>
+                      <p:childTnLst>
+                        <p:par>
+                          <p:cTn id="28" fill="hold">
+                            <p:stCondLst>
+                              <p:cond delay="0"/>
+                            </p:stCondLst>
+                            <p:childTnLst>
+                              <p:par>
+                                <p:cTn id="29" presetID="1" presetClass="entr" presetSubtype="0" fill="hold" grpId="0" nodeType="clickEffect">
+                                  <p:stCondLst>
+                                    <p:cond delay="0"/>
+                                  </p:stCondLst>
+                                  <p:childTnLst>
+                                    <p:set>
+                                      <p:cBhvr>
+                                        <p:cTn id="30" dur="1" fill="hold">
+                                          <p:stCondLst>
+                                            <p:cond delay="0"/>
+                                          </p:stCondLst>
+                                        </p:cTn>
+                                        <p:tgtEl>
+                                          <p:spTgt spid="40"/>
+                                        </p:tgtEl>
+                                        <p:attrNameLst>
+                                          <p:attrName>style.visibility</p:attrName>
+                                        </p:attrNameLst>
+                                      </p:cBhvr>
+                                      <p:to>
+                                        <p:strVal val="visible"/>
+                                      </p:to>
+                                    </p:set>
+                                  </p:childTnLst>
+                                </p:cTn>
+                              </p:par>
+                              <p:par>
+                                <p:cTn id="31" presetID="1" presetClass="entr" presetSubtype="0" fill="hold" grpId="0" nodeType="withEffect">
+                                  <p:stCondLst>
+                                    <p:cond delay="0"/>
+                                  </p:stCondLst>
+                                  <p:childTnLst>
+                                    <p:set>
+                                      <p:cBhvr>
+                                        <p:cTn id="32" dur="1" fill="hold">
+                                          <p:stCondLst>
+                                            <p:cond delay="0"/>
+                                          </p:stCondLst>
+                                        </p:cTn>
+                                        <p:tgtEl>
+                                          <p:spTgt spid="108"/>
+                                        </p:tgtEl>
+                                        <p:attrNameLst>
+                                          <p:attrName>style.visibility</p:attrName>
+                                        </p:attrNameLst>
+                                      </p:cBhvr>
+                                      <p:to>
+                                        <p:strVal val="visible"/>
+                                      </p:to>
+                                    </p:set>
+                                  </p:childTnLst>
+                                </p:cTn>
+                              </p:par>
+                              <p:par>
+                                <p:cTn id="33" presetID="1" presetClass="entr" presetSubtype="0" fill="hold" grpId="0" nodeType="withEffect">
+                                  <p:stCondLst>
+                                    <p:cond delay="0"/>
+                                  </p:stCondLst>
+                                  <p:childTnLst>
+                                    <p:set>
+                                      <p:cBhvr>
+                                        <p:cTn id="34" dur="1" fill="hold">
+                                          <p:stCondLst>
+                                            <p:cond delay="0"/>
+                                          </p:stCondLst>
+                                        </p:cTn>
+                                        <p:tgtEl>
+                                          <p:spTgt spid="107"/>
+                                        </p:tgtEl>
+                                        <p:attrNameLst>
+                                          <p:attrName>style.visibility</p:attrName>
+                                        </p:attrNameLst>
+                                      </p:cBhvr>
+                                      <p:to>
+                                        <p:strVal val="visible"/>
+                                      </p:to>
+                                    </p:set>
+                                  </p:childTnLst>
+                                </p:cTn>
+                              </p:par>
+                              <p:par>
+                                <p:cTn id="35" presetID="1" presetClass="entr" presetSubtype="0" fill="hold" grpId="0" nodeType="withEffect">
+                                  <p:stCondLst>
+                                    <p:cond delay="0"/>
+                                  </p:stCondLst>
+                                  <p:childTnLst>
+                                    <p:set>
+                                      <p:cBhvr>
+                                        <p:cTn id="36" dur="1" fill="hold">
+                                          <p:stCondLst>
+                                            <p:cond delay="0"/>
+                                          </p:stCondLst>
+                                        </p:cTn>
+                                        <p:tgtEl>
+                                          <p:spTgt spid="106"/>
+                                        </p:tgtEl>
+                                        <p:attrNameLst>
+                                          <p:attrName>style.visibility</p:attrName>
+                                        </p:attrNameLst>
+                                      </p:cBhvr>
+                                      <p:to>
+                                        <p:strVal val="visible"/>
+                                      </p:to>
+                                    </p:set>
+                                  </p:childTnLst>
+                                </p:cTn>
+                              </p:par>
+                              <p:par>
+                                <p:cTn id="37" presetID="1" presetClass="entr" presetSubtype="0" fill="hold" grpId="0" nodeType="withEffect">
+                                  <p:stCondLst>
+                                    <p:cond delay="0"/>
+                                  </p:stCondLst>
+                                  <p:childTnLst>
+                                    <p:set>
+                                      <p:cBhvr>
+                                        <p:cTn id="38" dur="1" fill="hold">
+                                          <p:stCondLst>
+                                            <p:cond delay="0"/>
+                                          </p:stCondLst>
+                                        </p:cTn>
+                                        <p:tgtEl>
+                                          <p:spTgt spid="118"/>
+                                        </p:tgtEl>
+                                        <p:attrNameLst>
+                                          <p:attrName>style.visibility</p:attrName>
+                                        </p:attrNameLst>
+                                      </p:cBhvr>
+                                      <p:to>
+                                        <p:strVal val="visible"/>
+                                      </p:to>
+                                    </p:set>
+                                  </p:childTnLst>
+                                </p:cTn>
+                              </p:par>
+                            </p:childTnLst>
+                          </p:cTn>
+                        </p:par>
+                      </p:childTnLst>
+                    </p:cTn>
+                  </p:par>
+                  <p:par>
+                    <p:cTn id="39" fill="hold">
+                      <p:stCondLst>
+                        <p:cond delay="indefinite"/>
+                      </p:stCondLst>
+                      <p:childTnLst>
+                        <p:par>
+                          <p:cTn id="40" fill="hold">
+                            <p:stCondLst>
+                              <p:cond delay="0"/>
+                            </p:stCondLst>
+                            <p:childTnLst>
+                              <p:par>
+                                <p:cTn id="41" presetID="2" presetClass="entr" presetSubtype="4" fill="hold" grpId="0" nodeType="clickEffect">
+                                  <p:stCondLst>
+                                    <p:cond delay="0"/>
+                                  </p:stCondLst>
+                                  <p:childTnLst>
+                                    <p:set>
+                                      <p:cBhvr>
+                                        <p:cTn id="42" dur="1" fill="hold">
+                                          <p:stCondLst>
+                                            <p:cond delay="0"/>
+                                          </p:stCondLst>
+                                        </p:cTn>
+                                        <p:tgtEl>
+                                          <p:spTgt spid="119"/>
+                                        </p:tgtEl>
+                                        <p:attrNameLst>
+                                          <p:attrName>style.visibility</p:attrName>
+                                        </p:attrNameLst>
+                                      </p:cBhvr>
+                                      <p:to>
+                                        <p:strVal val="visible"/>
+                                      </p:to>
+                                    </p:set>
+                                    <p:anim calcmode="lin" valueType="num">
+                                      <p:cBhvr additive="base">
+                                        <p:cTn id="43" dur="500" fill="hold"/>
+                                        <p:tgtEl>
+                                          <p:spTgt spid="119"/>
+                                        </p:tgtEl>
+                                        <p:attrNameLst>
+                                          <p:attrName>ppt_x</p:attrName>
+                                        </p:attrNameLst>
+                                      </p:cBhvr>
+                                      <p:tavLst>
+                                        <p:tav tm="0">
+                                          <p:val>
+                                            <p:strVal val="#ppt_x"/>
+                                          </p:val>
+                                        </p:tav>
+                                        <p:tav tm="100000">
+                                          <p:val>
+                                            <p:strVal val="#ppt_x"/>
+                                          </p:val>
+                                        </p:tav>
+                                      </p:tavLst>
+                                    </p:anim>
+                                    <p:anim calcmode="lin" valueType="num">
+                                      <p:cBhvr additive="base">
+                                        <p:cTn id="44" dur="500" fill="hold"/>
+                                        <p:tgtEl>
+                                          <p:spTgt spid="119"/>
+                                        </p:tgtEl>
+                                        <p:attrNameLst>
+                                          <p:attrName>ppt_y</p:attrName>
+                                        </p:attrNameLst>
+                                      </p:cBhvr>
+                                      <p:tavLst>
+                                        <p:tav tm="0">
+                                          <p:val>
+                                            <p:strVal val="1+#ppt_h/2"/>
+                                          </p:val>
+                                        </p:tav>
+                                        <p:tav tm="100000">
+                                          <p:val>
+                                            <p:strVal val="#ppt_y"/>
+                                          </p:val>
+                                        </p:tav>
+                                      </p:tavLst>
+                                    </p:anim>
+                                  </p:childTnLst>
+                                </p:cTn>
+                              </p:par>
+                              <p:par>
+                                <p:cTn id="45" presetID="2" presetClass="entr" presetSubtype="4" fill="hold" grpId="0" nodeType="withEffect">
+                                  <p:stCondLst>
+                                    <p:cond delay="0"/>
+                                  </p:stCondLst>
+                                  <p:childTnLst>
+                                    <p:set>
+                                      <p:cBhvr>
+                                        <p:cTn id="46" dur="1" fill="hold">
+                                          <p:stCondLst>
+                                            <p:cond delay="0"/>
+                                          </p:stCondLst>
+                                        </p:cTn>
+                                        <p:tgtEl>
+                                          <p:spTgt spid="121"/>
+                                        </p:tgtEl>
+                                        <p:attrNameLst>
+                                          <p:attrName>style.visibility</p:attrName>
+                                        </p:attrNameLst>
+                                      </p:cBhvr>
+                                      <p:to>
+                                        <p:strVal val="visible"/>
+                                      </p:to>
+                                    </p:set>
+                                    <p:anim calcmode="lin" valueType="num">
+                                      <p:cBhvr additive="base">
+                                        <p:cTn id="47" dur="500" fill="hold"/>
+                                        <p:tgtEl>
+                                          <p:spTgt spid="121"/>
+                                        </p:tgtEl>
+                                        <p:attrNameLst>
+                                          <p:attrName>ppt_x</p:attrName>
+                                        </p:attrNameLst>
+                                      </p:cBhvr>
+                                      <p:tavLst>
+                                        <p:tav tm="0">
+                                          <p:val>
+                                            <p:strVal val="#ppt_x"/>
+                                          </p:val>
+                                        </p:tav>
+                                        <p:tav tm="100000">
+                                          <p:val>
+                                            <p:strVal val="#ppt_x"/>
+                                          </p:val>
+                                        </p:tav>
+                                      </p:tavLst>
+                                    </p:anim>
+                                    <p:anim calcmode="lin" valueType="num">
+                                      <p:cBhvr additive="base">
+                                        <p:cTn id="48" dur="500" fill="hold"/>
+                                        <p:tgtEl>
+                                          <p:spTgt spid="121"/>
+                                        </p:tgtEl>
+                                        <p:attrNameLst>
+                                          <p:attrName>ppt_y</p:attrName>
+                                        </p:attrNameLst>
+                                      </p:cBhvr>
+                                      <p:tavLst>
+                                        <p:tav tm="0">
+                                          <p:val>
+                                            <p:strVal val="1+#ppt_h/2"/>
+                                          </p:val>
+                                        </p:tav>
+                                        <p:tav tm="100000">
+                                          <p:val>
+                                            <p:strVal val="#ppt_y"/>
+                                          </p:val>
+                                        </p:tav>
+                                      </p:tavLst>
+                                    </p:anim>
+                                  </p:childTnLst>
+                                </p:cTn>
+                              </p:par>
+                              <p:par>
+                                <p:cTn id="49" presetID="2" presetClass="entr" presetSubtype="4" fill="hold" grpId="0" nodeType="withEffect">
+                                  <p:stCondLst>
+                                    <p:cond delay="0"/>
+                                  </p:stCondLst>
+                                  <p:childTnLst>
+                                    <p:set>
+                                      <p:cBhvr>
+                                        <p:cTn id="50" dur="1" fill="hold">
+                                          <p:stCondLst>
+                                            <p:cond delay="0"/>
+                                          </p:stCondLst>
+                                        </p:cTn>
+                                        <p:tgtEl>
+                                          <p:spTgt spid="125"/>
+                                        </p:tgtEl>
+                                        <p:attrNameLst>
+                                          <p:attrName>style.visibility</p:attrName>
+                                        </p:attrNameLst>
+                                      </p:cBhvr>
+                                      <p:to>
+                                        <p:strVal val="visible"/>
+                                      </p:to>
+                                    </p:set>
+                                    <p:anim calcmode="lin" valueType="num">
+                                      <p:cBhvr additive="base">
+                                        <p:cTn id="51" dur="500" fill="hold"/>
+                                        <p:tgtEl>
+                                          <p:spTgt spid="125"/>
+                                        </p:tgtEl>
+                                        <p:attrNameLst>
+                                          <p:attrName>ppt_x</p:attrName>
+                                        </p:attrNameLst>
+                                      </p:cBhvr>
+                                      <p:tavLst>
+                                        <p:tav tm="0">
+                                          <p:val>
+                                            <p:strVal val="#ppt_x"/>
+                                          </p:val>
+                                        </p:tav>
+                                        <p:tav tm="100000">
+                                          <p:val>
+                                            <p:strVal val="#ppt_x"/>
+                                          </p:val>
+                                        </p:tav>
+                                      </p:tavLst>
+                                    </p:anim>
+                                    <p:anim calcmode="lin" valueType="num">
+                                      <p:cBhvr additive="base">
+                                        <p:cTn id="52" dur="500" fill="hold"/>
+                                        <p:tgtEl>
+                                          <p:spTgt spid="125"/>
+                                        </p:tgtEl>
+                                        <p:attrNameLst>
+                                          <p:attrName>ppt_y</p:attrName>
+                                        </p:attrNameLst>
+                                      </p:cBhvr>
+                                      <p:tavLst>
+                                        <p:tav tm="0">
+                                          <p:val>
+                                            <p:strVal val="1+#ppt_h/2"/>
+                                          </p:val>
+                                        </p:tav>
+                                        <p:tav tm="100000">
+                                          <p:val>
+                                            <p:strVal val="#ppt_y"/>
+                                          </p:val>
+                                        </p:tav>
+                                      </p:tavLst>
+                                    </p:anim>
+                                  </p:childTnLst>
+                                </p:cTn>
+                              </p:par>
+                              <p:par>
+                                <p:cTn id="53" presetID="2" presetClass="entr" presetSubtype="4" fill="hold" grpId="0" nodeType="withEffect">
+                                  <p:stCondLst>
+                                    <p:cond delay="0"/>
+                                  </p:stCondLst>
+                                  <p:childTnLst>
+                                    <p:set>
+                                      <p:cBhvr>
+                                        <p:cTn id="54" dur="1" fill="hold">
+                                          <p:stCondLst>
+                                            <p:cond delay="0"/>
+                                          </p:stCondLst>
+                                        </p:cTn>
+                                        <p:tgtEl>
+                                          <p:spTgt spid="127"/>
+                                        </p:tgtEl>
+                                        <p:attrNameLst>
+                                          <p:attrName>style.visibility</p:attrName>
+                                        </p:attrNameLst>
+                                      </p:cBhvr>
+                                      <p:to>
+                                        <p:strVal val="visible"/>
+                                      </p:to>
+                                    </p:set>
+                                    <p:anim calcmode="lin" valueType="num">
+                                      <p:cBhvr additive="base">
+                                        <p:cTn id="55" dur="500" fill="hold"/>
+                                        <p:tgtEl>
+                                          <p:spTgt spid="127"/>
+                                        </p:tgtEl>
+                                        <p:attrNameLst>
+                                          <p:attrName>ppt_x</p:attrName>
+                                        </p:attrNameLst>
+                                      </p:cBhvr>
+                                      <p:tavLst>
+                                        <p:tav tm="0">
+                                          <p:val>
+                                            <p:strVal val="#ppt_x"/>
+                                          </p:val>
+                                        </p:tav>
+                                        <p:tav tm="100000">
+                                          <p:val>
+                                            <p:strVal val="#ppt_x"/>
+                                          </p:val>
+                                        </p:tav>
+                                      </p:tavLst>
+                                    </p:anim>
+                                    <p:anim calcmode="lin" valueType="num">
+                                      <p:cBhvr additive="base">
+                                        <p:cTn id="56" dur="500" fill="hold"/>
+                                        <p:tgtEl>
+                                          <p:spTgt spid="127"/>
+                                        </p:tgtEl>
+                                        <p:attrNameLst>
+                                          <p:attrName>ppt_y</p:attrName>
+                                        </p:attrNameLst>
+                                      </p:cBhvr>
+                                      <p:tavLst>
+                                        <p:tav tm="0">
+                                          <p:val>
+                                            <p:strVal val="1+#ppt_h/2"/>
+                                          </p:val>
+                                        </p:tav>
+                                        <p:tav tm="100000">
+                                          <p:val>
+                                            <p:strVal val="#ppt_y"/>
+                                          </p:val>
+                                        </p:tav>
+                                      </p:tavLst>
+                                    </p:anim>
+                                  </p:childTnLst>
+                                </p:cTn>
+                              </p:par>
+                              <p:par>
+                                <p:cTn id="57" presetID="2" presetClass="entr" presetSubtype="4" fill="hold" grpId="0" nodeType="withEffect">
+                                  <p:stCondLst>
+                                    <p:cond delay="0"/>
+                                  </p:stCondLst>
+                                  <p:childTnLst>
+                                    <p:set>
+                                      <p:cBhvr>
+                                        <p:cTn id="58" dur="1" fill="hold">
+                                          <p:stCondLst>
+                                            <p:cond delay="0"/>
+                                          </p:stCondLst>
+                                        </p:cTn>
+                                        <p:tgtEl>
+                                          <p:spTgt spid="113"/>
+                                        </p:tgtEl>
+                                        <p:attrNameLst>
+                                          <p:attrName>style.visibility</p:attrName>
+                                        </p:attrNameLst>
+                                      </p:cBhvr>
+                                      <p:to>
+                                        <p:strVal val="visible"/>
+                                      </p:to>
+                                    </p:set>
+                                    <p:anim calcmode="lin" valueType="num">
+                                      <p:cBhvr additive="base">
+                                        <p:cTn id="59" dur="500" fill="hold"/>
+                                        <p:tgtEl>
+                                          <p:spTgt spid="113"/>
+                                        </p:tgtEl>
+                                        <p:attrNameLst>
+                                          <p:attrName>ppt_x</p:attrName>
+                                        </p:attrNameLst>
+                                      </p:cBhvr>
+                                      <p:tavLst>
+                                        <p:tav tm="0">
+                                          <p:val>
+                                            <p:strVal val="#ppt_x"/>
+                                          </p:val>
+                                        </p:tav>
+                                        <p:tav tm="100000">
+                                          <p:val>
+                                            <p:strVal val="#ppt_x"/>
+                                          </p:val>
+                                        </p:tav>
+                                      </p:tavLst>
+                                    </p:anim>
+                                    <p:anim calcmode="lin" valueType="num">
+                                      <p:cBhvr additive="base">
+                                        <p:cTn id="60" dur="500" fill="hold"/>
+                                        <p:tgtEl>
+                                          <p:spTgt spid="113"/>
+                                        </p:tgtEl>
+                                        <p:attrNameLst>
+                                          <p:attrName>ppt_y</p:attrName>
+                                        </p:attrNameLst>
+                                      </p:cBhvr>
+                                      <p:tavLst>
+                                        <p:tav tm="0">
+                                          <p:val>
+                                            <p:strVal val="1+#ppt_h/2"/>
+                                          </p:val>
+                                        </p:tav>
+                                        <p:tav tm="100000">
+                                          <p:val>
+                                            <p:strVal val="#ppt_y"/>
+                                          </p:val>
+                                        </p:tav>
+                                      </p:tavLst>
+                                    </p:anim>
+                                  </p:childTnLst>
+                                </p:cTn>
+                              </p:par>
+                            </p:childTnLst>
+                          </p:cTn>
+                        </p:par>
+                      </p:childTnLst>
+                    </p:cTn>
+                  </p:par>
+                  <p:par>
+                    <p:cTn id="61" fill="hold">
+                      <p:stCondLst>
+                        <p:cond delay="indefinite"/>
+                      </p:stCondLst>
+                      <p:childTnLst>
+                        <p:par>
+                          <p:cTn id="62" fill="hold">
+                            <p:stCondLst>
+                              <p:cond delay="0"/>
+                            </p:stCondLst>
+                            <p:childTnLst>
+                              <p:par>
+                                <p:cTn id="63" presetID="1" presetClass="entr" presetSubtype="0" fill="hold" grpId="0" nodeType="clickEffect">
+                                  <p:stCondLst>
+                                    <p:cond delay="0"/>
+                                  </p:stCondLst>
+                                  <p:childTnLst>
+                                    <p:set>
+                                      <p:cBhvr>
+                                        <p:cTn id="64" dur="1" fill="hold">
+                                          <p:stCondLst>
+                                            <p:cond delay="0"/>
+                                          </p:stCondLst>
+                                        </p:cTn>
+                                        <p:tgtEl>
+                                          <p:spTgt spid="3">
+                                            <p:txEl>
+                                              <p:pRg st="7" end="7"/>
+                                            </p:txEl>
+                                          </p:spTgt>
+                                        </p:tgtEl>
+                                        <p:attrNameLst>
+                                          <p:attrName>style.visibility</p:attrName>
+                                        </p:attrNameLst>
+                                      </p:cBhvr>
+                                      <p:to>
+                                        <p:strVal val="visible"/>
+                                      </p:to>
+                                    </p:set>
+                                  </p:childTnLst>
+                                </p:cTn>
+                              </p:par>
+                            </p:childTnLst>
+                          </p:cTn>
+                        </p:par>
+                      </p:childTnLst>
+                    </p:cTn>
+                  </p:par>
+                  <p:par>
+                    <p:cTn id="65" fill="hold">
+                      <p:stCondLst>
+                        <p:cond delay="indefinite"/>
+                      </p:stCondLst>
+                      <p:childTnLst>
+                        <p:par>
+                          <p:cTn id="66" fill="hold">
+                            <p:stCondLst>
+                              <p:cond delay="0"/>
+                            </p:stCondLst>
+                            <p:childTnLst>
+                              <p:par>
+                                <p:cTn id="67" presetID="1" presetClass="entr" presetSubtype="0" fill="hold" grpId="0" nodeType="clickEffect">
+                                  <p:stCondLst>
+                                    <p:cond delay="0"/>
+                                  </p:stCondLst>
+                                  <p:childTnLst>
+                                    <p:set>
+                                      <p:cBhvr>
+                                        <p:cTn id="68" dur="1" fill="hold">
+                                          <p:stCondLst>
+                                            <p:cond delay="0"/>
+                                          </p:stCondLst>
+                                        </p:cTn>
+                                        <p:tgtEl>
+                                          <p:spTgt spid="71"/>
+                                        </p:tgtEl>
+                                        <p:attrNameLst>
+                                          <p:attrName>style.visibility</p:attrName>
+                                        </p:attrNameLst>
+                                      </p:cBhvr>
+                                      <p:to>
+                                        <p:strVal val="visible"/>
+                                      </p:to>
+                                    </p:set>
+                                  </p:childTnLst>
+                                </p:cTn>
+                              </p:par>
+                              <p:par>
+                                <p:cTn id="69" presetID="1" presetClass="entr" presetSubtype="0" fill="hold" grpId="0" nodeType="withEffect">
+                                  <p:stCondLst>
+                                    <p:cond delay="0"/>
+                                  </p:stCondLst>
+                                  <p:childTnLst>
+                                    <p:set>
+                                      <p:cBhvr>
+                                        <p:cTn id="70" dur="1" fill="hold">
+                                          <p:stCondLst>
+                                            <p:cond delay="0"/>
+                                          </p:stCondLst>
+                                        </p:cTn>
+                                        <p:tgtEl>
+                                          <p:spTgt spid="138"/>
+                                        </p:tgtEl>
+                                        <p:attrNameLst>
+                                          <p:attrName>style.visibility</p:attrName>
+                                        </p:attrNameLst>
+                                      </p:cBhvr>
+                                      <p:to>
+                                        <p:strVal val="visible"/>
+                                      </p:to>
+                                    </p:set>
+                                  </p:childTnLst>
+                                </p:cTn>
+                              </p:par>
+                              <p:par>
+                                <p:cTn id="71" presetID="1" presetClass="entr" presetSubtype="0" fill="hold" grpId="0" nodeType="withEffect">
+                                  <p:stCondLst>
+                                    <p:cond delay="0"/>
+                                  </p:stCondLst>
+                                  <p:childTnLst>
+                                    <p:set>
+                                      <p:cBhvr>
+                                        <p:cTn id="72" dur="1" fill="hold">
+                                          <p:stCondLst>
+                                            <p:cond delay="0"/>
+                                          </p:stCondLst>
+                                        </p:cTn>
+                                        <p:tgtEl>
+                                          <p:spTgt spid="140"/>
+                                        </p:tgtEl>
+                                        <p:attrNameLst>
+                                          <p:attrName>style.visibility</p:attrName>
+                                        </p:attrNameLst>
+                                      </p:cBhvr>
+                                      <p:to>
+                                        <p:strVal val="visible"/>
+                                      </p:to>
+                                    </p:set>
+                                  </p:childTnLst>
+                                </p:cTn>
+                              </p:par>
+                              <p:par>
+                                <p:cTn id="73" presetID="1" presetClass="entr" presetSubtype="0" fill="hold" grpId="0" nodeType="withEffect">
+                                  <p:stCondLst>
+                                    <p:cond delay="0"/>
+                                  </p:stCondLst>
+                                  <p:childTnLst>
+                                    <p:set>
+                                      <p:cBhvr>
+                                        <p:cTn id="74" dur="1" fill="hold">
+                                          <p:stCondLst>
+                                            <p:cond delay="0"/>
+                                          </p:stCondLst>
+                                        </p:cTn>
+                                        <p:tgtEl>
+                                          <p:spTgt spid="137"/>
+                                        </p:tgtEl>
+                                        <p:attrNameLst>
+                                          <p:attrName>style.visibility</p:attrName>
+                                        </p:attrNameLst>
+                                      </p:cBhvr>
+                                      <p:to>
+                                        <p:strVal val="visible"/>
+                                      </p:to>
+                                    </p:set>
+                                  </p:childTnLst>
+                                </p:cTn>
+                              </p:par>
+                              <p:par>
+                                <p:cTn id="75" presetID="1" presetClass="entr" presetSubtype="0" fill="hold" grpId="0" nodeType="withEffect">
+                                  <p:stCondLst>
+                                    <p:cond delay="0"/>
+                                  </p:stCondLst>
+                                  <p:childTnLst>
+                                    <p:set>
+                                      <p:cBhvr>
+                                        <p:cTn id="76" dur="1" fill="hold">
+                                          <p:stCondLst>
+                                            <p:cond delay="0"/>
+                                          </p:stCondLst>
+                                        </p:cTn>
+                                        <p:tgtEl>
+                                          <p:spTgt spid="139"/>
+                                        </p:tgtEl>
+                                        <p:attrNameLst>
+                                          <p:attrName>style.visibility</p:attrName>
+                                        </p:attrNameLst>
+                                      </p:cBhvr>
+                                      <p:to>
+                                        <p:strVal val="visible"/>
+                                      </p:to>
+                                    </p:set>
+                                  </p:childTnLst>
+                                </p:cTn>
+                              </p:par>
+                            </p:childTnLst>
+                          </p:cTn>
+                        </p:par>
+                      </p:childTnLst>
+                    </p:cTn>
+                  </p:par>
+                  <p:par>
+                    <p:cTn id="77" fill="hold">
+                      <p:stCondLst>
+                        <p:cond delay="indefinite"/>
+                      </p:stCondLst>
+                      <p:childTnLst>
+                        <p:par>
+                          <p:cTn id="78" fill="hold">
+                            <p:stCondLst>
+                              <p:cond delay="0"/>
+                            </p:stCondLst>
+                            <p:childTnLst>
+                              <p:par>
+                                <p:cTn id="79" presetID="2" presetClass="entr" presetSubtype="4" fill="hold" grpId="0" nodeType="clickEffect">
+                                  <p:stCondLst>
+                                    <p:cond delay="0"/>
+                                  </p:stCondLst>
+                                  <p:childTnLst>
+                                    <p:set>
+                                      <p:cBhvr>
+                                        <p:cTn id="80" dur="1" fill="hold">
+                                          <p:stCondLst>
+                                            <p:cond delay="0"/>
+                                          </p:stCondLst>
+                                        </p:cTn>
+                                        <p:tgtEl>
+                                          <p:spTgt spid="133"/>
+                                        </p:tgtEl>
+                                        <p:attrNameLst>
+                                          <p:attrName>style.visibility</p:attrName>
+                                        </p:attrNameLst>
+                                      </p:cBhvr>
+                                      <p:to>
+                                        <p:strVal val="visible"/>
+                                      </p:to>
+                                    </p:set>
+                                    <p:anim calcmode="lin" valueType="num">
+                                      <p:cBhvr additive="base">
+                                        <p:cTn id="81" dur="500" fill="hold"/>
+                                        <p:tgtEl>
+                                          <p:spTgt spid="133"/>
+                                        </p:tgtEl>
+                                        <p:attrNameLst>
+                                          <p:attrName>ppt_x</p:attrName>
+                                        </p:attrNameLst>
+                                      </p:cBhvr>
+                                      <p:tavLst>
+                                        <p:tav tm="0">
+                                          <p:val>
+                                            <p:strVal val="#ppt_x"/>
+                                          </p:val>
+                                        </p:tav>
+                                        <p:tav tm="100000">
+                                          <p:val>
+                                            <p:strVal val="#ppt_x"/>
+                                          </p:val>
+                                        </p:tav>
+                                      </p:tavLst>
+                                    </p:anim>
+                                    <p:anim calcmode="lin" valueType="num">
+                                      <p:cBhvr additive="base">
+                                        <p:cTn id="82" dur="500" fill="hold"/>
+                                        <p:tgtEl>
+                                          <p:spTgt spid="133"/>
+                                        </p:tgtEl>
+                                        <p:attrNameLst>
+                                          <p:attrName>ppt_y</p:attrName>
+                                        </p:attrNameLst>
+                                      </p:cBhvr>
+                                      <p:tavLst>
+                                        <p:tav tm="0">
+                                          <p:val>
+                                            <p:strVal val="1+#ppt_h/2"/>
+                                          </p:val>
+                                        </p:tav>
+                                        <p:tav tm="100000">
+                                          <p:val>
+                                            <p:strVal val="#ppt_y"/>
+                                          </p:val>
+                                        </p:tav>
+                                      </p:tavLst>
+                                    </p:anim>
+                                  </p:childTnLst>
+                                </p:cTn>
+                              </p:par>
+                              <p:par>
+                                <p:cTn id="83" presetID="2" presetClass="entr" presetSubtype="4" fill="hold" grpId="0" nodeType="withEffect">
+                                  <p:stCondLst>
+                                    <p:cond delay="0"/>
+                                  </p:stCondLst>
+                                  <p:childTnLst>
+                                    <p:set>
+                                      <p:cBhvr>
+                                        <p:cTn id="84" dur="1" fill="hold">
+                                          <p:stCondLst>
+                                            <p:cond delay="0"/>
+                                          </p:stCondLst>
+                                        </p:cTn>
+                                        <p:tgtEl>
+                                          <p:spTgt spid="134"/>
+                                        </p:tgtEl>
+                                        <p:attrNameLst>
+                                          <p:attrName>style.visibility</p:attrName>
+                                        </p:attrNameLst>
+                                      </p:cBhvr>
+                                      <p:to>
+                                        <p:strVal val="visible"/>
+                                      </p:to>
+                                    </p:set>
+                                    <p:anim calcmode="lin" valueType="num">
+                                      <p:cBhvr additive="base">
+                                        <p:cTn id="85" dur="500" fill="hold"/>
+                                        <p:tgtEl>
+                                          <p:spTgt spid="134"/>
+                                        </p:tgtEl>
+                                        <p:attrNameLst>
+                                          <p:attrName>ppt_x</p:attrName>
+                                        </p:attrNameLst>
+                                      </p:cBhvr>
+                                      <p:tavLst>
+                                        <p:tav tm="0">
+                                          <p:val>
+                                            <p:strVal val="#ppt_x"/>
+                                          </p:val>
+                                        </p:tav>
+                                        <p:tav tm="100000">
+                                          <p:val>
+                                            <p:strVal val="#ppt_x"/>
+                                          </p:val>
+                                        </p:tav>
+                                      </p:tavLst>
+                                    </p:anim>
+                                    <p:anim calcmode="lin" valueType="num">
+                                      <p:cBhvr additive="base">
+                                        <p:cTn id="86" dur="500" fill="hold"/>
+                                        <p:tgtEl>
+                                          <p:spTgt spid="134"/>
+                                        </p:tgtEl>
+                                        <p:attrNameLst>
+                                          <p:attrName>ppt_y</p:attrName>
+                                        </p:attrNameLst>
+                                      </p:cBhvr>
+                                      <p:tavLst>
+                                        <p:tav tm="0">
+                                          <p:val>
+                                            <p:strVal val="1+#ppt_h/2"/>
+                                          </p:val>
+                                        </p:tav>
+                                        <p:tav tm="100000">
+                                          <p:val>
+                                            <p:strVal val="#ppt_y"/>
+                                          </p:val>
+                                        </p:tav>
+                                      </p:tavLst>
+                                    </p:anim>
+                                  </p:childTnLst>
+                                </p:cTn>
+                              </p:par>
+                              <p:par>
+                                <p:cTn id="87" presetID="2" presetClass="entr" presetSubtype="4" fill="hold" grpId="0" nodeType="withEffect">
+                                  <p:stCondLst>
+                                    <p:cond delay="0"/>
+                                  </p:stCondLst>
+                                  <p:childTnLst>
+                                    <p:set>
+                                      <p:cBhvr>
+                                        <p:cTn id="88" dur="1" fill="hold">
+                                          <p:stCondLst>
+                                            <p:cond delay="0"/>
+                                          </p:stCondLst>
+                                        </p:cTn>
+                                        <p:tgtEl>
+                                          <p:spTgt spid="135"/>
+                                        </p:tgtEl>
+                                        <p:attrNameLst>
+                                          <p:attrName>style.visibility</p:attrName>
+                                        </p:attrNameLst>
+                                      </p:cBhvr>
+                                      <p:to>
+                                        <p:strVal val="visible"/>
+                                      </p:to>
+                                    </p:set>
+                                    <p:anim calcmode="lin" valueType="num">
+                                      <p:cBhvr additive="base">
+                                        <p:cTn id="89" dur="500" fill="hold"/>
+                                        <p:tgtEl>
+                                          <p:spTgt spid="135"/>
+                                        </p:tgtEl>
+                                        <p:attrNameLst>
+                                          <p:attrName>ppt_x</p:attrName>
+                                        </p:attrNameLst>
+                                      </p:cBhvr>
+                                      <p:tavLst>
+                                        <p:tav tm="0">
+                                          <p:val>
+                                            <p:strVal val="#ppt_x"/>
+                                          </p:val>
+                                        </p:tav>
+                                        <p:tav tm="100000">
+                                          <p:val>
+                                            <p:strVal val="#ppt_x"/>
+                                          </p:val>
+                                        </p:tav>
+                                      </p:tavLst>
+                                    </p:anim>
+                                    <p:anim calcmode="lin" valueType="num">
+                                      <p:cBhvr additive="base">
+                                        <p:cTn id="90" dur="500" fill="hold"/>
+                                        <p:tgtEl>
+                                          <p:spTgt spid="135"/>
+                                        </p:tgtEl>
+                                        <p:attrNameLst>
+                                          <p:attrName>ppt_y</p:attrName>
+                                        </p:attrNameLst>
+                                      </p:cBhvr>
+                                      <p:tavLst>
+                                        <p:tav tm="0">
+                                          <p:val>
+                                            <p:strVal val="1+#ppt_h/2"/>
+                                          </p:val>
+                                        </p:tav>
+                                        <p:tav tm="100000">
+                                          <p:val>
+                                            <p:strVal val="#ppt_y"/>
+                                          </p:val>
+                                        </p:tav>
+                                      </p:tavLst>
+                                    </p:anim>
+                                  </p:childTnLst>
+                                </p:cTn>
+                              </p:par>
+                              <p:par>
+                                <p:cTn id="91" presetID="2" presetClass="entr" presetSubtype="4" fill="hold" grpId="0" nodeType="withEffect">
+                                  <p:stCondLst>
+                                    <p:cond delay="0"/>
+                                  </p:stCondLst>
+                                  <p:childTnLst>
+                                    <p:set>
+                                      <p:cBhvr>
+                                        <p:cTn id="92" dur="1" fill="hold">
+                                          <p:stCondLst>
+                                            <p:cond delay="0"/>
+                                          </p:stCondLst>
+                                        </p:cTn>
+                                        <p:tgtEl>
+                                          <p:spTgt spid="136"/>
+                                        </p:tgtEl>
+                                        <p:attrNameLst>
+                                          <p:attrName>style.visibility</p:attrName>
+                                        </p:attrNameLst>
+                                      </p:cBhvr>
+                                      <p:to>
+                                        <p:strVal val="visible"/>
+                                      </p:to>
+                                    </p:set>
+                                    <p:anim calcmode="lin" valueType="num">
+                                      <p:cBhvr additive="base">
+                                        <p:cTn id="93" dur="500" fill="hold"/>
+                                        <p:tgtEl>
+                                          <p:spTgt spid="136"/>
+                                        </p:tgtEl>
+                                        <p:attrNameLst>
+                                          <p:attrName>ppt_x</p:attrName>
+                                        </p:attrNameLst>
+                                      </p:cBhvr>
+                                      <p:tavLst>
+                                        <p:tav tm="0">
+                                          <p:val>
+                                            <p:strVal val="#ppt_x"/>
+                                          </p:val>
+                                        </p:tav>
+                                        <p:tav tm="100000">
+                                          <p:val>
+                                            <p:strVal val="#ppt_x"/>
+                                          </p:val>
+                                        </p:tav>
+                                      </p:tavLst>
+                                    </p:anim>
+                                    <p:anim calcmode="lin" valueType="num">
+                                      <p:cBhvr additive="base">
+                                        <p:cTn id="94" dur="500" fill="hold"/>
+                                        <p:tgtEl>
+                                          <p:spTgt spid="136"/>
+                                        </p:tgtEl>
+                                        <p:attrNameLst>
+                                          <p:attrName>ppt_y</p:attrName>
+                                        </p:attrNameLst>
+                                      </p:cBhvr>
+                                      <p:tavLst>
+                                        <p:tav tm="0">
+                                          <p:val>
+                                            <p:strVal val="1+#ppt_h/2"/>
+                                          </p:val>
+                                        </p:tav>
+                                        <p:tav tm="100000">
+                                          <p:val>
+                                            <p:strVal val="#ppt_y"/>
+                                          </p:val>
+                                        </p:tav>
+                                      </p:tavLst>
+                                    </p:anim>
+                                  </p:childTnLst>
+                                </p:cTn>
+                              </p:par>
+                            </p:childTnLst>
+                          </p:cTn>
+                        </p:par>
+                      </p:childTnLst>
+                    </p:cTn>
+                  </p:par>
+                </p:childTnLst>
+              </p:cTn>
+              <p:prevCondLst>
+                <p:cond evt="onPrev" delay="0">
+                  <p:tgtEl>
+                    <p:sldTgt/>
+                  </p:tgtEl>
+                </p:cond>
+              </p:prevCondLst>
+              <p:nextCondLst>
+                <p:cond evt="onNext" delay="0">
+                  <p:tgtEl>
+                    <p:sldTgt/>
+                  </p:tgtEl>
+                </p:cond>
+              </p:nextCondLst>
+            </p:seq>
+          </p:childTnLst>
+        </p:cTn>
       </p:par>
     </p:tnLst>
+    <p:bldLst>
+      <p:bldP spid="3" grpId="0" build="p"/>
+      <p:bldP spid="16" grpId="0" animBg="1"/>
+      <p:bldP spid="17" grpId="0" animBg="1"/>
+      <p:bldP spid="40" grpId="0" animBg="1"/>
+      <p:bldP spid="71" grpId="0" animBg="1"/>
+      <p:bldP spid="102" grpId="0" animBg="1"/>
+      <p:bldP spid="103" grpId="0" animBg="1"/>
+      <p:bldP spid="104" grpId="0" animBg="1"/>
+      <p:bldP spid="106" grpId="0" animBg="1"/>
+      <p:bldP spid="107" grpId="0" animBg="1"/>
+      <p:bldP spid="108" grpId="0" animBg="1"/>
+      <p:bldP spid="113" grpId="0" animBg="1"/>
+      <p:bldP spid="118" grpId="0" animBg="1"/>
+      <p:bldP spid="119" grpId="0" animBg="1"/>
+      <p:bldP spid="121" grpId="0" animBg="1"/>
+      <p:bldP spid="125" grpId="0" animBg="1"/>
+      <p:bldP spid="127" grpId="0" animBg="1"/>
+      <p:bldP spid="133" grpId="0" animBg="1"/>
+      <p:bldP spid="134" grpId="0" animBg="1"/>
+      <p:bldP spid="135" grpId="0" animBg="1"/>
+      <p:bldP spid="136" grpId="0" animBg="1"/>
+      <p:bldP spid="137" grpId="0" animBg="1"/>
+      <p:bldP spid="138" grpId="0" animBg="1"/>
+      <p:bldP spid="139" grpId="0" animBg="1"/>
+      <p:bldP spid="140" grpId="0" animBg="1"/>
+    </p:bldLst>
   </p:timing>
 </p:sld>
 </file>
@@ -16295,17 +21437,178 @@
           <a:lstStyle/>
           <a:p>
             <a:r>
+              <a:rPr lang="en-US" dirty="0" smtClean="0"/>
+              <a:t>Approximate Repeat</a:t>
+            </a:r>
+            <a:endParaRPr lang="en-US" dirty="0"/>
+          </a:p>
+        </p:txBody>
+      </p:sp>
+      <p:sp>
+        <p:nvSpPr>
+          <p:cNvPr id="3" name="Content Placeholder 2"/>
+          <p:cNvSpPr>
+            <a:spLocks noGrp="1"/>
+          </p:cNvSpPr>
+          <p:nvPr>
+            <p:ph sz="quarter" idx="1"/>
+          </p:nvPr>
+        </p:nvSpPr>
+        <p:spPr/>
+        <p:txBody>
+          <a:bodyPr/>
+          <a:lstStyle/>
+          <a:p>
+            <a:pPr marL="0" indent="0">
+              <a:buNone/>
+            </a:pPr>
+            <a:r>
+              <a:rPr lang="en-US" dirty="0"/>
+              <a:t>Subsequence </a:t>
+            </a:r>
+            <a:r>
+              <a:rPr lang="en-US" i="1" dirty="0"/>
+              <a:t>A </a:t>
+            </a:r>
+            <a:r>
+              <a:rPr lang="en-US" dirty="0"/>
+              <a:t>that:</a:t>
+            </a:r>
+          </a:p>
+          <a:p>
+            <a:pPr marL="731520" lvl="1" indent="-457200">
+              <a:buFont typeface="+mj-lt"/>
+              <a:buAutoNum type="arabicPeriod"/>
+            </a:pPr>
+            <a:r>
+              <a:rPr lang="en-US" dirty="0"/>
+              <a:t>Meets minimum length </a:t>
+            </a:r>
+            <a:r>
+              <a:rPr lang="en-US" dirty="0" smtClean="0"/>
+              <a:t>and frequency requirements </a:t>
+            </a:r>
+          </a:p>
+          <a:p>
+            <a:pPr marL="1005840" lvl="2" indent="-457200"/>
+            <a:r>
+              <a:rPr lang="en-US" dirty="0" smtClean="0"/>
+              <a:t>New definition of frequency of A: the number of discrete subsequences </a:t>
+            </a:r>
+            <a:r>
               <a:rPr lang="en-US" i="1" dirty="0" smtClean="0"/>
-              <a:t>l</a:t>
+              <a:t>A’’</a:t>
             </a:r>
             <a:r>
               <a:rPr lang="en-US" dirty="0" smtClean="0"/>
-              <a:t>-</a:t>
+              <a:t> </a:t>
             </a:r>
             <a:r>
               <a:rPr lang="en-US" dirty="0" err="1" smtClean="0"/>
-              <a:t>mer</a:t>
-            </a:r>
+              <a:t>s.t.</a:t>
+            </a:r>
+            <a:r>
+              <a:rPr lang="en-US" dirty="0" smtClean="0"/>
+              <a:t> </a:t>
+            </a:r>
+            <a:r>
+              <a:rPr lang="en-US" dirty="0" err="1" smtClean="0"/>
+              <a:t>d</a:t>
+            </a:r>
+            <a:r>
+              <a:rPr lang="en-US" baseline="-25000" dirty="0" err="1" smtClean="0"/>
+              <a:t>H</a:t>
+            </a:r>
+            <a:r>
+              <a:rPr lang="en-US" dirty="0" smtClean="0"/>
+              <a:t>(A, A’’) is less than some specified threshold of maximum difference </a:t>
+            </a:r>
+            <a:r>
+              <a:rPr lang="en-US" i="1" dirty="0" smtClean="0"/>
+              <a:t>k</a:t>
+            </a:r>
+            <a:endParaRPr lang="en-US" dirty="0" smtClean="0"/>
+          </a:p>
+          <a:p>
+            <a:pPr marL="1005840" lvl="2" indent="-457200"/>
+            <a:r>
+              <a:rPr lang="en-US" dirty="0" smtClean="0"/>
+              <a:t>All sufficiently long subsequences B of A must correspond to subsequences B’ of A’’ </a:t>
+            </a:r>
+            <a:r>
+              <a:rPr lang="en-US" dirty="0" err="1" smtClean="0"/>
+              <a:t>s.t.</a:t>
+            </a:r>
+            <a:r>
+              <a:rPr lang="en-US" dirty="0" smtClean="0"/>
+              <a:t> </a:t>
+            </a:r>
+            <a:r>
+              <a:rPr lang="en-US" i="1" dirty="0" err="1" smtClean="0"/>
+              <a:t>d</a:t>
+            </a:r>
+            <a:r>
+              <a:rPr lang="en-US" i="1" baseline="-25000" dirty="0" err="1" smtClean="0"/>
+              <a:t>H</a:t>
+            </a:r>
+            <a:r>
+              <a:rPr lang="en-US" i="1" dirty="0" smtClean="0"/>
+              <a:t>(B, B’’) ≤ k</a:t>
+            </a:r>
+            <a:endParaRPr lang="en-US" i="1" dirty="0"/>
+          </a:p>
+          <a:p>
+            <a:pPr marL="731520" lvl="1" indent="-457200">
+              <a:buFont typeface="+mj-lt"/>
+              <a:buAutoNum type="arabicPeriod"/>
+            </a:pPr>
+            <a:r>
+              <a:rPr lang="en-US" dirty="0" smtClean="0"/>
+              <a:t>Does </a:t>
+            </a:r>
+            <a:r>
+              <a:rPr lang="en-US" dirty="0"/>
+              <a:t>not contain a subsequence B of sufficient length that </a:t>
+            </a:r>
+            <a:r>
+              <a:rPr lang="en-US" dirty="0" smtClean="0"/>
+              <a:t>occurs more frequently</a:t>
+            </a:r>
+          </a:p>
+          <a:p>
+            <a:pPr marL="731520" lvl="1" indent="-457200">
+              <a:buFont typeface="+mj-lt"/>
+              <a:buAutoNum type="arabicPeriod"/>
+            </a:pPr>
+            <a:r>
+              <a:rPr lang="en-US" dirty="0"/>
+              <a:t>Is not a subsequence of </a:t>
+            </a:r>
+            <a:r>
+              <a:rPr lang="en-US" i="1" dirty="0"/>
+              <a:t>A’</a:t>
+            </a:r>
+            <a:r>
+              <a:rPr lang="en-US" b="1" i="1" dirty="0"/>
+              <a:t> </a:t>
+            </a:r>
+            <a:r>
+              <a:rPr lang="en-US" dirty="0"/>
+              <a:t>which is of same frequency (is maximal</a:t>
+            </a:r>
+            <a:r>
+              <a:rPr lang="en-US" dirty="0" smtClean="0"/>
+              <a:t>)</a:t>
+            </a:r>
+          </a:p>
+          <a:p>
+            <a:pPr marL="731520" lvl="1" indent="-457200">
+              <a:buFont typeface="+mj-lt"/>
+              <a:buAutoNum type="arabicPeriod"/>
+            </a:pPr>
+            <a:endParaRPr lang="en-US" dirty="0"/>
+          </a:p>
+          <a:p>
             <a:endParaRPr lang="en-US" dirty="0"/>
           </a:p>
         </p:txBody>
@@ -16313,7 +21616,7 @@
     </p:spTree>
     <p:extLst>
       <p:ext uri="{BB962C8B-B14F-4D97-AF65-F5344CB8AC3E}">
-        <p14:creationId xmlns:p14="http://schemas.microsoft.com/office/powerpoint/2010/main" val="3036570058"/>
+        <p14:creationId xmlns:p14="http://schemas.microsoft.com/office/powerpoint/2010/main" val="3106728785"/>
       </p:ext>
     </p:extLst>
   </p:cSld>
@@ -16323,9 +21626,329 @@
   <p:timing>
     <p:tnLst>
       <p:par>
-        <p:cTn xmlns:p14="http://schemas.microsoft.com/office/powerpoint/2010/main" id="1" dur="indefinite" restart="never" nodeType="tmRoot"/>
+        <p:cTn xmlns:p14="http://schemas.microsoft.com/office/powerpoint/2010/main" id="1" dur="indefinite" restart="never" nodeType="tmRoot">
+          <p:childTnLst>
+            <p:seq concurrent="1" nextAc="seek">
+              <p:cTn id="2" dur="indefinite" nodeType="mainSeq">
+                <p:childTnLst>
+                  <p:par>
+                    <p:cTn id="3" fill="hold">
+                      <p:stCondLst>
+                        <p:cond delay="indefinite"/>
+                      </p:stCondLst>
+                      <p:childTnLst>
+                        <p:par>
+                          <p:cTn id="4" fill="hold">
+                            <p:stCondLst>
+                              <p:cond delay="0"/>
+                            </p:stCondLst>
+                            <p:childTnLst>
+                              <p:par>
+                                <p:cTn id="5" presetID="1" presetClass="entr" presetSubtype="0" fill="hold" grpId="0" nodeType="clickEffect">
+                                  <p:stCondLst>
+                                    <p:cond delay="0"/>
+                                  </p:stCondLst>
+                                  <p:childTnLst>
+                                    <p:set>
+                                      <p:cBhvr>
+                                        <p:cTn id="6" dur="1" fill="hold">
+                                          <p:stCondLst>
+                                            <p:cond delay="0"/>
+                                          </p:stCondLst>
+                                        </p:cTn>
+                                        <p:tgtEl>
+                                          <p:spTgt spid="3">
+                                            <p:txEl>
+                                              <p:pRg st="0" end="0"/>
+                                            </p:txEl>
+                                          </p:spTgt>
+                                        </p:tgtEl>
+                                        <p:attrNameLst>
+                                          <p:attrName>style.visibility</p:attrName>
+                                        </p:attrNameLst>
+                                      </p:cBhvr>
+                                      <p:to>
+                                        <p:strVal val="visible"/>
+                                      </p:to>
+                                    </p:set>
+                                  </p:childTnLst>
+                                </p:cTn>
+                              </p:par>
+                            </p:childTnLst>
+                          </p:cTn>
+                        </p:par>
+                      </p:childTnLst>
+                    </p:cTn>
+                  </p:par>
+                  <p:par>
+                    <p:cTn id="7" fill="hold">
+                      <p:stCondLst>
+                        <p:cond delay="indefinite"/>
+                      </p:stCondLst>
+                      <p:childTnLst>
+                        <p:par>
+                          <p:cTn id="8" fill="hold">
+                            <p:stCondLst>
+                              <p:cond delay="0"/>
+                            </p:stCondLst>
+                            <p:childTnLst>
+                              <p:par>
+                                <p:cTn id="9" presetID="1" presetClass="entr" presetSubtype="0" fill="hold" grpId="0" nodeType="clickEffect">
+                                  <p:stCondLst>
+                                    <p:cond delay="0"/>
+                                  </p:stCondLst>
+                                  <p:childTnLst>
+                                    <p:set>
+                                      <p:cBhvr>
+                                        <p:cTn id="10" dur="1" fill="hold">
+                                          <p:stCondLst>
+                                            <p:cond delay="0"/>
+                                          </p:stCondLst>
+                                        </p:cTn>
+                                        <p:tgtEl>
+                                          <p:spTgt spid="3">
+                                            <p:txEl>
+                                              <p:pRg st="1" end="1"/>
+                                            </p:txEl>
+                                          </p:spTgt>
+                                        </p:tgtEl>
+                                        <p:attrNameLst>
+                                          <p:attrName>style.visibility</p:attrName>
+                                        </p:attrNameLst>
+                                      </p:cBhvr>
+                                      <p:to>
+                                        <p:strVal val="visible"/>
+                                      </p:to>
+                                    </p:set>
+                                  </p:childTnLst>
+                                </p:cTn>
+                              </p:par>
+                            </p:childTnLst>
+                          </p:cTn>
+                        </p:par>
+                      </p:childTnLst>
+                    </p:cTn>
+                  </p:par>
+                  <p:par>
+                    <p:cTn id="11" fill="hold">
+                      <p:stCondLst>
+                        <p:cond delay="indefinite"/>
+                      </p:stCondLst>
+                      <p:childTnLst>
+                        <p:par>
+                          <p:cTn id="12" fill="hold">
+                            <p:stCondLst>
+                              <p:cond delay="0"/>
+                            </p:stCondLst>
+                            <p:childTnLst>
+                              <p:par>
+                                <p:cTn id="13" presetID="1" presetClass="entr" presetSubtype="0" fill="hold" grpId="0" nodeType="clickEffect">
+                                  <p:stCondLst>
+                                    <p:cond delay="0"/>
+                                  </p:stCondLst>
+                                  <p:childTnLst>
+                                    <p:set>
+                                      <p:cBhvr>
+                                        <p:cTn id="14" dur="1" fill="hold">
+                                          <p:stCondLst>
+                                            <p:cond delay="0"/>
+                                          </p:stCondLst>
+                                        </p:cTn>
+                                        <p:tgtEl>
+                                          <p:spTgt spid="3">
+                                            <p:txEl>
+                                              <p:pRg st="2" end="2"/>
+                                            </p:txEl>
+                                          </p:spTgt>
+                                        </p:tgtEl>
+                                        <p:attrNameLst>
+                                          <p:attrName>style.visibility</p:attrName>
+                                        </p:attrNameLst>
+                                      </p:cBhvr>
+                                      <p:to>
+                                        <p:strVal val="visible"/>
+                                      </p:to>
+                                    </p:set>
+                                  </p:childTnLst>
+                                </p:cTn>
+                              </p:par>
+                            </p:childTnLst>
+                          </p:cTn>
+                        </p:par>
+                      </p:childTnLst>
+                    </p:cTn>
+                  </p:par>
+                  <p:par>
+                    <p:cTn id="15" fill="hold">
+                      <p:stCondLst>
+                        <p:cond delay="indefinite"/>
+                      </p:stCondLst>
+                      <p:childTnLst>
+                        <p:par>
+                          <p:cTn id="16" fill="hold">
+                            <p:stCondLst>
+                              <p:cond delay="0"/>
+                            </p:stCondLst>
+                            <p:childTnLst>
+                              <p:par>
+                                <p:cTn id="17" presetID="1" presetClass="entr" presetSubtype="0" fill="hold" grpId="0" nodeType="clickEffect">
+                                  <p:stCondLst>
+                                    <p:cond delay="0"/>
+                                  </p:stCondLst>
+                                  <p:childTnLst>
+                                    <p:set>
+                                      <p:cBhvr>
+                                        <p:cTn id="18" dur="1" fill="hold">
+                                          <p:stCondLst>
+                                            <p:cond delay="0"/>
+                                          </p:stCondLst>
+                                        </p:cTn>
+                                        <p:tgtEl>
+                                          <p:spTgt spid="3">
+                                            <p:txEl>
+                                              <p:pRg st="3" end="3"/>
+                                            </p:txEl>
+                                          </p:spTgt>
+                                        </p:tgtEl>
+                                        <p:attrNameLst>
+                                          <p:attrName>style.visibility</p:attrName>
+                                        </p:attrNameLst>
+                                      </p:cBhvr>
+                                      <p:to>
+                                        <p:strVal val="visible"/>
+                                      </p:to>
+                                    </p:set>
+                                  </p:childTnLst>
+                                </p:cTn>
+                              </p:par>
+                            </p:childTnLst>
+                          </p:cTn>
+                        </p:par>
+                      </p:childTnLst>
+                    </p:cTn>
+                  </p:par>
+                  <p:par>
+                    <p:cTn id="19" fill="hold">
+                      <p:stCondLst>
+                        <p:cond delay="indefinite"/>
+                      </p:stCondLst>
+                      <p:childTnLst>
+                        <p:par>
+                          <p:cTn id="20" fill="hold">
+                            <p:stCondLst>
+                              <p:cond delay="0"/>
+                            </p:stCondLst>
+                            <p:childTnLst>
+                              <p:par>
+                                <p:cTn id="21" presetID="1" presetClass="entr" presetSubtype="0" fill="hold" grpId="0" nodeType="clickEffect">
+                                  <p:stCondLst>
+                                    <p:cond delay="0"/>
+                                  </p:stCondLst>
+                                  <p:childTnLst>
+                                    <p:set>
+                                      <p:cBhvr>
+                                        <p:cTn id="22" dur="1" fill="hold">
+                                          <p:stCondLst>
+                                            <p:cond delay="0"/>
+                                          </p:stCondLst>
+                                        </p:cTn>
+                                        <p:tgtEl>
+                                          <p:spTgt spid="3">
+                                            <p:txEl>
+                                              <p:pRg st="4" end="4"/>
+                                            </p:txEl>
+                                          </p:spTgt>
+                                        </p:tgtEl>
+                                        <p:attrNameLst>
+                                          <p:attrName>style.visibility</p:attrName>
+                                        </p:attrNameLst>
+                                      </p:cBhvr>
+                                      <p:to>
+                                        <p:strVal val="visible"/>
+                                      </p:to>
+                                    </p:set>
+                                  </p:childTnLst>
+                                </p:cTn>
+                              </p:par>
+                            </p:childTnLst>
+                          </p:cTn>
+                        </p:par>
+                      </p:childTnLst>
+                    </p:cTn>
+                  </p:par>
+                  <p:par>
+                    <p:cTn id="23" fill="hold">
+                      <p:stCondLst>
+                        <p:cond delay="indefinite"/>
+                      </p:stCondLst>
+                      <p:childTnLst>
+                        <p:par>
+                          <p:cTn id="24" fill="hold">
+                            <p:stCondLst>
+                              <p:cond delay="0"/>
+                            </p:stCondLst>
+                            <p:childTnLst>
+                              <p:par>
+                                <p:cTn id="25" presetID="1" presetClass="entr" presetSubtype="0" fill="hold" grpId="0" nodeType="clickEffect">
+                                  <p:stCondLst>
+                                    <p:cond delay="0"/>
+                                  </p:stCondLst>
+                                  <p:childTnLst>
+                                    <p:set>
+                                      <p:cBhvr>
+                                        <p:cTn id="26" dur="1" fill="hold">
+                                          <p:stCondLst>
+                                            <p:cond delay="0"/>
+                                          </p:stCondLst>
+                                        </p:cTn>
+                                        <p:tgtEl>
+                                          <p:spTgt spid="3">
+                                            <p:txEl>
+                                              <p:pRg st="5" end="5"/>
+                                            </p:txEl>
+                                          </p:spTgt>
+                                        </p:tgtEl>
+                                        <p:attrNameLst>
+                                          <p:attrName>style.visibility</p:attrName>
+                                        </p:attrNameLst>
+                                      </p:cBhvr>
+                                      <p:to>
+                                        <p:strVal val="visible"/>
+                                      </p:to>
+                                    </p:set>
+                                  </p:childTnLst>
+                                </p:cTn>
+                              </p:par>
+                            </p:childTnLst>
+                          </p:cTn>
+                        </p:par>
+                      </p:childTnLst>
+                    </p:cTn>
+                  </p:par>
+                </p:childTnLst>
+              </p:cTn>
+              <p:prevCondLst>
+                <p:cond evt="onPrev" delay="0">
+                  <p:tgtEl>
+                    <p:sldTgt/>
+                  </p:tgtEl>
+                </p:cond>
+              </p:prevCondLst>
+              <p:nextCondLst>
+                <p:cond evt="onNext" delay="0">
+                  <p:tgtEl>
+                    <p:sldTgt/>
+                  </p:tgtEl>
+                </p:cond>
+              </p:nextCondLst>
+            </p:seq>
+          </p:childTnLst>
+        </p:cTn>
       </p:par>
     </p:tnLst>
+    <p:bldLst>
+      <p:bldP spid="3" grpId="0" build="p"/>
+    </p:bldLst>
   </p:timing>
 </p:sld>
 </file>
@@ -16385,7 +22008,219 @@
           <a:bodyPr/>
           <a:lstStyle/>
           <a:p>
-            <a:endParaRPr lang="en-US"/>
+            <a:r>
+              <a:rPr lang="en-US" dirty="0" smtClean="0"/>
+              <a:t>Pattern </a:t>
+            </a:r>
+            <a:r>
+              <a:rPr lang="en-US" dirty="0" smtClean="0"/>
+              <a:t>describing required matching between two strings</a:t>
+            </a:r>
+          </a:p>
+          <a:p>
+            <a:r>
+              <a:rPr lang="en-US" dirty="0" smtClean="0"/>
+              <a:t>String π over alphabet </a:t>
+            </a:r>
+            <a:r>
+              <a:rPr lang="en-US" dirty="0" err="1" smtClean="0"/>
+              <a:t>Σ</a:t>
+            </a:r>
+            <a:r>
+              <a:rPr lang="en-US" dirty="0" smtClean="0"/>
+              <a:t>={1,*}</a:t>
+            </a:r>
+          </a:p>
+          <a:p>
+            <a:pPr lvl="1"/>
+            <a:r>
+              <a:rPr lang="en-US" dirty="0" smtClean="0"/>
+              <a:t>Ordered list of matching positions M</a:t>
+            </a:r>
+            <a:r>
+              <a:rPr lang="en-US" baseline="-25000" dirty="0" smtClean="0"/>
+              <a:t>π</a:t>
+            </a:r>
+            <a:r>
+              <a:rPr lang="en-US" dirty="0" smtClean="0"/>
+              <a:t>={i</a:t>
+            </a:r>
+            <a:r>
+              <a:rPr lang="en-US" baseline="-25000" dirty="0"/>
+              <a:t>1</a:t>
+            </a:r>
+            <a:r>
+              <a:rPr lang="en-US" dirty="0" smtClean="0"/>
+              <a:t>,…,</a:t>
+            </a:r>
+            <a:r>
+              <a:rPr lang="en-US" dirty="0" err="1" smtClean="0"/>
+              <a:t>i</a:t>
+            </a:r>
+            <a:r>
+              <a:rPr lang="en-US" baseline="-25000" dirty="0" err="1" smtClean="0"/>
+              <a:t>w</a:t>
+            </a:r>
+            <a:r>
+              <a:rPr lang="en-US" dirty="0" smtClean="0"/>
+              <a:t>} </a:t>
+            </a:r>
+          </a:p>
+          <a:p>
+            <a:pPr lvl="1"/>
+            <a:r>
+              <a:rPr lang="en-US" dirty="0"/>
+              <a:t>|</a:t>
+            </a:r>
+            <a:r>
+              <a:rPr lang="en-US" dirty="0" smtClean="0"/>
+              <a:t>M</a:t>
+            </a:r>
+            <a:r>
+              <a:rPr lang="en-US" baseline="-25000" dirty="0" smtClean="0"/>
+              <a:t>π</a:t>
+            </a:r>
+            <a:r>
+              <a:rPr lang="en-US" dirty="0" smtClean="0"/>
+              <a:t>|= weight of seed (w</a:t>
+            </a:r>
+            <a:r>
+              <a:rPr lang="en-US" baseline="-25000" dirty="0" smtClean="0"/>
+              <a:t>π</a:t>
+            </a:r>
+            <a:r>
+              <a:rPr lang="en-US" dirty="0" smtClean="0"/>
+              <a:t>)</a:t>
+            </a:r>
+          </a:p>
+          <a:p>
+            <a:pPr lvl="1"/>
+            <a:r>
+              <a:rPr lang="en-US" dirty="0" smtClean="0"/>
+              <a:t>|π| = length/span of seed</a:t>
+            </a:r>
+          </a:p>
+          <a:p>
+            <a:r>
+              <a:rPr lang="en-US" dirty="0"/>
+              <a:t>Two subsequences </a:t>
+            </a:r>
+            <a:r>
+              <a:rPr lang="en-US" i="1" dirty="0" smtClean="0"/>
+              <a:t>q={q</a:t>
+            </a:r>
+            <a:r>
+              <a:rPr lang="en-US" i="1" baseline="-25000" dirty="0" smtClean="0"/>
+              <a:t>1</a:t>
+            </a:r>
+            <a:r>
+              <a:rPr lang="en-US" i="1" dirty="0"/>
+              <a:t>,…</a:t>
+            </a:r>
+            <a:r>
+              <a:rPr lang="en-US" i="1" dirty="0" smtClean="0"/>
+              <a:t>,</a:t>
+            </a:r>
+            <a:r>
+              <a:rPr lang="en-US" i="1" dirty="0" err="1" smtClean="0"/>
+              <a:t>q</a:t>
+            </a:r>
+            <a:r>
+              <a:rPr lang="en-US" i="1" baseline="-25000" dirty="0" err="1" smtClean="0"/>
+              <a:t>l</a:t>
+            </a:r>
+            <a:r>
+              <a:rPr lang="en-US" i="1" dirty="0"/>
+              <a:t>}</a:t>
+            </a:r>
+            <a:r>
+              <a:rPr lang="en-US" dirty="0"/>
+              <a:t> and </a:t>
+            </a:r>
+            <a:r>
+              <a:rPr lang="en-US" i="1" dirty="0"/>
+              <a:t>t={t</a:t>
+            </a:r>
+            <a:r>
+              <a:rPr lang="en-US" i="1" baseline="-25000" dirty="0"/>
+              <a:t>1</a:t>
+            </a:r>
+            <a:r>
+              <a:rPr lang="en-US" i="1" dirty="0"/>
+              <a:t>,…,</a:t>
+            </a:r>
+            <a:r>
+              <a:rPr lang="en-US" i="1" dirty="0" err="1"/>
+              <a:t>t</a:t>
+            </a:r>
+            <a:r>
+              <a:rPr lang="en-US" i="1" baseline="-25000" dirty="0" err="1"/>
+              <a:t>l</a:t>
+            </a:r>
+            <a:r>
+              <a:rPr lang="en-US" i="1" dirty="0"/>
+              <a:t>}</a:t>
+            </a:r>
+            <a:r>
+              <a:rPr lang="en-US" dirty="0"/>
+              <a:t> of match with respect to π of length </a:t>
+            </a:r>
+            <a:r>
+              <a:rPr lang="en-US" i="1" dirty="0"/>
+              <a:t>l </a:t>
+            </a:r>
+            <a:r>
+              <a:rPr lang="en-US" dirty="0"/>
+              <a:t>if </a:t>
+            </a:r>
+            <a:r>
+              <a:rPr lang="en-US" i="1" dirty="0" smtClean="0"/>
+              <a:t>q</a:t>
+            </a:r>
+            <a:r>
+              <a:rPr lang="en-US" i="1" baseline="-25000" dirty="0" smtClean="0"/>
+              <a:t>i</a:t>
+            </a:r>
+            <a:r>
+              <a:rPr lang="en-US" i="1" dirty="0"/>
+              <a:t>=</a:t>
+            </a:r>
+            <a:r>
+              <a:rPr lang="en-US" i="1" dirty="0" err="1"/>
+              <a:t>t</a:t>
+            </a:r>
+            <a:r>
+              <a:rPr lang="en-US" i="1" baseline="-25000" dirty="0" err="1"/>
+              <a:t>i</a:t>
+            </a:r>
+            <a:r>
+              <a:rPr lang="en-US" i="1" dirty="0"/>
+              <a:t> </a:t>
+            </a:r>
+            <a:r>
+              <a:rPr lang="en-US" dirty="0"/>
+              <a:t>for all </a:t>
+            </a:r>
+            <a:r>
+              <a:rPr lang="en-US" i="1" dirty="0" err="1"/>
+              <a:t>i</a:t>
+            </a:r>
+            <a:r>
+              <a:rPr lang="en-US" i="1" dirty="0"/>
+              <a:t> </a:t>
+            </a:r>
+            <a:r>
+              <a:rPr lang="en-US" dirty="0"/>
+              <a:t>in M</a:t>
+            </a:r>
+            <a:r>
+              <a:rPr lang="en-US" baseline="-25000" dirty="0"/>
+              <a:t>π</a:t>
+            </a:r>
+            <a:r>
+              <a:rPr lang="en-US" dirty="0"/>
+              <a:t> </a:t>
+            </a:r>
           </a:p>
         </p:txBody>
       </p:sp>
@@ -16443,7 +22278,7 @@
           <a:p>
             <a:r>
               <a:rPr lang="en-US" dirty="0" smtClean="0"/>
-              <a:t>RAIDER</a:t>
+              <a:t>Spaced Seed Example</a:t>
             </a:r>
             <a:endParaRPr lang="en-US" dirty="0"/>
           </a:p>
@@ -16451,7 +22286,7 @@
       </p:sp>
       <p:sp>
         <p:nvSpPr>
-          <p:cNvPr id="3" name="Content Placeholder 2"/>
+          <p:cNvPr id="4" name="Content Placeholder 3"/>
           <p:cNvSpPr>
             <a:spLocks noGrp="1"/>
           </p:cNvSpPr>
@@ -16461,44 +22296,459 @@
         </p:nvSpPr>
         <p:spPr/>
         <p:txBody>
+          <a:bodyPr>
+            <a:normAutofit/>
+          </a:bodyPr>
+          <a:lstStyle/>
+          <a:p>
+            <a:r>
+              <a:rPr lang="en-US" sz="2400" dirty="0" smtClean="0"/>
+              <a:t>π = 1*1*1*1</a:t>
+            </a:r>
+          </a:p>
+          <a:p>
+            <a:pPr lvl="1"/>
+            <a:r>
+              <a:rPr lang="en-US" sz="2400" i="1" dirty="0" smtClean="0"/>
+              <a:t>|</a:t>
+            </a:r>
+            <a:r>
+              <a:rPr lang="en-US" sz="2400" dirty="0"/>
+              <a:t>π| = </a:t>
+            </a:r>
+            <a:r>
+              <a:rPr lang="en-US" sz="2400" dirty="0" smtClean="0"/>
+              <a:t>7, M</a:t>
+            </a:r>
+            <a:r>
+              <a:rPr lang="en-US" sz="2400" baseline="-25000" dirty="0" smtClean="0"/>
+              <a:t>π</a:t>
+            </a:r>
+            <a:r>
+              <a:rPr lang="en-US" sz="2400" dirty="0"/>
+              <a:t>={0,2,4,6</a:t>
+            </a:r>
+            <a:r>
+              <a:rPr lang="en-US" sz="2400" dirty="0" smtClean="0"/>
+              <a:t>}, w</a:t>
+            </a:r>
+            <a:r>
+              <a:rPr lang="en-US" sz="2400" baseline="-25000" dirty="0" smtClean="0"/>
+              <a:t>π</a:t>
+            </a:r>
+            <a:r>
+              <a:rPr lang="en-US" sz="2400" dirty="0" smtClean="0"/>
+              <a:t>=4</a:t>
+            </a:r>
+            <a:endParaRPr lang="en-US" sz="2400" i="1" dirty="0"/>
+          </a:p>
+          <a:p>
+            <a:r>
+              <a:rPr lang="en-US" sz="2400" dirty="0" smtClean="0"/>
+              <a:t>Genomic sequences </a:t>
+            </a:r>
+            <a:r>
+              <a:rPr lang="en-US" sz="2400" i="1" dirty="0" smtClean="0"/>
+              <a:t>q =</a:t>
+            </a:r>
+            <a:r>
+              <a:rPr lang="en-US" sz="2400" dirty="0" smtClean="0"/>
+              <a:t> ATTAGCT, </a:t>
+            </a:r>
+            <a:r>
+              <a:rPr lang="en-US" sz="2400" i="1" dirty="0" smtClean="0"/>
+              <a:t>t = </a:t>
+            </a:r>
+            <a:r>
+              <a:rPr lang="en-US" sz="2400" dirty="0" smtClean="0"/>
+              <a:t>ATTCGAT</a:t>
+            </a:r>
+          </a:p>
+          <a:p>
+            <a:pPr marL="0" indent="0">
+              <a:buNone/>
+            </a:pPr>
+            <a:endParaRPr lang="en-US" i="1" dirty="0" smtClean="0"/>
+          </a:p>
+          <a:p>
+            <a:pPr marL="0" indent="0">
+              <a:buNone/>
+            </a:pPr>
+            <a:endParaRPr lang="en-US" dirty="0" smtClean="0"/>
+          </a:p>
+          <a:p>
+            <a:pPr marL="0" indent="0">
+              <a:buNone/>
+            </a:pPr>
+            <a:endParaRPr lang="en-US" dirty="0"/>
+          </a:p>
+          <a:p>
+            <a:pPr marL="0" indent="0">
+              <a:buNone/>
+            </a:pPr>
+            <a:endParaRPr lang="en-US" dirty="0"/>
+          </a:p>
+          <a:p>
+            <a:pPr marL="0" indent="0">
+              <a:buNone/>
+            </a:pPr>
+            <a:r>
+              <a:rPr lang="en-US" dirty="0" smtClean="0"/>
+              <a:t>So </a:t>
+            </a:r>
+            <a:r>
+              <a:rPr lang="en-US" i="1" dirty="0" smtClean="0"/>
+              <a:t>q</a:t>
+            </a:r>
+            <a:r>
+              <a:rPr lang="en-US" dirty="0" smtClean="0"/>
+              <a:t> matches </a:t>
+            </a:r>
+            <a:r>
+              <a:rPr lang="en-US" i="1" dirty="0" smtClean="0"/>
+              <a:t>t</a:t>
+            </a:r>
+            <a:r>
+              <a:rPr lang="en-US" dirty="0" smtClean="0"/>
+              <a:t> WRT spaced seed π.</a:t>
+            </a:r>
+          </a:p>
+        </p:txBody>
+      </p:sp>
+      <p:sp>
+        <p:nvSpPr>
+          <p:cNvPr id="5" name="Rectangle 4"/>
+          <p:cNvSpPr/>
+          <p:nvPr/>
+        </p:nvSpPr>
+        <p:spPr>
+          <a:xfrm>
+            <a:off x="3700954" y="2429443"/>
+            <a:ext cx="4377764" cy="1754327"/>
+          </a:xfrm>
+          <a:prstGeom prst="rect">
+            <a:avLst/>
+          </a:prstGeom>
+        </p:spPr>
+        <p:txBody>
+          <a:bodyPr wrap="square">
+            <a:spAutoFit/>
+          </a:bodyPr>
+          <a:lstStyle/>
+          <a:p>
+            <a:pPr marL="274320" lvl="1" indent="0">
+              <a:buNone/>
+            </a:pPr>
+            <a:r>
+              <a:rPr lang="en-US" sz="3600" dirty="0" smtClean="0">
+                <a:latin typeface="Courier"/>
+                <a:cs typeface="Courier"/>
+              </a:rPr>
+              <a:t>A T T A G C T</a:t>
+            </a:r>
+            <a:endParaRPr lang="en-US" sz="3600" dirty="0">
+              <a:latin typeface="Courier"/>
+              <a:cs typeface="Courier"/>
+            </a:endParaRPr>
+          </a:p>
+          <a:p>
+            <a:pPr marL="274320" lvl="1" indent="0">
+              <a:buNone/>
+            </a:pPr>
+            <a:r>
+              <a:rPr lang="en-US" sz="3600" dirty="0" smtClean="0">
+                <a:latin typeface="Courier"/>
+                <a:cs typeface="Courier"/>
+              </a:rPr>
+              <a:t>A T T C G A T</a:t>
+            </a:r>
+            <a:endParaRPr lang="en-US" sz="3600" dirty="0">
+              <a:latin typeface="Courier"/>
+              <a:cs typeface="Courier"/>
+            </a:endParaRPr>
+          </a:p>
+          <a:p>
+            <a:pPr marL="274320" lvl="1" indent="0">
+              <a:buNone/>
+            </a:pPr>
+            <a:r>
+              <a:rPr lang="en-US" sz="3600" dirty="0" smtClean="0">
+                <a:latin typeface="Courier"/>
+                <a:cs typeface="Courier"/>
+              </a:rPr>
+              <a:t>1 * 1 * 1 * 1</a:t>
+            </a:r>
+            <a:endParaRPr lang="en-US" sz="3600" dirty="0">
+              <a:latin typeface="Courier"/>
+              <a:cs typeface="Courier"/>
+            </a:endParaRPr>
+          </a:p>
+        </p:txBody>
+      </p:sp>
+      <p:sp>
+        <p:nvSpPr>
+          <p:cNvPr id="8" name="Text Placeholder 7"/>
+          <p:cNvSpPr>
+            <a:spLocks noGrp="1"/>
+          </p:cNvSpPr>
+          <p:nvPr>
+            <p:ph type="body" idx="2"/>
+          </p:nvPr>
+        </p:nvSpPr>
+        <p:spPr/>
+        <p:txBody>
           <a:bodyPr/>
           <a:lstStyle/>
           <a:p>
-            <a:r>
-              <a:rPr lang="en-US" dirty="0" smtClean="0"/>
-              <a:t>Time efficient repeat-finding algorithm</a:t>
-            </a:r>
-          </a:p>
-          <a:p>
-            <a:r>
-              <a:rPr lang="en-US" dirty="0" smtClean="0"/>
-              <a:t>Spaced seed approach</a:t>
-            </a:r>
-          </a:p>
-          <a:p>
-            <a:pPr lvl="1"/>
-            <a:r>
-              <a:rPr lang="en-US" dirty="0" smtClean="0"/>
-              <a:t>Singular spaced seed</a:t>
-            </a:r>
-          </a:p>
-          <a:p>
-            <a:pPr lvl="1"/>
-            <a:r>
-              <a:rPr lang="en-US" dirty="0" smtClean="0"/>
-              <a:t>Arbitrarily chosen</a:t>
-            </a:r>
-          </a:p>
-          <a:p>
-            <a:pPr lvl="1"/>
-            <a:endParaRPr lang="en-US" dirty="0"/>
+            <a:endParaRPr lang="en-US"/>
+          </a:p>
+        </p:txBody>
+      </p:sp>
+      <p:sp>
+        <p:nvSpPr>
+          <p:cNvPr id="9" name="Rectangle 8"/>
+          <p:cNvSpPr/>
+          <p:nvPr/>
+        </p:nvSpPr>
+        <p:spPr>
+          <a:xfrm>
+            <a:off x="3703960" y="2442345"/>
+            <a:ext cx="4377764" cy="1754327"/>
+          </a:xfrm>
+          <a:prstGeom prst="rect">
+            <a:avLst/>
+          </a:prstGeom>
+        </p:spPr>
+        <p:txBody>
+          <a:bodyPr wrap="square">
+            <a:spAutoFit/>
+          </a:bodyPr>
+          <a:lstStyle/>
+          <a:p>
+            <a:pPr marL="274320" lvl="1" indent="0">
+              <a:buNone/>
+            </a:pPr>
+            <a:r>
+              <a:rPr lang="en-US" sz="3600" dirty="0" smtClean="0">
+                <a:solidFill>
+                  <a:srgbClr val="C32D2E"/>
+                </a:solidFill>
+                <a:latin typeface="Courier"/>
+                <a:cs typeface="Courier"/>
+              </a:rPr>
+              <a:t>A</a:t>
+            </a:r>
+            <a:r>
+              <a:rPr lang="en-US" sz="3600" dirty="0" smtClean="0">
+                <a:latin typeface="Courier"/>
+                <a:cs typeface="Courier"/>
+              </a:rPr>
+              <a:t> T </a:t>
+            </a:r>
+            <a:r>
+              <a:rPr lang="en-US" sz="3600" dirty="0" smtClean="0">
+                <a:solidFill>
+                  <a:srgbClr val="C32D2E"/>
+                </a:solidFill>
+                <a:latin typeface="Courier"/>
+                <a:cs typeface="Courier"/>
+              </a:rPr>
+              <a:t>T</a:t>
+            </a:r>
+            <a:r>
+              <a:rPr lang="en-US" sz="3600" dirty="0" smtClean="0">
+                <a:latin typeface="Courier"/>
+                <a:cs typeface="Courier"/>
+              </a:rPr>
+              <a:t> A </a:t>
+            </a:r>
+            <a:r>
+              <a:rPr lang="en-US" sz="3600" dirty="0" smtClean="0">
+                <a:solidFill>
+                  <a:srgbClr val="C32D2E"/>
+                </a:solidFill>
+                <a:latin typeface="Courier"/>
+                <a:cs typeface="Courier"/>
+              </a:rPr>
+              <a:t>G</a:t>
+            </a:r>
+            <a:r>
+              <a:rPr lang="en-US" sz="3600" dirty="0" smtClean="0">
+                <a:latin typeface="Courier"/>
+                <a:cs typeface="Courier"/>
+              </a:rPr>
+              <a:t> C </a:t>
+            </a:r>
+            <a:r>
+              <a:rPr lang="en-US" sz="3600" dirty="0" smtClean="0">
+                <a:solidFill>
+                  <a:srgbClr val="C32D2E"/>
+                </a:solidFill>
+                <a:latin typeface="Courier"/>
+                <a:cs typeface="Courier"/>
+              </a:rPr>
+              <a:t>T</a:t>
+            </a:r>
+            <a:endParaRPr lang="en-US" sz="3600" dirty="0">
+              <a:solidFill>
+                <a:srgbClr val="C32D2E"/>
+              </a:solidFill>
+              <a:latin typeface="Courier"/>
+              <a:cs typeface="Courier"/>
+            </a:endParaRPr>
+          </a:p>
+          <a:p>
+            <a:pPr marL="274320" lvl="1" indent="0">
+              <a:buNone/>
+            </a:pPr>
+            <a:r>
+              <a:rPr lang="en-US" sz="3600" dirty="0" smtClean="0">
+                <a:solidFill>
+                  <a:schemeClr val="accent3"/>
+                </a:solidFill>
+                <a:latin typeface="Courier"/>
+                <a:cs typeface="Courier"/>
+              </a:rPr>
+              <a:t>A</a:t>
+            </a:r>
+            <a:r>
+              <a:rPr lang="en-US" sz="3600" dirty="0" smtClean="0">
+                <a:latin typeface="Courier"/>
+                <a:cs typeface="Courier"/>
+              </a:rPr>
+              <a:t> T </a:t>
+            </a:r>
+            <a:r>
+              <a:rPr lang="en-US" sz="3600" dirty="0" smtClean="0">
+                <a:solidFill>
+                  <a:srgbClr val="C32D2E"/>
+                </a:solidFill>
+                <a:latin typeface="Courier"/>
+                <a:cs typeface="Courier"/>
+              </a:rPr>
+              <a:t>T</a:t>
+            </a:r>
+            <a:r>
+              <a:rPr lang="en-US" sz="3600" dirty="0" smtClean="0">
+                <a:latin typeface="Courier"/>
+                <a:cs typeface="Courier"/>
+              </a:rPr>
+              <a:t> C </a:t>
+            </a:r>
+            <a:r>
+              <a:rPr lang="en-US" sz="3600" dirty="0" smtClean="0">
+                <a:solidFill>
+                  <a:srgbClr val="C32D2E"/>
+                </a:solidFill>
+                <a:latin typeface="Courier"/>
+                <a:cs typeface="Courier"/>
+              </a:rPr>
+              <a:t>G</a:t>
+            </a:r>
+            <a:r>
+              <a:rPr lang="en-US" sz="3600" dirty="0" smtClean="0">
+                <a:latin typeface="Courier"/>
+                <a:cs typeface="Courier"/>
+              </a:rPr>
+              <a:t> A </a:t>
+            </a:r>
+            <a:r>
+              <a:rPr lang="en-US" sz="3600" dirty="0" smtClean="0">
+                <a:solidFill>
+                  <a:srgbClr val="C32D2E"/>
+                </a:solidFill>
+                <a:latin typeface="Courier"/>
+                <a:cs typeface="Courier"/>
+              </a:rPr>
+              <a:t>T</a:t>
+            </a:r>
+            <a:endParaRPr lang="en-US" sz="3600" dirty="0">
+              <a:solidFill>
+                <a:srgbClr val="C32D2E"/>
+              </a:solidFill>
+              <a:latin typeface="Courier"/>
+              <a:cs typeface="Courier"/>
+            </a:endParaRPr>
+          </a:p>
+          <a:p>
+            <a:pPr marL="274320" lvl="1" indent="0">
+              <a:buNone/>
+            </a:pPr>
+            <a:r>
+              <a:rPr lang="en-US" sz="3600" dirty="0" smtClean="0">
+                <a:solidFill>
+                  <a:srgbClr val="C32D2E"/>
+                </a:solidFill>
+                <a:latin typeface="Courier"/>
+                <a:cs typeface="Courier"/>
+              </a:rPr>
+              <a:t>1</a:t>
+            </a:r>
+            <a:r>
+              <a:rPr lang="en-US" sz="3600" dirty="0" smtClean="0">
+                <a:latin typeface="Courier"/>
+                <a:cs typeface="Courier"/>
+              </a:rPr>
+              <a:t> * </a:t>
+            </a:r>
+            <a:r>
+              <a:rPr lang="en-US" sz="3600" dirty="0" smtClean="0">
+                <a:solidFill>
+                  <a:srgbClr val="C32D2E"/>
+                </a:solidFill>
+                <a:latin typeface="Courier"/>
+                <a:cs typeface="Courier"/>
+              </a:rPr>
+              <a:t>1</a:t>
+            </a:r>
+            <a:r>
+              <a:rPr lang="en-US" sz="3600" dirty="0" smtClean="0">
+                <a:latin typeface="Courier"/>
+                <a:cs typeface="Courier"/>
+              </a:rPr>
+              <a:t> * </a:t>
+            </a:r>
+            <a:r>
+              <a:rPr lang="en-US" sz="3600" dirty="0" smtClean="0">
+                <a:solidFill>
+                  <a:srgbClr val="C32D2E"/>
+                </a:solidFill>
+                <a:latin typeface="Courier"/>
+                <a:cs typeface="Courier"/>
+              </a:rPr>
+              <a:t>1</a:t>
+            </a:r>
+            <a:r>
+              <a:rPr lang="en-US" sz="3600" dirty="0" smtClean="0">
+                <a:latin typeface="Courier"/>
+                <a:cs typeface="Courier"/>
+              </a:rPr>
+              <a:t> * </a:t>
+            </a:r>
+            <a:r>
+              <a:rPr lang="en-US" sz="3600" dirty="0" smtClean="0">
+                <a:solidFill>
+                  <a:srgbClr val="C32D2E"/>
+                </a:solidFill>
+                <a:latin typeface="Courier"/>
+                <a:cs typeface="Courier"/>
+              </a:rPr>
+              <a:t>1</a:t>
+            </a:r>
+            <a:endParaRPr lang="en-US" sz="3600" dirty="0">
+              <a:solidFill>
+                <a:srgbClr val="C32D2E"/>
+              </a:solidFill>
+              <a:latin typeface="Courier"/>
+              <a:cs typeface="Courier"/>
+            </a:endParaRPr>
           </a:p>
         </p:txBody>
       </p:sp>
     </p:spTree>
     <p:extLst>
       <p:ext uri="{BB962C8B-B14F-4D97-AF65-F5344CB8AC3E}">
-        <p14:creationId xmlns:p14="http://schemas.microsoft.com/office/powerpoint/2010/main" val="2777146230"/>
+        <p14:creationId xmlns:p14="http://schemas.microsoft.com/office/powerpoint/2010/main" val="724332886"/>
       </p:ext>
     </p:extLst>
   </p:cSld>
@@ -16508,9 +22758,305 @@
   <p:timing>
     <p:tnLst>
       <p:par>
-        <p:cTn xmlns:p14="http://schemas.microsoft.com/office/powerpoint/2010/main" id="1" dur="indefinite" restart="never" nodeType="tmRoot"/>
+        <p:cTn xmlns:p14="http://schemas.microsoft.com/office/powerpoint/2010/main" id="1" dur="indefinite" restart="never" nodeType="tmRoot">
+          <p:childTnLst>
+            <p:seq concurrent="1" nextAc="seek">
+              <p:cTn id="2" dur="indefinite" nodeType="mainSeq">
+                <p:childTnLst>
+                  <p:par>
+                    <p:cTn id="3" fill="hold">
+                      <p:stCondLst>
+                        <p:cond delay="indefinite"/>
+                      </p:stCondLst>
+                      <p:childTnLst>
+                        <p:par>
+                          <p:cTn id="4" fill="hold">
+                            <p:stCondLst>
+                              <p:cond delay="0"/>
+                            </p:stCondLst>
+                            <p:childTnLst>
+                              <p:par>
+                                <p:cTn id="5" presetID="1" presetClass="entr" presetSubtype="0" fill="hold" grpId="0" nodeType="clickEffect">
+                                  <p:stCondLst>
+                                    <p:cond delay="0"/>
+                                  </p:stCondLst>
+                                  <p:childTnLst>
+                                    <p:set>
+                                      <p:cBhvr>
+                                        <p:cTn id="6" dur="1" fill="hold">
+                                          <p:stCondLst>
+                                            <p:cond delay="0"/>
+                                          </p:stCondLst>
+                                        </p:cTn>
+                                        <p:tgtEl>
+                                          <p:spTgt spid="4">
+                                            <p:txEl>
+                                              <p:pRg st="0" end="0"/>
+                                            </p:txEl>
+                                          </p:spTgt>
+                                        </p:tgtEl>
+                                        <p:attrNameLst>
+                                          <p:attrName>style.visibility</p:attrName>
+                                        </p:attrNameLst>
+                                      </p:cBhvr>
+                                      <p:to>
+                                        <p:strVal val="visible"/>
+                                      </p:to>
+                                    </p:set>
+                                  </p:childTnLst>
+                                </p:cTn>
+                              </p:par>
+                              <p:par>
+                                <p:cTn id="7" presetID="1" presetClass="entr" presetSubtype="0" fill="hold" grpId="0" nodeType="withEffect">
+                                  <p:stCondLst>
+                                    <p:cond delay="0"/>
+                                  </p:stCondLst>
+                                  <p:childTnLst>
+                                    <p:set>
+                                      <p:cBhvr>
+                                        <p:cTn id="8" dur="1" fill="hold">
+                                          <p:stCondLst>
+                                            <p:cond delay="0"/>
+                                          </p:stCondLst>
+                                        </p:cTn>
+                                        <p:tgtEl>
+                                          <p:spTgt spid="4">
+                                            <p:txEl>
+                                              <p:pRg st="1" end="1"/>
+                                            </p:txEl>
+                                          </p:spTgt>
+                                        </p:tgtEl>
+                                        <p:attrNameLst>
+                                          <p:attrName>style.visibility</p:attrName>
+                                        </p:attrNameLst>
+                                      </p:cBhvr>
+                                      <p:to>
+                                        <p:strVal val="visible"/>
+                                      </p:to>
+                                    </p:set>
+                                  </p:childTnLst>
+                                </p:cTn>
+                              </p:par>
+                            </p:childTnLst>
+                          </p:cTn>
+                        </p:par>
+                      </p:childTnLst>
+                    </p:cTn>
+                  </p:par>
+                  <p:par>
+                    <p:cTn id="9" fill="hold">
+                      <p:stCondLst>
+                        <p:cond delay="indefinite"/>
+                      </p:stCondLst>
+                      <p:childTnLst>
+                        <p:par>
+                          <p:cTn id="10" fill="hold">
+                            <p:stCondLst>
+                              <p:cond delay="0"/>
+                            </p:stCondLst>
+                            <p:childTnLst>
+                              <p:par>
+                                <p:cTn id="11" presetID="1" presetClass="entr" presetSubtype="0" fill="hold" grpId="0" nodeType="clickEffect">
+                                  <p:stCondLst>
+                                    <p:cond delay="0"/>
+                                  </p:stCondLst>
+                                  <p:childTnLst>
+                                    <p:set>
+                                      <p:cBhvr>
+                                        <p:cTn id="12" dur="1" fill="hold">
+                                          <p:stCondLst>
+                                            <p:cond delay="0"/>
+                                          </p:stCondLst>
+                                        </p:cTn>
+                                        <p:tgtEl>
+                                          <p:spTgt spid="4">
+                                            <p:txEl>
+                                              <p:pRg st="2" end="2"/>
+                                            </p:txEl>
+                                          </p:spTgt>
+                                        </p:tgtEl>
+                                        <p:attrNameLst>
+                                          <p:attrName>style.visibility</p:attrName>
+                                        </p:attrNameLst>
+                                      </p:cBhvr>
+                                      <p:to>
+                                        <p:strVal val="visible"/>
+                                      </p:to>
+                                    </p:set>
+                                  </p:childTnLst>
+                                </p:cTn>
+                              </p:par>
+                            </p:childTnLst>
+                          </p:cTn>
+                        </p:par>
+                      </p:childTnLst>
+                    </p:cTn>
+                  </p:par>
+                  <p:par>
+                    <p:cTn id="13" fill="hold">
+                      <p:stCondLst>
+                        <p:cond delay="indefinite"/>
+                      </p:stCondLst>
+                      <p:childTnLst>
+                        <p:par>
+                          <p:cTn id="14" fill="hold">
+                            <p:stCondLst>
+                              <p:cond delay="0"/>
+                            </p:stCondLst>
+                            <p:childTnLst>
+                              <p:par>
+                                <p:cTn id="15" presetID="1" presetClass="entr" presetSubtype="0" fill="hold" grpId="0" nodeType="clickEffect">
+                                  <p:stCondLst>
+                                    <p:cond delay="0"/>
+                                  </p:stCondLst>
+                                  <p:childTnLst>
+                                    <p:set>
+                                      <p:cBhvr>
+                                        <p:cTn id="16" dur="1" fill="hold">
+                                          <p:stCondLst>
+                                            <p:cond delay="0"/>
+                                          </p:stCondLst>
+                                        </p:cTn>
+                                        <p:tgtEl>
+                                          <p:spTgt spid="5"/>
+                                        </p:tgtEl>
+                                        <p:attrNameLst>
+                                          <p:attrName>style.visibility</p:attrName>
+                                        </p:attrNameLst>
+                                      </p:cBhvr>
+                                      <p:to>
+                                        <p:strVal val="visible"/>
+                                      </p:to>
+                                    </p:set>
+                                  </p:childTnLst>
+                                </p:cTn>
+                              </p:par>
+                            </p:childTnLst>
+                          </p:cTn>
+                        </p:par>
+                      </p:childTnLst>
+                    </p:cTn>
+                  </p:par>
+                  <p:par>
+                    <p:cTn id="17" fill="hold">
+                      <p:stCondLst>
+                        <p:cond delay="indefinite"/>
+                      </p:stCondLst>
+                      <p:childTnLst>
+                        <p:par>
+                          <p:cTn id="18" fill="hold">
+                            <p:stCondLst>
+                              <p:cond delay="0"/>
+                            </p:stCondLst>
+                            <p:childTnLst>
+                              <p:par>
+                                <p:cTn id="19" presetID="1" presetClass="entr" presetSubtype="0" fill="hold" grpId="0" nodeType="clickEffect">
+                                  <p:stCondLst>
+                                    <p:cond delay="0"/>
+                                  </p:stCondLst>
+                                  <p:childTnLst>
+                                    <p:set>
+                                      <p:cBhvr>
+                                        <p:cTn id="20" dur="1" fill="hold">
+                                          <p:stCondLst>
+                                            <p:cond delay="0"/>
+                                          </p:stCondLst>
+                                        </p:cTn>
+                                        <p:tgtEl>
+                                          <p:spTgt spid="9"/>
+                                        </p:tgtEl>
+                                        <p:attrNameLst>
+                                          <p:attrName>style.visibility</p:attrName>
+                                        </p:attrNameLst>
+                                      </p:cBhvr>
+                                      <p:to>
+                                        <p:strVal val="visible"/>
+                                      </p:to>
+                                    </p:set>
+                                  </p:childTnLst>
+                                </p:cTn>
+                              </p:par>
+                            </p:childTnLst>
+                          </p:cTn>
+                        </p:par>
+                      </p:childTnLst>
+                    </p:cTn>
+                  </p:par>
+                  <p:par>
+                    <p:cTn id="21" fill="hold">
+                      <p:stCondLst>
+                        <p:cond delay="indefinite"/>
+                      </p:stCondLst>
+                      <p:childTnLst>
+                        <p:par>
+                          <p:cTn id="22" fill="hold">
+                            <p:stCondLst>
+                              <p:cond delay="0"/>
+                            </p:stCondLst>
+                            <p:childTnLst>
+                              <p:par>
+                                <p:cTn id="23" presetID="1" presetClass="entr" presetSubtype="0" fill="hold" grpId="0" nodeType="clickEffect">
+                                  <p:stCondLst>
+                                    <p:cond delay="0"/>
+                                  </p:stCondLst>
+                                  <p:childTnLst>
+                                    <p:set>
+                                      <p:cBhvr>
+                                        <p:cTn id="24" dur="1" fill="hold">
+                                          <p:stCondLst>
+                                            <p:cond delay="0"/>
+                                          </p:stCondLst>
+                                        </p:cTn>
+                                        <p:tgtEl>
+                                          <p:spTgt spid="4">
+                                            <p:txEl>
+                                              <p:pRg st="7" end="7"/>
+                                            </p:txEl>
+                                          </p:spTgt>
+                                        </p:tgtEl>
+                                        <p:attrNameLst>
+                                          <p:attrName>style.visibility</p:attrName>
+                                        </p:attrNameLst>
+                                      </p:cBhvr>
+                                      <p:to>
+                                        <p:strVal val="visible"/>
+                                      </p:to>
+                                    </p:set>
+                                  </p:childTnLst>
+                                </p:cTn>
+                              </p:par>
+                            </p:childTnLst>
+                          </p:cTn>
+                        </p:par>
+                      </p:childTnLst>
+                    </p:cTn>
+                  </p:par>
+                </p:childTnLst>
+              </p:cTn>
+              <p:prevCondLst>
+                <p:cond evt="onPrev" delay="0">
+                  <p:tgtEl>
+                    <p:sldTgt/>
+                  </p:tgtEl>
+                </p:cond>
+              </p:prevCondLst>
+              <p:nextCondLst>
+                <p:cond evt="onNext" delay="0">
+                  <p:tgtEl>
+                    <p:sldTgt/>
+                  </p:tgtEl>
+                </p:cond>
+              </p:nextCondLst>
+            </p:seq>
+          </p:childTnLst>
+        </p:cTn>
       </p:par>
     </p:tnLst>
+    <p:bldLst>
+      <p:bldP spid="4" grpId="0" build="p"/>
+      <p:bldP spid="5" grpId="0"/>
+      <p:bldP spid="9" grpId="0"/>
+    </p:bldLst>
   </p:timing>
 </p:sld>
 </file>
@@ -17123,4 +23669,324 @@
   </a:objectDefaults>
   <a:extraClrSchemeLst/>
 </a:theme>
+</file>
+
+<file path=ppt/theme/theme3.xml><?xml version="1.0" encoding="utf-8"?>
+<a:theme xmlns:a="http://schemas.openxmlformats.org/drawingml/2006/main" name="Office Theme">
+  <a:themeElements>
+    <a:clrScheme name="Office">
+      <a:dk1>
+        <a:sysClr val="windowText" lastClr="000000"/>
+      </a:dk1>
+      <a:lt1>
+        <a:sysClr val="window" lastClr="FFFFFF"/>
+      </a:lt1>
+      <a:dk2>
+        <a:srgbClr val="1F497D"/>
+      </a:dk2>
+      <a:lt2>
+        <a:srgbClr val="EEECE1"/>
+      </a:lt2>
+      <a:accent1>
+        <a:srgbClr val="4F81BD"/>
+      </a:accent1>
+      <a:accent2>
+        <a:srgbClr val="C0504D"/>
+      </a:accent2>
+      <a:accent3>
+        <a:srgbClr val="9BBB59"/>
+      </a:accent3>
+      <a:accent4>
+        <a:srgbClr val="8064A2"/>
+      </a:accent4>
+      <a:accent5>
+        <a:srgbClr val="4BACC6"/>
+      </a:accent5>
+      <a:accent6>
+        <a:srgbClr val="F79646"/>
+      </a:accent6>
+      <a:hlink>
+        <a:srgbClr val="0000FF"/>
+      </a:hlink>
+      <a:folHlink>
+        <a:srgbClr val="800080"/>
+      </a:folHlink>
+    </a:clrScheme>
+    <a:fontScheme name="Office">
+      <a:majorFont>
+        <a:latin typeface="Calibri"/>
+        <a:ea typeface=""/>
+        <a:cs typeface=""/>
+        <a:font script="Jpan" typeface="ＭＳ Ｐゴシック"/>
+        <a:font script="Hang" typeface="맑은 고딕"/>
+        <a:font script="Hans" typeface="宋体"/>
+        <a:font script="Hant" typeface="新細明體"/>
+        <a:font script="Arab" typeface="Times New Roman"/>
+        <a:font script="Hebr" typeface="Times New Roman"/>
+        <a:font script="Thai" typeface="Angsana New"/>
+        <a:font script="Ethi" typeface="Nyala"/>
+        <a:font script="Beng" typeface="Vrinda"/>
+        <a:font script="Gujr" typeface="Shruti"/>
+        <a:font script="Khmr" typeface="MoolBoran"/>
+        <a:font script="Knda" typeface="Tunga"/>
+        <a:font script="Guru" typeface="Raavi"/>
+        <a:font script="Cans" typeface="Euphemia"/>
+        <a:font script="Cher" typeface="Plantagenet Cherokee"/>
+        <a:font script="Yiii" typeface="Microsoft Yi Baiti"/>
+        <a:font script="Tibt" typeface="Microsoft Himalaya"/>
+        <a:font script="Thaa" typeface="MV Boli"/>
+        <a:font script="Deva" typeface="Mangal"/>
+        <a:font script="Telu" typeface="Gautami"/>
+        <a:font script="Taml" typeface="Latha"/>
+        <a:font script="Syrc" typeface="Estrangelo Edessa"/>
+        <a:font script="Orya" typeface="Kalinga"/>
+        <a:font script="Mlym" typeface="Kartika"/>
+        <a:font script="Laoo" typeface="DokChampa"/>
+        <a:font script="Sinh" typeface="Iskoola Pota"/>
+        <a:font script="Mong" typeface="Mongolian Baiti"/>
+        <a:font script="Viet" typeface="Times New Roman"/>
+        <a:font script="Uigh" typeface="Microsoft Uighur"/>
+        <a:font script="Geor" typeface="Sylfaen"/>
+      </a:majorFont>
+      <a:minorFont>
+        <a:latin typeface="Calibri"/>
+        <a:ea typeface=""/>
+        <a:cs typeface=""/>
+        <a:font script="Jpan" typeface="ＭＳ Ｐゴシック"/>
+        <a:font script="Hang" typeface="맑은 고딕"/>
+        <a:font script="Hans" typeface="宋体"/>
+        <a:font script="Hant" typeface="新細明體"/>
+        <a:font script="Arab" typeface="Arial"/>
+        <a:font script="Hebr" typeface="Arial"/>
+        <a:font script="Thai" typeface="Cordia New"/>
+        <a:font script="Ethi" typeface="Nyala"/>
+        <a:font script="Beng" typeface="Vrinda"/>
+        <a:font script="Gujr" typeface="Shruti"/>
+        <a:font script="Khmr" typeface="DaunPenh"/>
+        <a:font script="Knda" typeface="Tunga"/>
+        <a:font script="Guru" typeface="Raavi"/>
+        <a:font script="Cans" typeface="Euphemia"/>
+        <a:font script="Cher" typeface="Plantagenet Cherokee"/>
+        <a:font script="Yiii" typeface="Microsoft Yi Baiti"/>
+        <a:font script="Tibt" typeface="Microsoft Himalaya"/>
+        <a:font script="Thaa" typeface="MV Boli"/>
+        <a:font script="Deva" typeface="Mangal"/>
+        <a:font script="Telu" typeface="Gautami"/>
+        <a:font script="Taml" typeface="Latha"/>
+        <a:font script="Syrc" typeface="Estrangelo Edessa"/>
+        <a:font script="Orya" typeface="Kalinga"/>
+        <a:font script="Mlym" typeface="Kartika"/>
+        <a:font script="Laoo" typeface="DokChampa"/>
+        <a:font script="Sinh" typeface="Iskoola Pota"/>
+        <a:font script="Mong" typeface="Mongolian Baiti"/>
+        <a:font script="Viet" typeface="Arial"/>
+        <a:font script="Uigh" typeface="Microsoft Uighur"/>
+        <a:font script="Geor" typeface="Sylfaen"/>
+      </a:minorFont>
+    </a:fontScheme>
+    <a:fmtScheme name="Office">
+      <a:fillStyleLst>
+        <a:solidFill>
+          <a:schemeClr val="phClr"/>
+        </a:solidFill>
+        <a:gradFill rotWithShape="1">
+          <a:gsLst>
+            <a:gs pos="0">
+              <a:schemeClr val="phClr">
+                <a:tint val="50000"/>
+                <a:satMod val="300000"/>
+              </a:schemeClr>
+            </a:gs>
+            <a:gs pos="35000">
+              <a:schemeClr val="phClr">
+                <a:tint val="37000"/>
+                <a:satMod val="300000"/>
+              </a:schemeClr>
+            </a:gs>
+            <a:gs pos="100000">
+              <a:schemeClr val="phClr">
+                <a:tint val="15000"/>
+                <a:satMod val="350000"/>
+              </a:schemeClr>
+            </a:gs>
+          </a:gsLst>
+          <a:lin ang="16200000" scaled="1"/>
+        </a:gradFill>
+        <a:gradFill rotWithShape="1">
+          <a:gsLst>
+            <a:gs pos="0">
+              <a:schemeClr val="phClr">
+                <a:tint val="100000"/>
+                <a:shade val="100000"/>
+                <a:satMod val="130000"/>
+              </a:schemeClr>
+            </a:gs>
+            <a:gs pos="100000">
+              <a:schemeClr val="phClr">
+                <a:tint val="50000"/>
+                <a:shade val="100000"/>
+                <a:satMod val="350000"/>
+              </a:schemeClr>
+            </a:gs>
+          </a:gsLst>
+          <a:lin ang="16200000" scaled="0"/>
+        </a:gradFill>
+      </a:fillStyleLst>
+      <a:lnStyleLst>
+        <a:ln w="9525" cap="flat" cmpd="sng" algn="ctr">
+          <a:solidFill>
+            <a:schemeClr val="phClr">
+              <a:shade val="95000"/>
+              <a:satMod val="105000"/>
+            </a:schemeClr>
+          </a:solidFill>
+          <a:prstDash val="solid"/>
+        </a:ln>
+        <a:ln w="25400" cap="flat" cmpd="sng" algn="ctr">
+          <a:solidFill>
+            <a:schemeClr val="phClr"/>
+          </a:solidFill>
+          <a:prstDash val="solid"/>
+        </a:ln>
+        <a:ln w="38100" cap="flat" cmpd="sng" algn="ctr">
+          <a:solidFill>
+            <a:schemeClr val="phClr"/>
+          </a:solidFill>
+          <a:prstDash val="solid"/>
+        </a:ln>
+      </a:lnStyleLst>
+      <a:effectStyleLst>
+        <a:effectStyle>
+          <a:effectLst>
+            <a:outerShdw blurRad="40000" dist="20000" dir="5400000" rotWithShape="0">
+              <a:srgbClr val="000000">
+                <a:alpha val="38000"/>
+              </a:srgbClr>
+            </a:outerShdw>
+          </a:effectLst>
+        </a:effectStyle>
+        <a:effectStyle>
+          <a:effectLst>
+            <a:outerShdw blurRad="40000" dist="23000" dir="5400000" rotWithShape="0">
+              <a:srgbClr val="000000">
+                <a:alpha val="35000"/>
+              </a:srgbClr>
+            </a:outerShdw>
+          </a:effectLst>
+        </a:effectStyle>
+        <a:effectStyle>
+          <a:effectLst>
+            <a:outerShdw blurRad="40000" dist="23000" dir="5400000" rotWithShape="0">
+              <a:srgbClr val="000000">
+                <a:alpha val="35000"/>
+              </a:srgbClr>
+            </a:outerShdw>
+          </a:effectLst>
+          <a:scene3d>
+            <a:camera prst="orthographicFront">
+              <a:rot lat="0" lon="0" rev="0"/>
+            </a:camera>
+            <a:lightRig rig="threePt" dir="t">
+              <a:rot lat="0" lon="0" rev="1200000"/>
+            </a:lightRig>
+          </a:scene3d>
+          <a:sp3d>
+            <a:bevelT w="63500" h="25400"/>
+          </a:sp3d>
+        </a:effectStyle>
+      </a:effectStyleLst>
+      <a:bgFillStyleLst>
+        <a:solidFill>
+          <a:schemeClr val="phClr"/>
+        </a:solidFill>
+        <a:gradFill rotWithShape="1">
+          <a:gsLst>
+            <a:gs pos="0">
+              <a:schemeClr val="phClr">
+                <a:tint val="40000"/>
+                <a:satMod val="350000"/>
+              </a:schemeClr>
+            </a:gs>
+            <a:gs pos="40000">
+              <a:schemeClr val="phClr">
+                <a:tint val="45000"/>
+                <a:shade val="99000"/>
+                <a:satMod val="350000"/>
+              </a:schemeClr>
+            </a:gs>
+            <a:gs pos="100000">
+              <a:schemeClr val="phClr">
+                <a:shade val="20000"/>
+                <a:satMod val="255000"/>
+              </a:schemeClr>
+            </a:gs>
+          </a:gsLst>
+          <a:path path="circle">
+            <a:fillToRect l="50000" t="-80000" r="50000" b="180000"/>
+          </a:path>
+        </a:gradFill>
+        <a:gradFill rotWithShape="1">
+          <a:gsLst>
+            <a:gs pos="0">
+              <a:schemeClr val="phClr">
+                <a:tint val="80000"/>
+                <a:satMod val="300000"/>
+              </a:schemeClr>
+            </a:gs>
+            <a:gs pos="100000">
+              <a:schemeClr val="phClr">
+                <a:shade val="30000"/>
+                <a:satMod val="200000"/>
+              </a:schemeClr>
+            </a:gs>
+          </a:gsLst>
+          <a:path path="circle">
+            <a:fillToRect l="50000" t="50000" r="50000" b="50000"/>
+          </a:path>
+        </a:gradFill>
+      </a:bgFillStyleLst>
+    </a:fmtScheme>
+  </a:themeElements>
+  <a:objectDefaults>
+    <a:spDef>
+      <a:spPr/>
+      <a:bodyPr/>
+      <a:lstStyle/>
+      <a:style>
+        <a:lnRef idx="1">
+          <a:schemeClr val="accent1"/>
+        </a:lnRef>
+        <a:fillRef idx="3">
+          <a:schemeClr val="accent1"/>
+        </a:fillRef>
+        <a:effectRef idx="2">
+          <a:schemeClr val="accent1"/>
+        </a:effectRef>
+        <a:fontRef idx="minor">
+          <a:schemeClr val="lt1"/>
+        </a:fontRef>
+      </a:style>
+    </a:spDef>
+    <a:lnDef>
+      <a:spPr/>
+      <a:bodyPr/>
+      <a:lstStyle/>
+      <a:style>
+        <a:lnRef idx="2">
+          <a:schemeClr val="accent1"/>
+        </a:lnRef>
+        <a:fillRef idx="0">
+          <a:schemeClr val="accent1"/>
+        </a:fillRef>
+        <a:effectRef idx="1">
+          <a:schemeClr val="accent1"/>
+        </a:effectRef>
+        <a:fontRef idx="minor">
+          <a:schemeClr val="tx1"/>
+        </a:fontRef>
+      </a:style>
+    </a:lnDef>
+  </a:objectDefaults>
+  <a:extraClrSchemeLst/>
+</a:theme>
 </file>
--- a/SchaefferProposal.pptx
+++ b/SchaefferProposal.pptx
@@ -5,10 +5,10 @@
     <p:sldMasterId id="2147483708" r:id="rId1"/>
   </p:sldMasterIdLst>
   <p:notesMasterIdLst>
-    <p:notesMasterId r:id="rId20"/>
+    <p:notesMasterId r:id="rId22"/>
   </p:notesMasterIdLst>
   <p:handoutMasterIdLst>
-    <p:handoutMasterId r:id="rId21"/>
+    <p:handoutMasterId r:id="rId23"/>
   </p:handoutMasterIdLst>
   <p:sldIdLst>
     <p:sldId id="256" r:id="rId2"/>
@@ -16,19 +16,21 @@
     <p:sldId id="258" r:id="rId4"/>
     <p:sldId id="259" r:id="rId5"/>
     <p:sldId id="261" r:id="rId6"/>
-    <p:sldId id="262" r:id="rId7"/>
-    <p:sldId id="273" r:id="rId8"/>
-    <p:sldId id="264" r:id="rId9"/>
-    <p:sldId id="274" r:id="rId10"/>
-    <p:sldId id="275" r:id="rId11"/>
-    <p:sldId id="265" r:id="rId12"/>
-    <p:sldId id="270" r:id="rId13"/>
-    <p:sldId id="267" r:id="rId14"/>
-    <p:sldId id="268" r:id="rId15"/>
-    <p:sldId id="269" r:id="rId16"/>
-    <p:sldId id="271" r:id="rId17"/>
-    <p:sldId id="272" r:id="rId18"/>
-    <p:sldId id="276" r:id="rId19"/>
+    <p:sldId id="277" r:id="rId7"/>
+    <p:sldId id="262" r:id="rId8"/>
+    <p:sldId id="273" r:id="rId9"/>
+    <p:sldId id="264" r:id="rId10"/>
+    <p:sldId id="274" r:id="rId11"/>
+    <p:sldId id="275" r:id="rId12"/>
+    <p:sldId id="265" r:id="rId13"/>
+    <p:sldId id="270" r:id="rId14"/>
+    <p:sldId id="267" r:id="rId15"/>
+    <p:sldId id="268" r:id="rId16"/>
+    <p:sldId id="269" r:id="rId17"/>
+    <p:sldId id="271" r:id="rId18"/>
+    <p:sldId id="278" r:id="rId19"/>
+    <p:sldId id="272" r:id="rId20"/>
+    <p:sldId id="276" r:id="rId21"/>
   </p:sldIdLst>
   <p:sldSz cx="9144000" cy="6858000" type="screen4x3"/>
   <p:notesSz cx="6858000" cy="9144000"/>
@@ -881,7 +883,7 @@
 <dgm:dataModel xmlns:dgm="http://schemas.openxmlformats.org/drawingml/2006/diagram" xmlns:a="http://schemas.openxmlformats.org/drawingml/2006/main">
   <dgm:ptLst>
     <dgm:pt modelId="{F65596F6-427B-5343-9428-48EE38A0C85C}" type="doc">
-      <dgm:prSet loTypeId="urn:microsoft.com/office/officeart/2005/8/layout/lProcess3" loCatId="" qsTypeId="urn:microsoft.com/office/officeart/2005/8/quickstyle/simple4" qsCatId="simple" csTypeId="urn:microsoft.com/office/officeart/2005/8/colors/accent1_2" csCatId="accent1" phldr="1"/>
+      <dgm:prSet loTypeId="urn:microsoft.com/office/officeart/2005/8/layout/lProcess3" loCatId="" qsTypeId="urn:microsoft.com/office/officeart/2005/8/quickstyle/simple5" qsCatId="simple" csTypeId="urn:microsoft.com/office/officeart/2005/8/colors/accent1_2" csCatId="accent1" phldr="1"/>
       <dgm:spPr/>
       <dgm:t>
         <a:bodyPr/>
@@ -900,7 +902,11 @@
         <a:p>
           <a:r>
             <a:rPr lang="en-US" dirty="0" smtClean="0"/>
-            <a:t>Spaced Seed Research (October)</a:t>
+            <a:t>Spaced Seed Research </a:t>
+          </a:r>
+          <a:r>
+            <a:rPr lang="en-US" dirty="0" smtClean="0"/>
+            <a:t>(Oct)</a:t>
           </a:r>
           <a:endParaRPr lang="en-US" dirty="0"/>
         </a:p>
@@ -937,7 +943,11 @@
         <a:p>
           <a:r>
             <a:rPr lang="en-US" dirty="0" smtClean="0"/>
-            <a:t>Algorithm Modification (November-December)</a:t>
+            <a:t>Algorithm Modification </a:t>
+          </a:r>
+          <a:r>
+            <a:rPr lang="en-US" dirty="0" smtClean="0"/>
+            <a:t>(Nov-Dec)</a:t>
           </a:r>
           <a:endParaRPr lang="en-US" dirty="0"/>
         </a:p>
@@ -1011,7 +1021,19 @@
         <a:p>
           <a:r>
             <a:rPr lang="en-US" dirty="0" smtClean="0"/>
-            <a:t>Investigate how spaced seeds have been used to serve other purposes.</a:t>
+            <a:t>Investigate </a:t>
+          </a:r>
+          <a:r>
+            <a:rPr lang="en-US" dirty="0" smtClean="0"/>
+            <a:t>other ways spaced </a:t>
+          </a:r>
+          <a:r>
+            <a:rPr lang="en-US" dirty="0" smtClean="0"/>
+            <a:t>seeds have been </a:t>
+          </a:r>
+          <a:r>
+            <a:rPr lang="en-US" dirty="0" smtClean="0"/>
+            <a:t>used.</a:t>
           </a:r>
           <a:endParaRPr lang="en-US" dirty="0"/>
         </a:p>
@@ -1085,7 +1107,15 @@
         <a:p>
           <a:r>
             <a:rPr lang="en-US" dirty="0" smtClean="0"/>
-            <a:t>If still attempting to optimize individual spaced seeds, continue to do so.</a:t>
+            <a:t>If still attempting to optimize individual </a:t>
+          </a:r>
+          <a:r>
+            <a:rPr lang="en-US" dirty="0" smtClean="0"/>
+            <a:t>seeds</a:t>
+          </a:r>
+          <a:r>
+            <a:rPr lang="en-US" dirty="0" smtClean="0"/>
+            <a:t>, continue to do so.</a:t>
           </a:r>
           <a:endParaRPr lang="en-US" dirty="0"/>
         </a:p>
@@ -1196,7 +1226,15 @@
         <a:p>
           <a:r>
             <a:rPr lang="en-US" dirty="0" smtClean="0"/>
-            <a:t>Compare sensitivity of modified RAIDER to that of original. </a:t>
+            <a:t>Compare sensitivity of modified RAIDER </a:t>
+          </a:r>
+          <a:r>
+            <a:rPr lang="en-US" dirty="0" smtClean="0"/>
+            <a:t>to that of </a:t>
+          </a:r>
+          <a:r>
+            <a:rPr lang="en-US" dirty="0" smtClean="0"/>
+            <a:t>original. </a:t>
           </a:r>
           <a:endParaRPr lang="en-US" dirty="0"/>
         </a:p>
@@ -1233,7 +1271,11 @@
         <a:p>
           <a:r>
             <a:rPr lang="en-US" dirty="0" smtClean="0"/>
-            <a:t>Seed Optimization (January-February)</a:t>
+            <a:t>Seed Optimization </a:t>
+          </a:r>
+          <a:r>
+            <a:rPr lang="en-US" dirty="0" smtClean="0"/>
+            <a:t>(Jan-Feb)</a:t>
           </a:r>
           <a:endParaRPr lang="en-US" dirty="0"/>
         </a:p>
@@ -1270,7 +1312,19 @@
         <a:p>
           <a:r>
             <a:rPr lang="en-US" dirty="0" smtClean="0"/>
-            <a:t>Hypothesize about a characteristic that would make a seed better suited for use in RAIDER.</a:t>
+            <a:t>Hypothesize </a:t>
+          </a:r>
+          <a:r>
+            <a:rPr lang="en-US" dirty="0" smtClean="0"/>
+            <a:t>about characteristic </a:t>
+          </a:r>
+          <a:r>
+            <a:rPr lang="en-US" dirty="0" smtClean="0"/>
+            <a:t>that would make </a:t>
+          </a:r>
+          <a:r>
+            <a:rPr lang="en-US" dirty="0" smtClean="0"/>
+            <a:t> seed better suited.</a:t>
           </a:r>
           <a:endParaRPr lang="en-US" dirty="0"/>
         </a:p>
@@ -1307,7 +1361,19 @@
         <a:p>
           <a:r>
             <a:rPr lang="en-US" dirty="0" smtClean="0"/>
-            <a:t>Compare sensitivity of RAIDER when using spaced seeds with versus without this characteristic.</a:t>
+            <a:t>Compare </a:t>
+          </a:r>
+          <a:r>
+            <a:rPr lang="en-US" dirty="0" smtClean="0"/>
+            <a:t>sensitivity using seeds </a:t>
+          </a:r>
+          <a:r>
+            <a:rPr lang="en-US" dirty="0" smtClean="0"/>
+            <a:t>with </a:t>
+          </a:r>
+          <a:r>
+            <a:rPr lang="en-US" dirty="0" smtClean="0"/>
+            <a:t>vs. without characteristic.</a:t>
           </a:r>
           <a:endParaRPr lang="en-US" dirty="0"/>
         </a:p>
@@ -1381,7 +1447,15 @@
         <a:p>
           <a:r>
             <a:rPr lang="en-US" dirty="0" smtClean="0"/>
-            <a:t>Research methods of spaced seed design and analysis.</a:t>
+            <a:t>Research methods of </a:t>
+          </a:r>
+          <a:r>
+            <a:rPr lang="en-US" dirty="0" smtClean="0"/>
+            <a:t>seed </a:t>
+          </a:r>
+          <a:r>
+            <a:rPr lang="en-US" dirty="0" smtClean="0"/>
+            <a:t>design and analysis.</a:t>
           </a:r>
           <a:endParaRPr lang="en-US" dirty="0"/>
         </a:p>
@@ -1409,43 +1483,6 @@
         </a:p>
       </dgm:t>
     </dgm:pt>
-    <dgm:pt modelId="{29566574-4671-6F4F-A20B-2E030348D0CE}">
-      <dgm:prSet phldrT="[Text]"/>
-      <dgm:spPr/>
-      <dgm:t>
-        <a:bodyPr/>
-        <a:lstStyle/>
-        <a:p>
-          <a:r>
-            <a:rPr lang="en-US" dirty="0" smtClean="0"/>
-            <a:t>If sensitivity significantly improved, adopt changes. </a:t>
-          </a:r>
-          <a:endParaRPr lang="en-US" dirty="0"/>
-        </a:p>
-      </dgm:t>
-    </dgm:pt>
-    <dgm:pt modelId="{BCFAE70A-113E-1844-8438-356C01B39B68}" type="parTrans" cxnId="{DC3CD732-7CB2-B84C-B417-60835B98B553}">
-      <dgm:prSet/>
-      <dgm:spPr/>
-      <dgm:t>
-        <a:bodyPr/>
-        <a:lstStyle/>
-        <a:p>
-          <a:endParaRPr lang="en-US"/>
-        </a:p>
-      </dgm:t>
-    </dgm:pt>
-    <dgm:pt modelId="{E55749E4-CD2C-A643-865C-3DF67FB344A0}" type="sibTrans" cxnId="{DC3CD732-7CB2-B84C-B417-60835B98B553}">
-      <dgm:prSet/>
-      <dgm:spPr/>
-      <dgm:t>
-        <a:bodyPr/>
-        <a:lstStyle/>
-        <a:p>
-          <a:endParaRPr lang="en-US"/>
-        </a:p>
-      </dgm:t>
-    </dgm:pt>
     <dgm:pt modelId="{B295E2F1-B088-1445-85FE-650DB2ABEE21}">
       <dgm:prSet/>
       <dgm:spPr/>
@@ -1455,7 +1492,19 @@
         <a:p>
           <a:r>
             <a:rPr lang="en-US" dirty="0" smtClean="0"/>
-            <a:t>If sensitivity significantly improved, update characteristics of optimal seed accordingly.</a:t>
+            <a:t>If sensitivity </a:t>
+          </a:r>
+          <a:r>
+            <a:rPr lang="en-US" dirty="0" smtClean="0"/>
+            <a:t>improved</a:t>
+          </a:r>
+          <a:r>
+            <a:rPr lang="en-US" dirty="0" smtClean="0"/>
+            <a:t>, update characteristics of optimal </a:t>
+          </a:r>
+          <a:r>
+            <a:rPr lang="en-US" dirty="0" smtClean="0"/>
+            <a:t>seed.</a:t>
           </a:r>
           <a:endParaRPr lang="en-US" dirty="0"/>
         </a:p>
@@ -1529,7 +1578,15 @@
         <a:p>
           <a:r>
             <a:rPr lang="en-US" dirty="0" smtClean="0"/>
-            <a:t>Verify improved sensitivity with incorporation of multiple seeds.</a:t>
+            <a:t>Verify improved sensitivity </a:t>
+          </a:r>
+          <a:r>
+            <a:rPr lang="en-US" dirty="0" smtClean="0"/>
+            <a:t>with </a:t>
+          </a:r>
+          <a:r>
+            <a:rPr lang="en-US" dirty="0" smtClean="0"/>
+            <a:t>multiple seeds.</a:t>
           </a:r>
           <a:endParaRPr lang="en-US" dirty="0"/>
         </a:p>
@@ -1566,7 +1623,11 @@
         <a:p>
           <a:r>
             <a:rPr lang="en-US" dirty="0" smtClean="0"/>
-            <a:t>Attempt to reduce the additional time/space complexity needed for multiple seeds.</a:t>
+            <a:t>Attempt to reduce the additional time/space </a:t>
+          </a:r>
+          <a:r>
+            <a:rPr lang="en-US" dirty="0" smtClean="0"/>
+            <a:t>complexity.</a:t>
           </a:r>
           <a:endParaRPr lang="en-US" dirty="0"/>
         </a:p>
@@ -1631,6 +1692,43 @@
         </a:p>
       </dgm:t>
     </dgm:pt>
+    <dgm:pt modelId="{B3BC7129-CBF0-B24E-BBFC-CD9DF4A1384B}">
+      <dgm:prSet phldrT="[Text]"/>
+      <dgm:spPr/>
+      <dgm:t>
+        <a:bodyPr/>
+        <a:lstStyle/>
+        <a:p>
+          <a:r>
+            <a:rPr lang="en-US" dirty="0" smtClean="0"/>
+            <a:t>If sensitivity improved, adopt changes. </a:t>
+          </a:r>
+          <a:endParaRPr lang="en-US" dirty="0"/>
+        </a:p>
+      </dgm:t>
+    </dgm:pt>
+    <dgm:pt modelId="{20802C9B-97FA-474A-B662-02908D0AC9FD}" type="parTrans" cxnId="{9EBE4105-1BD5-A048-A448-3E4D84114BBE}">
+      <dgm:prSet/>
+      <dgm:spPr/>
+      <dgm:t>
+        <a:bodyPr/>
+        <a:lstStyle/>
+        <a:p>
+          <a:endParaRPr lang="en-US"/>
+        </a:p>
+      </dgm:t>
+    </dgm:pt>
+    <dgm:pt modelId="{E9517CC1-32A8-ED40-8AB5-57A3CB4DE057}" type="sibTrans" cxnId="{9EBE4105-1BD5-A048-A448-3E4D84114BBE}">
+      <dgm:prSet/>
+      <dgm:spPr/>
+      <dgm:t>
+        <a:bodyPr/>
+        <a:lstStyle/>
+        <a:p>
+          <a:endParaRPr lang="en-US"/>
+        </a:p>
+      </dgm:t>
+    </dgm:pt>
     <dgm:pt modelId="{9081E8D5-578E-9348-83C0-A67A4FD56F3B}" type="pres">
       <dgm:prSet presAssocID="{F65596F6-427B-5343-9428-48EE38A0C85C}" presName="Name0" presStyleCnt="0">
         <dgm:presLayoutVars>
@@ -1652,6 +1750,13 @@
     <dgm:pt modelId="{3F8CB817-157F-8B4F-8EDA-98086678DF3B}" type="pres">
       <dgm:prSet presAssocID="{F517C940-B9CE-E84A-AE6B-1AB6D574A991}" presName="horFlow" presStyleCnt="0"/>
       <dgm:spPr/>
+      <dgm:t>
+        <a:bodyPr/>
+        <a:lstStyle/>
+        <a:p>
+          <a:endParaRPr lang="en-US"/>
+        </a:p>
+      </dgm:t>
     </dgm:pt>
     <dgm:pt modelId="{FD8D6E92-3BE2-7644-8175-16A8E6C0AB27}" type="pres">
       <dgm:prSet presAssocID="{F517C940-B9CE-E84A-AE6B-1AB6D574A991}" presName="bigChev" presStyleLbl="node1" presStyleIdx="0" presStyleCnt="5"/>
@@ -1667,6 +1772,13 @@
     <dgm:pt modelId="{38E597EE-4FAF-DA41-9782-98B607C1C473}" type="pres">
       <dgm:prSet presAssocID="{7A1B105E-7220-7742-AFC4-B5CC6263C2EF}" presName="parTrans" presStyleCnt="0"/>
       <dgm:spPr/>
+      <dgm:t>
+        <a:bodyPr/>
+        <a:lstStyle/>
+        <a:p>
+          <a:endParaRPr lang="en-US"/>
+        </a:p>
+      </dgm:t>
     </dgm:pt>
     <dgm:pt modelId="{0B9DC8BF-D049-994F-9E8C-C2A5D4174157}" type="pres">
       <dgm:prSet presAssocID="{08F29856-001D-B546-8E76-9EE4D75974C3}" presName="node" presStyleLbl="alignAccFollowNode1" presStyleIdx="0" presStyleCnt="15">
@@ -1686,6 +1798,13 @@
     <dgm:pt modelId="{3499B153-B74A-6647-BF5D-3C207F17B830}" type="pres">
       <dgm:prSet presAssocID="{668E81E9-0568-9C4B-B3DF-A933EF4C009B}" presName="sibTrans" presStyleCnt="0"/>
       <dgm:spPr/>
+      <dgm:t>
+        <a:bodyPr/>
+        <a:lstStyle/>
+        <a:p>
+          <a:endParaRPr lang="en-US"/>
+        </a:p>
+      </dgm:t>
     </dgm:pt>
     <dgm:pt modelId="{98BD8008-643E-D043-99EC-1ED3DF56CADA}" type="pres">
       <dgm:prSet presAssocID="{2F11840A-C873-2745-8CEA-AF9B884CB7AD}" presName="node" presStyleLbl="alignAccFollowNode1" presStyleIdx="1" presStyleCnt="15">
@@ -1705,10 +1824,24 @@
     <dgm:pt modelId="{E8E6A3C1-F8A0-1C4C-B727-90C2F0F989E0}" type="pres">
       <dgm:prSet presAssocID="{F517C940-B9CE-E84A-AE6B-1AB6D574A991}" presName="vSp" presStyleCnt="0"/>
       <dgm:spPr/>
+      <dgm:t>
+        <a:bodyPr/>
+        <a:lstStyle/>
+        <a:p>
+          <a:endParaRPr lang="en-US"/>
+        </a:p>
+      </dgm:t>
     </dgm:pt>
     <dgm:pt modelId="{450D9B16-C2D9-8A42-9B2A-8BB5B9766317}" type="pres">
       <dgm:prSet presAssocID="{B6E4BD2E-4C64-3C4E-92FD-C3304FB7A095}" presName="horFlow" presStyleCnt="0"/>
       <dgm:spPr/>
+      <dgm:t>
+        <a:bodyPr/>
+        <a:lstStyle/>
+        <a:p>
+          <a:endParaRPr lang="en-US"/>
+        </a:p>
+      </dgm:t>
     </dgm:pt>
     <dgm:pt modelId="{9AB3E6F2-416C-7442-ADB3-36BB254B508F}" type="pres">
       <dgm:prSet presAssocID="{B6E4BD2E-4C64-3C4E-92FD-C3304FB7A095}" presName="bigChev" presStyleLbl="node1" presStyleIdx="1" presStyleCnt="5"/>
@@ -1724,6 +1857,13 @@
     <dgm:pt modelId="{E0132719-A280-B942-93CF-73F4E32D2A21}" type="pres">
       <dgm:prSet presAssocID="{A5B35805-C66D-D64E-BCF3-B4950FB6231E}" presName="parTrans" presStyleCnt="0"/>
       <dgm:spPr/>
+      <dgm:t>
+        <a:bodyPr/>
+        <a:lstStyle/>
+        <a:p>
+          <a:endParaRPr lang="en-US"/>
+        </a:p>
+      </dgm:t>
     </dgm:pt>
     <dgm:pt modelId="{1DB7577E-B5F7-5343-A88E-F1B8773A55F2}" type="pres">
       <dgm:prSet presAssocID="{756FAAB2-1FDD-1342-A3AB-14951F76EBFD}" presName="node" presStyleLbl="alignAccFollowNode1" presStyleIdx="2" presStyleCnt="15">
@@ -1743,6 +1883,13 @@
     <dgm:pt modelId="{46214203-87E1-D645-8461-D5EFC98656DE}" type="pres">
       <dgm:prSet presAssocID="{3E2A0602-DC41-F847-96CA-7429B69698CE}" presName="sibTrans" presStyleCnt="0"/>
       <dgm:spPr/>
+      <dgm:t>
+        <a:bodyPr/>
+        <a:lstStyle/>
+        <a:p>
+          <a:endParaRPr lang="en-US"/>
+        </a:p>
+      </dgm:t>
     </dgm:pt>
     <dgm:pt modelId="{0EB6D55B-5C5B-6941-A1B9-41A446585E03}" type="pres">
       <dgm:prSet presAssocID="{9C41DFEC-9D01-B440-B918-866033ADB1F2}" presName="node" presStyleLbl="alignAccFollowNode1" presStyleIdx="3" presStyleCnt="15">
@@ -1762,6 +1909,13 @@
     <dgm:pt modelId="{D8129AEB-96D3-B641-8E58-9E3826FC049C}" type="pres">
       <dgm:prSet presAssocID="{B1A9B82B-36D3-D44C-A928-CB5C8F526EC3}" presName="sibTrans" presStyleCnt="0"/>
       <dgm:spPr/>
+      <dgm:t>
+        <a:bodyPr/>
+        <a:lstStyle/>
+        <a:p>
+          <a:endParaRPr lang="en-US"/>
+        </a:p>
+      </dgm:t>
     </dgm:pt>
     <dgm:pt modelId="{E65B238E-7A89-4343-80F8-16194CBAC27A}" type="pres">
       <dgm:prSet presAssocID="{9A243D71-9CD1-D44B-A59D-26EA7CF8960D}" presName="node" presStyleLbl="alignAccFollowNode1" presStyleIdx="4" presStyleCnt="15">
@@ -1781,9 +1935,16 @@
     <dgm:pt modelId="{C3B97258-5FCF-3F4B-98AA-1A44CB7D1D7F}" type="pres">
       <dgm:prSet presAssocID="{E8B29EF8-0241-474B-91E3-B4E21C1A5FDC}" presName="sibTrans" presStyleCnt="0"/>
       <dgm:spPr/>
+      <dgm:t>
+        <a:bodyPr/>
+        <a:lstStyle/>
+        <a:p>
+          <a:endParaRPr lang="en-US"/>
+        </a:p>
+      </dgm:t>
     </dgm:pt>
-    <dgm:pt modelId="{3522D688-8522-934C-85B1-5033D7AA4B61}" type="pres">
-      <dgm:prSet presAssocID="{29566574-4671-6F4F-A20B-2E030348D0CE}" presName="node" presStyleLbl="alignAccFollowNode1" presStyleIdx="5" presStyleCnt="15">
+    <dgm:pt modelId="{51EC30A2-91C2-7440-85DE-A4B75B4F35AD}" type="pres">
+      <dgm:prSet presAssocID="{B3BC7129-CBF0-B24E-BBFC-CD9DF4A1384B}" presName="node" presStyleLbl="alignAccFollowNode1" presStyleIdx="5" presStyleCnt="15">
         <dgm:presLayoutVars>
           <dgm:bulletEnabled val="1"/>
         </dgm:presLayoutVars>
@@ -1800,10 +1961,24 @@
     <dgm:pt modelId="{4A577E42-C509-4844-8CA2-806E5A487871}" type="pres">
       <dgm:prSet presAssocID="{B6E4BD2E-4C64-3C4E-92FD-C3304FB7A095}" presName="vSp" presStyleCnt="0"/>
       <dgm:spPr/>
+      <dgm:t>
+        <a:bodyPr/>
+        <a:lstStyle/>
+        <a:p>
+          <a:endParaRPr lang="en-US"/>
+        </a:p>
+      </dgm:t>
     </dgm:pt>
     <dgm:pt modelId="{2CCCB068-CD2F-EA4A-966A-D683A3248F92}" type="pres">
       <dgm:prSet presAssocID="{86B18E18-5750-DF40-9A71-587B8602B692}" presName="horFlow" presStyleCnt="0"/>
       <dgm:spPr/>
+      <dgm:t>
+        <a:bodyPr/>
+        <a:lstStyle/>
+        <a:p>
+          <a:endParaRPr lang="en-US"/>
+        </a:p>
+      </dgm:t>
     </dgm:pt>
     <dgm:pt modelId="{99F80E00-BD23-1E42-BE6D-45787DCD2005}" type="pres">
       <dgm:prSet presAssocID="{86B18E18-5750-DF40-9A71-587B8602B692}" presName="bigChev" presStyleLbl="node1" presStyleIdx="2" presStyleCnt="5"/>
@@ -1819,6 +1994,13 @@
     <dgm:pt modelId="{548935AC-B850-404A-A974-67F877259F63}" type="pres">
       <dgm:prSet presAssocID="{6E6014EB-DDE9-C546-AB96-5C22C9E91EEE}" presName="parTrans" presStyleCnt="0"/>
       <dgm:spPr/>
+      <dgm:t>
+        <a:bodyPr/>
+        <a:lstStyle/>
+        <a:p>
+          <a:endParaRPr lang="en-US"/>
+        </a:p>
+      </dgm:t>
     </dgm:pt>
     <dgm:pt modelId="{DF62C348-80A5-934F-B840-19A7F33B8B9F}" type="pres">
       <dgm:prSet presAssocID="{76E01E85-A1B6-9140-954B-40945B78F0B9}" presName="node" presStyleLbl="alignAccFollowNode1" presStyleIdx="6" presStyleCnt="15">
@@ -1838,6 +2020,13 @@
     <dgm:pt modelId="{7FEB36D6-398A-6B4E-962C-86755774792A}" type="pres">
       <dgm:prSet presAssocID="{7CDE4C6D-EA39-F64F-B585-691FB0E06F8B}" presName="sibTrans" presStyleCnt="0"/>
       <dgm:spPr/>
+      <dgm:t>
+        <a:bodyPr/>
+        <a:lstStyle/>
+        <a:p>
+          <a:endParaRPr lang="en-US"/>
+        </a:p>
+      </dgm:t>
     </dgm:pt>
     <dgm:pt modelId="{8CF5D049-CF97-1F41-AD6C-B87150579182}" type="pres">
       <dgm:prSet presAssocID="{9F0336C7-AE7C-5F47-9DEC-118E475CA047}" presName="node" presStyleLbl="alignAccFollowNode1" presStyleIdx="7" presStyleCnt="15">
@@ -1857,6 +2046,13 @@
     <dgm:pt modelId="{671CBBA4-AF1C-4243-95EB-8D7CA1B54F81}" type="pres">
       <dgm:prSet presAssocID="{C129A04F-3302-BD42-A6BA-ECD268B57620}" presName="sibTrans" presStyleCnt="0"/>
       <dgm:spPr/>
+      <dgm:t>
+        <a:bodyPr/>
+        <a:lstStyle/>
+        <a:p>
+          <a:endParaRPr lang="en-US"/>
+        </a:p>
+      </dgm:t>
     </dgm:pt>
     <dgm:pt modelId="{7057EDE8-01A3-704E-9892-0BCE717A2EC2}" type="pres">
       <dgm:prSet presAssocID="{B295E2F1-B088-1445-85FE-650DB2ABEE21}" presName="node" presStyleLbl="alignAccFollowNode1" presStyleIdx="8" presStyleCnt="15">
@@ -1876,10 +2072,24 @@
     <dgm:pt modelId="{A84E624D-132A-574D-B88E-320365EF5704}" type="pres">
       <dgm:prSet presAssocID="{86B18E18-5750-DF40-9A71-587B8602B692}" presName="vSp" presStyleCnt="0"/>
       <dgm:spPr/>
+      <dgm:t>
+        <a:bodyPr/>
+        <a:lstStyle/>
+        <a:p>
+          <a:endParaRPr lang="en-US"/>
+        </a:p>
+      </dgm:t>
     </dgm:pt>
     <dgm:pt modelId="{893AF3E9-931C-C942-9E0D-2D0F1B96AEC9}" type="pres">
       <dgm:prSet presAssocID="{9FE4E972-C3CA-8648-B351-75F86ACB7027}" presName="horFlow" presStyleCnt="0"/>
       <dgm:spPr/>
+      <dgm:t>
+        <a:bodyPr/>
+        <a:lstStyle/>
+        <a:p>
+          <a:endParaRPr lang="en-US"/>
+        </a:p>
+      </dgm:t>
     </dgm:pt>
     <dgm:pt modelId="{89840CD6-B6F4-E24E-8C7C-EAEA8157523A}" type="pres">
       <dgm:prSet presAssocID="{9FE4E972-C3CA-8648-B351-75F86ACB7027}" presName="bigChev" presStyleLbl="node1" presStyleIdx="3" presStyleCnt="5"/>
@@ -1895,6 +2105,13 @@
     <dgm:pt modelId="{C8DA1EDB-2675-DE4F-BCFB-5829F9EB961A}" type="pres">
       <dgm:prSet presAssocID="{9A7D4878-2875-2A47-BC77-9443FD3D81A7}" presName="parTrans" presStyleCnt="0"/>
       <dgm:spPr/>
+      <dgm:t>
+        <a:bodyPr/>
+        <a:lstStyle/>
+        <a:p>
+          <a:endParaRPr lang="en-US"/>
+        </a:p>
+      </dgm:t>
     </dgm:pt>
     <dgm:pt modelId="{000AEF74-C6D3-2744-9007-924FDDC9B9E2}" type="pres">
       <dgm:prSet presAssocID="{EC63B6D9-9A41-3944-BA79-3D528D2520B5}" presName="node" presStyleLbl="alignAccFollowNode1" presStyleIdx="9" presStyleCnt="15">
@@ -1914,6 +2131,13 @@
     <dgm:pt modelId="{977B2437-814E-D042-94D9-E75C2E23AB83}" type="pres">
       <dgm:prSet presAssocID="{AEAA361D-9D39-FE4F-968B-99DCE97BAAB4}" presName="sibTrans" presStyleCnt="0"/>
       <dgm:spPr/>
+      <dgm:t>
+        <a:bodyPr/>
+        <a:lstStyle/>
+        <a:p>
+          <a:endParaRPr lang="en-US"/>
+        </a:p>
+      </dgm:t>
     </dgm:pt>
     <dgm:pt modelId="{DD841503-62AC-FC4B-9D40-ADF6A339C949}" type="pres">
       <dgm:prSet presAssocID="{AA6CD1A2-FCFE-F54C-A3F2-1E301AF5402D}" presName="node" presStyleLbl="alignAccFollowNode1" presStyleIdx="10" presStyleCnt="15">
@@ -1933,6 +2157,13 @@
     <dgm:pt modelId="{E1301E1A-EA2E-8E4F-8848-FFBCD33C761E}" type="pres">
       <dgm:prSet presAssocID="{13D0F01E-91EB-4541-82C7-FB2D42B21671}" presName="sibTrans" presStyleCnt="0"/>
       <dgm:spPr/>
+      <dgm:t>
+        <a:bodyPr/>
+        <a:lstStyle/>
+        <a:p>
+          <a:endParaRPr lang="en-US"/>
+        </a:p>
+      </dgm:t>
     </dgm:pt>
     <dgm:pt modelId="{80D68624-8187-7E4C-887C-5D3901646A1F}" type="pres">
       <dgm:prSet presAssocID="{CA9BF810-E275-5C4B-B20A-EF2EF56EA763}" presName="node" presStyleLbl="alignAccFollowNode1" presStyleIdx="11" presStyleCnt="15">
@@ -1952,6 +2183,13 @@
     <dgm:pt modelId="{FF79093E-4A0B-C74B-8F22-BF31ACC2DF4A}" type="pres">
       <dgm:prSet presAssocID="{8D0E4E60-2F78-DB44-8FB7-5940A4534F4A}" presName="sibTrans" presStyleCnt="0"/>
       <dgm:spPr/>
+      <dgm:t>
+        <a:bodyPr/>
+        <a:lstStyle/>
+        <a:p>
+          <a:endParaRPr lang="en-US"/>
+        </a:p>
+      </dgm:t>
     </dgm:pt>
     <dgm:pt modelId="{51096AD9-6905-5948-A0F5-4602E8A325B8}" type="pres">
       <dgm:prSet presAssocID="{47A3DEDC-AA6D-9E43-8D89-1D393CFEE825}" presName="node" presStyleLbl="alignAccFollowNode1" presStyleIdx="12" presStyleCnt="15">
@@ -1971,10 +2209,24 @@
     <dgm:pt modelId="{73574FBB-8006-DF47-86F6-B18B9742BB1C}" type="pres">
       <dgm:prSet presAssocID="{9FE4E972-C3CA-8648-B351-75F86ACB7027}" presName="vSp" presStyleCnt="0"/>
       <dgm:spPr/>
+      <dgm:t>
+        <a:bodyPr/>
+        <a:lstStyle/>
+        <a:p>
+          <a:endParaRPr lang="en-US"/>
+        </a:p>
+      </dgm:t>
     </dgm:pt>
     <dgm:pt modelId="{D73414BC-00CB-3049-98CB-44F987888C8A}" type="pres">
       <dgm:prSet presAssocID="{70C1527D-4245-DC45-B799-B4E194A0DD46}" presName="horFlow" presStyleCnt="0"/>
       <dgm:spPr/>
+      <dgm:t>
+        <a:bodyPr/>
+        <a:lstStyle/>
+        <a:p>
+          <a:endParaRPr lang="en-US"/>
+        </a:p>
+      </dgm:t>
     </dgm:pt>
     <dgm:pt modelId="{E2179FC6-9A63-FD45-A8B5-9C0AF91509C6}" type="pres">
       <dgm:prSet presAssocID="{70C1527D-4245-DC45-B799-B4E194A0DD46}" presName="bigChev" presStyleLbl="node1" presStyleIdx="4" presStyleCnt="5"/>
@@ -1990,6 +2242,13 @@
     <dgm:pt modelId="{EB7396BE-D3B0-4240-9FF6-E9C4D3817034}" type="pres">
       <dgm:prSet presAssocID="{FB77F317-BCB2-B941-ACC8-6D13BFE3BFE1}" presName="parTrans" presStyleCnt="0"/>
       <dgm:spPr/>
+      <dgm:t>
+        <a:bodyPr/>
+        <a:lstStyle/>
+        <a:p>
+          <a:endParaRPr lang="en-US"/>
+        </a:p>
+      </dgm:t>
     </dgm:pt>
     <dgm:pt modelId="{F74DA447-BE91-2D49-9434-F5CFE31A5B37}" type="pres">
       <dgm:prSet presAssocID="{EBBB9B94-6474-9D4E-9337-AAC6399159F2}" presName="node" presStyleLbl="alignAccFollowNode1" presStyleIdx="13" presStyleCnt="15">
@@ -2009,6 +2268,13 @@
     <dgm:pt modelId="{7068BFAE-8C7C-6745-A7AB-8BEAC9B838E6}" type="pres">
       <dgm:prSet presAssocID="{70604105-8B42-7A4E-A157-5E65B5B69B37}" presName="sibTrans" presStyleCnt="0"/>
       <dgm:spPr/>
+      <dgm:t>
+        <a:bodyPr/>
+        <a:lstStyle/>
+        <a:p>
+          <a:endParaRPr lang="en-US"/>
+        </a:p>
+      </dgm:t>
     </dgm:pt>
     <dgm:pt modelId="{A9706D98-D064-BA4C-93FA-8AECB68DE611}" type="pres">
       <dgm:prSet presAssocID="{A95F0AAC-82FB-164F-88E7-51E1772750B0}" presName="node" presStyleLbl="alignAccFollowNode1" presStyleIdx="14" presStyleCnt="15">
@@ -2027,47 +2293,47 @@
     </dgm:pt>
   </dgm:ptLst>
   <dgm:cxnLst>
+    <dgm:cxn modelId="{5154BB9E-013D-3C45-8994-29AEB33FDF8B}" srcId="{9FE4E972-C3CA-8648-B351-75F86ACB7027}" destId="{AA6CD1A2-FCFE-F54C-A3F2-1E301AF5402D}" srcOrd="1" destOrd="0" parTransId="{68B439A5-9C19-9647-9998-A027118126B6}" sibTransId="{13D0F01E-91EB-4541-82C7-FB2D42B21671}"/>
+    <dgm:cxn modelId="{94ABB858-2F41-3D41-9A2A-92D5C7DDF343}" srcId="{B6E4BD2E-4C64-3C4E-92FD-C3304FB7A095}" destId="{9C41DFEC-9D01-B440-B918-866033ADB1F2}" srcOrd="1" destOrd="0" parTransId="{1B58CFC4-76CA-C148-ACA1-C2BC95B03358}" sibTransId="{B1A9B82B-36D3-D44C-A928-CB5C8F526EC3}"/>
+    <dgm:cxn modelId="{59E99261-D2B0-C04F-88FE-251A7B232EC5}" type="presOf" srcId="{B3BC7129-CBF0-B24E-BBFC-CD9DF4A1384B}" destId="{51EC30A2-91C2-7440-85DE-A4B75B4F35AD}" srcOrd="0" destOrd="0" presId="urn:microsoft.com/office/officeart/2005/8/layout/lProcess3"/>
+    <dgm:cxn modelId="{DE3F547E-02E2-AF4B-9B7F-C34BCEDF4D89}" srcId="{86B18E18-5750-DF40-9A71-587B8602B692}" destId="{9F0336C7-AE7C-5F47-9DEC-118E475CA047}" srcOrd="1" destOrd="0" parTransId="{C158625F-8BE5-7E44-8634-0154FB5365CB}" sibTransId="{C129A04F-3302-BD42-A6BA-ECD268B57620}"/>
+    <dgm:cxn modelId="{ABB59309-3254-584B-8960-4F6427254A79}" srcId="{F517C940-B9CE-E84A-AE6B-1AB6D574A991}" destId="{08F29856-001D-B546-8E76-9EE4D75974C3}" srcOrd="0" destOrd="0" parTransId="{7A1B105E-7220-7742-AFC4-B5CC6263C2EF}" sibTransId="{668E81E9-0568-9C4B-B3DF-A933EF4C009B}"/>
+    <dgm:cxn modelId="{DC5BD4EA-6715-2044-943B-F6181AFD8921}" srcId="{F65596F6-427B-5343-9428-48EE38A0C85C}" destId="{86B18E18-5750-DF40-9A71-587B8602B692}" srcOrd="2" destOrd="0" parTransId="{67289A3E-8267-AA4D-8588-E7508D5D85E9}" sibTransId="{85B7EA81-BE05-1744-B4E8-80C181072584}"/>
+    <dgm:cxn modelId="{A6669EF1-528F-914C-B035-DD4B4E9A1395}" type="presOf" srcId="{9F0336C7-AE7C-5F47-9DEC-118E475CA047}" destId="{8CF5D049-CF97-1F41-AD6C-B87150579182}" srcOrd="0" destOrd="0" presId="urn:microsoft.com/office/officeart/2005/8/layout/lProcess3"/>
+    <dgm:cxn modelId="{8E9F6C06-DBDB-004A-8CC6-C923CFC95C2F}" srcId="{F65596F6-427B-5343-9428-48EE38A0C85C}" destId="{B6E4BD2E-4C64-3C4E-92FD-C3304FB7A095}" srcOrd="1" destOrd="0" parTransId="{F2AF0C63-9BA5-6E41-987F-30F8FAF0DBAF}" sibTransId="{702E910E-F812-434C-B54F-85ECDA24AB75}"/>
+    <dgm:cxn modelId="{604EDDD7-6521-3846-9B37-0536009F72C7}" srcId="{B6E4BD2E-4C64-3C4E-92FD-C3304FB7A095}" destId="{756FAAB2-1FDD-1342-A3AB-14951F76EBFD}" srcOrd="0" destOrd="0" parTransId="{A5B35805-C66D-D64E-BCF3-B4950FB6231E}" sibTransId="{3E2A0602-DC41-F847-96CA-7429B69698CE}"/>
+    <dgm:cxn modelId="{5DE613B2-8D39-644C-8E05-1D2C7ABD2C07}" type="presOf" srcId="{EC63B6D9-9A41-3944-BA79-3D528D2520B5}" destId="{000AEF74-C6D3-2744-9007-924FDDC9B9E2}" srcOrd="0" destOrd="0" presId="urn:microsoft.com/office/officeart/2005/8/layout/lProcess3"/>
+    <dgm:cxn modelId="{73EB7981-A9FF-C448-9DB8-659704A7181E}" srcId="{70C1527D-4245-DC45-B799-B4E194A0DD46}" destId="{A95F0AAC-82FB-164F-88E7-51E1772750B0}" srcOrd="1" destOrd="0" parTransId="{93557060-0097-9149-A1E1-DA402C764778}" sibTransId="{8504090C-A76B-8F4A-B259-1044CAD2E2D3}"/>
+    <dgm:cxn modelId="{466DF5F5-5F15-854D-8108-77B47EE9F0FE}" srcId="{9FE4E972-C3CA-8648-B351-75F86ACB7027}" destId="{EC63B6D9-9A41-3944-BA79-3D528D2520B5}" srcOrd="0" destOrd="0" parTransId="{9A7D4878-2875-2A47-BC77-9443FD3D81A7}" sibTransId="{AEAA361D-9D39-FE4F-968B-99DCE97BAAB4}"/>
+    <dgm:cxn modelId="{4A449B68-46E8-A14C-A555-4AD6939AE1E7}" srcId="{F65596F6-427B-5343-9428-48EE38A0C85C}" destId="{70C1527D-4245-DC45-B799-B4E194A0DD46}" srcOrd="4" destOrd="0" parTransId="{A9682BC5-526E-C640-B059-E44620CE097A}" sibTransId="{8C7D42B3-5297-D04B-BA9F-07730FA4A1F4}"/>
+    <dgm:cxn modelId="{7123C7B6-A925-5440-BFBC-BEF54F85BEAE}" type="presOf" srcId="{756FAAB2-1FDD-1342-A3AB-14951F76EBFD}" destId="{1DB7577E-B5F7-5343-A88E-F1B8773A55F2}" srcOrd="0" destOrd="0" presId="urn:microsoft.com/office/officeart/2005/8/layout/lProcess3"/>
+    <dgm:cxn modelId="{B09A6FA4-BCA9-AA4E-891C-CCA73E1B108C}" type="presOf" srcId="{76E01E85-A1B6-9140-954B-40945B78F0B9}" destId="{DF62C348-80A5-934F-B840-19A7F33B8B9F}" srcOrd="0" destOrd="0" presId="urn:microsoft.com/office/officeart/2005/8/layout/lProcess3"/>
     <dgm:cxn modelId="{C7221337-CA6C-C34B-9E81-AD1BE04A7A1D}" srcId="{86B18E18-5750-DF40-9A71-587B8602B692}" destId="{B295E2F1-B088-1445-85FE-650DB2ABEE21}" srcOrd="2" destOrd="0" parTransId="{804C3A91-DD0B-E949-9D6C-A0BA382D0BF7}" sibTransId="{1BC724D3-8E76-DB4D-9234-78B29040AA29}"/>
-    <dgm:cxn modelId="{1D3456CC-7A3D-7947-A952-F28A0050DA0A}" type="presOf" srcId="{9C41DFEC-9D01-B440-B918-866033ADB1F2}" destId="{0EB6D55B-5C5B-6941-A1B9-41A446585E03}" srcOrd="0" destOrd="0" presId="urn:microsoft.com/office/officeart/2005/8/layout/lProcess3"/>
+    <dgm:cxn modelId="{AFFE82CC-5BD2-7A43-858F-87E47347FF7F}" type="presOf" srcId="{F517C940-B9CE-E84A-AE6B-1AB6D574A991}" destId="{FD8D6E92-3BE2-7644-8175-16A8E6C0AB27}" srcOrd="0" destOrd="0" presId="urn:microsoft.com/office/officeart/2005/8/layout/lProcess3"/>
+    <dgm:cxn modelId="{5A1C3C15-94A2-6143-8CCE-2E7798F374AA}" type="presOf" srcId="{B6E4BD2E-4C64-3C4E-92FD-C3304FB7A095}" destId="{9AB3E6F2-416C-7442-ADB3-36BB254B508F}" srcOrd="0" destOrd="0" presId="urn:microsoft.com/office/officeart/2005/8/layout/lProcess3"/>
+    <dgm:cxn modelId="{285D8B15-81DD-F348-B267-7B7F0F9D3530}" srcId="{9FE4E972-C3CA-8648-B351-75F86ACB7027}" destId="{CA9BF810-E275-5C4B-B20A-EF2EF56EA763}" srcOrd="2" destOrd="0" parTransId="{7488309E-0917-E743-AAA4-D49A2951C540}" sibTransId="{8D0E4E60-2F78-DB44-8FB7-5940A4534F4A}"/>
+    <dgm:cxn modelId="{F9303634-0E64-A64C-A0A3-78382FF0F69C}" type="presOf" srcId="{B295E2F1-B088-1445-85FE-650DB2ABEE21}" destId="{7057EDE8-01A3-704E-9892-0BCE717A2EC2}" srcOrd="0" destOrd="0" presId="urn:microsoft.com/office/officeart/2005/8/layout/lProcess3"/>
+    <dgm:cxn modelId="{DB98D05C-2176-5A4A-B3B6-29AEBE9A95B3}" type="presOf" srcId="{86B18E18-5750-DF40-9A71-587B8602B692}" destId="{99F80E00-BD23-1E42-BE6D-45787DCD2005}" srcOrd="0" destOrd="0" presId="urn:microsoft.com/office/officeart/2005/8/layout/lProcess3"/>
+    <dgm:cxn modelId="{C380365A-E5F5-6F45-87AA-CEE83EFE0C58}" type="presOf" srcId="{2F11840A-C873-2745-8CEA-AF9B884CB7AD}" destId="{98BD8008-643E-D043-99EC-1ED3DF56CADA}" srcOrd="0" destOrd="0" presId="urn:microsoft.com/office/officeart/2005/8/layout/lProcess3"/>
+    <dgm:cxn modelId="{056877E5-B810-3040-89C7-7347852D5F3C}" type="presOf" srcId="{A95F0AAC-82FB-164F-88E7-51E1772750B0}" destId="{A9706D98-D064-BA4C-93FA-8AECB68DE611}" srcOrd="0" destOrd="0" presId="urn:microsoft.com/office/officeart/2005/8/layout/lProcess3"/>
     <dgm:cxn modelId="{59F55BE5-2B01-8B46-9CE7-246C89EFC596}" srcId="{B6E4BD2E-4C64-3C4E-92FD-C3304FB7A095}" destId="{9A243D71-9CD1-D44B-A59D-26EA7CF8960D}" srcOrd="2" destOrd="0" parTransId="{1443568D-B98E-4844-B203-228C43ED9140}" sibTransId="{E8B29EF8-0241-474B-91E3-B4E21C1A5FDC}"/>
-    <dgm:cxn modelId="{466DF5F5-5F15-854D-8108-77B47EE9F0FE}" srcId="{9FE4E972-C3CA-8648-B351-75F86ACB7027}" destId="{EC63B6D9-9A41-3944-BA79-3D528D2520B5}" srcOrd="0" destOrd="0" parTransId="{9A7D4878-2875-2A47-BC77-9443FD3D81A7}" sibTransId="{AEAA361D-9D39-FE4F-968B-99DCE97BAAB4}"/>
-    <dgm:cxn modelId="{5154BB9E-013D-3C45-8994-29AEB33FDF8B}" srcId="{9FE4E972-C3CA-8648-B351-75F86ACB7027}" destId="{AA6CD1A2-FCFE-F54C-A3F2-1E301AF5402D}" srcOrd="1" destOrd="0" parTransId="{68B439A5-9C19-9647-9998-A027118126B6}" sibTransId="{13D0F01E-91EB-4541-82C7-FB2D42B21671}"/>
-    <dgm:cxn modelId="{4A449B68-46E8-A14C-A555-4AD6939AE1E7}" srcId="{F65596F6-427B-5343-9428-48EE38A0C85C}" destId="{70C1527D-4245-DC45-B799-B4E194A0DD46}" srcOrd="4" destOrd="0" parTransId="{A9682BC5-526E-C640-B059-E44620CE097A}" sibTransId="{8C7D42B3-5297-D04B-BA9F-07730FA4A1F4}"/>
-    <dgm:cxn modelId="{DB98D05C-2176-5A4A-B3B6-29AEBE9A95B3}" type="presOf" srcId="{86B18E18-5750-DF40-9A71-587B8602B692}" destId="{99F80E00-BD23-1E42-BE6D-45787DCD2005}" srcOrd="0" destOrd="0" presId="urn:microsoft.com/office/officeart/2005/8/layout/lProcess3"/>
-    <dgm:cxn modelId="{ABB59309-3254-584B-8960-4F6427254A79}" srcId="{F517C940-B9CE-E84A-AE6B-1AB6D574A991}" destId="{08F29856-001D-B546-8E76-9EE4D75974C3}" srcOrd="0" destOrd="0" parTransId="{7A1B105E-7220-7742-AFC4-B5CC6263C2EF}" sibTransId="{668E81E9-0568-9C4B-B3DF-A933EF4C009B}"/>
-    <dgm:cxn modelId="{DACE9A7B-545F-2249-87ED-0CE502B54A55}" type="presOf" srcId="{29566574-4671-6F4F-A20B-2E030348D0CE}" destId="{3522D688-8522-934C-85B1-5033D7AA4B61}" srcOrd="0" destOrd="0" presId="urn:microsoft.com/office/officeart/2005/8/layout/lProcess3"/>
-    <dgm:cxn modelId="{A6669EF1-528F-914C-B035-DD4B4E9A1395}" type="presOf" srcId="{9F0336C7-AE7C-5F47-9DEC-118E475CA047}" destId="{8CF5D049-CF97-1F41-AD6C-B87150579182}" srcOrd="0" destOrd="0" presId="urn:microsoft.com/office/officeart/2005/8/layout/lProcess3"/>
-    <dgm:cxn modelId="{7123C7B6-A925-5440-BFBC-BEF54F85BEAE}" type="presOf" srcId="{756FAAB2-1FDD-1342-A3AB-14951F76EBFD}" destId="{1DB7577E-B5F7-5343-A88E-F1B8773A55F2}" srcOrd="0" destOrd="0" presId="urn:microsoft.com/office/officeart/2005/8/layout/lProcess3"/>
-    <dgm:cxn modelId="{2EC91FDB-1568-3B41-B9CE-5E8A5BA7CB1D}" srcId="{F517C940-B9CE-E84A-AE6B-1AB6D574A991}" destId="{2F11840A-C873-2745-8CEA-AF9B884CB7AD}" srcOrd="1" destOrd="0" parTransId="{7D925A9A-A441-D44B-BD6F-4C491CF1C08F}" sibTransId="{0B239F29-D670-AB49-81EF-01CC7351AAB6}"/>
-    <dgm:cxn modelId="{0C3E81DC-1021-A649-8300-8701E038D49B}" type="presOf" srcId="{CA9BF810-E275-5C4B-B20A-EF2EF56EA763}" destId="{80D68624-8187-7E4C-887C-5D3901646A1F}" srcOrd="0" destOrd="0" presId="urn:microsoft.com/office/officeart/2005/8/layout/lProcess3"/>
-    <dgm:cxn modelId="{AAD882DC-EABC-2E46-8F74-9824AB8391F7}" type="presOf" srcId="{F65596F6-427B-5343-9428-48EE38A0C85C}" destId="{9081E8D5-578E-9348-83C0-A67A4FD56F3B}" srcOrd="0" destOrd="0" presId="urn:microsoft.com/office/officeart/2005/8/layout/lProcess3"/>
-    <dgm:cxn modelId="{8E9F6C06-DBDB-004A-8CC6-C923CFC95C2F}" srcId="{F65596F6-427B-5343-9428-48EE38A0C85C}" destId="{B6E4BD2E-4C64-3C4E-92FD-C3304FB7A095}" srcOrd="1" destOrd="0" parTransId="{F2AF0C63-9BA5-6E41-987F-30F8FAF0DBAF}" sibTransId="{702E910E-F812-434C-B54F-85ECDA24AB75}"/>
-    <dgm:cxn modelId="{285D8B15-81DD-F348-B267-7B7F0F9D3530}" srcId="{9FE4E972-C3CA-8648-B351-75F86ACB7027}" destId="{CA9BF810-E275-5C4B-B20A-EF2EF56EA763}" srcOrd="2" destOrd="0" parTransId="{7488309E-0917-E743-AAA4-D49A2951C540}" sibTransId="{8D0E4E60-2F78-DB44-8FB7-5940A4534F4A}"/>
-    <dgm:cxn modelId="{51C5CF9D-8840-1843-9EDF-9EB239C171A0}" type="presOf" srcId="{08F29856-001D-B546-8E76-9EE4D75974C3}" destId="{0B9DC8BF-D049-994F-9E8C-C2A5D4174157}" srcOrd="0" destOrd="0" presId="urn:microsoft.com/office/officeart/2005/8/layout/lProcess3"/>
+    <dgm:cxn modelId="{730D1BFC-FDCA-9D4F-97FD-4D9FF9EB32EE}" srcId="{9FE4E972-C3CA-8648-B351-75F86ACB7027}" destId="{47A3DEDC-AA6D-9E43-8D89-1D393CFEE825}" srcOrd="3" destOrd="0" parTransId="{627D87EA-8D22-A441-972A-A48109AB9F91}" sibTransId="{1FB9C8F9-7D3D-1349-9DDF-132DED681D43}"/>
     <dgm:cxn modelId="{EA1F6116-0AF3-3542-95A6-8B7D93C3FE87}" type="presOf" srcId="{47A3DEDC-AA6D-9E43-8D89-1D393CFEE825}" destId="{51096AD9-6905-5948-A0F5-4602E8A325B8}" srcOrd="0" destOrd="0" presId="urn:microsoft.com/office/officeart/2005/8/layout/lProcess3"/>
-    <dgm:cxn modelId="{94ABB858-2F41-3D41-9A2A-92D5C7DDF343}" srcId="{B6E4BD2E-4C64-3C4E-92FD-C3304FB7A095}" destId="{9C41DFEC-9D01-B440-B918-866033ADB1F2}" srcOrd="1" destOrd="0" parTransId="{1B58CFC4-76CA-C148-ACA1-C2BC95B03358}" sibTransId="{B1A9B82B-36D3-D44C-A928-CB5C8F526EC3}"/>
-    <dgm:cxn modelId="{59C50DA4-F334-7E4E-8FA0-92647A35ADB7}" type="presOf" srcId="{70C1527D-4245-DC45-B799-B4E194A0DD46}" destId="{E2179FC6-9A63-FD45-A8B5-9C0AF91509C6}" srcOrd="0" destOrd="0" presId="urn:microsoft.com/office/officeart/2005/8/layout/lProcess3"/>
-    <dgm:cxn modelId="{DE3F547E-02E2-AF4B-9B7F-C34BCEDF4D89}" srcId="{86B18E18-5750-DF40-9A71-587B8602B692}" destId="{9F0336C7-AE7C-5F47-9DEC-118E475CA047}" srcOrd="1" destOrd="0" parTransId="{C158625F-8BE5-7E44-8634-0154FB5365CB}" sibTransId="{C129A04F-3302-BD42-A6BA-ECD268B57620}"/>
-    <dgm:cxn modelId="{AFFE82CC-5BD2-7A43-858F-87E47347FF7F}" type="presOf" srcId="{F517C940-B9CE-E84A-AE6B-1AB6D574A991}" destId="{FD8D6E92-3BE2-7644-8175-16A8E6C0AB27}" srcOrd="0" destOrd="0" presId="urn:microsoft.com/office/officeart/2005/8/layout/lProcess3"/>
-    <dgm:cxn modelId="{DC5BD4EA-6715-2044-943B-F6181AFD8921}" srcId="{F65596F6-427B-5343-9428-48EE38A0C85C}" destId="{86B18E18-5750-DF40-9A71-587B8602B692}" srcOrd="2" destOrd="0" parTransId="{67289A3E-8267-AA4D-8588-E7508D5D85E9}" sibTransId="{85B7EA81-BE05-1744-B4E8-80C181072584}"/>
-    <dgm:cxn modelId="{C380365A-E5F5-6F45-87AA-CEE83EFE0C58}" type="presOf" srcId="{2F11840A-C873-2745-8CEA-AF9B884CB7AD}" destId="{98BD8008-643E-D043-99EC-1ED3DF56CADA}" srcOrd="0" destOrd="0" presId="urn:microsoft.com/office/officeart/2005/8/layout/lProcess3"/>
-    <dgm:cxn modelId="{5A1C3C15-94A2-6143-8CCE-2E7798F374AA}" type="presOf" srcId="{B6E4BD2E-4C64-3C4E-92FD-C3304FB7A095}" destId="{9AB3E6F2-416C-7442-ADB3-36BB254B508F}" srcOrd="0" destOrd="0" presId="urn:microsoft.com/office/officeart/2005/8/layout/lProcess3"/>
-    <dgm:cxn modelId="{B09A6FA4-BCA9-AA4E-891C-CCA73E1B108C}" type="presOf" srcId="{76E01E85-A1B6-9140-954B-40945B78F0B9}" destId="{DF62C348-80A5-934F-B840-19A7F33B8B9F}" srcOrd="0" destOrd="0" presId="urn:microsoft.com/office/officeart/2005/8/layout/lProcess3"/>
-    <dgm:cxn modelId="{F1B8611F-06DF-5E46-B850-7A058892B949}" type="presOf" srcId="{9FE4E972-C3CA-8648-B351-75F86ACB7027}" destId="{89840CD6-B6F4-E24E-8C7C-EAEA8157523A}" srcOrd="0" destOrd="0" presId="urn:microsoft.com/office/officeart/2005/8/layout/lProcess3"/>
-    <dgm:cxn modelId="{E88F1D97-A600-D44F-AA5B-22CB081E0570}" type="presOf" srcId="{9A243D71-9CD1-D44B-A59D-26EA7CF8960D}" destId="{E65B238E-7A89-4343-80F8-16194CBAC27A}" srcOrd="0" destOrd="0" presId="urn:microsoft.com/office/officeart/2005/8/layout/lProcess3"/>
-    <dgm:cxn modelId="{056877E5-B810-3040-89C7-7347852D5F3C}" type="presOf" srcId="{A95F0AAC-82FB-164F-88E7-51E1772750B0}" destId="{A9706D98-D064-BA4C-93FA-8AECB68DE611}" srcOrd="0" destOrd="0" presId="urn:microsoft.com/office/officeart/2005/8/layout/lProcess3"/>
-    <dgm:cxn modelId="{8A1A6A00-91ED-874A-9D69-C2033C8C1B55}" srcId="{F65596F6-427B-5343-9428-48EE38A0C85C}" destId="{F517C940-B9CE-E84A-AE6B-1AB6D574A991}" srcOrd="0" destOrd="0" parTransId="{827F4F11-12FC-C247-82AA-413F7A977010}" sibTransId="{E11C0FE3-6464-AB44-AA96-220C15991401}"/>
-    <dgm:cxn modelId="{F9303634-0E64-A64C-A0A3-78382FF0F69C}" type="presOf" srcId="{B295E2F1-B088-1445-85FE-650DB2ABEE21}" destId="{7057EDE8-01A3-704E-9892-0BCE717A2EC2}" srcOrd="0" destOrd="0" presId="urn:microsoft.com/office/officeart/2005/8/layout/lProcess3"/>
     <dgm:cxn modelId="{64BBC5F8-7A6D-EE4E-9917-000A63DF395C}" type="presOf" srcId="{AA6CD1A2-FCFE-F54C-A3F2-1E301AF5402D}" destId="{DD841503-62AC-FC4B-9D40-ADF6A339C949}" srcOrd="0" destOrd="0" presId="urn:microsoft.com/office/officeart/2005/8/layout/lProcess3"/>
     <dgm:cxn modelId="{0A6C2ED9-054D-1B40-9545-2674A7232518}" srcId="{70C1527D-4245-DC45-B799-B4E194A0DD46}" destId="{EBBB9B94-6474-9D4E-9337-AAC6399159F2}" srcOrd="0" destOrd="0" parTransId="{FB77F317-BCB2-B941-ACC8-6D13BFE3BFE1}" sibTransId="{70604105-8B42-7A4E-A157-5E65B5B69B37}"/>
-    <dgm:cxn modelId="{5DE613B2-8D39-644C-8E05-1D2C7ABD2C07}" type="presOf" srcId="{EC63B6D9-9A41-3944-BA79-3D528D2520B5}" destId="{000AEF74-C6D3-2744-9007-924FDDC9B9E2}" srcOrd="0" destOrd="0" presId="urn:microsoft.com/office/officeart/2005/8/layout/lProcess3"/>
-    <dgm:cxn modelId="{DC3CD732-7CB2-B84C-B417-60835B98B553}" srcId="{B6E4BD2E-4C64-3C4E-92FD-C3304FB7A095}" destId="{29566574-4671-6F4F-A20B-2E030348D0CE}" srcOrd="3" destOrd="0" parTransId="{BCFAE70A-113E-1844-8438-356C01B39B68}" sibTransId="{E55749E4-CD2C-A643-865C-3DF67FB344A0}"/>
-    <dgm:cxn modelId="{730D1BFC-FDCA-9D4F-97FD-4D9FF9EB32EE}" srcId="{9FE4E972-C3CA-8648-B351-75F86ACB7027}" destId="{47A3DEDC-AA6D-9E43-8D89-1D393CFEE825}" srcOrd="3" destOrd="0" parTransId="{627D87EA-8D22-A441-972A-A48109AB9F91}" sibTransId="{1FB9C8F9-7D3D-1349-9DDF-132DED681D43}"/>
-    <dgm:cxn modelId="{73EB7981-A9FF-C448-9DB8-659704A7181E}" srcId="{70C1527D-4245-DC45-B799-B4E194A0DD46}" destId="{A95F0AAC-82FB-164F-88E7-51E1772750B0}" srcOrd="1" destOrd="0" parTransId="{93557060-0097-9149-A1E1-DA402C764778}" sibTransId="{8504090C-A76B-8F4A-B259-1044CAD2E2D3}"/>
+    <dgm:cxn modelId="{E88F1D97-A600-D44F-AA5B-22CB081E0570}" type="presOf" srcId="{9A243D71-9CD1-D44B-A59D-26EA7CF8960D}" destId="{E65B238E-7A89-4343-80F8-16194CBAC27A}" srcOrd="0" destOrd="0" presId="urn:microsoft.com/office/officeart/2005/8/layout/lProcess3"/>
+    <dgm:cxn modelId="{BFF3253C-B502-4A4B-807B-E01D1DEFC60B}" srcId="{86B18E18-5750-DF40-9A71-587B8602B692}" destId="{76E01E85-A1B6-9140-954B-40945B78F0B9}" srcOrd="0" destOrd="0" parTransId="{6E6014EB-DDE9-C546-AB96-5C22C9E91EEE}" sibTransId="{7CDE4C6D-EA39-F64F-B585-691FB0E06F8B}"/>
+    <dgm:cxn modelId="{0C3E81DC-1021-A649-8300-8701E038D49B}" type="presOf" srcId="{CA9BF810-E275-5C4B-B20A-EF2EF56EA763}" destId="{80D68624-8187-7E4C-887C-5D3901646A1F}" srcOrd="0" destOrd="0" presId="urn:microsoft.com/office/officeart/2005/8/layout/lProcess3"/>
+    <dgm:cxn modelId="{51C5CF9D-8840-1843-9EDF-9EB239C171A0}" type="presOf" srcId="{08F29856-001D-B546-8E76-9EE4D75974C3}" destId="{0B9DC8BF-D049-994F-9E8C-C2A5D4174157}" srcOrd="0" destOrd="0" presId="urn:microsoft.com/office/officeart/2005/8/layout/lProcess3"/>
+    <dgm:cxn modelId="{A787FF2B-1D2F-DB4B-A42E-09FE130FD39C}" type="presOf" srcId="{EBBB9B94-6474-9D4E-9337-AAC6399159F2}" destId="{F74DA447-BE91-2D49-9434-F5CFE31A5B37}" srcOrd="0" destOrd="0" presId="urn:microsoft.com/office/officeart/2005/8/layout/lProcess3"/>
+    <dgm:cxn modelId="{2EC91FDB-1568-3B41-B9CE-5E8A5BA7CB1D}" srcId="{F517C940-B9CE-E84A-AE6B-1AB6D574A991}" destId="{2F11840A-C873-2745-8CEA-AF9B884CB7AD}" srcOrd="1" destOrd="0" parTransId="{7D925A9A-A441-D44B-BD6F-4C491CF1C08F}" sibTransId="{0B239F29-D670-AB49-81EF-01CC7351AAB6}"/>
+    <dgm:cxn modelId="{1D3456CC-7A3D-7947-A952-F28A0050DA0A}" type="presOf" srcId="{9C41DFEC-9D01-B440-B918-866033ADB1F2}" destId="{0EB6D55B-5C5B-6941-A1B9-41A446585E03}" srcOrd="0" destOrd="0" presId="urn:microsoft.com/office/officeart/2005/8/layout/lProcess3"/>
+    <dgm:cxn modelId="{9EBE4105-1BD5-A048-A448-3E4D84114BBE}" srcId="{B6E4BD2E-4C64-3C4E-92FD-C3304FB7A095}" destId="{B3BC7129-CBF0-B24E-BBFC-CD9DF4A1384B}" srcOrd="3" destOrd="0" parTransId="{20802C9B-97FA-474A-B662-02908D0AC9FD}" sibTransId="{E9517CC1-32A8-ED40-8AB5-57A3CB4DE057}"/>
+    <dgm:cxn modelId="{F1B8611F-06DF-5E46-B850-7A058892B949}" type="presOf" srcId="{9FE4E972-C3CA-8648-B351-75F86ACB7027}" destId="{89840CD6-B6F4-E24E-8C7C-EAEA8157523A}" srcOrd="0" destOrd="0" presId="urn:microsoft.com/office/officeart/2005/8/layout/lProcess3"/>
+    <dgm:cxn modelId="{AAD882DC-EABC-2E46-8F74-9824AB8391F7}" type="presOf" srcId="{F65596F6-427B-5343-9428-48EE38A0C85C}" destId="{9081E8D5-578E-9348-83C0-A67A4FD56F3B}" srcOrd="0" destOrd="0" presId="urn:microsoft.com/office/officeart/2005/8/layout/lProcess3"/>
+    <dgm:cxn modelId="{59C50DA4-F334-7E4E-8FA0-92647A35ADB7}" type="presOf" srcId="{70C1527D-4245-DC45-B799-B4E194A0DD46}" destId="{E2179FC6-9A63-FD45-A8B5-9C0AF91509C6}" srcOrd="0" destOrd="0" presId="urn:microsoft.com/office/officeart/2005/8/layout/lProcess3"/>
     <dgm:cxn modelId="{DACB96C1-51CA-374E-B416-6C09AA45BA7E}" srcId="{F65596F6-427B-5343-9428-48EE38A0C85C}" destId="{9FE4E972-C3CA-8648-B351-75F86ACB7027}" srcOrd="3" destOrd="0" parTransId="{EE1F1F05-3F95-5145-8F16-76563EFE6AD3}" sibTransId="{6E0188BB-C10C-FD42-8AAA-05A4F48DEEA5}"/>
-    <dgm:cxn modelId="{604EDDD7-6521-3846-9B37-0536009F72C7}" srcId="{B6E4BD2E-4C64-3C4E-92FD-C3304FB7A095}" destId="{756FAAB2-1FDD-1342-A3AB-14951F76EBFD}" srcOrd="0" destOrd="0" parTransId="{A5B35805-C66D-D64E-BCF3-B4950FB6231E}" sibTransId="{3E2A0602-DC41-F847-96CA-7429B69698CE}"/>
-    <dgm:cxn modelId="{BFF3253C-B502-4A4B-807B-E01D1DEFC60B}" srcId="{86B18E18-5750-DF40-9A71-587B8602B692}" destId="{76E01E85-A1B6-9140-954B-40945B78F0B9}" srcOrd="0" destOrd="0" parTransId="{6E6014EB-DDE9-C546-AB96-5C22C9E91EEE}" sibTransId="{7CDE4C6D-EA39-F64F-B585-691FB0E06F8B}"/>
-    <dgm:cxn modelId="{A787FF2B-1D2F-DB4B-A42E-09FE130FD39C}" type="presOf" srcId="{EBBB9B94-6474-9D4E-9337-AAC6399159F2}" destId="{F74DA447-BE91-2D49-9434-F5CFE31A5B37}" srcOrd="0" destOrd="0" presId="urn:microsoft.com/office/officeart/2005/8/layout/lProcess3"/>
+    <dgm:cxn modelId="{8A1A6A00-91ED-874A-9D69-C2033C8C1B55}" srcId="{F65596F6-427B-5343-9428-48EE38A0C85C}" destId="{F517C940-B9CE-E84A-AE6B-1AB6D574A991}" srcOrd="0" destOrd="0" parTransId="{827F4F11-12FC-C247-82AA-413F7A977010}" sibTransId="{E11C0FE3-6464-AB44-AA96-220C15991401}"/>
     <dgm:cxn modelId="{FB24E6F4-FCAF-8040-9943-B704A8E3C3C3}" type="presParOf" srcId="{9081E8D5-578E-9348-83C0-A67A4FD56F3B}" destId="{3F8CB817-157F-8B4F-8EDA-98086678DF3B}" srcOrd="0" destOrd="0" presId="urn:microsoft.com/office/officeart/2005/8/layout/lProcess3"/>
     <dgm:cxn modelId="{8F697289-C33E-AB48-BC74-416ED8A970D9}" type="presParOf" srcId="{3F8CB817-157F-8B4F-8EDA-98086678DF3B}" destId="{FD8D6E92-3BE2-7644-8175-16A8E6C0AB27}" srcOrd="0" destOrd="0" presId="urn:microsoft.com/office/officeart/2005/8/layout/lProcess3"/>
     <dgm:cxn modelId="{0264CF52-F1E5-E54E-B737-575F0E170723}" type="presParOf" srcId="{3F8CB817-157F-8B4F-8EDA-98086678DF3B}" destId="{38E597EE-4FAF-DA41-9782-98B607C1C473}" srcOrd="1" destOrd="0" presId="urn:microsoft.com/office/officeart/2005/8/layout/lProcess3"/>
@@ -2083,8 +2349,8 @@
     <dgm:cxn modelId="{B1279888-66AB-AB4F-B103-7A26945C3E25}" type="presParOf" srcId="{450D9B16-C2D9-8A42-9B2A-8BB5B9766317}" destId="{0EB6D55B-5C5B-6941-A1B9-41A446585E03}" srcOrd="4" destOrd="0" presId="urn:microsoft.com/office/officeart/2005/8/layout/lProcess3"/>
     <dgm:cxn modelId="{0F2E9901-DAEE-A94E-8187-6FD7C0477256}" type="presParOf" srcId="{450D9B16-C2D9-8A42-9B2A-8BB5B9766317}" destId="{D8129AEB-96D3-B641-8E58-9E3826FC049C}" srcOrd="5" destOrd="0" presId="urn:microsoft.com/office/officeart/2005/8/layout/lProcess3"/>
     <dgm:cxn modelId="{53DEB47E-F1FD-154F-8E5A-35EA7FAD1DBA}" type="presParOf" srcId="{450D9B16-C2D9-8A42-9B2A-8BB5B9766317}" destId="{E65B238E-7A89-4343-80F8-16194CBAC27A}" srcOrd="6" destOrd="0" presId="urn:microsoft.com/office/officeart/2005/8/layout/lProcess3"/>
-    <dgm:cxn modelId="{13785F58-9062-CA40-A46C-63A0A5C344E5}" type="presParOf" srcId="{450D9B16-C2D9-8A42-9B2A-8BB5B9766317}" destId="{C3B97258-5FCF-3F4B-98AA-1A44CB7D1D7F}" srcOrd="7" destOrd="0" presId="urn:microsoft.com/office/officeart/2005/8/layout/lProcess3"/>
-    <dgm:cxn modelId="{7E3717F7-1EB8-5845-AB6E-E563A5F69D79}" type="presParOf" srcId="{450D9B16-C2D9-8A42-9B2A-8BB5B9766317}" destId="{3522D688-8522-934C-85B1-5033D7AA4B61}" srcOrd="8" destOrd="0" presId="urn:microsoft.com/office/officeart/2005/8/layout/lProcess3"/>
+    <dgm:cxn modelId="{704EEC7C-113F-4742-A65A-25F5EC99CF11}" type="presParOf" srcId="{450D9B16-C2D9-8A42-9B2A-8BB5B9766317}" destId="{C3B97258-5FCF-3F4B-98AA-1A44CB7D1D7F}" srcOrd="7" destOrd="0" presId="urn:microsoft.com/office/officeart/2005/8/layout/lProcess3"/>
+    <dgm:cxn modelId="{FBF14C24-7CC0-3F43-BC19-D57A8259CBC4}" type="presParOf" srcId="{450D9B16-C2D9-8A42-9B2A-8BB5B9766317}" destId="{51EC30A2-91C2-7440-85DE-A4B75B4F35AD}" srcOrd="8" destOrd="0" presId="urn:microsoft.com/office/officeart/2005/8/layout/lProcess3"/>
     <dgm:cxn modelId="{C483EAA9-758B-3748-A31B-369D14DE8A5A}" type="presParOf" srcId="{9081E8D5-578E-9348-83C0-A67A4FD56F3B}" destId="{4A577E42-C509-4844-8CA2-806E5A487871}" srcOrd="3" destOrd="0" presId="urn:microsoft.com/office/officeart/2005/8/layout/lProcess3"/>
     <dgm:cxn modelId="{BA23A74D-0F52-5746-AEDB-EEDA3C90F82E}" type="presParOf" srcId="{9081E8D5-578E-9348-83C0-A67A4FD56F3B}" destId="{2CCCB068-CD2F-EA4A-966A-D683A3248F92}" srcOrd="4" destOrd="0" presId="urn:microsoft.com/office/officeart/2005/8/layout/lProcess3"/>
     <dgm:cxn modelId="{D537AD10-991E-E345-B561-8028AB9483AD}" type="presParOf" srcId="{2CCCB068-CD2F-EA4A-966A-D683A3248F92}" destId="{99F80E00-BD23-1E42-BE6D-45787DCD2005}" srcOrd="0" destOrd="0" presId="urn:microsoft.com/office/officeart/2005/8/layout/lProcess3"/>
@@ -2138,8 +2404,8 @@
       </dsp:nvSpPr>
       <dsp:spPr>
         <a:xfrm>
-          <a:off x="1073" y="46984"/>
-          <a:ext cx="2144507" cy="857802"/>
+          <a:off x="1132" y="47957"/>
+          <a:ext cx="2262459" cy="904983"/>
         </a:xfrm>
         <a:prstGeom prst="chevron">
           <a:avLst/>
@@ -2166,20 +2432,18 @@
           <a:camera prst="orthographicFront" fov="0">
             <a:rot lat="0" lon="0" rev="0"/>
           </a:camera>
-          <a:lightRig rig="threePt" dir="t">
+          <a:lightRig rig="soft" dir="b">
             <a:rot lat="0" lon="0" rev="0"/>
           </a:lightRig>
         </a:scene3d>
-        <a:sp3d contourW="9525" prstMaterial="matte">
-          <a:bevelT w="0" h="0"/>
+        <a:sp3d prstMaterial="dkEdge">
+          <a:bevelT w="63500" h="63500" prst="cross"/>
           <a:contourClr>
             <a:schemeClr val="accent1">
               <a:hueOff val="0"/>
               <a:satOff val="0"/>
               <a:lumOff val="0"/>
               <a:alphaOff val="0"/>
-              <a:shade val="70000"/>
-              <a:satMod val="105000"/>
             </a:schemeClr>
           </a:contourClr>
         </a:sp3d>
@@ -2191,7 +2455,7 @@
         <a:fillRef idx="3">
           <a:scrgbClr r="0" g="0" b="0"/>
         </a:fillRef>
-        <a:effectRef idx="2">
+        <a:effectRef idx="3">
           <a:scrgbClr r="0" g="0" b="0"/>
         </a:effectRef>
         <a:fontRef idx="minor">
@@ -2199,12 +2463,12 @@
         </a:fontRef>
       </dsp:style>
       <dsp:txBody>
-        <a:bodyPr spcFirstLastPara="0" vert="horz" wrap="square" lIns="19050" tIns="9525" rIns="0" bIns="9525" numCol="1" spcCol="1270" anchor="ctr" anchorCtr="0">
+        <a:bodyPr spcFirstLastPara="0" vert="horz" wrap="square" lIns="20320" tIns="10160" rIns="0" bIns="10160" numCol="1" spcCol="1270" anchor="ctr" anchorCtr="0">
           <a:noAutofit/>
         </a:bodyPr>
         <a:lstStyle/>
         <a:p>
-          <a:pPr lvl="0" algn="ctr" defTabSz="666750">
+          <a:pPr lvl="0" algn="ctr" defTabSz="711200">
             <a:lnSpc>
               <a:spcPct val="90000"/>
             </a:lnSpc>
@@ -2216,15 +2480,19 @@
             </a:spcAft>
           </a:pPr>
           <a:r>
-            <a:rPr lang="en-US" sz="1500" kern="1200" dirty="0" smtClean="0"/>
-            <a:t>Spaced Seed Research (October)</a:t>
+            <a:rPr lang="en-US" sz="1600" kern="1200" dirty="0" smtClean="0"/>
+            <a:t>Spaced Seed Research </a:t>
           </a:r>
-          <a:endParaRPr lang="en-US" sz="1500" kern="1200" dirty="0"/>
+          <a:r>
+            <a:rPr lang="en-US" sz="1600" kern="1200" dirty="0" smtClean="0"/>
+            <a:t>(Oct)</a:t>
+          </a:r>
+          <a:endParaRPr lang="en-US" sz="1600" kern="1200" dirty="0"/>
         </a:p>
       </dsp:txBody>
       <dsp:txXfrm>
-        <a:off x="429974" y="46984"/>
-        <a:ext cx="1286705" cy="857802"/>
+        <a:off x="453624" y="47957"/>
+        <a:ext cx="1357476" cy="904983"/>
       </dsp:txXfrm>
     </dsp:sp>
     <dsp:sp modelId="{0B9DC8BF-D049-994F-9E8C-C2A5D4174157}">
@@ -2234,8 +2502,8 @@
       </dsp:nvSpPr>
       <dsp:spPr>
         <a:xfrm>
-          <a:off x="1866795" y="119897"/>
-          <a:ext cx="1779941" cy="711976"/>
+          <a:off x="1969472" y="124881"/>
+          <a:ext cx="1877841" cy="751136"/>
         </a:xfrm>
         <a:prstGeom prst="chevron">
           <a:avLst/>
@@ -2263,7 +2531,36 @@
           </a:solidFill>
           <a:prstDash val="solid"/>
         </a:ln>
-        <a:effectLst/>
+        <a:effectLst>
+          <a:outerShdw blurRad="50800" dist="25400" dir="5400000" rotWithShape="0">
+            <a:srgbClr val="000000">
+              <a:alpha val="45000"/>
+            </a:srgbClr>
+          </a:outerShdw>
+        </a:effectLst>
+        <a:scene3d>
+          <a:camera prst="orthographicFront" fov="0">
+            <a:rot lat="0" lon="0" rev="0"/>
+          </a:camera>
+          <a:lightRig rig="threePt" dir="t">
+            <a:rot lat="0" lon="0" rev="0"/>
+          </a:lightRig>
+        </a:scene3d>
+        <a:sp3d contourW="9525" prstMaterial="matte">
+          <a:bevelT w="0" h="0"/>
+          <a:contourClr>
+            <a:schemeClr val="accent1">
+              <a:alpha val="90000"/>
+              <a:tint val="40000"/>
+              <a:hueOff val="0"/>
+              <a:satOff val="0"/>
+              <a:lumOff val="0"/>
+              <a:alphaOff val="0"/>
+              <a:shade val="70000"/>
+              <a:satMod val="105000"/>
+            </a:schemeClr>
+          </a:contourClr>
+        </a:sp3d>
       </dsp:spPr>
       <dsp:style>
         <a:lnRef idx="1">
@@ -2272,18 +2569,18 @@
         <a:fillRef idx="1">
           <a:scrgbClr r="0" g="0" b="0"/>
         </a:fillRef>
-        <a:effectRef idx="0">
+        <a:effectRef idx="2">
           <a:scrgbClr r="0" g="0" b="0"/>
         </a:effectRef>
         <a:fontRef idx="minor"/>
       </dsp:style>
       <dsp:txBody>
-        <a:bodyPr spcFirstLastPara="0" vert="horz" wrap="square" lIns="10160" tIns="5080" rIns="0" bIns="5080" numCol="1" spcCol="1270" anchor="ctr" anchorCtr="0">
+        <a:bodyPr spcFirstLastPara="0" vert="horz" wrap="square" lIns="12700" tIns="6350" rIns="0" bIns="6350" numCol="1" spcCol="1270" anchor="ctr" anchorCtr="0">
           <a:noAutofit/>
         </a:bodyPr>
         <a:lstStyle/>
         <a:p>
-          <a:pPr lvl="0" algn="ctr" defTabSz="355600">
+          <a:pPr lvl="0" algn="ctr" defTabSz="444500">
             <a:lnSpc>
               <a:spcPct val="90000"/>
             </a:lnSpc>
@@ -2295,15 +2592,27 @@
             </a:spcAft>
           </a:pPr>
           <a:r>
-            <a:rPr lang="en-US" sz="800" kern="1200" dirty="0" smtClean="0"/>
-            <a:t>Investigate how spaced seeds have been used to serve other purposes.</a:t>
+            <a:rPr lang="en-US" sz="1000" kern="1200" dirty="0" smtClean="0"/>
+            <a:t>Investigate </a:t>
           </a:r>
-          <a:endParaRPr lang="en-US" sz="800" kern="1200" dirty="0"/>
+          <a:r>
+            <a:rPr lang="en-US" sz="1000" kern="1200" dirty="0" smtClean="0"/>
+            <a:t>other ways spaced </a:t>
+          </a:r>
+          <a:r>
+            <a:rPr lang="en-US" sz="1000" kern="1200" dirty="0" smtClean="0"/>
+            <a:t>seeds have been </a:t>
+          </a:r>
+          <a:r>
+            <a:rPr lang="en-US" sz="1000" kern="1200" dirty="0" smtClean="0"/>
+            <a:t>used.</a:t>
+          </a:r>
+          <a:endParaRPr lang="en-US" sz="1000" kern="1200" dirty="0"/>
         </a:p>
       </dsp:txBody>
       <dsp:txXfrm>
-        <a:off x="2222783" y="119897"/>
-        <a:ext cx="1067965" cy="711976"/>
+        <a:off x="2345040" y="124881"/>
+        <a:ext cx="1126705" cy="751136"/>
       </dsp:txXfrm>
     </dsp:sp>
     <dsp:sp modelId="{98BD8008-643E-D043-99EC-1ED3DF56CADA}">
@@ -2313,8 +2622,8 @@
       </dsp:nvSpPr>
       <dsp:spPr>
         <a:xfrm>
-          <a:off x="3397544" y="119897"/>
-          <a:ext cx="1779941" cy="711976"/>
+          <a:off x="3584415" y="124881"/>
+          <a:ext cx="1877841" cy="751136"/>
         </a:xfrm>
         <a:prstGeom prst="chevron">
           <a:avLst/>
@@ -2342,7 +2651,36 @@
           </a:solidFill>
           <a:prstDash val="solid"/>
         </a:ln>
-        <a:effectLst/>
+        <a:effectLst>
+          <a:outerShdw blurRad="50800" dist="25400" dir="5400000" rotWithShape="0">
+            <a:srgbClr val="000000">
+              <a:alpha val="45000"/>
+            </a:srgbClr>
+          </a:outerShdw>
+        </a:effectLst>
+        <a:scene3d>
+          <a:camera prst="orthographicFront" fov="0">
+            <a:rot lat="0" lon="0" rev="0"/>
+          </a:camera>
+          <a:lightRig rig="threePt" dir="t">
+            <a:rot lat="0" lon="0" rev="0"/>
+          </a:lightRig>
+        </a:scene3d>
+        <a:sp3d contourW="9525" prstMaterial="matte">
+          <a:bevelT w="0" h="0"/>
+          <a:contourClr>
+            <a:schemeClr val="accent1">
+              <a:alpha val="90000"/>
+              <a:tint val="40000"/>
+              <a:hueOff val="0"/>
+              <a:satOff val="0"/>
+              <a:lumOff val="0"/>
+              <a:alphaOff val="0"/>
+              <a:shade val="70000"/>
+              <a:satMod val="105000"/>
+            </a:schemeClr>
+          </a:contourClr>
+        </a:sp3d>
       </dsp:spPr>
       <dsp:style>
         <a:lnRef idx="1">
@@ -2351,18 +2689,18 @@
         <a:fillRef idx="1">
           <a:scrgbClr r="0" g="0" b="0"/>
         </a:fillRef>
-        <a:effectRef idx="0">
+        <a:effectRef idx="2">
           <a:scrgbClr r="0" g="0" b="0"/>
         </a:effectRef>
         <a:fontRef idx="minor"/>
       </dsp:style>
       <dsp:txBody>
-        <a:bodyPr spcFirstLastPara="0" vert="horz" wrap="square" lIns="10160" tIns="5080" rIns="0" bIns="5080" numCol="1" spcCol="1270" anchor="ctr" anchorCtr="0">
+        <a:bodyPr spcFirstLastPara="0" vert="horz" wrap="square" lIns="12700" tIns="6350" rIns="0" bIns="6350" numCol="1" spcCol="1270" anchor="ctr" anchorCtr="0">
           <a:noAutofit/>
         </a:bodyPr>
         <a:lstStyle/>
         <a:p>
-          <a:pPr lvl="0" algn="ctr" defTabSz="355600">
+          <a:pPr lvl="0" algn="ctr" defTabSz="444500">
             <a:lnSpc>
               <a:spcPct val="90000"/>
             </a:lnSpc>
@@ -2374,15 +2712,23 @@
             </a:spcAft>
           </a:pPr>
           <a:r>
-            <a:rPr lang="en-US" sz="800" kern="1200" dirty="0" smtClean="0"/>
-            <a:t>Research methods of spaced seed design and analysis.</a:t>
+            <a:rPr lang="en-US" sz="1000" kern="1200" dirty="0" smtClean="0"/>
+            <a:t>Research methods of </a:t>
           </a:r>
-          <a:endParaRPr lang="en-US" sz="800" kern="1200" dirty="0"/>
+          <a:r>
+            <a:rPr lang="en-US" sz="1000" kern="1200" dirty="0" smtClean="0"/>
+            <a:t>seed </a:t>
+          </a:r>
+          <a:r>
+            <a:rPr lang="en-US" sz="1000" kern="1200" dirty="0" smtClean="0"/>
+            <a:t>design and analysis.</a:t>
+          </a:r>
+          <a:endParaRPr lang="en-US" sz="1000" kern="1200" dirty="0"/>
         </a:p>
       </dsp:txBody>
       <dsp:txXfrm>
-        <a:off x="3753532" y="119897"/>
-        <a:ext cx="1067965" cy="711976"/>
+        <a:off x="3959983" y="124881"/>
+        <a:ext cx="1126705" cy="751136"/>
       </dsp:txXfrm>
     </dsp:sp>
     <dsp:sp modelId="{9AB3E6F2-416C-7442-ADB3-36BB254B508F}">
@@ -2392,8 +2738,8 @@
       </dsp:nvSpPr>
       <dsp:spPr>
         <a:xfrm>
-          <a:off x="1073" y="1024879"/>
-          <a:ext cx="2144507" cy="857802"/>
+          <a:off x="1132" y="1079639"/>
+          <a:ext cx="2262459" cy="904983"/>
         </a:xfrm>
         <a:prstGeom prst="chevron">
           <a:avLst/>
@@ -2420,20 +2766,18 @@
           <a:camera prst="orthographicFront" fov="0">
             <a:rot lat="0" lon="0" rev="0"/>
           </a:camera>
-          <a:lightRig rig="threePt" dir="t">
+          <a:lightRig rig="soft" dir="b">
             <a:rot lat="0" lon="0" rev="0"/>
           </a:lightRig>
         </a:scene3d>
-        <a:sp3d contourW="9525" prstMaterial="matte">
-          <a:bevelT w="0" h="0"/>
+        <a:sp3d prstMaterial="dkEdge">
+          <a:bevelT w="63500" h="63500" prst="cross"/>
           <a:contourClr>
             <a:schemeClr val="accent1">
               <a:hueOff val="0"/>
               <a:satOff val="0"/>
               <a:lumOff val="0"/>
               <a:alphaOff val="0"/>
-              <a:shade val="70000"/>
-              <a:satMod val="105000"/>
             </a:schemeClr>
           </a:contourClr>
         </a:sp3d>
@@ -2445,7 +2789,7 @@
         <a:fillRef idx="3">
           <a:scrgbClr r="0" g="0" b="0"/>
         </a:fillRef>
-        <a:effectRef idx="2">
+        <a:effectRef idx="3">
           <a:scrgbClr r="0" g="0" b="0"/>
         </a:effectRef>
         <a:fontRef idx="minor">
@@ -2453,12 +2797,12 @@
         </a:fontRef>
       </dsp:style>
       <dsp:txBody>
-        <a:bodyPr spcFirstLastPara="0" vert="horz" wrap="square" lIns="19050" tIns="9525" rIns="0" bIns="9525" numCol="1" spcCol="1270" anchor="ctr" anchorCtr="0">
+        <a:bodyPr spcFirstLastPara="0" vert="horz" wrap="square" lIns="20320" tIns="10160" rIns="0" bIns="10160" numCol="1" spcCol="1270" anchor="ctr" anchorCtr="0">
           <a:noAutofit/>
         </a:bodyPr>
         <a:lstStyle/>
         <a:p>
-          <a:pPr lvl="0" algn="ctr" defTabSz="666750">
+          <a:pPr lvl="0" algn="ctr" defTabSz="711200">
             <a:lnSpc>
               <a:spcPct val="90000"/>
             </a:lnSpc>
@@ -2470,15 +2814,19 @@
             </a:spcAft>
           </a:pPr>
           <a:r>
-            <a:rPr lang="en-US" sz="1500" kern="1200" dirty="0" smtClean="0"/>
-            <a:t>Algorithm Modification (November-December)</a:t>
+            <a:rPr lang="en-US" sz="1600" kern="1200" dirty="0" smtClean="0"/>
+            <a:t>Algorithm Modification </a:t>
           </a:r>
-          <a:endParaRPr lang="en-US" sz="1500" kern="1200" dirty="0"/>
+          <a:r>
+            <a:rPr lang="en-US" sz="1600" kern="1200" dirty="0" smtClean="0"/>
+            <a:t>(Nov-Dec)</a:t>
+          </a:r>
+          <a:endParaRPr lang="en-US" sz="1600" kern="1200" dirty="0"/>
         </a:p>
       </dsp:txBody>
       <dsp:txXfrm>
-        <a:off x="429974" y="1024879"/>
-        <a:ext cx="1286705" cy="857802"/>
+        <a:off x="453624" y="1079639"/>
+        <a:ext cx="1357476" cy="904983"/>
       </dsp:txXfrm>
     </dsp:sp>
     <dsp:sp modelId="{1DB7577E-B5F7-5343-A88E-F1B8773A55F2}">
@@ -2488,8 +2836,8 @@
       </dsp:nvSpPr>
       <dsp:spPr>
         <a:xfrm>
-          <a:off x="1866795" y="1097792"/>
-          <a:ext cx="1779941" cy="711976"/>
+          <a:off x="1969472" y="1156562"/>
+          <a:ext cx="1877841" cy="751136"/>
         </a:xfrm>
         <a:prstGeom prst="chevron">
           <a:avLst/>
@@ -2517,7 +2865,36 @@
           </a:solidFill>
           <a:prstDash val="solid"/>
         </a:ln>
-        <a:effectLst/>
+        <a:effectLst>
+          <a:outerShdw blurRad="50800" dist="25400" dir="5400000" rotWithShape="0">
+            <a:srgbClr val="000000">
+              <a:alpha val="45000"/>
+            </a:srgbClr>
+          </a:outerShdw>
+        </a:effectLst>
+        <a:scene3d>
+          <a:camera prst="orthographicFront" fov="0">
+            <a:rot lat="0" lon="0" rev="0"/>
+          </a:camera>
+          <a:lightRig rig="threePt" dir="t">
+            <a:rot lat="0" lon="0" rev="0"/>
+          </a:lightRig>
+        </a:scene3d>
+        <a:sp3d contourW="9525" prstMaterial="matte">
+          <a:bevelT w="0" h="0"/>
+          <a:contourClr>
+            <a:schemeClr val="accent1">
+              <a:alpha val="90000"/>
+              <a:tint val="40000"/>
+              <a:hueOff val="0"/>
+              <a:satOff val="0"/>
+              <a:lumOff val="0"/>
+              <a:alphaOff val="0"/>
+              <a:shade val="70000"/>
+              <a:satMod val="105000"/>
+            </a:schemeClr>
+          </a:contourClr>
+        </a:sp3d>
       </dsp:spPr>
       <dsp:style>
         <a:lnRef idx="1">
@@ -2526,18 +2903,18 @@
         <a:fillRef idx="1">
           <a:scrgbClr r="0" g="0" b="0"/>
         </a:fillRef>
-        <a:effectRef idx="0">
+        <a:effectRef idx="2">
           <a:scrgbClr r="0" g="0" b="0"/>
         </a:effectRef>
         <a:fontRef idx="minor"/>
       </dsp:style>
       <dsp:txBody>
-        <a:bodyPr spcFirstLastPara="0" vert="horz" wrap="square" lIns="10160" tIns="5080" rIns="0" bIns="5080" numCol="1" spcCol="1270" anchor="ctr" anchorCtr="0">
+        <a:bodyPr spcFirstLastPara="0" vert="horz" wrap="square" lIns="12700" tIns="6350" rIns="0" bIns="6350" numCol="1" spcCol="1270" anchor="ctr" anchorCtr="0">
           <a:noAutofit/>
         </a:bodyPr>
         <a:lstStyle/>
         <a:p>
-          <a:pPr lvl="0" algn="ctr" defTabSz="355600">
+          <a:pPr lvl="0" algn="ctr" defTabSz="444500">
             <a:lnSpc>
               <a:spcPct val="90000"/>
             </a:lnSpc>
@@ -2549,15 +2926,15 @@
             </a:spcAft>
           </a:pPr>
           <a:r>
-            <a:rPr lang="en-US" sz="800" kern="1200" dirty="0" smtClean="0"/>
+            <a:rPr lang="en-US" sz="1000" kern="1200" dirty="0" smtClean="0"/>
             <a:t>Hypothesize how to better use spaced seeds in RAIDER.</a:t>
           </a:r>
-          <a:endParaRPr lang="en-US" sz="800" kern="1200" dirty="0"/>
+          <a:endParaRPr lang="en-US" sz="1000" kern="1200" dirty="0"/>
         </a:p>
       </dsp:txBody>
       <dsp:txXfrm>
-        <a:off x="2222783" y="1097792"/>
-        <a:ext cx="1067965" cy="711976"/>
+        <a:off x="2345040" y="1156562"/>
+        <a:ext cx="1126705" cy="751136"/>
       </dsp:txXfrm>
     </dsp:sp>
     <dsp:sp modelId="{0EB6D55B-5C5B-6941-A1B9-41A446585E03}">
@@ -2567,8 +2944,8 @@
       </dsp:nvSpPr>
       <dsp:spPr>
         <a:xfrm>
-          <a:off x="3397544" y="1097792"/>
-          <a:ext cx="1779941" cy="711976"/>
+          <a:off x="3584415" y="1156562"/>
+          <a:ext cx="1877841" cy="751136"/>
         </a:xfrm>
         <a:prstGeom prst="chevron">
           <a:avLst/>
@@ -2596,7 +2973,36 @@
           </a:solidFill>
           <a:prstDash val="solid"/>
         </a:ln>
-        <a:effectLst/>
+        <a:effectLst>
+          <a:outerShdw blurRad="50800" dist="25400" dir="5400000" rotWithShape="0">
+            <a:srgbClr val="000000">
+              <a:alpha val="45000"/>
+            </a:srgbClr>
+          </a:outerShdw>
+        </a:effectLst>
+        <a:scene3d>
+          <a:camera prst="orthographicFront" fov="0">
+            <a:rot lat="0" lon="0" rev="0"/>
+          </a:camera>
+          <a:lightRig rig="threePt" dir="t">
+            <a:rot lat="0" lon="0" rev="0"/>
+          </a:lightRig>
+        </a:scene3d>
+        <a:sp3d contourW="9525" prstMaterial="matte">
+          <a:bevelT w="0" h="0"/>
+          <a:contourClr>
+            <a:schemeClr val="accent1">
+              <a:alpha val="90000"/>
+              <a:tint val="40000"/>
+              <a:hueOff val="0"/>
+              <a:satOff val="0"/>
+              <a:lumOff val="0"/>
+              <a:alphaOff val="0"/>
+              <a:shade val="70000"/>
+              <a:satMod val="105000"/>
+            </a:schemeClr>
+          </a:contourClr>
+        </a:sp3d>
       </dsp:spPr>
       <dsp:style>
         <a:lnRef idx="1">
@@ -2605,18 +3011,18 @@
         <a:fillRef idx="1">
           <a:scrgbClr r="0" g="0" b="0"/>
         </a:fillRef>
-        <a:effectRef idx="0">
+        <a:effectRef idx="2">
           <a:scrgbClr r="0" g="0" b="0"/>
         </a:effectRef>
         <a:fontRef idx="minor"/>
       </dsp:style>
       <dsp:txBody>
-        <a:bodyPr spcFirstLastPara="0" vert="horz" wrap="square" lIns="10160" tIns="5080" rIns="0" bIns="5080" numCol="1" spcCol="1270" anchor="ctr" anchorCtr="0">
+        <a:bodyPr spcFirstLastPara="0" vert="horz" wrap="square" lIns="12700" tIns="6350" rIns="0" bIns="6350" numCol="1" spcCol="1270" anchor="ctr" anchorCtr="0">
           <a:noAutofit/>
         </a:bodyPr>
         <a:lstStyle/>
         <a:p>
-          <a:pPr lvl="0" algn="ctr" defTabSz="355600">
+          <a:pPr lvl="0" algn="ctr" defTabSz="444500">
             <a:lnSpc>
               <a:spcPct val="90000"/>
             </a:lnSpc>
@@ -2628,15 +3034,15 @@
             </a:spcAft>
           </a:pPr>
           <a:r>
-            <a:rPr lang="en-US" sz="800" kern="1200" dirty="0" smtClean="0"/>
+            <a:rPr lang="en-US" sz="1000" kern="1200" dirty="0" smtClean="0"/>
             <a:t>Modify RAIDER algorithm accordingly.</a:t>
           </a:r>
-          <a:endParaRPr lang="en-US" sz="800" kern="1200" dirty="0"/>
+          <a:endParaRPr lang="en-US" sz="1000" kern="1200" dirty="0"/>
         </a:p>
       </dsp:txBody>
       <dsp:txXfrm>
-        <a:off x="3753532" y="1097792"/>
-        <a:ext cx="1067965" cy="711976"/>
+        <a:off x="3959983" y="1156562"/>
+        <a:ext cx="1126705" cy="751136"/>
       </dsp:txXfrm>
     </dsp:sp>
     <dsp:sp modelId="{E65B238E-7A89-4343-80F8-16194CBAC27A}">
@@ -2646,8 +3052,8 @@
       </dsp:nvSpPr>
       <dsp:spPr>
         <a:xfrm>
-          <a:off x="4928293" y="1097792"/>
-          <a:ext cx="1779941" cy="711976"/>
+          <a:off x="5199359" y="1156562"/>
+          <a:ext cx="1877841" cy="751136"/>
         </a:xfrm>
         <a:prstGeom prst="chevron">
           <a:avLst/>
@@ -2675,7 +3081,36 @@
           </a:solidFill>
           <a:prstDash val="solid"/>
         </a:ln>
-        <a:effectLst/>
+        <a:effectLst>
+          <a:outerShdw blurRad="50800" dist="25400" dir="5400000" rotWithShape="0">
+            <a:srgbClr val="000000">
+              <a:alpha val="45000"/>
+            </a:srgbClr>
+          </a:outerShdw>
+        </a:effectLst>
+        <a:scene3d>
+          <a:camera prst="orthographicFront" fov="0">
+            <a:rot lat="0" lon="0" rev="0"/>
+          </a:camera>
+          <a:lightRig rig="threePt" dir="t">
+            <a:rot lat="0" lon="0" rev="0"/>
+          </a:lightRig>
+        </a:scene3d>
+        <a:sp3d contourW="9525" prstMaterial="matte">
+          <a:bevelT w="0" h="0"/>
+          <a:contourClr>
+            <a:schemeClr val="accent1">
+              <a:alpha val="90000"/>
+              <a:tint val="40000"/>
+              <a:hueOff val="0"/>
+              <a:satOff val="0"/>
+              <a:lumOff val="0"/>
+              <a:alphaOff val="0"/>
+              <a:shade val="70000"/>
+              <a:satMod val="105000"/>
+            </a:schemeClr>
+          </a:contourClr>
+        </a:sp3d>
       </dsp:spPr>
       <dsp:style>
         <a:lnRef idx="1">
@@ -2684,18 +3119,18 @@
         <a:fillRef idx="1">
           <a:scrgbClr r="0" g="0" b="0"/>
         </a:fillRef>
-        <a:effectRef idx="0">
+        <a:effectRef idx="2">
           <a:scrgbClr r="0" g="0" b="0"/>
         </a:effectRef>
         <a:fontRef idx="minor"/>
       </dsp:style>
       <dsp:txBody>
-        <a:bodyPr spcFirstLastPara="0" vert="horz" wrap="square" lIns="10160" tIns="5080" rIns="0" bIns="5080" numCol="1" spcCol="1270" anchor="ctr" anchorCtr="0">
+        <a:bodyPr spcFirstLastPara="0" vert="horz" wrap="square" lIns="12700" tIns="6350" rIns="0" bIns="6350" numCol="1" spcCol="1270" anchor="ctr" anchorCtr="0">
           <a:noAutofit/>
         </a:bodyPr>
         <a:lstStyle/>
         <a:p>
-          <a:pPr lvl="0" algn="ctr" defTabSz="355600">
+          <a:pPr lvl="0" algn="ctr" defTabSz="444500">
             <a:lnSpc>
               <a:spcPct val="90000"/>
             </a:lnSpc>
@@ -2707,26 +3142,34 @@
             </a:spcAft>
           </a:pPr>
           <a:r>
-            <a:rPr lang="en-US" sz="800" kern="1200" dirty="0" smtClean="0"/>
-            <a:t>Compare sensitivity of modified RAIDER to that of original. </a:t>
+            <a:rPr lang="en-US" sz="1000" kern="1200" dirty="0" smtClean="0"/>
+            <a:t>Compare sensitivity of modified RAIDER </a:t>
           </a:r>
-          <a:endParaRPr lang="en-US" sz="800" kern="1200" dirty="0"/>
+          <a:r>
+            <a:rPr lang="en-US" sz="1000" kern="1200" dirty="0" smtClean="0"/>
+            <a:t>to that of </a:t>
+          </a:r>
+          <a:r>
+            <a:rPr lang="en-US" sz="1000" kern="1200" dirty="0" smtClean="0"/>
+            <a:t>original. </a:t>
+          </a:r>
+          <a:endParaRPr lang="en-US" sz="1000" kern="1200" dirty="0"/>
         </a:p>
       </dsp:txBody>
       <dsp:txXfrm>
-        <a:off x="5284281" y="1097792"/>
-        <a:ext cx="1067965" cy="711976"/>
+        <a:off x="5574927" y="1156562"/>
+        <a:ext cx="1126705" cy="751136"/>
       </dsp:txXfrm>
     </dsp:sp>
-    <dsp:sp modelId="{3522D688-8522-934C-85B1-5033D7AA4B61}">
+    <dsp:sp modelId="{51EC30A2-91C2-7440-85DE-A4B75B4F35AD}">
       <dsp:nvSpPr>
         <dsp:cNvPr id="0" name=""/>
         <dsp:cNvSpPr/>
       </dsp:nvSpPr>
       <dsp:spPr>
         <a:xfrm>
-          <a:off x="6459043" y="1097792"/>
-          <a:ext cx="1779941" cy="711976"/>
+          <a:off x="6814302" y="1156562"/>
+          <a:ext cx="1877841" cy="751136"/>
         </a:xfrm>
         <a:prstGeom prst="chevron">
           <a:avLst/>
@@ -2754,7 +3197,36 @@
           </a:solidFill>
           <a:prstDash val="solid"/>
         </a:ln>
-        <a:effectLst/>
+        <a:effectLst>
+          <a:outerShdw blurRad="50800" dist="25400" dir="5400000" rotWithShape="0">
+            <a:srgbClr val="000000">
+              <a:alpha val="45000"/>
+            </a:srgbClr>
+          </a:outerShdw>
+        </a:effectLst>
+        <a:scene3d>
+          <a:camera prst="orthographicFront" fov="0">
+            <a:rot lat="0" lon="0" rev="0"/>
+          </a:camera>
+          <a:lightRig rig="threePt" dir="t">
+            <a:rot lat="0" lon="0" rev="0"/>
+          </a:lightRig>
+        </a:scene3d>
+        <a:sp3d contourW="9525" prstMaterial="matte">
+          <a:bevelT w="0" h="0"/>
+          <a:contourClr>
+            <a:schemeClr val="accent1">
+              <a:alpha val="90000"/>
+              <a:tint val="40000"/>
+              <a:hueOff val="0"/>
+              <a:satOff val="0"/>
+              <a:lumOff val="0"/>
+              <a:alphaOff val="0"/>
+              <a:shade val="70000"/>
+              <a:satMod val="105000"/>
+            </a:schemeClr>
+          </a:contourClr>
+        </a:sp3d>
       </dsp:spPr>
       <dsp:style>
         <a:lnRef idx="1">
@@ -2763,18 +3235,18 @@
         <a:fillRef idx="1">
           <a:scrgbClr r="0" g="0" b="0"/>
         </a:fillRef>
-        <a:effectRef idx="0">
+        <a:effectRef idx="2">
           <a:scrgbClr r="0" g="0" b="0"/>
         </a:effectRef>
         <a:fontRef idx="minor"/>
       </dsp:style>
       <dsp:txBody>
-        <a:bodyPr spcFirstLastPara="0" vert="horz" wrap="square" lIns="10160" tIns="5080" rIns="0" bIns="5080" numCol="1" spcCol="1270" anchor="ctr" anchorCtr="0">
+        <a:bodyPr spcFirstLastPara="0" vert="horz" wrap="square" lIns="12700" tIns="6350" rIns="0" bIns="6350" numCol="1" spcCol="1270" anchor="ctr" anchorCtr="0">
           <a:noAutofit/>
         </a:bodyPr>
         <a:lstStyle/>
         <a:p>
-          <a:pPr lvl="0" algn="ctr" defTabSz="355600">
+          <a:pPr lvl="0" algn="ctr" defTabSz="444500">
             <a:lnSpc>
               <a:spcPct val="90000"/>
             </a:lnSpc>
@@ -2786,15 +3258,15 @@
             </a:spcAft>
           </a:pPr>
           <a:r>
-            <a:rPr lang="en-US" sz="800" kern="1200" dirty="0" smtClean="0"/>
-            <a:t>If sensitivity significantly improved, adopt changes. </a:t>
+            <a:rPr lang="en-US" sz="1000" kern="1200" dirty="0" smtClean="0"/>
+            <a:t>If sensitivity improved, adopt changes. </a:t>
           </a:r>
-          <a:endParaRPr lang="en-US" sz="800" kern="1200" dirty="0"/>
+          <a:endParaRPr lang="en-US" sz="1000" kern="1200" dirty="0"/>
         </a:p>
       </dsp:txBody>
       <dsp:txXfrm>
-        <a:off x="6815031" y="1097792"/>
-        <a:ext cx="1067965" cy="711976"/>
+        <a:off x="7189870" y="1156562"/>
+        <a:ext cx="1126705" cy="751136"/>
       </dsp:txXfrm>
     </dsp:sp>
     <dsp:sp modelId="{99F80E00-BD23-1E42-BE6D-45787DCD2005}">
@@ -2804,8 +3276,8 @@
       </dsp:nvSpPr>
       <dsp:spPr>
         <a:xfrm>
-          <a:off x="1073" y="2002775"/>
-          <a:ext cx="2144507" cy="857802"/>
+          <a:off x="1132" y="2111320"/>
+          <a:ext cx="2262459" cy="904983"/>
         </a:xfrm>
         <a:prstGeom prst="chevron">
           <a:avLst/>
@@ -2832,20 +3304,18 @@
           <a:camera prst="orthographicFront" fov="0">
             <a:rot lat="0" lon="0" rev="0"/>
           </a:camera>
-          <a:lightRig rig="threePt" dir="t">
+          <a:lightRig rig="soft" dir="b">
             <a:rot lat="0" lon="0" rev="0"/>
           </a:lightRig>
         </a:scene3d>
-        <a:sp3d contourW="9525" prstMaterial="matte">
-          <a:bevelT w="0" h="0"/>
+        <a:sp3d prstMaterial="dkEdge">
+          <a:bevelT w="63500" h="63500" prst="cross"/>
           <a:contourClr>
             <a:schemeClr val="accent1">
               <a:hueOff val="0"/>
               <a:satOff val="0"/>
               <a:lumOff val="0"/>
               <a:alphaOff val="0"/>
-              <a:shade val="70000"/>
-              <a:satMod val="105000"/>
             </a:schemeClr>
           </a:contourClr>
         </a:sp3d>
@@ -2857,7 +3327,7 @@
         <a:fillRef idx="3">
           <a:scrgbClr r="0" g="0" b="0"/>
         </a:fillRef>
-        <a:effectRef idx="2">
+        <a:effectRef idx="3">
           <a:scrgbClr r="0" g="0" b="0"/>
         </a:effectRef>
         <a:fontRef idx="minor">
@@ -2865,12 +3335,12 @@
         </a:fontRef>
       </dsp:style>
       <dsp:txBody>
-        <a:bodyPr spcFirstLastPara="0" vert="horz" wrap="square" lIns="19050" tIns="9525" rIns="0" bIns="9525" numCol="1" spcCol="1270" anchor="ctr" anchorCtr="0">
+        <a:bodyPr spcFirstLastPara="0" vert="horz" wrap="square" lIns="20320" tIns="10160" rIns="0" bIns="10160" numCol="1" spcCol="1270" anchor="ctr" anchorCtr="0">
           <a:noAutofit/>
         </a:bodyPr>
         <a:lstStyle/>
         <a:p>
-          <a:pPr lvl="0" algn="ctr" defTabSz="666750">
+          <a:pPr lvl="0" algn="ctr" defTabSz="711200">
             <a:lnSpc>
               <a:spcPct val="90000"/>
             </a:lnSpc>
@@ -2882,15 +3352,19 @@
             </a:spcAft>
           </a:pPr>
           <a:r>
-            <a:rPr lang="en-US" sz="1500" kern="1200" dirty="0" smtClean="0"/>
-            <a:t>Seed Optimization (January-February)</a:t>
+            <a:rPr lang="en-US" sz="1600" kern="1200" dirty="0" smtClean="0"/>
+            <a:t>Seed Optimization </a:t>
           </a:r>
-          <a:endParaRPr lang="en-US" sz="1500" kern="1200" dirty="0"/>
+          <a:r>
+            <a:rPr lang="en-US" sz="1600" kern="1200" dirty="0" smtClean="0"/>
+            <a:t>(Jan-Feb)</a:t>
+          </a:r>
+          <a:endParaRPr lang="en-US" sz="1600" kern="1200" dirty="0"/>
         </a:p>
       </dsp:txBody>
       <dsp:txXfrm>
-        <a:off x="429974" y="2002775"/>
-        <a:ext cx="1286705" cy="857802"/>
+        <a:off x="453624" y="2111320"/>
+        <a:ext cx="1357476" cy="904983"/>
       </dsp:txXfrm>
     </dsp:sp>
     <dsp:sp modelId="{DF62C348-80A5-934F-B840-19A7F33B8B9F}">
@@ -2900,8 +3374,8 @@
       </dsp:nvSpPr>
       <dsp:spPr>
         <a:xfrm>
-          <a:off x="1866795" y="2075688"/>
-          <a:ext cx="1779941" cy="711976"/>
+          <a:off x="1969472" y="2188244"/>
+          <a:ext cx="1877841" cy="751136"/>
         </a:xfrm>
         <a:prstGeom prst="chevron">
           <a:avLst/>
@@ -2929,7 +3403,36 @@
           </a:solidFill>
           <a:prstDash val="solid"/>
         </a:ln>
-        <a:effectLst/>
+        <a:effectLst>
+          <a:outerShdw blurRad="50800" dist="25400" dir="5400000" rotWithShape="0">
+            <a:srgbClr val="000000">
+              <a:alpha val="45000"/>
+            </a:srgbClr>
+          </a:outerShdw>
+        </a:effectLst>
+        <a:scene3d>
+          <a:camera prst="orthographicFront" fov="0">
+            <a:rot lat="0" lon="0" rev="0"/>
+          </a:camera>
+          <a:lightRig rig="threePt" dir="t">
+            <a:rot lat="0" lon="0" rev="0"/>
+          </a:lightRig>
+        </a:scene3d>
+        <a:sp3d contourW="9525" prstMaterial="matte">
+          <a:bevelT w="0" h="0"/>
+          <a:contourClr>
+            <a:schemeClr val="accent1">
+              <a:alpha val="90000"/>
+              <a:tint val="40000"/>
+              <a:hueOff val="0"/>
+              <a:satOff val="0"/>
+              <a:lumOff val="0"/>
+              <a:alphaOff val="0"/>
+              <a:shade val="70000"/>
+              <a:satMod val="105000"/>
+            </a:schemeClr>
+          </a:contourClr>
+        </a:sp3d>
       </dsp:spPr>
       <dsp:style>
         <a:lnRef idx="1">
@@ -2938,18 +3441,18 @@
         <a:fillRef idx="1">
           <a:scrgbClr r="0" g="0" b="0"/>
         </a:fillRef>
-        <a:effectRef idx="0">
+        <a:effectRef idx="2">
           <a:scrgbClr r="0" g="0" b="0"/>
         </a:effectRef>
         <a:fontRef idx="minor"/>
       </dsp:style>
       <dsp:txBody>
-        <a:bodyPr spcFirstLastPara="0" vert="horz" wrap="square" lIns="10160" tIns="5080" rIns="0" bIns="5080" numCol="1" spcCol="1270" anchor="ctr" anchorCtr="0">
+        <a:bodyPr spcFirstLastPara="0" vert="horz" wrap="square" lIns="12700" tIns="6350" rIns="0" bIns="6350" numCol="1" spcCol="1270" anchor="ctr" anchorCtr="0">
           <a:noAutofit/>
         </a:bodyPr>
         <a:lstStyle/>
         <a:p>
-          <a:pPr lvl="0" algn="ctr" defTabSz="355600">
+          <a:pPr lvl="0" algn="ctr" defTabSz="444500">
             <a:lnSpc>
               <a:spcPct val="90000"/>
             </a:lnSpc>
@@ -2961,15 +3464,27 @@
             </a:spcAft>
           </a:pPr>
           <a:r>
-            <a:rPr lang="en-US" sz="800" kern="1200" dirty="0" smtClean="0"/>
-            <a:t>Hypothesize about a characteristic that would make a seed better suited for use in RAIDER.</a:t>
+            <a:rPr lang="en-US" sz="1000" kern="1200" dirty="0" smtClean="0"/>
+            <a:t>Hypothesize </a:t>
           </a:r>
-          <a:endParaRPr lang="en-US" sz="800" kern="1200" dirty="0"/>
+          <a:r>
+            <a:rPr lang="en-US" sz="1000" kern="1200" dirty="0" smtClean="0"/>
+            <a:t>about characteristic </a:t>
+          </a:r>
+          <a:r>
+            <a:rPr lang="en-US" sz="1000" kern="1200" dirty="0" smtClean="0"/>
+            <a:t>that would make </a:t>
+          </a:r>
+          <a:r>
+            <a:rPr lang="en-US" sz="1000" kern="1200" dirty="0" smtClean="0"/>
+            <a:t> seed better suited.</a:t>
+          </a:r>
+          <a:endParaRPr lang="en-US" sz="1000" kern="1200" dirty="0"/>
         </a:p>
       </dsp:txBody>
       <dsp:txXfrm>
-        <a:off x="2222783" y="2075688"/>
-        <a:ext cx="1067965" cy="711976"/>
+        <a:off x="2345040" y="2188244"/>
+        <a:ext cx="1126705" cy="751136"/>
       </dsp:txXfrm>
     </dsp:sp>
     <dsp:sp modelId="{8CF5D049-CF97-1F41-AD6C-B87150579182}">
@@ -2979,8 +3494,8 @@
       </dsp:nvSpPr>
       <dsp:spPr>
         <a:xfrm>
-          <a:off x="3397544" y="2075688"/>
-          <a:ext cx="1779941" cy="711976"/>
+          <a:off x="3584415" y="2188244"/>
+          <a:ext cx="1877841" cy="751136"/>
         </a:xfrm>
         <a:prstGeom prst="chevron">
           <a:avLst/>
@@ -3008,7 +3523,36 @@
           </a:solidFill>
           <a:prstDash val="solid"/>
         </a:ln>
-        <a:effectLst/>
+        <a:effectLst>
+          <a:outerShdw blurRad="50800" dist="25400" dir="5400000" rotWithShape="0">
+            <a:srgbClr val="000000">
+              <a:alpha val="45000"/>
+            </a:srgbClr>
+          </a:outerShdw>
+        </a:effectLst>
+        <a:scene3d>
+          <a:camera prst="orthographicFront" fov="0">
+            <a:rot lat="0" lon="0" rev="0"/>
+          </a:camera>
+          <a:lightRig rig="threePt" dir="t">
+            <a:rot lat="0" lon="0" rev="0"/>
+          </a:lightRig>
+        </a:scene3d>
+        <a:sp3d contourW="9525" prstMaterial="matte">
+          <a:bevelT w="0" h="0"/>
+          <a:contourClr>
+            <a:schemeClr val="accent1">
+              <a:alpha val="90000"/>
+              <a:tint val="40000"/>
+              <a:hueOff val="0"/>
+              <a:satOff val="0"/>
+              <a:lumOff val="0"/>
+              <a:alphaOff val="0"/>
+              <a:shade val="70000"/>
+              <a:satMod val="105000"/>
+            </a:schemeClr>
+          </a:contourClr>
+        </a:sp3d>
       </dsp:spPr>
       <dsp:style>
         <a:lnRef idx="1">
@@ -3017,18 +3561,18 @@
         <a:fillRef idx="1">
           <a:scrgbClr r="0" g="0" b="0"/>
         </a:fillRef>
-        <a:effectRef idx="0">
+        <a:effectRef idx="2">
           <a:scrgbClr r="0" g="0" b="0"/>
         </a:effectRef>
         <a:fontRef idx="minor"/>
       </dsp:style>
       <dsp:txBody>
-        <a:bodyPr spcFirstLastPara="0" vert="horz" wrap="square" lIns="10160" tIns="5080" rIns="0" bIns="5080" numCol="1" spcCol="1270" anchor="ctr" anchorCtr="0">
+        <a:bodyPr spcFirstLastPara="0" vert="horz" wrap="square" lIns="12700" tIns="6350" rIns="0" bIns="6350" numCol="1" spcCol="1270" anchor="ctr" anchorCtr="0">
           <a:noAutofit/>
         </a:bodyPr>
         <a:lstStyle/>
         <a:p>
-          <a:pPr lvl="0" algn="ctr" defTabSz="355600">
+          <a:pPr lvl="0" algn="ctr" defTabSz="444500">
             <a:lnSpc>
               <a:spcPct val="90000"/>
             </a:lnSpc>
@@ -3040,15 +3584,27 @@
             </a:spcAft>
           </a:pPr>
           <a:r>
-            <a:rPr lang="en-US" sz="800" kern="1200" dirty="0" smtClean="0"/>
-            <a:t>Compare sensitivity of RAIDER when using spaced seeds with versus without this characteristic.</a:t>
+            <a:rPr lang="en-US" sz="1000" kern="1200" dirty="0" smtClean="0"/>
+            <a:t>Compare </a:t>
           </a:r>
-          <a:endParaRPr lang="en-US" sz="800" kern="1200" dirty="0"/>
+          <a:r>
+            <a:rPr lang="en-US" sz="1000" kern="1200" dirty="0" smtClean="0"/>
+            <a:t>sensitivity using seeds </a:t>
+          </a:r>
+          <a:r>
+            <a:rPr lang="en-US" sz="1000" kern="1200" dirty="0" smtClean="0"/>
+            <a:t>with </a:t>
+          </a:r>
+          <a:r>
+            <a:rPr lang="en-US" sz="1000" kern="1200" dirty="0" smtClean="0"/>
+            <a:t>vs. without characteristic.</a:t>
+          </a:r>
+          <a:endParaRPr lang="en-US" sz="1000" kern="1200" dirty="0"/>
         </a:p>
       </dsp:txBody>
       <dsp:txXfrm>
-        <a:off x="3753532" y="2075688"/>
-        <a:ext cx="1067965" cy="711976"/>
+        <a:off x="3959983" y="2188244"/>
+        <a:ext cx="1126705" cy="751136"/>
       </dsp:txXfrm>
     </dsp:sp>
     <dsp:sp modelId="{7057EDE8-01A3-704E-9892-0BCE717A2EC2}">
@@ -3058,8 +3614,8 @@
       </dsp:nvSpPr>
       <dsp:spPr>
         <a:xfrm>
-          <a:off x="4928293" y="2075688"/>
-          <a:ext cx="1779941" cy="711976"/>
+          <a:off x="5199359" y="2188244"/>
+          <a:ext cx="1877841" cy="751136"/>
         </a:xfrm>
         <a:prstGeom prst="chevron">
           <a:avLst/>
@@ -3087,7 +3643,36 @@
           </a:solidFill>
           <a:prstDash val="solid"/>
         </a:ln>
-        <a:effectLst/>
+        <a:effectLst>
+          <a:outerShdw blurRad="50800" dist="25400" dir="5400000" rotWithShape="0">
+            <a:srgbClr val="000000">
+              <a:alpha val="45000"/>
+            </a:srgbClr>
+          </a:outerShdw>
+        </a:effectLst>
+        <a:scene3d>
+          <a:camera prst="orthographicFront" fov="0">
+            <a:rot lat="0" lon="0" rev="0"/>
+          </a:camera>
+          <a:lightRig rig="threePt" dir="t">
+            <a:rot lat="0" lon="0" rev="0"/>
+          </a:lightRig>
+        </a:scene3d>
+        <a:sp3d contourW="9525" prstMaterial="matte">
+          <a:bevelT w="0" h="0"/>
+          <a:contourClr>
+            <a:schemeClr val="accent1">
+              <a:alpha val="90000"/>
+              <a:tint val="40000"/>
+              <a:hueOff val="0"/>
+              <a:satOff val="0"/>
+              <a:lumOff val="0"/>
+              <a:alphaOff val="0"/>
+              <a:shade val="70000"/>
+              <a:satMod val="105000"/>
+            </a:schemeClr>
+          </a:contourClr>
+        </a:sp3d>
       </dsp:spPr>
       <dsp:style>
         <a:lnRef idx="1">
@@ -3096,18 +3681,18 @@
         <a:fillRef idx="1">
           <a:scrgbClr r="0" g="0" b="0"/>
         </a:fillRef>
-        <a:effectRef idx="0">
+        <a:effectRef idx="2">
           <a:scrgbClr r="0" g="0" b="0"/>
         </a:effectRef>
         <a:fontRef idx="minor"/>
       </dsp:style>
       <dsp:txBody>
-        <a:bodyPr spcFirstLastPara="0" vert="horz" wrap="square" lIns="10160" tIns="5080" rIns="0" bIns="5080" numCol="1" spcCol="1270" anchor="ctr" anchorCtr="0">
+        <a:bodyPr spcFirstLastPara="0" vert="horz" wrap="square" lIns="12700" tIns="6350" rIns="0" bIns="6350" numCol="1" spcCol="1270" anchor="ctr" anchorCtr="0">
           <a:noAutofit/>
         </a:bodyPr>
         <a:lstStyle/>
         <a:p>
-          <a:pPr lvl="0" algn="ctr" defTabSz="355600">
+          <a:pPr lvl="0" algn="ctr" defTabSz="444500">
             <a:lnSpc>
               <a:spcPct val="90000"/>
             </a:lnSpc>
@@ -3119,15 +3704,27 @@
             </a:spcAft>
           </a:pPr>
           <a:r>
-            <a:rPr lang="en-US" sz="800" kern="1200" dirty="0" smtClean="0"/>
-            <a:t>If sensitivity significantly improved, update characteristics of optimal seed accordingly.</a:t>
+            <a:rPr lang="en-US" sz="1000" kern="1200" dirty="0" smtClean="0"/>
+            <a:t>If sensitivity </a:t>
           </a:r>
-          <a:endParaRPr lang="en-US" sz="800" kern="1200" dirty="0"/>
+          <a:r>
+            <a:rPr lang="en-US" sz="1000" kern="1200" dirty="0" smtClean="0"/>
+            <a:t>improved</a:t>
+          </a:r>
+          <a:r>
+            <a:rPr lang="en-US" sz="1000" kern="1200" dirty="0" smtClean="0"/>
+            <a:t>, update characteristics of optimal </a:t>
+          </a:r>
+          <a:r>
+            <a:rPr lang="en-US" sz="1000" kern="1200" dirty="0" smtClean="0"/>
+            <a:t>seed.</a:t>
+          </a:r>
+          <a:endParaRPr lang="en-US" sz="1000" kern="1200" dirty="0"/>
         </a:p>
       </dsp:txBody>
       <dsp:txXfrm>
-        <a:off x="5284281" y="2075688"/>
-        <a:ext cx="1067965" cy="711976"/>
+        <a:off x="5574927" y="2188244"/>
+        <a:ext cx="1126705" cy="751136"/>
       </dsp:txXfrm>
     </dsp:sp>
     <dsp:sp modelId="{89840CD6-B6F4-E24E-8C7C-EAEA8157523A}">
@@ -3137,8 +3734,8 @@
       </dsp:nvSpPr>
       <dsp:spPr>
         <a:xfrm>
-          <a:off x="1073" y="2980670"/>
-          <a:ext cx="2144507" cy="857802"/>
+          <a:off x="1132" y="3143002"/>
+          <a:ext cx="2262459" cy="904983"/>
         </a:xfrm>
         <a:prstGeom prst="chevron">
           <a:avLst/>
@@ -3165,20 +3762,18 @@
           <a:camera prst="orthographicFront" fov="0">
             <a:rot lat="0" lon="0" rev="0"/>
           </a:camera>
-          <a:lightRig rig="threePt" dir="t">
+          <a:lightRig rig="soft" dir="b">
             <a:rot lat="0" lon="0" rev="0"/>
           </a:lightRig>
         </a:scene3d>
-        <a:sp3d contourW="9525" prstMaterial="matte">
-          <a:bevelT w="0" h="0"/>
+        <a:sp3d prstMaterial="dkEdge">
+          <a:bevelT w="63500" h="63500" prst="cross"/>
           <a:contourClr>
             <a:schemeClr val="accent1">
               <a:hueOff val="0"/>
               <a:satOff val="0"/>
               <a:lumOff val="0"/>
               <a:alphaOff val="0"/>
-              <a:shade val="70000"/>
-              <a:satMod val="105000"/>
             </a:schemeClr>
           </a:contourClr>
         </a:sp3d>
@@ -3190,7 +3785,7 @@
         <a:fillRef idx="3">
           <a:scrgbClr r="0" g="0" b="0"/>
         </a:fillRef>
-        <a:effectRef idx="2">
+        <a:effectRef idx="3">
           <a:scrgbClr r="0" g="0" b="0"/>
         </a:effectRef>
         <a:fontRef idx="minor">
@@ -3198,12 +3793,12 @@
         </a:fontRef>
       </dsp:style>
       <dsp:txBody>
-        <a:bodyPr spcFirstLastPara="0" vert="horz" wrap="square" lIns="19050" tIns="9525" rIns="0" bIns="9525" numCol="1" spcCol="1270" anchor="ctr" anchorCtr="0">
+        <a:bodyPr spcFirstLastPara="0" vert="horz" wrap="square" lIns="20320" tIns="10160" rIns="0" bIns="10160" numCol="1" spcCol="1270" anchor="ctr" anchorCtr="0">
           <a:noAutofit/>
         </a:bodyPr>
         <a:lstStyle/>
         <a:p>
-          <a:pPr lvl="0" algn="ctr" defTabSz="666750">
+          <a:pPr lvl="0" algn="ctr" defTabSz="711200">
             <a:lnSpc>
               <a:spcPct val="90000"/>
             </a:lnSpc>
@@ -3215,15 +3810,15 @@
             </a:spcAft>
           </a:pPr>
           <a:r>
-            <a:rPr lang="en-US" sz="1500" kern="1200" dirty="0" smtClean="0"/>
+            <a:rPr lang="en-US" sz="1600" kern="1200" dirty="0" smtClean="0"/>
             <a:t>Incorporate Multiple Seeds (March-April)</a:t>
           </a:r>
-          <a:endParaRPr lang="en-US" sz="1500" kern="1200" dirty="0"/>
+          <a:endParaRPr lang="en-US" sz="1600" kern="1200" dirty="0"/>
         </a:p>
       </dsp:txBody>
       <dsp:txXfrm>
-        <a:off x="429974" y="2980670"/>
-        <a:ext cx="1286705" cy="857802"/>
+        <a:off x="453624" y="3143002"/>
+        <a:ext cx="1357476" cy="904983"/>
       </dsp:txXfrm>
     </dsp:sp>
     <dsp:sp modelId="{000AEF74-C6D3-2744-9007-924FDDC9B9E2}">
@@ -3233,8 +3828,8 @@
       </dsp:nvSpPr>
       <dsp:spPr>
         <a:xfrm>
-          <a:off x="1866795" y="3053583"/>
-          <a:ext cx="1779941" cy="711976"/>
+          <a:off x="1969472" y="3219925"/>
+          <a:ext cx="1877841" cy="751136"/>
         </a:xfrm>
         <a:prstGeom prst="chevron">
           <a:avLst/>
@@ -3262,7 +3857,36 @@
           </a:solidFill>
           <a:prstDash val="solid"/>
         </a:ln>
-        <a:effectLst/>
+        <a:effectLst>
+          <a:outerShdw blurRad="50800" dist="25400" dir="5400000" rotWithShape="0">
+            <a:srgbClr val="000000">
+              <a:alpha val="45000"/>
+            </a:srgbClr>
+          </a:outerShdw>
+        </a:effectLst>
+        <a:scene3d>
+          <a:camera prst="orthographicFront" fov="0">
+            <a:rot lat="0" lon="0" rev="0"/>
+          </a:camera>
+          <a:lightRig rig="threePt" dir="t">
+            <a:rot lat="0" lon="0" rev="0"/>
+          </a:lightRig>
+        </a:scene3d>
+        <a:sp3d contourW="9525" prstMaterial="matte">
+          <a:bevelT w="0" h="0"/>
+          <a:contourClr>
+            <a:schemeClr val="accent1">
+              <a:alpha val="90000"/>
+              <a:tint val="40000"/>
+              <a:hueOff val="0"/>
+              <a:satOff val="0"/>
+              <a:lumOff val="0"/>
+              <a:alphaOff val="0"/>
+              <a:shade val="70000"/>
+              <a:satMod val="105000"/>
+            </a:schemeClr>
+          </a:contourClr>
+        </a:sp3d>
       </dsp:spPr>
       <dsp:style>
         <a:lnRef idx="1">
@@ -3271,18 +3895,18 @@
         <a:fillRef idx="1">
           <a:scrgbClr r="0" g="0" b="0"/>
         </a:fillRef>
-        <a:effectRef idx="0">
+        <a:effectRef idx="2">
           <a:scrgbClr r="0" g="0" b="0"/>
         </a:effectRef>
         <a:fontRef idx="minor"/>
       </dsp:style>
       <dsp:txBody>
-        <a:bodyPr spcFirstLastPara="0" vert="horz" wrap="square" lIns="10160" tIns="5080" rIns="0" bIns="5080" numCol="1" spcCol="1270" anchor="ctr" anchorCtr="0">
+        <a:bodyPr spcFirstLastPara="0" vert="horz" wrap="square" lIns="12700" tIns="6350" rIns="0" bIns="6350" numCol="1" spcCol="1270" anchor="ctr" anchorCtr="0">
           <a:noAutofit/>
         </a:bodyPr>
         <a:lstStyle/>
         <a:p>
-          <a:pPr lvl="0" algn="ctr" defTabSz="355600">
+          <a:pPr lvl="0" algn="ctr" defTabSz="444500">
             <a:lnSpc>
               <a:spcPct val="90000"/>
             </a:lnSpc>
@@ -3294,15 +3918,23 @@
             </a:spcAft>
           </a:pPr>
           <a:r>
-            <a:rPr lang="en-US" sz="800" kern="1200" dirty="0" smtClean="0"/>
-            <a:t>If still attempting to optimize individual spaced seeds, continue to do so.</a:t>
+            <a:rPr lang="en-US" sz="1000" kern="1200" dirty="0" smtClean="0"/>
+            <a:t>If still attempting to optimize individual </a:t>
           </a:r>
-          <a:endParaRPr lang="en-US" sz="800" kern="1200" dirty="0"/>
+          <a:r>
+            <a:rPr lang="en-US" sz="1000" kern="1200" dirty="0" smtClean="0"/>
+            <a:t>seeds</a:t>
+          </a:r>
+          <a:r>
+            <a:rPr lang="en-US" sz="1000" kern="1200" dirty="0" smtClean="0"/>
+            <a:t>, continue to do so.</a:t>
+          </a:r>
+          <a:endParaRPr lang="en-US" sz="1000" kern="1200" dirty="0"/>
         </a:p>
       </dsp:txBody>
       <dsp:txXfrm>
-        <a:off x="2222783" y="3053583"/>
-        <a:ext cx="1067965" cy="711976"/>
+        <a:off x="2345040" y="3219925"/>
+        <a:ext cx="1126705" cy="751136"/>
       </dsp:txXfrm>
     </dsp:sp>
     <dsp:sp modelId="{DD841503-62AC-FC4B-9D40-ADF6A339C949}">
@@ -3312,8 +3944,8 @@
       </dsp:nvSpPr>
       <dsp:spPr>
         <a:xfrm>
-          <a:off x="3397544" y="3053583"/>
-          <a:ext cx="1779941" cy="711976"/>
+          <a:off x="3584415" y="3219925"/>
+          <a:ext cx="1877841" cy="751136"/>
         </a:xfrm>
         <a:prstGeom prst="chevron">
           <a:avLst/>
@@ -3341,7 +3973,36 @@
           </a:solidFill>
           <a:prstDash val="solid"/>
         </a:ln>
-        <a:effectLst/>
+        <a:effectLst>
+          <a:outerShdw blurRad="50800" dist="25400" dir="5400000" rotWithShape="0">
+            <a:srgbClr val="000000">
+              <a:alpha val="45000"/>
+            </a:srgbClr>
+          </a:outerShdw>
+        </a:effectLst>
+        <a:scene3d>
+          <a:camera prst="orthographicFront" fov="0">
+            <a:rot lat="0" lon="0" rev="0"/>
+          </a:camera>
+          <a:lightRig rig="threePt" dir="t">
+            <a:rot lat="0" lon="0" rev="0"/>
+          </a:lightRig>
+        </a:scene3d>
+        <a:sp3d contourW="9525" prstMaterial="matte">
+          <a:bevelT w="0" h="0"/>
+          <a:contourClr>
+            <a:schemeClr val="accent1">
+              <a:alpha val="90000"/>
+              <a:tint val="40000"/>
+              <a:hueOff val="0"/>
+              <a:satOff val="0"/>
+              <a:lumOff val="0"/>
+              <a:alphaOff val="0"/>
+              <a:shade val="70000"/>
+              <a:satMod val="105000"/>
+            </a:schemeClr>
+          </a:contourClr>
+        </a:sp3d>
       </dsp:spPr>
       <dsp:style>
         <a:lnRef idx="1">
@@ -3350,18 +4011,18 @@
         <a:fillRef idx="1">
           <a:scrgbClr r="0" g="0" b="0"/>
         </a:fillRef>
-        <a:effectRef idx="0">
+        <a:effectRef idx="2">
           <a:scrgbClr r="0" g="0" b="0"/>
         </a:effectRef>
         <a:fontRef idx="minor"/>
       </dsp:style>
       <dsp:txBody>
-        <a:bodyPr spcFirstLastPara="0" vert="horz" wrap="square" lIns="10160" tIns="5080" rIns="0" bIns="5080" numCol="1" spcCol="1270" anchor="ctr" anchorCtr="0">
+        <a:bodyPr spcFirstLastPara="0" vert="horz" wrap="square" lIns="12700" tIns="6350" rIns="0" bIns="6350" numCol="1" spcCol="1270" anchor="ctr" anchorCtr="0">
           <a:noAutofit/>
         </a:bodyPr>
         <a:lstStyle/>
         <a:p>
-          <a:pPr lvl="0" algn="ctr" defTabSz="355600">
+          <a:pPr lvl="0" algn="ctr" defTabSz="444500">
             <a:lnSpc>
               <a:spcPct val="90000"/>
             </a:lnSpc>
@@ -3373,15 +4034,15 @@
             </a:spcAft>
           </a:pPr>
           <a:r>
-            <a:rPr lang="en-US" sz="800" kern="1200" dirty="0" smtClean="0"/>
+            <a:rPr lang="en-US" sz="1000" kern="1200" dirty="0" smtClean="0"/>
             <a:t>Otherwise, work on incorporating multiple spaced seeds.</a:t>
           </a:r>
-          <a:endParaRPr lang="en-US" sz="800" kern="1200" dirty="0"/>
+          <a:endParaRPr lang="en-US" sz="1000" kern="1200" dirty="0"/>
         </a:p>
       </dsp:txBody>
       <dsp:txXfrm>
-        <a:off x="3753532" y="3053583"/>
-        <a:ext cx="1067965" cy="711976"/>
+        <a:off x="3959983" y="3219925"/>
+        <a:ext cx="1126705" cy="751136"/>
       </dsp:txXfrm>
     </dsp:sp>
     <dsp:sp modelId="{80D68624-8187-7E4C-887C-5D3901646A1F}">
@@ -3391,8 +4052,8 @@
       </dsp:nvSpPr>
       <dsp:spPr>
         <a:xfrm>
-          <a:off x="4928293" y="3053583"/>
-          <a:ext cx="1779941" cy="711976"/>
+          <a:off x="5199359" y="3219925"/>
+          <a:ext cx="1877841" cy="751136"/>
         </a:xfrm>
         <a:prstGeom prst="chevron">
           <a:avLst/>
@@ -3420,7 +4081,36 @@
           </a:solidFill>
           <a:prstDash val="solid"/>
         </a:ln>
-        <a:effectLst/>
+        <a:effectLst>
+          <a:outerShdw blurRad="50800" dist="25400" dir="5400000" rotWithShape="0">
+            <a:srgbClr val="000000">
+              <a:alpha val="45000"/>
+            </a:srgbClr>
+          </a:outerShdw>
+        </a:effectLst>
+        <a:scene3d>
+          <a:camera prst="orthographicFront" fov="0">
+            <a:rot lat="0" lon="0" rev="0"/>
+          </a:camera>
+          <a:lightRig rig="threePt" dir="t">
+            <a:rot lat="0" lon="0" rev="0"/>
+          </a:lightRig>
+        </a:scene3d>
+        <a:sp3d contourW="9525" prstMaterial="matte">
+          <a:bevelT w="0" h="0"/>
+          <a:contourClr>
+            <a:schemeClr val="accent1">
+              <a:alpha val="90000"/>
+              <a:tint val="40000"/>
+              <a:hueOff val="0"/>
+              <a:satOff val="0"/>
+              <a:lumOff val="0"/>
+              <a:alphaOff val="0"/>
+              <a:shade val="70000"/>
+              <a:satMod val="105000"/>
+            </a:schemeClr>
+          </a:contourClr>
+        </a:sp3d>
       </dsp:spPr>
       <dsp:style>
         <a:lnRef idx="1">
@@ -3429,18 +4119,18 @@
         <a:fillRef idx="1">
           <a:scrgbClr r="0" g="0" b="0"/>
         </a:fillRef>
-        <a:effectRef idx="0">
+        <a:effectRef idx="2">
           <a:scrgbClr r="0" g="0" b="0"/>
         </a:effectRef>
         <a:fontRef idx="minor"/>
       </dsp:style>
       <dsp:txBody>
-        <a:bodyPr spcFirstLastPara="0" vert="horz" wrap="square" lIns="10160" tIns="5080" rIns="0" bIns="5080" numCol="1" spcCol="1270" anchor="ctr" anchorCtr="0">
+        <a:bodyPr spcFirstLastPara="0" vert="horz" wrap="square" lIns="12700" tIns="6350" rIns="0" bIns="6350" numCol="1" spcCol="1270" anchor="ctr" anchorCtr="0">
           <a:noAutofit/>
         </a:bodyPr>
         <a:lstStyle/>
         <a:p>
-          <a:pPr lvl="0" algn="ctr" defTabSz="355600">
+          <a:pPr lvl="0" algn="ctr" defTabSz="444500">
             <a:lnSpc>
               <a:spcPct val="90000"/>
             </a:lnSpc>
@@ -3452,15 +4142,23 @@
             </a:spcAft>
           </a:pPr>
           <a:r>
-            <a:rPr lang="en-US" sz="800" kern="1200" dirty="0" smtClean="0"/>
-            <a:t>Verify improved sensitivity with incorporation of multiple seeds.</a:t>
+            <a:rPr lang="en-US" sz="1000" kern="1200" dirty="0" smtClean="0"/>
+            <a:t>Verify improved sensitivity </a:t>
           </a:r>
-          <a:endParaRPr lang="en-US" sz="800" kern="1200" dirty="0"/>
+          <a:r>
+            <a:rPr lang="en-US" sz="1000" kern="1200" dirty="0" smtClean="0"/>
+            <a:t>with </a:t>
+          </a:r>
+          <a:r>
+            <a:rPr lang="en-US" sz="1000" kern="1200" dirty="0" smtClean="0"/>
+            <a:t>multiple seeds.</a:t>
+          </a:r>
+          <a:endParaRPr lang="en-US" sz="1000" kern="1200" dirty="0"/>
         </a:p>
       </dsp:txBody>
       <dsp:txXfrm>
-        <a:off x="5284281" y="3053583"/>
-        <a:ext cx="1067965" cy="711976"/>
+        <a:off x="5574927" y="3219925"/>
+        <a:ext cx="1126705" cy="751136"/>
       </dsp:txXfrm>
     </dsp:sp>
     <dsp:sp modelId="{51096AD9-6905-5948-A0F5-4602E8A325B8}">
@@ -3470,8 +4168,8 @@
       </dsp:nvSpPr>
       <dsp:spPr>
         <a:xfrm>
-          <a:off x="6459043" y="3053583"/>
-          <a:ext cx="1779941" cy="711976"/>
+          <a:off x="6814302" y="3219925"/>
+          <a:ext cx="1877841" cy="751136"/>
         </a:xfrm>
         <a:prstGeom prst="chevron">
           <a:avLst/>
@@ -3499,7 +4197,36 @@
           </a:solidFill>
           <a:prstDash val="solid"/>
         </a:ln>
-        <a:effectLst/>
+        <a:effectLst>
+          <a:outerShdw blurRad="50800" dist="25400" dir="5400000" rotWithShape="0">
+            <a:srgbClr val="000000">
+              <a:alpha val="45000"/>
+            </a:srgbClr>
+          </a:outerShdw>
+        </a:effectLst>
+        <a:scene3d>
+          <a:camera prst="orthographicFront" fov="0">
+            <a:rot lat="0" lon="0" rev="0"/>
+          </a:camera>
+          <a:lightRig rig="threePt" dir="t">
+            <a:rot lat="0" lon="0" rev="0"/>
+          </a:lightRig>
+        </a:scene3d>
+        <a:sp3d contourW="9525" prstMaterial="matte">
+          <a:bevelT w="0" h="0"/>
+          <a:contourClr>
+            <a:schemeClr val="accent1">
+              <a:alpha val="90000"/>
+              <a:tint val="40000"/>
+              <a:hueOff val="0"/>
+              <a:satOff val="0"/>
+              <a:lumOff val="0"/>
+              <a:alphaOff val="0"/>
+              <a:shade val="70000"/>
+              <a:satMod val="105000"/>
+            </a:schemeClr>
+          </a:contourClr>
+        </a:sp3d>
       </dsp:spPr>
       <dsp:style>
         <a:lnRef idx="1">
@@ -3508,18 +4235,18 @@
         <a:fillRef idx="1">
           <a:scrgbClr r="0" g="0" b="0"/>
         </a:fillRef>
-        <a:effectRef idx="0">
+        <a:effectRef idx="2">
           <a:scrgbClr r="0" g="0" b="0"/>
         </a:effectRef>
         <a:fontRef idx="minor"/>
       </dsp:style>
       <dsp:txBody>
-        <a:bodyPr spcFirstLastPara="0" vert="horz" wrap="square" lIns="10160" tIns="5080" rIns="0" bIns="5080" numCol="1" spcCol="1270" anchor="ctr" anchorCtr="0">
+        <a:bodyPr spcFirstLastPara="0" vert="horz" wrap="square" lIns="12700" tIns="6350" rIns="0" bIns="6350" numCol="1" spcCol="1270" anchor="ctr" anchorCtr="0">
           <a:noAutofit/>
         </a:bodyPr>
         <a:lstStyle/>
         <a:p>
-          <a:pPr lvl="0" algn="ctr" defTabSz="355600">
+          <a:pPr lvl="0" algn="ctr" defTabSz="444500">
             <a:lnSpc>
               <a:spcPct val="90000"/>
             </a:lnSpc>
@@ -3531,15 +4258,19 @@
             </a:spcAft>
           </a:pPr>
           <a:r>
-            <a:rPr lang="en-US" sz="800" kern="1200" dirty="0" smtClean="0"/>
-            <a:t>Attempt to reduce the additional time/space complexity needed for multiple seeds.</a:t>
+            <a:rPr lang="en-US" sz="1000" kern="1200" dirty="0" smtClean="0"/>
+            <a:t>Attempt to reduce the additional time/space </a:t>
           </a:r>
-          <a:endParaRPr lang="en-US" sz="800" kern="1200" dirty="0"/>
+          <a:r>
+            <a:rPr lang="en-US" sz="1000" kern="1200" dirty="0" smtClean="0"/>
+            <a:t>complexity.</a:t>
+          </a:r>
+          <a:endParaRPr lang="en-US" sz="1000" kern="1200" dirty="0"/>
         </a:p>
       </dsp:txBody>
       <dsp:txXfrm>
-        <a:off x="6815031" y="3053583"/>
-        <a:ext cx="1067965" cy="711976"/>
+        <a:off x="7189870" y="3219925"/>
+        <a:ext cx="1126705" cy="751136"/>
       </dsp:txXfrm>
     </dsp:sp>
     <dsp:sp modelId="{E2179FC6-9A63-FD45-A8B5-9C0AF91509C6}">
@@ -3549,8 +4280,8 @@
       </dsp:nvSpPr>
       <dsp:spPr>
         <a:xfrm>
-          <a:off x="1073" y="3958565"/>
-          <a:ext cx="2144507" cy="857802"/>
+          <a:off x="1132" y="4174683"/>
+          <a:ext cx="2262459" cy="904983"/>
         </a:xfrm>
         <a:prstGeom prst="chevron">
           <a:avLst/>
@@ -3577,20 +4308,18 @@
           <a:camera prst="orthographicFront" fov="0">
             <a:rot lat="0" lon="0" rev="0"/>
           </a:camera>
-          <a:lightRig rig="threePt" dir="t">
+          <a:lightRig rig="soft" dir="b">
             <a:rot lat="0" lon="0" rev="0"/>
           </a:lightRig>
         </a:scene3d>
-        <a:sp3d contourW="9525" prstMaterial="matte">
-          <a:bevelT w="0" h="0"/>
+        <a:sp3d prstMaterial="dkEdge">
+          <a:bevelT w="63500" h="63500" prst="cross"/>
           <a:contourClr>
             <a:schemeClr val="accent1">
               <a:hueOff val="0"/>
               <a:satOff val="0"/>
               <a:lumOff val="0"/>
               <a:alphaOff val="0"/>
-              <a:shade val="70000"/>
-              <a:satMod val="105000"/>
             </a:schemeClr>
           </a:contourClr>
         </a:sp3d>
@@ -3602,7 +4331,7 @@
         <a:fillRef idx="3">
           <a:scrgbClr r="0" g="0" b="0"/>
         </a:fillRef>
-        <a:effectRef idx="2">
+        <a:effectRef idx="3">
           <a:scrgbClr r="0" g="0" b="0"/>
         </a:effectRef>
         <a:fontRef idx="minor">
@@ -3610,12 +4339,12 @@
         </a:fontRef>
       </dsp:style>
       <dsp:txBody>
-        <a:bodyPr spcFirstLastPara="0" vert="horz" wrap="square" lIns="19050" tIns="9525" rIns="0" bIns="9525" numCol="1" spcCol="1270" anchor="ctr" anchorCtr="0">
+        <a:bodyPr spcFirstLastPara="0" vert="horz" wrap="square" lIns="20320" tIns="10160" rIns="0" bIns="10160" numCol="1" spcCol="1270" anchor="ctr" anchorCtr="0">
           <a:noAutofit/>
         </a:bodyPr>
         <a:lstStyle/>
         <a:p>
-          <a:pPr lvl="0" algn="ctr" defTabSz="666750">
+          <a:pPr lvl="0" algn="ctr" defTabSz="711200">
             <a:lnSpc>
               <a:spcPct val="90000"/>
             </a:lnSpc>
@@ -3627,15 +4356,15 @@
             </a:spcAft>
           </a:pPr>
           <a:r>
-            <a:rPr lang="en-US" sz="1500" kern="1200" dirty="0" smtClean="0"/>
+            <a:rPr lang="en-US" sz="1600" kern="1200" dirty="0" smtClean="0"/>
             <a:t>Defense (May)</a:t>
           </a:r>
-          <a:endParaRPr lang="en-US" sz="1500" kern="1200" dirty="0"/>
+          <a:endParaRPr lang="en-US" sz="1600" kern="1200" dirty="0"/>
         </a:p>
       </dsp:txBody>
       <dsp:txXfrm>
-        <a:off x="429974" y="3958565"/>
-        <a:ext cx="1286705" cy="857802"/>
+        <a:off x="453624" y="4174683"/>
+        <a:ext cx="1357476" cy="904983"/>
       </dsp:txXfrm>
     </dsp:sp>
     <dsp:sp modelId="{F74DA447-BE91-2D49-9434-F5CFE31A5B37}">
@@ -3645,8 +4374,8 @@
       </dsp:nvSpPr>
       <dsp:spPr>
         <a:xfrm>
-          <a:off x="1866795" y="4031478"/>
-          <a:ext cx="1779941" cy="711976"/>
+          <a:off x="1969472" y="4251607"/>
+          <a:ext cx="1877841" cy="751136"/>
         </a:xfrm>
         <a:prstGeom prst="chevron">
           <a:avLst/>
@@ -3674,7 +4403,36 @@
           </a:solidFill>
           <a:prstDash val="solid"/>
         </a:ln>
-        <a:effectLst/>
+        <a:effectLst>
+          <a:outerShdw blurRad="50800" dist="25400" dir="5400000" rotWithShape="0">
+            <a:srgbClr val="000000">
+              <a:alpha val="45000"/>
+            </a:srgbClr>
+          </a:outerShdw>
+        </a:effectLst>
+        <a:scene3d>
+          <a:camera prst="orthographicFront" fov="0">
+            <a:rot lat="0" lon="0" rev="0"/>
+          </a:camera>
+          <a:lightRig rig="threePt" dir="t">
+            <a:rot lat="0" lon="0" rev="0"/>
+          </a:lightRig>
+        </a:scene3d>
+        <a:sp3d contourW="9525" prstMaterial="matte">
+          <a:bevelT w="0" h="0"/>
+          <a:contourClr>
+            <a:schemeClr val="accent1">
+              <a:alpha val="90000"/>
+              <a:tint val="40000"/>
+              <a:hueOff val="0"/>
+              <a:satOff val="0"/>
+              <a:lumOff val="0"/>
+              <a:alphaOff val="0"/>
+              <a:shade val="70000"/>
+              <a:satMod val="105000"/>
+            </a:schemeClr>
+          </a:contourClr>
+        </a:sp3d>
       </dsp:spPr>
       <dsp:style>
         <a:lnRef idx="1">
@@ -3683,18 +4441,18 @@
         <a:fillRef idx="1">
           <a:scrgbClr r="0" g="0" b="0"/>
         </a:fillRef>
-        <a:effectRef idx="0">
+        <a:effectRef idx="2">
           <a:scrgbClr r="0" g="0" b="0"/>
         </a:effectRef>
         <a:fontRef idx="minor"/>
       </dsp:style>
       <dsp:txBody>
-        <a:bodyPr spcFirstLastPara="0" vert="horz" wrap="square" lIns="10160" tIns="5080" rIns="0" bIns="5080" numCol="1" spcCol="1270" anchor="ctr" anchorCtr="0">
+        <a:bodyPr spcFirstLastPara="0" vert="horz" wrap="square" lIns="12700" tIns="6350" rIns="0" bIns="6350" numCol="1" spcCol="1270" anchor="ctr" anchorCtr="0">
           <a:noAutofit/>
         </a:bodyPr>
         <a:lstStyle/>
         <a:p>
-          <a:pPr lvl="0" algn="ctr" defTabSz="355600">
+          <a:pPr lvl="0" algn="ctr" defTabSz="444500">
             <a:lnSpc>
               <a:spcPct val="90000"/>
             </a:lnSpc>
@@ -3706,15 +4464,15 @@
             </a:spcAft>
           </a:pPr>
           <a:r>
-            <a:rPr lang="en-US" sz="800" kern="1200" dirty="0" smtClean="0"/>
+            <a:rPr lang="en-US" sz="1000" kern="1200" dirty="0" smtClean="0"/>
             <a:t>Prepare results (proofs, sensitivity comparisons, etc.).</a:t>
           </a:r>
-          <a:endParaRPr lang="en-US" sz="800" kern="1200" dirty="0"/>
+          <a:endParaRPr lang="en-US" sz="1000" kern="1200" dirty="0"/>
         </a:p>
       </dsp:txBody>
       <dsp:txXfrm>
-        <a:off x="2222783" y="4031478"/>
-        <a:ext cx="1067965" cy="711976"/>
+        <a:off x="2345040" y="4251607"/>
+        <a:ext cx="1126705" cy="751136"/>
       </dsp:txXfrm>
     </dsp:sp>
     <dsp:sp modelId="{A9706D98-D064-BA4C-93FA-8AECB68DE611}">
@@ -3724,8 +4482,8 @@
       </dsp:nvSpPr>
       <dsp:spPr>
         <a:xfrm>
-          <a:off x="3397544" y="4031478"/>
-          <a:ext cx="1779941" cy="711976"/>
+          <a:off x="3584415" y="4251607"/>
+          <a:ext cx="1877841" cy="751136"/>
         </a:xfrm>
         <a:prstGeom prst="chevron">
           <a:avLst/>
@@ -3753,7 +4511,36 @@
           </a:solidFill>
           <a:prstDash val="solid"/>
         </a:ln>
-        <a:effectLst/>
+        <a:effectLst>
+          <a:outerShdw blurRad="50800" dist="25400" dir="5400000" rotWithShape="0">
+            <a:srgbClr val="000000">
+              <a:alpha val="45000"/>
+            </a:srgbClr>
+          </a:outerShdw>
+        </a:effectLst>
+        <a:scene3d>
+          <a:camera prst="orthographicFront" fov="0">
+            <a:rot lat="0" lon="0" rev="0"/>
+          </a:camera>
+          <a:lightRig rig="threePt" dir="t">
+            <a:rot lat="0" lon="0" rev="0"/>
+          </a:lightRig>
+        </a:scene3d>
+        <a:sp3d contourW="9525" prstMaterial="matte">
+          <a:bevelT w="0" h="0"/>
+          <a:contourClr>
+            <a:schemeClr val="accent1">
+              <a:alpha val="90000"/>
+              <a:tint val="40000"/>
+              <a:hueOff val="0"/>
+              <a:satOff val="0"/>
+              <a:lumOff val="0"/>
+              <a:alphaOff val="0"/>
+              <a:shade val="70000"/>
+              <a:satMod val="105000"/>
+            </a:schemeClr>
+          </a:contourClr>
+        </a:sp3d>
       </dsp:spPr>
       <dsp:style>
         <a:lnRef idx="1">
@@ -3762,18 +4549,18 @@
         <a:fillRef idx="1">
           <a:scrgbClr r="0" g="0" b="0"/>
         </a:fillRef>
-        <a:effectRef idx="0">
+        <a:effectRef idx="2">
           <a:scrgbClr r="0" g="0" b="0"/>
         </a:effectRef>
         <a:fontRef idx="minor"/>
       </dsp:style>
       <dsp:txBody>
-        <a:bodyPr spcFirstLastPara="0" vert="horz" wrap="square" lIns="10160" tIns="5080" rIns="0" bIns="5080" numCol="1" spcCol="1270" anchor="ctr" anchorCtr="0">
+        <a:bodyPr spcFirstLastPara="0" vert="horz" wrap="square" lIns="12700" tIns="6350" rIns="0" bIns="6350" numCol="1" spcCol="1270" anchor="ctr" anchorCtr="0">
           <a:noAutofit/>
         </a:bodyPr>
         <a:lstStyle/>
         <a:p>
-          <a:pPr lvl="0" algn="ctr" defTabSz="355600">
+          <a:pPr lvl="0" algn="ctr" defTabSz="444500">
             <a:lnSpc>
               <a:spcPct val="90000"/>
             </a:lnSpc>
@@ -3785,15 +4572,15 @@
             </a:spcAft>
           </a:pPr>
           <a:r>
-            <a:rPr lang="en-US" sz="800" kern="1200" dirty="0" smtClean="0"/>
+            <a:rPr lang="en-US" sz="1000" kern="1200" dirty="0" smtClean="0"/>
             <a:t>Defend.</a:t>
           </a:r>
-          <a:endParaRPr lang="en-US" sz="800" kern="1200" dirty="0"/>
+          <a:endParaRPr lang="en-US" sz="1000" kern="1200" dirty="0"/>
         </a:p>
       </dsp:txBody>
       <dsp:txXfrm>
-        <a:off x="3753532" y="4031478"/>
-        <a:ext cx="1067965" cy="711976"/>
+        <a:off x="3959983" y="4251607"/>
+        <a:ext cx="1126705" cy="751136"/>
       </dsp:txXfrm>
     </dsp:sp>
   </dsp:spTree>
@@ -4082,11 +4869,11 @@
 </file>
 
 <file path=ppt/diagrams/quickStyle1.xml><?xml version="1.0" encoding="utf-8"?>
-<dgm:styleDef xmlns:dgm="http://schemas.openxmlformats.org/drawingml/2006/diagram" xmlns:a="http://schemas.openxmlformats.org/drawingml/2006/main" uniqueId="urn:microsoft.com/office/officeart/2005/8/quickstyle/simple4">
+<dgm:styleDef xmlns:dgm="http://schemas.openxmlformats.org/drawingml/2006/diagram" xmlns:a="http://schemas.openxmlformats.org/drawingml/2006/main" uniqueId="urn:microsoft.com/office/officeart/2005/8/quickstyle/simple5">
   <dgm:title val=""/>
   <dgm:desc val=""/>
   <dgm:catLst>
-    <dgm:cat type="simple" pri="10400"/>
+    <dgm:cat type="simple" pri="10500"/>
   </dgm:catLst>
   <dgm:scene3d>
     <a:camera prst="orthographicFront"/>
@@ -4106,7 +4893,7 @@
       <a:fillRef idx="3">
         <a:scrgbClr r="0" g="0" b="0"/>
       </a:fillRef>
-      <a:effectRef idx="2">
+      <a:effectRef idx="3">
         <a:scrgbClr r="0" g="0" b="0"/>
       </a:effectRef>
       <a:fontRef idx="minor">
@@ -4122,13 +4909,13 @@
     <dgm:sp3d/>
     <dgm:txPr/>
     <dgm:style>
-      <a:lnRef idx="1">
+      <a:lnRef idx="0">
         <a:scrgbClr r="0" g="0" b="0"/>
       </a:lnRef>
       <a:fillRef idx="3">
         <a:scrgbClr r="0" g="0" b="0"/>
       </a:fillRef>
-      <a:effectRef idx="2">
+      <a:effectRef idx="3">
         <a:scrgbClr r="0" g="0" b="0"/>
       </a:effectRef>
       <a:fontRef idx="minor">
@@ -4150,7 +4937,7 @@
       <a:fillRef idx="3">
         <a:scrgbClr r="0" g="0" b="0"/>
       </a:fillRef>
-      <a:effectRef idx="0">
+      <a:effectRef idx="3">
         <a:scrgbClr r="0" g="0" b="0"/>
       </a:effectRef>
       <a:fontRef idx="minor">
@@ -4172,7 +4959,7 @@
       <a:fillRef idx="3">
         <a:scrgbClr r="0" g="0" b="0"/>
       </a:fillRef>
-      <a:effectRef idx="2">
+      <a:effectRef idx="3">
         <a:scrgbClr r="0" g="0" b="0"/>
       </a:effectRef>
       <a:fontRef idx="minor">
@@ -4194,7 +4981,7 @@
       <a:fillRef idx="3">
         <a:scrgbClr r="0" g="0" b="0"/>
       </a:fillRef>
-      <a:effectRef idx="2">
+      <a:effectRef idx="3">
         <a:scrgbClr r="0" g="0" b="0"/>
       </a:effectRef>
       <a:fontRef idx="minor">
@@ -4216,7 +5003,7 @@
       <a:fillRef idx="3">
         <a:scrgbClr r="0" g="0" b="0"/>
       </a:fillRef>
-      <a:effectRef idx="2">
+      <a:effectRef idx="3">
         <a:scrgbClr r="0" g="0" b="0"/>
       </a:effectRef>
       <a:fontRef idx="minor">
@@ -4238,7 +5025,7 @@
       <a:fillRef idx="3">
         <a:scrgbClr r="0" g="0" b="0"/>
       </a:fillRef>
-      <a:effectRef idx="2">
+      <a:effectRef idx="3">
         <a:scrgbClr r="0" g="0" b="0"/>
       </a:effectRef>
       <a:fontRef idx="minor">
@@ -4260,7 +5047,7 @@
       <a:fillRef idx="3">
         <a:scrgbClr r="0" g="0" b="0"/>
       </a:fillRef>
-      <a:effectRef idx="2">
+      <a:effectRef idx="3">
         <a:scrgbClr r="0" g="0" b="0"/>
       </a:effectRef>
       <a:fontRef idx="minor">
@@ -4282,7 +5069,7 @@
       <a:fillRef idx="1">
         <a:scrgbClr r="0" g="0" b="0"/>
       </a:fillRef>
-      <a:effectRef idx="2">
+      <a:effectRef idx="3">
         <a:scrgbClr r="0" g="0" b="0"/>
       </a:effectRef>
       <a:fontRef idx="minor"/>
@@ -4302,7 +5089,7 @@
       <a:fillRef idx="1">
         <a:scrgbClr r="0" g="0" b="0"/>
       </a:fillRef>
-      <a:effectRef idx="2">
+      <a:effectRef idx="3">
         <a:scrgbClr r="0" g="0" b="0"/>
       </a:effectRef>
       <a:fontRef idx="minor"/>
@@ -4322,7 +5109,7 @@
       <a:fillRef idx="1">
         <a:scrgbClr r="0" g="0" b="0"/>
       </a:fillRef>
-      <a:effectRef idx="2">
+      <a:effectRef idx="3">
         <a:scrgbClr r="0" g="0" b="0"/>
       </a:effectRef>
       <a:fontRef idx="minor"/>
@@ -4342,7 +5129,7 @@
       <a:fillRef idx="3">
         <a:scrgbClr r="0" g="0" b="0"/>
       </a:fillRef>
-      <a:effectRef idx="2">
+      <a:effectRef idx="3">
         <a:scrgbClr r="0" g="0" b="0"/>
       </a:effectRef>
       <a:fontRef idx="minor">
@@ -4364,7 +5151,7 @@
       <a:fillRef idx="3">
         <a:scrgbClr r="0" g="0" b="0"/>
       </a:fillRef>
-      <a:effectRef idx="2">
+      <a:effectRef idx="3">
         <a:scrgbClr r="0" g="0" b="0"/>
       </a:effectRef>
       <a:fontRef idx="minor">
@@ -4386,7 +5173,7 @@
       <a:fillRef idx="3">
         <a:scrgbClr r="0" g="0" b="0"/>
       </a:fillRef>
-      <a:effectRef idx="2">
+      <a:effectRef idx="3">
         <a:scrgbClr r="0" g="0" b="0"/>
       </a:effectRef>
       <a:fontRef idx="minor">
@@ -4422,10 +5209,10 @@
     <dgm:sp3d/>
     <dgm:txPr/>
     <dgm:style>
-      <a:lnRef idx="2">
+      <a:lnRef idx="1">
         <a:scrgbClr r="0" g="0" b="0"/>
       </a:lnRef>
-      <a:fillRef idx="1">
+      <a:fillRef idx="0">
         <a:scrgbClr r="0" g="0" b="0"/>
       </a:fillRef>
       <a:effectRef idx="1">
@@ -4448,7 +5235,7 @@
       <a:fillRef idx="3">
         <a:scrgbClr r="0" g="0" b="0"/>
       </a:fillRef>
-      <a:effectRef idx="2">
+      <a:effectRef idx="3">
         <a:scrgbClr r="0" g="0" b="0"/>
       </a:effectRef>
       <a:fontRef idx="minor">
@@ -4470,7 +5257,7 @@
       <a:fillRef idx="3">
         <a:scrgbClr r="0" g="0" b="0"/>
       </a:fillRef>
-      <a:effectRef idx="2">
+      <a:effectRef idx="3">
         <a:scrgbClr r="0" g="0" b="0"/>
       </a:effectRef>
       <a:fontRef idx="minor">
@@ -4492,7 +5279,7 @@
       <a:fillRef idx="3">
         <a:scrgbClr r="0" g="0" b="0"/>
       </a:fillRef>
-      <a:effectRef idx="2">
+      <a:effectRef idx="3">
         <a:scrgbClr r="0" g="0" b="0"/>
       </a:effectRef>
       <a:fontRef idx="minor">
@@ -4514,7 +5301,7 @@
       <a:fillRef idx="3">
         <a:scrgbClr r="0" g="0" b="0"/>
       </a:fillRef>
-      <a:effectRef idx="2">
+      <a:effectRef idx="3">
         <a:scrgbClr r="0" g="0" b="0"/>
       </a:effectRef>
       <a:fontRef idx="minor">
@@ -4536,7 +5323,7 @@
       <a:fillRef idx="3">
         <a:scrgbClr r="0" g="0" b="0"/>
       </a:fillRef>
-      <a:effectRef idx="2">
+      <a:effectRef idx="3">
         <a:scrgbClr r="0" g="0" b="0"/>
       </a:effectRef>
       <a:fontRef idx="minor">
@@ -4558,7 +5345,7 @@
       <a:fillRef idx="3">
         <a:scrgbClr r="0" g="0" b="0"/>
       </a:fillRef>
-      <a:effectRef idx="2">
+      <a:effectRef idx="3">
         <a:scrgbClr r="0" g="0" b="0"/>
       </a:effectRef>
       <a:fontRef idx="minor">
@@ -4580,7 +5367,7 @@
       <a:fillRef idx="3">
         <a:scrgbClr r="0" g="0" b="0"/>
       </a:fillRef>
-      <a:effectRef idx="2">
+      <a:effectRef idx="3">
         <a:scrgbClr r="0" g="0" b="0"/>
       </a:effectRef>
       <a:fontRef idx="minor">
@@ -4596,13 +5383,13 @@
     <dgm:sp3d/>
     <dgm:txPr/>
     <dgm:style>
-      <a:lnRef idx="1">
+      <a:lnRef idx="0">
         <a:scrgbClr r="0" g="0" b="0"/>
       </a:lnRef>
       <a:fillRef idx="3">
         <a:scrgbClr r="0" g="0" b="0"/>
       </a:fillRef>
-      <a:effectRef idx="2">
+      <a:effectRef idx="3">
         <a:scrgbClr r="0" g="0" b="0"/>
       </a:effectRef>
       <a:fontRef idx="minor">
@@ -4618,13 +5405,13 @@
     <dgm:sp3d/>
     <dgm:txPr/>
     <dgm:style>
-      <a:lnRef idx="1">
+      <a:lnRef idx="0">
         <a:scrgbClr r="0" g="0" b="0"/>
       </a:lnRef>
       <a:fillRef idx="3">
         <a:scrgbClr r="0" g="0" b="0"/>
       </a:fillRef>
-      <a:effectRef idx="2">
+      <a:effectRef idx="3">
         <a:scrgbClr r="0" g="0" b="0"/>
       </a:effectRef>
       <a:fontRef idx="minor">
@@ -4640,7 +5427,7 @@
     <dgm:sp3d/>
     <dgm:txPr/>
     <dgm:style>
-      <a:lnRef idx="1">
+      <a:lnRef idx="2">
         <a:scrgbClr r="0" g="0" b="0"/>
       </a:lnRef>
       <a:fillRef idx="0">
@@ -4660,7 +5447,7 @@
     <dgm:sp3d/>
     <dgm:txPr/>
     <dgm:style>
-      <a:lnRef idx="1">
+      <a:lnRef idx="2">
         <a:scrgbClr r="0" g="0" b="0"/>
       </a:lnRef>
       <a:fillRef idx="0">
@@ -4680,7 +5467,7 @@
     <dgm:sp3d/>
     <dgm:txPr/>
     <dgm:style>
-      <a:lnRef idx="1">
+      <a:lnRef idx="2">
         <a:scrgbClr r="0" g="0" b="0"/>
       </a:lnRef>
       <a:fillRef idx="0">
@@ -4700,7 +5487,7 @@
     <dgm:sp3d/>
     <dgm:txPr/>
     <dgm:style>
-      <a:lnRef idx="1">
+      <a:lnRef idx="2">
         <a:scrgbClr r="0" g="0" b="0"/>
       </a:lnRef>
       <a:fillRef idx="0">
@@ -4726,7 +5513,7 @@
       <a:fillRef idx="1">
         <a:scrgbClr r="0" g="0" b="0"/>
       </a:fillRef>
-      <a:effectRef idx="0">
+      <a:effectRef idx="2">
         <a:scrgbClr r="0" g="0" b="0"/>
       </a:effectRef>
       <a:fontRef idx="minor"/>
@@ -4746,7 +5533,7 @@
       <a:fillRef idx="1">
         <a:scrgbClr r="0" g="0" b="0"/>
       </a:fillRef>
-      <a:effectRef idx="0">
+      <a:effectRef idx="2">
         <a:scrgbClr r="0" g="0" b="0"/>
       </a:effectRef>
       <a:fontRef idx="minor"/>
@@ -4766,7 +5553,7 @@
       <a:fillRef idx="1">
         <a:scrgbClr r="0" g="0" b="0"/>
       </a:fillRef>
-      <a:effectRef idx="0">
+      <a:effectRef idx="2">
         <a:scrgbClr r="0" g="0" b="0"/>
       </a:effectRef>
       <a:fontRef idx="minor"/>
@@ -4806,7 +5593,7 @@
       <a:fillRef idx="1">
         <a:scrgbClr r="0" g="0" b="0"/>
       </a:fillRef>
-      <a:effectRef idx="0">
+      <a:effectRef idx="2">
         <a:scrgbClr r="0" g="0" b="0"/>
       </a:effectRef>
       <a:fontRef idx="minor"/>
@@ -4826,7 +5613,7 @@
       <a:fillRef idx="1">
         <a:scrgbClr r="0" g="0" b="0"/>
       </a:fillRef>
-      <a:effectRef idx="0">
+      <a:effectRef idx="2">
         <a:scrgbClr r="0" g="0" b="0"/>
       </a:effectRef>
       <a:fontRef idx="minor"/>
@@ -4846,7 +5633,7 @@
       <a:fillRef idx="1">
         <a:scrgbClr r="0" g="0" b="0"/>
       </a:fillRef>
-      <a:effectRef idx="0">
+      <a:effectRef idx="3">
         <a:scrgbClr r="0" g="0" b="0"/>
       </a:effectRef>
       <a:fontRef idx="minor"/>
@@ -4866,7 +5653,7 @@
       <a:fillRef idx="1">
         <a:scrgbClr r="0" g="0" b="0"/>
       </a:fillRef>
-      <a:effectRef idx="0">
+      <a:effectRef idx="3">
         <a:scrgbClr r="0" g="0" b="0"/>
       </a:effectRef>
       <a:fontRef idx="minor"/>
@@ -4886,7 +5673,7 @@
       <a:fillRef idx="1">
         <a:scrgbClr r="0" g="0" b="0"/>
       </a:fillRef>
-      <a:effectRef idx="0">
+      <a:effectRef idx="2">
         <a:scrgbClr r="0" g="0" b="0"/>
       </a:effectRef>
       <a:fontRef idx="minor"/>
@@ -4906,7 +5693,7 @@
       <a:fillRef idx="1">
         <a:scrgbClr r="0" g="0" b="0"/>
       </a:fillRef>
-      <a:effectRef idx="0">
+      <a:effectRef idx="2">
         <a:scrgbClr r="0" g="0" b="0"/>
       </a:effectRef>
       <a:fontRef idx="minor"/>
@@ -4926,7 +5713,7 @@
       <a:fillRef idx="1">
         <a:scrgbClr r="0" g="0" b="0"/>
       </a:fillRef>
-      <a:effectRef idx="0">
+      <a:effectRef idx="2">
         <a:scrgbClr r="0" g="0" b="0"/>
       </a:effectRef>
       <a:fontRef idx="minor"/>
@@ -4946,7 +5733,7 @@
       <a:fillRef idx="1">
         <a:scrgbClr r="0" g="0" b="0"/>
       </a:fillRef>
-      <a:effectRef idx="0">
+      <a:effectRef idx="2">
         <a:scrgbClr r="0" g="0" b="0"/>
       </a:effectRef>
       <a:fontRef idx="minor"/>
@@ -4966,7 +5753,7 @@
       <a:fillRef idx="1">
         <a:scrgbClr r="0" g="0" b="0"/>
       </a:fillRef>
-      <a:effectRef idx="0">
+      <a:effectRef idx="2">
         <a:scrgbClr r="0" g="0" b="0"/>
       </a:effectRef>
       <a:fontRef idx="minor"/>
@@ -4986,7 +5773,7 @@
       <a:fillRef idx="1">
         <a:scrgbClr r="0" g="0" b="0"/>
       </a:fillRef>
-      <a:effectRef idx="0">
+      <a:effectRef idx="2">
         <a:scrgbClr r="0" g="0" b="0"/>
       </a:effectRef>
       <a:fontRef idx="minor"/>
@@ -5006,7 +5793,7 @@
       <a:fillRef idx="1">
         <a:scrgbClr r="0" g="0" b="0"/>
       </a:fillRef>
-      <a:effectRef idx="0">
+      <a:effectRef idx="2">
         <a:scrgbClr r="0" g="0" b="0"/>
       </a:effectRef>
       <a:fontRef idx="minor"/>
@@ -5046,7 +5833,7 @@
       <a:fillRef idx="1">
         <a:scrgbClr r="0" g="0" b="0"/>
       </a:fillRef>
-      <a:effectRef idx="2">
+      <a:effectRef idx="3">
         <a:scrgbClr r="0" g="0" b="0"/>
       </a:effectRef>
       <a:fontRef idx="minor"/>
@@ -5086,7 +5873,7 @@
       <a:fillRef idx="3">
         <a:scrgbClr r="0" g="0" b="0"/>
       </a:fillRef>
-      <a:effectRef idx="2">
+      <a:effectRef idx="3">
         <a:scrgbClr r="0" g="0" b="0"/>
       </a:effectRef>
       <a:fontRef idx="minor"/>
@@ -5197,7 +5984,7 @@
           <a:p>
             <a:fld id="{15F16962-33E9-B148-8386-874839255F4A}" type="datetimeFigureOut">
               <a:rPr lang="en-US" smtClean="0"/>
-              <a:t>10/22/14</a:t>
+              <a:t>10/27/14</a:t>
             </a:fld>
             <a:endParaRPr lang="en-US"/>
           </a:p>
@@ -5362,7 +6149,7 @@
           <a:p>
             <a:fld id="{95289444-13F6-FD4C-A7F9-1D96C398DB18}" type="datetimeFigureOut">
               <a:rPr lang="en-US" smtClean="0"/>
-              <a:t>10/22/14</a:t>
+              <a:t>10/27/14</a:t>
             </a:fld>
             <a:endParaRPr lang="en-US"/>
           </a:p>
@@ -5770,19 +6557,55 @@
           <a:bodyPr/>
           <a:lstStyle/>
           <a:p>
-            <a:endParaRPr lang="en-US"/>
-          </a:p>
-          <a:p>
-            <a:r>
-              <a:rPr lang="en-US"/>
+            <a:pPr marL="171450" indent="-171450">
+              <a:buFont typeface="Arial"/>
+              <a:buChar char="•"/>
+            </a:pPr>
+            <a:r>
+              <a:rPr lang="en-US" dirty="0" smtClean="0"/>
+              <a:t>Example</a:t>
+            </a:r>
+          </a:p>
+          <a:p>
+            <a:pPr marL="628650" lvl="1" indent="-171450">
+              <a:buFont typeface="Arial"/>
+              <a:buChar char="•"/>
+            </a:pPr>
+            <a:r>
+              <a:rPr lang="en-US" dirty="0" smtClean="0"/>
+              <a:t>Seed has length 7, weight 4,</a:t>
+            </a:r>
+            <a:r>
+              <a:rPr lang="en-US" baseline="0" dirty="0" smtClean="0"/>
+              <a:t> matching positions are all the even </a:t>
+            </a:r>
+            <a:r>
+              <a:rPr lang="en-US" baseline="0" dirty="0" err="1" smtClean="0"/>
+              <a:t>posiitons</a:t>
+            </a:r>
+            <a:endParaRPr lang="en-US" baseline="0" dirty="0" smtClean="0"/>
+          </a:p>
+          <a:p>
+            <a:pPr marL="628650" lvl="1" indent="-171450">
+              <a:buFont typeface="Arial"/>
+              <a:buChar char="•"/>
+            </a:pPr>
+            <a:endParaRPr lang="en-US" dirty="0"/>
+          </a:p>
+          <a:p>
+            <a:r>
+              <a:rPr lang="en-US" dirty="0"/>
               <a:t>----- Meeting Notes (10/22/14 14:27) -----</a:t>
             </a:r>
           </a:p>
           <a:p>
             <a:r>
-              <a:rPr lang="en-US"/>
-              <a:t>Better explanation of this.</a:t>
-            </a:r>
+              <a:rPr lang="en-US" dirty="0"/>
+              <a:t>Consider using 0's instead of *s</a:t>
+            </a:r>
+          </a:p>
+          <a:p>
+            <a:endParaRPr lang="en-US" dirty="0"/>
           </a:p>
         </p:txBody>
       </p:sp>
@@ -5812,7 +6635,7 @@
     </p:spTree>
     <p:extLst>
       <p:ext uri="{BB962C8B-B14F-4D97-AF65-F5344CB8AC3E}">
-        <p14:creationId xmlns:p14="http://schemas.microsoft.com/office/powerpoint/2010/main" val="758570641"/>
+        <p14:creationId xmlns:p14="http://schemas.microsoft.com/office/powerpoint/2010/main" val="3845649364"/>
       </p:ext>
     </p:extLst>
   </p:cSld>
@@ -5866,73 +6689,19 @@
           <a:bodyPr/>
           <a:lstStyle/>
           <a:p>
-            <a:pPr marL="0" marR="0" lvl="1" indent="0" algn="l" defTabSz="457200" rtl="0" eaLnBrk="1" fontAlgn="auto" latinLnBrk="0" hangingPunct="1">
-              <a:lnSpc>
-                <a:spcPct val="100000"/>
-              </a:lnSpc>
-              <a:spcBef>
-                <a:spcPts val="0"/>
-              </a:spcBef>
-              <a:spcAft>
-                <a:spcPts val="0"/>
-              </a:spcAft>
-              <a:buClrTx/>
-              <a:buSzTx/>
-              <a:buFontTx/>
-              <a:buNone/>
-              <a:tabLst/>
-              <a:defRPr/>
-            </a:pPr>
-            <a:r>
-              <a:rPr lang="en-US" dirty="0" smtClean="0"/>
-              <a:t>Modifying algorithm to more effectively use spaced seeds</a:t>
-            </a:r>
-          </a:p>
-          <a:p>
-            <a:r>
-              <a:rPr lang="en-US" sz="1200" dirty="0" smtClean="0"/>
-              <a:t>Optimizing</a:t>
-            </a:r>
-            <a:r>
-              <a:rPr lang="en-US" sz="1200" baseline="0" dirty="0" smtClean="0"/>
-              <a:t> seed through determining </a:t>
-            </a:r>
-            <a:r>
-              <a:rPr lang="en-US" sz="1200" dirty="0" smtClean="0"/>
-              <a:t>characteristics of a spaced seed that make it</a:t>
-            </a:r>
-            <a:r>
-              <a:rPr lang="en-US" sz="1200" baseline="0" dirty="0" smtClean="0"/>
-              <a:t> </a:t>
-            </a:r>
-            <a:r>
-              <a:rPr lang="en-US" sz="1200" dirty="0" smtClean="0"/>
-              <a:t>better suited for repeat-finding purposes</a:t>
-            </a:r>
-          </a:p>
-          <a:p>
-            <a:r>
-              <a:rPr lang="en-US" sz="1200" dirty="0" smtClean="0"/>
+            <a:endParaRPr lang="en-US"/>
+          </a:p>
+          <a:p>
+            <a:r>
+              <a:rPr lang="en-US"/>
               <a:t>----- Meeting Notes (10/22/14 14:27) -----</a:t>
             </a:r>
           </a:p>
           <a:p>
             <a:r>
-              <a:rPr lang="en-US" sz="1200" dirty="0" smtClean="0"/>
-              <a:t>Modifying raider algorithm for use of spaced seeds</a:t>
-            </a:r>
-          </a:p>
-          <a:p>
-            <a:endParaRPr lang="en-US" sz="1200" dirty="0" smtClean="0"/>
-          </a:p>
-          <a:p>
-            <a:r>
-              <a:rPr lang="en-US" sz="1200" dirty="0" smtClean="0"/>
-              <a:t>Modifying raider to use multiple seeds</a:t>
-            </a:r>
-          </a:p>
-          <a:p>
-            <a:endParaRPr lang="en-US" dirty="0"/>
+              <a:rPr lang="en-US"/>
+              <a:t>Better explanation of this.</a:t>
+            </a:r>
           </a:p>
         </p:txBody>
       </p:sp>
@@ -5953,7 +6722,7 @@
           <a:p>
             <a:fld id="{308729B0-B6CC-0A47-8502-98514D66846F}" type="slidenum">
               <a:rPr lang="en-US" smtClean="0"/>
-              <a:t>12</a:t>
+              <a:t>11</a:t>
             </a:fld>
             <a:endParaRPr lang="en-US"/>
           </a:p>
@@ -5962,7 +6731,7 @@
     </p:spTree>
     <p:extLst>
       <p:ext uri="{BB962C8B-B14F-4D97-AF65-F5344CB8AC3E}">
-        <p14:creationId xmlns:p14="http://schemas.microsoft.com/office/powerpoint/2010/main" val="3125565778"/>
+        <p14:creationId xmlns:p14="http://schemas.microsoft.com/office/powerpoint/2010/main" val="758570641"/>
       </p:ext>
     </p:extLst>
   </p:cSld>
@@ -6016,6 +6785,72 @@
           <a:bodyPr/>
           <a:lstStyle/>
           <a:p>
+            <a:pPr marL="0" marR="0" lvl="1" indent="0" algn="l" defTabSz="457200" rtl="0" eaLnBrk="1" fontAlgn="auto" latinLnBrk="0" hangingPunct="1">
+              <a:lnSpc>
+                <a:spcPct val="100000"/>
+              </a:lnSpc>
+              <a:spcBef>
+                <a:spcPts val="0"/>
+              </a:spcBef>
+              <a:spcAft>
+                <a:spcPts val="0"/>
+              </a:spcAft>
+              <a:buClrTx/>
+              <a:buSzTx/>
+              <a:buFontTx/>
+              <a:buNone/>
+              <a:tabLst/>
+              <a:defRPr/>
+            </a:pPr>
+            <a:r>
+              <a:rPr lang="en-US" dirty="0" smtClean="0"/>
+              <a:t>Modifying algorithm to more effectively use spaced seeds</a:t>
+            </a:r>
+          </a:p>
+          <a:p>
+            <a:r>
+              <a:rPr lang="en-US" sz="1200" dirty="0" smtClean="0"/>
+              <a:t>Optimizing</a:t>
+            </a:r>
+            <a:r>
+              <a:rPr lang="en-US" sz="1200" baseline="0" dirty="0" smtClean="0"/>
+              <a:t> seed through determining </a:t>
+            </a:r>
+            <a:r>
+              <a:rPr lang="en-US" sz="1200" dirty="0" smtClean="0"/>
+              <a:t>characteristics of a spaced seed that make it</a:t>
+            </a:r>
+            <a:r>
+              <a:rPr lang="en-US" sz="1200" baseline="0" dirty="0" smtClean="0"/>
+              <a:t> </a:t>
+            </a:r>
+            <a:r>
+              <a:rPr lang="en-US" sz="1200" dirty="0" smtClean="0"/>
+              <a:t>better suited for repeat-finding purposes</a:t>
+            </a:r>
+          </a:p>
+          <a:p>
+            <a:r>
+              <a:rPr lang="en-US" sz="1200" dirty="0" smtClean="0"/>
+              <a:t>----- Meeting Notes (10/22/14 14:27) -----</a:t>
+            </a:r>
+          </a:p>
+          <a:p>
+            <a:r>
+              <a:rPr lang="en-US" sz="1200" dirty="0" smtClean="0"/>
+              <a:t>Modifying raider algorithm for use of spaced seeds</a:t>
+            </a:r>
+          </a:p>
+          <a:p>
+            <a:endParaRPr lang="en-US" sz="1200" dirty="0" smtClean="0"/>
+          </a:p>
+          <a:p>
+            <a:r>
+              <a:rPr lang="en-US" sz="1200" dirty="0" smtClean="0"/>
+              <a:t>Modifying raider to use multiple seeds</a:t>
+            </a:r>
+          </a:p>
+          <a:p>
             <a:endParaRPr lang="en-US" dirty="0"/>
           </a:p>
         </p:txBody>
@@ -6046,7 +6881,7 @@
     </p:spTree>
     <p:extLst>
       <p:ext uri="{BB962C8B-B14F-4D97-AF65-F5344CB8AC3E}">
-        <p14:creationId xmlns:p14="http://schemas.microsoft.com/office/powerpoint/2010/main" val="881887752"/>
+        <p14:creationId xmlns:p14="http://schemas.microsoft.com/office/powerpoint/2010/main" val="3125565778"/>
       </p:ext>
     </p:extLst>
   </p:cSld>
@@ -6100,48 +6935,6 @@
           <a:bodyPr/>
           <a:lstStyle/>
           <a:p>
-            <a:r>
-              <a:rPr lang="en-US" dirty="0" smtClean="0"/>
-              <a:t>Seed analysis -&gt;</a:t>
-            </a:r>
-            <a:r>
-              <a:rPr lang="en-US" baseline="0" dirty="0" smtClean="0"/>
-              <a:t> </a:t>
-            </a:r>
-            <a:r>
-              <a:rPr lang="en-US" dirty="0" smtClean="0"/>
-              <a:t>determine which which characteristics of a spaced-seed make it better suited for repeat-finding purposes</a:t>
-            </a:r>
-          </a:p>
-          <a:p>
-            <a:pPr marL="0" marR="0" lvl="1" indent="0" algn="l" defTabSz="457200" rtl="0" eaLnBrk="1" fontAlgn="auto" latinLnBrk="0" hangingPunct="1">
-              <a:lnSpc>
-                <a:spcPct val="100000"/>
-              </a:lnSpc>
-              <a:spcBef>
-                <a:spcPts val="0"/>
-              </a:spcBef>
-              <a:spcAft>
-                <a:spcPts val="0"/>
-              </a:spcAft>
-              <a:buClrTx/>
-              <a:buSzTx/>
-              <a:buFontTx/>
-              <a:buNone/>
-              <a:tabLst/>
-              <a:defRPr/>
-            </a:pPr>
-            <a:r>
-              <a:rPr lang="en-US" dirty="0" smtClean="0"/>
-              <a:t>Seed design -&gt;</a:t>
-            </a:r>
-            <a:r>
-              <a:rPr lang="en-US" baseline="0" dirty="0" smtClean="0"/>
-              <a:t> create seeds with these optimal characteristics</a:t>
-            </a:r>
-            <a:endParaRPr lang="en-US" dirty="0" smtClean="0"/>
-          </a:p>
-          <a:p>
             <a:endParaRPr lang="en-US" dirty="0"/>
           </a:p>
         </p:txBody>
@@ -6172,7 +6965,7 @@
     </p:spTree>
     <p:extLst>
       <p:ext uri="{BB962C8B-B14F-4D97-AF65-F5344CB8AC3E}">
-        <p14:creationId xmlns:p14="http://schemas.microsoft.com/office/powerpoint/2010/main" val="2489883265"/>
+        <p14:creationId xmlns:p14="http://schemas.microsoft.com/office/powerpoint/2010/main" val="881887752"/>
       </p:ext>
     </p:extLst>
   </p:cSld>
@@ -6228,7 +7021,7 @@
           <a:p>
             <a:r>
               <a:rPr lang="en-US" dirty="0" smtClean="0"/>
-              <a:t>I created an evaluation tool</a:t>
+              <a:t>Seed analysis -&gt;</a:t>
             </a:r>
             <a:r>
               <a:rPr lang="en-US" baseline="0" dirty="0" smtClean="0"/>
@@ -6236,15 +7029,7 @@
             </a:r>
             <a:r>
               <a:rPr lang="en-US" dirty="0" smtClean="0"/>
-              <a:t>that compares the results of RAIDER against </a:t>
-            </a:r>
-            <a:r>
-              <a:rPr lang="en-US" dirty="0" err="1" smtClean="0"/>
-              <a:t>RepeatScout</a:t>
-            </a:r>
-            <a:r>
-              <a:rPr lang="en-US" dirty="0" smtClean="0"/>
-              <a:t>, a widely used repeat-finding tool, when both were run on the same simulated DNA sequence. </a:t>
+              <a:t>determine which which characteristics of a spaced-seed make it better suited for repeat-finding purposes</a:t>
             </a:r>
           </a:p>
           <a:p>
@@ -6267,89 +7052,16 @@
             </a:pPr>
             <a:r>
               <a:rPr lang="en-US" dirty="0" smtClean="0"/>
-              <a:t>Created with intention to compare results of RAIDER against </a:t>
-            </a:r>
-            <a:r>
-              <a:rPr lang="en-US" dirty="0" err="1" smtClean="0"/>
-              <a:t>RepeatScout</a:t>
-            </a:r>
-            <a:r>
-              <a:rPr lang="en-US" dirty="0" smtClean="0"/>
-              <a:t>,</a:t>
+              <a:t>Seed design -&gt;</a:t>
             </a:r>
             <a:r>
               <a:rPr lang="en-US" baseline="0" dirty="0" smtClean="0"/>
-              <a:t> a widely used repeat-finding tool</a:t>
+              <a:t> create seeds with these optimal characteristics</a:t>
             </a:r>
             <a:endParaRPr lang="en-US" dirty="0" smtClean="0"/>
           </a:p>
           <a:p>
-            <a:endParaRPr lang="en-US" dirty="0" smtClean="0"/>
-          </a:p>
-          <a:p>
-            <a:r>
-              <a:rPr lang="en-US" dirty="0" smtClean="0"/>
-              <a:t>Since the chromosome being</a:t>
-            </a:r>
-            <a:r>
-              <a:rPr lang="en-US" baseline="0" dirty="0" smtClean="0"/>
-              <a:t> </a:t>
-            </a:r>
-            <a:r>
-              <a:rPr lang="en-US" dirty="0" smtClean="0"/>
-              <a:t>used is simulated, the locations of the repeats in the genome are already known. </a:t>
-            </a:r>
-          </a:p>
-          <a:p>
-            <a:r>
-              <a:rPr lang="en-US" dirty="0" smtClean="0"/>
-              <a:t>There</a:t>
-            </a:r>
-            <a:r>
-              <a:rPr lang="en-US" baseline="0" dirty="0" smtClean="0"/>
-              <a:t>fore, it is </a:t>
-            </a:r>
-            <a:r>
-              <a:rPr lang="en-US" dirty="0" smtClean="0"/>
-              <a:t>possible to calculate the number of bases that were accurately and inaccurately categorized</a:t>
-            </a:r>
-            <a:r>
-              <a:rPr lang="en-US" baseline="0" dirty="0" smtClean="0"/>
-              <a:t> </a:t>
-            </a:r>
-            <a:r>
-              <a:rPr lang="en-US" dirty="0" smtClean="0"/>
-              <a:t>as part of a repeat or not part of a repeat.</a:t>
-            </a:r>
-          </a:p>
-          <a:p>
-            <a:r>
-              <a:rPr lang="en-US" dirty="0" smtClean="0"/>
-              <a:t>Calculates</a:t>
-            </a:r>
-            <a:r>
-              <a:rPr lang="en-US" baseline="0" dirty="0" smtClean="0"/>
-              <a:t> </a:t>
-            </a:r>
-            <a:r>
-              <a:rPr lang="en-US" dirty="0" smtClean="0"/>
-              <a:t>the sensitivity and specificity for each tool, in addition to other related calculations</a:t>
-            </a:r>
-          </a:p>
-          <a:p>
             <a:endParaRPr lang="en-US" dirty="0"/>
-          </a:p>
-          <a:p>
-            <a:r>
-              <a:rPr lang="en-US" dirty="0"/>
-              <a:t>----- Meeting Notes (10/22/14 14:27) -----</a:t>
-            </a:r>
-          </a:p>
-          <a:p>
-            <a:r>
-              <a:rPr lang="en-US" dirty="0"/>
-              <a:t>Extra slide after that quickly summarizes all of proposal</a:t>
-            </a:r>
           </a:p>
         </p:txBody>
       </p:sp>
@@ -6370,7 +7082,214 @@
           <a:p>
             <a:fld id="{308729B0-B6CC-0A47-8502-98514D66846F}" type="slidenum">
               <a:rPr lang="en-US" smtClean="0"/>
-              <a:t>16</a:t>
+              <a:t>15</a:t>
+            </a:fld>
+            <a:endParaRPr lang="en-US"/>
+          </a:p>
+        </p:txBody>
+      </p:sp>
+    </p:spTree>
+    <p:extLst>
+      <p:ext uri="{BB962C8B-B14F-4D97-AF65-F5344CB8AC3E}">
+        <p14:creationId xmlns:p14="http://schemas.microsoft.com/office/powerpoint/2010/main" val="2489883265"/>
+      </p:ext>
+    </p:extLst>
+  </p:cSld>
+  <p:clrMapOvr>
+    <a:masterClrMapping/>
+  </p:clrMapOvr>
+</p:notes>
+</file>
+
+<file path=ppt/notesSlides/notesSlide15.xml><?xml version="1.0" encoding="utf-8"?>
+<p:notes xmlns:a="http://schemas.openxmlformats.org/drawingml/2006/main" xmlns:r="http://schemas.openxmlformats.org/officeDocument/2006/relationships" xmlns:p="http://schemas.openxmlformats.org/presentationml/2006/main">
+  <p:cSld>
+    <p:spTree>
+      <p:nvGrpSpPr>
+        <p:cNvPr id="1" name=""/>
+        <p:cNvGrpSpPr/>
+        <p:nvPr/>
+      </p:nvGrpSpPr>
+      <p:grpSpPr>
+        <a:xfrm>
+          <a:off x="0" y="0"/>
+          <a:ext cx="0" cy="0"/>
+          <a:chOff x="0" y="0"/>
+          <a:chExt cx="0" cy="0"/>
+        </a:xfrm>
+      </p:grpSpPr>
+      <p:sp>
+        <p:nvSpPr>
+          <p:cNvPr id="2" name="Slide Image Placeholder 1"/>
+          <p:cNvSpPr>
+            <a:spLocks noGrp="1" noRot="1" noChangeAspect="1"/>
+          </p:cNvSpPr>
+          <p:nvPr>
+            <p:ph type="sldImg"/>
+          </p:nvPr>
+        </p:nvSpPr>
+        <p:spPr/>
+      </p:sp>
+      <p:sp>
+        <p:nvSpPr>
+          <p:cNvPr id="3" name="Notes Placeholder 2"/>
+          <p:cNvSpPr>
+            <a:spLocks noGrp="1"/>
+          </p:cNvSpPr>
+          <p:nvPr>
+            <p:ph type="body" idx="1"/>
+          </p:nvPr>
+        </p:nvSpPr>
+        <p:spPr/>
+        <p:txBody>
+          <a:bodyPr/>
+          <a:lstStyle/>
+          <a:p>
+            <a:r>
+              <a:rPr lang="en-US" dirty="0" smtClean="0"/>
+              <a:t>I created an evaluation tool</a:t>
+            </a:r>
+            <a:r>
+              <a:rPr lang="en-US" baseline="0" dirty="0" smtClean="0"/>
+              <a:t> </a:t>
+            </a:r>
+            <a:r>
+              <a:rPr lang="en-US" dirty="0" smtClean="0"/>
+              <a:t>that compares the results of RAIDER against </a:t>
+            </a:r>
+            <a:r>
+              <a:rPr lang="en-US" dirty="0" err="1" smtClean="0"/>
+              <a:t>RepeatScout</a:t>
+            </a:r>
+            <a:r>
+              <a:rPr lang="en-US" dirty="0" smtClean="0"/>
+              <a:t>, a widely used repeat-finding tool, when both were run on the same simulated DNA sequence. </a:t>
+            </a:r>
+          </a:p>
+          <a:p>
+            <a:pPr marL="0" marR="0" lvl="1" indent="0" algn="l" defTabSz="457200" rtl="0" eaLnBrk="1" fontAlgn="auto" latinLnBrk="0" hangingPunct="1">
+              <a:lnSpc>
+                <a:spcPct val="100000"/>
+              </a:lnSpc>
+              <a:spcBef>
+                <a:spcPts val="0"/>
+              </a:spcBef>
+              <a:spcAft>
+                <a:spcPts val="0"/>
+              </a:spcAft>
+              <a:buClrTx/>
+              <a:buSzTx/>
+              <a:buFontTx/>
+              <a:buNone/>
+              <a:tabLst/>
+              <a:defRPr/>
+            </a:pPr>
+            <a:r>
+              <a:rPr lang="en-US" dirty="0" smtClean="0"/>
+              <a:t>Created with intention to compare results of RAIDER against </a:t>
+            </a:r>
+            <a:r>
+              <a:rPr lang="en-US" dirty="0" err="1" smtClean="0"/>
+              <a:t>RepeatScout</a:t>
+            </a:r>
+            <a:r>
+              <a:rPr lang="en-US" dirty="0" smtClean="0"/>
+              <a:t>,</a:t>
+            </a:r>
+            <a:r>
+              <a:rPr lang="en-US" baseline="0" dirty="0" smtClean="0"/>
+              <a:t> a widely used repeat-finding tool</a:t>
+            </a:r>
+            <a:endParaRPr lang="en-US" dirty="0" smtClean="0"/>
+          </a:p>
+          <a:p>
+            <a:endParaRPr lang="en-US" dirty="0" smtClean="0"/>
+          </a:p>
+          <a:p>
+            <a:r>
+              <a:rPr lang="en-US" dirty="0" smtClean="0"/>
+              <a:t>Since the chromosome being</a:t>
+            </a:r>
+            <a:r>
+              <a:rPr lang="en-US" baseline="0" dirty="0" smtClean="0"/>
+              <a:t> </a:t>
+            </a:r>
+            <a:r>
+              <a:rPr lang="en-US" dirty="0" smtClean="0"/>
+              <a:t>used is simulated, the locations of the repeats in the genome are already known. </a:t>
+            </a:r>
+          </a:p>
+          <a:p>
+            <a:r>
+              <a:rPr lang="en-US" dirty="0" smtClean="0"/>
+              <a:t>There</a:t>
+            </a:r>
+            <a:r>
+              <a:rPr lang="en-US" baseline="0" dirty="0" smtClean="0"/>
+              <a:t>fore, it is </a:t>
+            </a:r>
+            <a:r>
+              <a:rPr lang="en-US" dirty="0" smtClean="0"/>
+              <a:t>possible to calculate the number of bases that were accurately and inaccurately categorized</a:t>
+            </a:r>
+            <a:r>
+              <a:rPr lang="en-US" baseline="0" dirty="0" smtClean="0"/>
+              <a:t> </a:t>
+            </a:r>
+            <a:r>
+              <a:rPr lang="en-US" dirty="0" smtClean="0"/>
+              <a:t>as part of a repeat or not part of a repeat.</a:t>
+            </a:r>
+          </a:p>
+          <a:p>
+            <a:r>
+              <a:rPr lang="en-US" dirty="0" smtClean="0"/>
+              <a:t>Calculates</a:t>
+            </a:r>
+            <a:r>
+              <a:rPr lang="en-US" baseline="0" dirty="0" smtClean="0"/>
+              <a:t> </a:t>
+            </a:r>
+            <a:r>
+              <a:rPr lang="en-US" dirty="0" smtClean="0"/>
+              <a:t>the sensitivity and specificity for each tool, in addition to other related calculations</a:t>
+            </a:r>
+          </a:p>
+          <a:p>
+            <a:endParaRPr lang="en-US" dirty="0"/>
+          </a:p>
+          <a:p>
+            <a:r>
+              <a:rPr lang="en-US" dirty="0"/>
+              <a:t>----- Meeting Notes (10/22/14 14:27) -----</a:t>
+            </a:r>
+          </a:p>
+          <a:p>
+            <a:r>
+              <a:rPr lang="en-US" dirty="0"/>
+              <a:t>Extra slide after that quickly summarizes all of proposal</a:t>
+            </a:r>
+          </a:p>
+        </p:txBody>
+      </p:sp>
+      <p:sp>
+        <p:nvSpPr>
+          <p:cNvPr id="4" name="Slide Number Placeholder 3"/>
+          <p:cNvSpPr>
+            <a:spLocks noGrp="1"/>
+          </p:cNvSpPr>
+          <p:nvPr>
+            <p:ph type="sldNum" sz="quarter" idx="10"/>
+          </p:nvPr>
+        </p:nvSpPr>
+        <p:spPr/>
+        <p:txBody>
+          <a:bodyPr/>
+          <a:lstStyle/>
+          <a:p>
+            <a:fld id="{308729B0-B6CC-0A47-8502-98514D66846F}" type="slidenum">
+              <a:rPr lang="en-US" smtClean="0"/>
+              <a:t>17</a:t>
             </a:fld>
             <a:endParaRPr lang="en-US"/>
           </a:p>
@@ -6517,7 +7436,134 @@
           <a:bodyPr/>
           <a:lstStyle/>
           <a:p>
-            <a:pPr marL="0" marR="0" indent="0" algn="l" defTabSz="457200" rtl="0" eaLnBrk="1" fontAlgn="auto" latinLnBrk="0" hangingPunct="1">
+            <a:pPr marL="171450" indent="-171450">
+              <a:buFont typeface="Arial"/>
+              <a:buChar char="•"/>
+            </a:pPr>
+            <a:r>
+              <a:rPr lang="en-US" dirty="0" smtClean="0">
+                <a:effectLst/>
+              </a:rPr>
+              <a:t>Every living organism inherits information from its parents that affects the organism's distinguishing traits. </a:t>
+            </a:r>
+          </a:p>
+          <a:p>
+            <a:pPr marL="628650" lvl="1" indent="-171450">
+              <a:buFont typeface="Arial"/>
+              <a:buChar char="•"/>
+            </a:pPr>
+            <a:r>
+              <a:rPr lang="en-US" dirty="0" smtClean="0">
+                <a:effectLst/>
+              </a:rPr>
+              <a:t>Embedded as a sequence inside of an organism's genetic material</a:t>
+            </a:r>
+          </a:p>
+          <a:p>
+            <a:pPr marL="1085850" lvl="2" indent="-171450">
+              <a:buFont typeface="Arial"/>
+              <a:buChar char="•"/>
+            </a:pPr>
+            <a:r>
+              <a:rPr lang="en-US" dirty="0" smtClean="0">
+                <a:effectLst/>
+              </a:rPr>
+              <a:t>A molecule known as deoxyribonucleic acid,</a:t>
+            </a:r>
+            <a:r>
+              <a:rPr lang="en-US" baseline="0" dirty="0" smtClean="0">
+                <a:effectLst/>
+              </a:rPr>
+              <a:t> or </a:t>
+            </a:r>
+            <a:r>
+              <a:rPr lang="en-US" dirty="0" smtClean="0">
+                <a:effectLst/>
+              </a:rPr>
+              <a:t>DNA. </a:t>
+            </a:r>
+          </a:p>
+          <a:p>
+            <a:pPr marL="628650" lvl="1" indent="-171450">
+              <a:buFont typeface="Arial"/>
+              <a:buChar char="•"/>
+            </a:pPr>
+            <a:r>
+              <a:rPr lang="en-US" dirty="0" smtClean="0">
+                <a:effectLst/>
+              </a:rPr>
+              <a:t>An organism's </a:t>
+            </a:r>
+            <a:r>
+              <a:rPr lang="en-US" b="1" dirty="0" smtClean="0">
+                <a:effectLst/>
+              </a:rPr>
+              <a:t>genome</a:t>
+            </a:r>
+            <a:r>
+              <a:rPr lang="en-US" dirty="0" smtClean="0">
+                <a:effectLst/>
+              </a:rPr>
+              <a:t> is the set of all DNA sequences associated with that organism.</a:t>
+            </a:r>
+          </a:p>
+          <a:p>
+            <a:pPr marL="171450" indent="-171450">
+              <a:buFont typeface="Arial"/>
+              <a:buChar char="•"/>
+            </a:pPr>
+            <a:r>
+              <a:rPr lang="en-US" dirty="0" smtClean="0">
+                <a:effectLst/>
+              </a:rPr>
+              <a:t>Each sequence of DNA is composed of a chain of nucleotides. </a:t>
+            </a:r>
+          </a:p>
+          <a:p>
+            <a:pPr marL="628650" lvl="1" indent="-171450">
+              <a:buFont typeface="Arial"/>
+              <a:buChar char="•"/>
+            </a:pPr>
+            <a:r>
+              <a:rPr lang="en-US" dirty="0" smtClean="0">
+                <a:effectLst/>
+              </a:rPr>
+              <a:t>4</a:t>
+            </a:r>
+            <a:r>
+              <a:rPr lang="en-US" baseline="0" dirty="0" smtClean="0">
+                <a:effectLst/>
+              </a:rPr>
+              <a:t> </a:t>
+            </a:r>
+            <a:r>
+              <a:rPr lang="en-US" dirty="0" smtClean="0">
+                <a:effectLst/>
+              </a:rPr>
+              <a:t>nucleotides found in DNA: Adenine (A), Cytosine (C), Guanine (G), and Thymine (T). </a:t>
+            </a:r>
+          </a:p>
+          <a:p>
+            <a:pPr marL="628650" lvl="1" indent="-171450">
+              <a:buFont typeface="Arial"/>
+              <a:buChar char="•"/>
+            </a:pPr>
+            <a:r>
+              <a:rPr lang="en-US" dirty="0" smtClean="0">
+                <a:effectLst/>
+              </a:rPr>
+              <a:t>DNA can be represented as a finite string s over the alphabet </a:t>
+            </a:r>
+            <a:r>
+              <a:rPr lang="en-US" baseline="0" dirty="0" smtClean="0">
+                <a:effectLst/>
+              </a:rPr>
+              <a:t>of nucleotides</a:t>
+            </a:r>
+            <a:endParaRPr lang="en-US" dirty="0" smtClean="0"/>
+          </a:p>
+          <a:p>
+            <a:pPr marL="171450" marR="0" indent="-171450" algn="l" defTabSz="457200" rtl="0" eaLnBrk="1" fontAlgn="auto" latinLnBrk="0" hangingPunct="1">
               <a:lnSpc>
                 <a:spcPct val="100000"/>
               </a:lnSpc>
@@ -6529,24 +7575,81 @@
               </a:spcAft>
               <a:buClrTx/>
               <a:buSzTx/>
-              <a:buFontTx/>
-              <a:buNone/>
+              <a:buFont typeface="Arial"/>
+              <a:buChar char="•"/>
               <a:tabLst/>
               <a:defRPr/>
             </a:pPr>
             <a:r>
               <a:rPr lang="en-US" dirty="0" smtClean="0"/>
-              <a:t>Hereditary information embedded inside genetic material (DNA)</a:t>
-            </a:r>
-          </a:p>
-          <a:p>
+              <a:t>Repetitive DNA</a:t>
+            </a:r>
+            <a:r>
+              <a:rPr lang="en-US" baseline="0" dirty="0" smtClean="0"/>
+              <a:t> =</a:t>
+            </a:r>
             <a:r>
               <a:rPr lang="en-US" dirty="0" smtClean="0"/>
-              <a:t>Repetitive DNA makes up a significant portion</a:t>
+              <a:t> a set of discrete DNA sequences in the same genome that are similar or identical to one</a:t>
             </a:r>
             <a:r>
               <a:rPr lang="en-US" baseline="0" dirty="0" smtClean="0"/>
-              <a:t> of eukaryotic chromosomes</a:t>
+              <a:t> another</a:t>
+            </a:r>
+            <a:endParaRPr lang="en-US" dirty="0" smtClean="0"/>
+          </a:p>
+          <a:p>
+            <a:pPr marL="628650" marR="0" lvl="1" indent="-171450" algn="l" defTabSz="457200" rtl="0" eaLnBrk="1" fontAlgn="auto" latinLnBrk="0" hangingPunct="1">
+              <a:lnSpc>
+                <a:spcPct val="100000"/>
+              </a:lnSpc>
+              <a:spcBef>
+                <a:spcPts val="0"/>
+              </a:spcBef>
+              <a:spcAft>
+                <a:spcPts val="0"/>
+              </a:spcAft>
+              <a:buClrTx/>
+              <a:buSzTx/>
+              <a:buFont typeface="Arial"/>
+              <a:buChar char="•"/>
+              <a:tabLst/>
+              <a:defRPr/>
+            </a:pPr>
+            <a:r>
+              <a:rPr lang="en-US" dirty="0" smtClean="0"/>
+              <a:t>Makes up a significant portion of eukaryotic</a:t>
+            </a:r>
+            <a:r>
+              <a:rPr lang="en-US" baseline="0" dirty="0" smtClean="0"/>
+              <a:t> </a:t>
+            </a:r>
+            <a:r>
+              <a:rPr lang="en-US" dirty="0" smtClean="0"/>
+              <a:t>genomes</a:t>
+            </a:r>
+          </a:p>
+          <a:p>
+            <a:pPr marL="628650" marR="0" lvl="1" indent="-171450" algn="l" defTabSz="457200" rtl="0" eaLnBrk="1" fontAlgn="auto" latinLnBrk="0" hangingPunct="1">
+              <a:lnSpc>
+                <a:spcPct val="100000"/>
+              </a:lnSpc>
+              <a:spcBef>
+                <a:spcPts val="0"/>
+              </a:spcBef>
+              <a:spcAft>
+                <a:spcPts val="0"/>
+              </a:spcAft>
+              <a:buClrTx/>
+              <a:buSzTx/>
+              <a:buFont typeface="Arial"/>
+              <a:buChar char="•"/>
+              <a:tabLst/>
+              <a:defRPr/>
+            </a:pPr>
+            <a:r>
+              <a:rPr lang="en-US" dirty="0" smtClean="0"/>
+              <a:t>Human Genome Project -&gt; over one half of the DNA in the human genome is composed of these repetitive sequences</a:t>
             </a:r>
             <a:endParaRPr lang="en-US" dirty="0"/>
           </a:p>
@@ -6632,6 +7735,10 @@
           <a:bodyPr/>
           <a:lstStyle/>
           <a:p>
+            <a:pPr marL="171450" indent="-171450">
+              <a:buFont typeface="Arial"/>
+              <a:buChar char="•"/>
+            </a:pPr>
             <a:r>
               <a:rPr lang="en-US" sz="1200" b="0" i="0" u="none" strike="noStrike" kern="1200" baseline="0" dirty="0" smtClean="0">
                 <a:solidFill>
@@ -6641,37 +7748,14 @@
                 <a:ea typeface="+mn-ea"/>
                 <a:cs typeface="+mn-cs"/>
               </a:rPr>
-              <a:t>An exact matching is when two strings are the same size and are composed of the same sequence of characters.</a:t>
-            </a:r>
-          </a:p>
-          <a:p>
-            <a:endParaRPr lang="en-US" dirty="0" smtClean="0"/>
-          </a:p>
-          <a:p>
-            <a:r>
-              <a:rPr lang="en-US" dirty="0" smtClean="0"/>
-              <a:t>In</a:t>
-            </a:r>
-            <a:r>
-              <a:rPr lang="en-US" baseline="0" dirty="0" smtClean="0"/>
-              <a:t> the case of an approximate matching, t</a:t>
-            </a:r>
-            <a:r>
-              <a:rPr lang="en-US" dirty="0" smtClean="0"/>
-              <a:t>wo strings can differ to some degree and still be considered a “valid” match.</a:t>
-            </a:r>
-          </a:p>
-          <a:p>
-            <a:endParaRPr lang="en-US" sz="1200" b="0" i="0" u="none" strike="noStrike" kern="1200" baseline="0" dirty="0" smtClean="0">
-              <a:solidFill>
-                <a:schemeClr val="tx1"/>
-              </a:solidFill>
-              <a:latin typeface="+mn-lt"/>
-              <a:ea typeface="+mn-ea"/>
-              <a:cs typeface="+mn-cs"/>
-            </a:endParaRPr>
-          </a:p>
-          <a:p>
+              <a:t>String matching is fundamental to the process of finding repetitive DNA</a:t>
+            </a:r>
+          </a:p>
+          <a:p>
+            <a:pPr marL="171450" indent="-171450">
+              <a:buFont typeface="Arial"/>
+              <a:buChar char="•"/>
+            </a:pPr>
             <a:r>
               <a:rPr lang="en-US" sz="1200" b="0" i="0" u="none" strike="noStrike" kern="1200" baseline="0" dirty="0" smtClean="0">
                 <a:solidFill>
@@ -6681,42 +7765,7 @@
                 <a:ea typeface="+mn-ea"/>
                 <a:cs typeface="+mn-cs"/>
               </a:rPr>
-              <a:t>String matching is fundamental to the process of </a:t>
-            </a:r>
-            <a:r>
-              <a:rPr lang="en-US" sz="1200" b="0" i="0" u="none" strike="noStrike" kern="1200" baseline="0" dirty="0" smtClean="0">
-                <a:solidFill>
-                  <a:schemeClr val="tx1"/>
-                </a:solidFill>
-                <a:latin typeface="+mn-lt"/>
-                <a:ea typeface="+mn-ea"/>
-                <a:cs typeface="+mn-cs"/>
-              </a:rPr>
-              <a:t>finding </a:t>
-            </a:r>
-            <a:r>
-              <a:rPr lang="en-US" sz="1200" b="0" i="0" u="none" strike="noStrike" kern="1200" baseline="0" dirty="0" smtClean="0">
-                <a:solidFill>
-                  <a:schemeClr val="tx1"/>
-                </a:solidFill>
-                <a:latin typeface="+mn-lt"/>
-                <a:ea typeface="+mn-ea"/>
-                <a:cs typeface="+mn-cs"/>
-              </a:rPr>
-              <a:t>repetitive DNA, and can be categorized</a:t>
-            </a:r>
-          </a:p>
-          <a:p>
-            <a:r>
-              <a:rPr lang="en-US" sz="1200" b="0" i="0" u="none" strike="noStrike" kern="1200" baseline="0" dirty="0" smtClean="0">
-                <a:solidFill>
-                  <a:schemeClr val="tx1"/>
-                </a:solidFill>
-                <a:latin typeface="+mn-lt"/>
-                <a:ea typeface="+mn-ea"/>
-                <a:cs typeface="+mn-cs"/>
-              </a:rPr>
-              <a:t>into one of two types: exact </a:t>
+              <a:t>Can be categorized into one of two types: exact </a:t>
             </a:r>
             <a:r>
               <a:rPr lang="en-US" sz="1200" b="0" i="0" u="none" strike="noStrike" kern="1200" baseline="0" dirty="0" err="1" smtClean="0">
@@ -6751,6 +7800,20 @@
               </a:rPr>
               <a:t>matchings</a:t>
             </a:r>
+            <a:endParaRPr lang="en-US" sz="1200" b="0" i="0" u="none" strike="noStrike" kern="1200" baseline="0" dirty="0" smtClean="0">
+              <a:solidFill>
+                <a:schemeClr val="tx1"/>
+              </a:solidFill>
+              <a:latin typeface="+mn-lt"/>
+              <a:ea typeface="+mn-ea"/>
+              <a:cs typeface="+mn-cs"/>
+            </a:endParaRPr>
+          </a:p>
+          <a:p>
+            <a:pPr marL="628650" lvl="1" indent="-171450">
+              <a:buFont typeface="Arial"/>
+              <a:buChar char="•"/>
+            </a:pPr>
             <a:r>
               <a:rPr lang="en-US" sz="1200" b="0" i="0" u="none" strike="noStrike" kern="1200" baseline="0" dirty="0" smtClean="0">
                 <a:solidFill>
@@ -6760,10 +7823,8 @@
                 <a:ea typeface="+mn-ea"/>
                 <a:cs typeface="+mn-cs"/>
               </a:rPr>
-              <a:t> [9]. An exact matching is when two</a:t>
-            </a:r>
-          </a:p>
-          <a:p>
+              <a:t>An </a:t>
+            </a:r>
             <a:r>
               <a:rPr lang="en-US" sz="1200" b="0" i="0" u="none" strike="noStrike" kern="1200" baseline="0" dirty="0" smtClean="0">
                 <a:solidFill>
@@ -6773,10 +7834,8 @@
                 <a:ea typeface="+mn-ea"/>
                 <a:cs typeface="+mn-cs"/>
               </a:rPr>
-              <a:t>strings are the same size and are composed of the same sequence of characters. While this type of</a:t>
-            </a:r>
-          </a:p>
-          <a:p>
+              <a:t>exact matching is when two strings are the same size and are composed of the same sequence of </a:t>
+            </a:r>
             <a:r>
               <a:rPr lang="en-US" sz="1200" b="0" i="0" u="none" strike="noStrike" kern="1200" baseline="0" dirty="0" smtClean="0">
                 <a:solidFill>
@@ -6786,8 +7845,125 @@
                 <a:ea typeface="+mn-ea"/>
                 <a:cs typeface="+mn-cs"/>
               </a:rPr>
-              <a:t>matching is of use to this discussion, the more relevant type of matching is known as inexact or</a:t>
-            </a:r>
+              <a:t>characters.</a:t>
+            </a:r>
+          </a:p>
+          <a:p>
+            <a:pPr marL="628650" lvl="1" indent="-171450">
+              <a:buFont typeface="Arial"/>
+              <a:buChar char="•"/>
+            </a:pPr>
+            <a:r>
+              <a:rPr lang="en-US" dirty="0" smtClean="0"/>
+              <a:t>In</a:t>
+            </a:r>
+            <a:r>
+              <a:rPr lang="en-US" baseline="0" dirty="0" smtClean="0"/>
+              <a:t> </a:t>
+            </a:r>
+            <a:r>
+              <a:rPr lang="en-US" baseline="0" dirty="0" smtClean="0"/>
+              <a:t>the case of an approximate matching, t</a:t>
+            </a:r>
+            <a:r>
+              <a:rPr lang="en-US" dirty="0" smtClean="0"/>
+              <a:t>wo strings can differ to some degree and still be considered a “valid” match</a:t>
+            </a:r>
+            <a:r>
+              <a:rPr lang="en-US" dirty="0" smtClean="0"/>
+              <a:t>.</a:t>
+            </a:r>
+          </a:p>
+          <a:p>
+            <a:pPr marL="171450" lvl="0" indent="-171450">
+              <a:buFont typeface="Arial"/>
+              <a:buChar char="•"/>
+            </a:pPr>
+            <a:r>
+              <a:rPr lang="en-US" dirty="0" smtClean="0"/>
+              <a:t> There are a variety of ways in which two strings can differ </a:t>
+            </a:r>
+          </a:p>
+          <a:p>
+            <a:pPr marL="628650" lvl="1" indent="-171450">
+              <a:buFont typeface="Arial"/>
+              <a:buChar char="•"/>
+            </a:pPr>
+            <a:r>
+              <a:rPr lang="en-US" dirty="0" smtClean="0"/>
+              <a:t>Such differences include, but are not limited to: </a:t>
+            </a:r>
+          </a:p>
+          <a:p>
+            <a:pPr marL="1085850" lvl="2" indent="-171450">
+              <a:buFont typeface="Arial"/>
+              <a:buChar char="•"/>
+            </a:pPr>
+            <a:r>
+              <a:rPr lang="en-US" dirty="0" smtClean="0"/>
+              <a:t>Substitutions (replacements)</a:t>
+            </a:r>
+          </a:p>
+          <a:p>
+            <a:pPr marL="1085850" lvl="2" indent="-171450">
+              <a:buFont typeface="Arial"/>
+              <a:buChar char="•"/>
+            </a:pPr>
+            <a:r>
+              <a:rPr lang="en-US" dirty="0" err="1" smtClean="0"/>
+              <a:t>Indels</a:t>
+            </a:r>
+            <a:r>
+              <a:rPr lang="en-US" dirty="0" smtClean="0"/>
+              <a:t>, a term used to denote both inserted and deleted characters. </a:t>
+            </a:r>
+          </a:p>
+          <a:p>
+            <a:pPr marL="171450" lvl="0" indent="-171450">
+              <a:buFont typeface="Arial"/>
+              <a:buChar char="•"/>
+            </a:pPr>
+            <a:r>
+              <a:rPr lang="en-US" dirty="0" smtClean="0"/>
+              <a:t>A</a:t>
+            </a:r>
+            <a:r>
+              <a:rPr lang="en-US" baseline="0" dirty="0" smtClean="0"/>
+              <a:t> </a:t>
+            </a:r>
+            <a:r>
+              <a:rPr lang="en-US" dirty="0" smtClean="0"/>
+              <a:t>widely used value we can calculate in order to quantify the overall distance or difference between two</a:t>
+            </a:r>
+            <a:r>
+              <a:rPr lang="en-US" baseline="0" dirty="0" smtClean="0"/>
+              <a:t> strings is: Hamming distance</a:t>
+            </a:r>
+            <a:endParaRPr lang="en-US" dirty="0" smtClean="0"/>
+          </a:p>
+          <a:p>
+            <a:pPr marL="628650" lvl="1" indent="-171450">
+              <a:buFont typeface="Arial"/>
+              <a:buChar char="•"/>
+            </a:pPr>
+            <a:r>
+              <a:rPr lang="en-US" dirty="0" smtClean="0"/>
+              <a:t>The minimum number of substitutions needed to transform the first string into the second.</a:t>
+            </a:r>
+          </a:p>
+          <a:p>
+            <a:pPr marL="171450" lvl="0" indent="-171450">
+              <a:buFont typeface="Arial"/>
+              <a:buChar char="•"/>
+            </a:pPr>
+            <a:endParaRPr lang="en-US" dirty="0" smtClean="0"/>
+          </a:p>
+          <a:p>
+            <a:pPr marL="628650" lvl="1" indent="-171450">
+              <a:buFont typeface="Arial"/>
+              <a:buChar char="•"/>
+            </a:pPr>
+            <a:endParaRPr lang="en-US" dirty="0" smtClean="0"/>
           </a:p>
           <a:p>
             <a:r>
@@ -6799,10 +7975,8 @@
                 <a:ea typeface="+mn-ea"/>
                 <a:cs typeface="+mn-cs"/>
               </a:rPr>
-              <a:t>approximate matching.</a:t>
-            </a:r>
-          </a:p>
-          <a:p>
+              <a:t>-</a:t>
+            </a:r>
             <a:r>
               <a:rPr lang="en-US" sz="1200" b="0" i="0" u="none" strike="noStrike" kern="1200" baseline="0" dirty="0" smtClean="0">
                 <a:solidFill>
@@ -6812,7 +7986,7 @@
                 <a:ea typeface="+mn-ea"/>
                 <a:cs typeface="+mn-cs"/>
               </a:rPr>
-              <a:t>----- Meeting Notes (10/22/14 14:27) -----</a:t>
+              <a:t>---- Meeting Notes (10/22/14 14:27) -----</a:t>
             </a:r>
           </a:p>
           <a:p>
@@ -6911,6 +8085,42 @@
           <a:bodyPr/>
           <a:lstStyle/>
           <a:p>
+            <a:pPr marL="171450" indent="-171450">
+              <a:buFont typeface="Arial"/>
+              <a:buChar char="•"/>
+            </a:pPr>
+            <a:r>
+              <a:rPr lang="en-US" dirty="0" smtClean="0"/>
+              <a:t>Example: determine the Hamming Distance</a:t>
+            </a:r>
+            <a:r>
+              <a:rPr lang="en-US" baseline="0" dirty="0" smtClean="0"/>
+              <a:t> between two strings industry and interest</a:t>
+            </a:r>
+          </a:p>
+          <a:p>
+            <a:pPr marL="171450" indent="-171450">
+              <a:buFont typeface="Arial"/>
+              <a:buChar char="•"/>
+            </a:pPr>
+            <a:r>
+              <a:rPr lang="en-US" dirty="0" smtClean="0"/>
+              <a:t>We can transform s into t using a minimum of 6 substitution operations, so the Hamming distance between</a:t>
+            </a:r>
+            <a:r>
+              <a:rPr lang="en-US" baseline="0" dirty="0" smtClean="0"/>
+              <a:t> s and t is 6</a:t>
+            </a:r>
+          </a:p>
+          <a:p>
+            <a:pPr marL="171450" indent="-171450">
+              <a:buFont typeface="Arial"/>
+              <a:buChar char="•"/>
+            </a:pPr>
+            <a:r>
+              <a:rPr lang="en-US" baseline="0" dirty="0" smtClean="0"/>
+              <a:t>A sequence of these operations is known as the substitution script</a:t>
+            </a:r>
             <a:endParaRPr lang="en-US" dirty="0"/>
           </a:p>
         </p:txBody>
@@ -6995,37 +8205,55 @@
           <a:bodyPr/>
           <a:lstStyle/>
           <a:p>
-            <a:endParaRPr lang="en-US"/>
-          </a:p>
-          <a:p>
-            <a:r>
-              <a:rPr lang="en-US"/>
-              <a:t>----- Meeting Notes (10/22/14 14:27) -----</a:t>
-            </a:r>
-          </a:p>
-          <a:p>
-            <a:r>
-              <a:rPr lang="en-US"/>
-              <a:t>Slide prior that mentions Nate and his work on RAIDER.</a:t>
-            </a:r>
-          </a:p>
-          <a:p>
-            <a:endParaRPr lang="en-US"/>
-          </a:p>
-          <a:p>
-            <a:r>
-              <a:rPr lang="en-US"/>
-              <a:t>Explain more intuitively.</a:t>
-            </a:r>
-          </a:p>
-          <a:p>
-            <a:endParaRPr lang="en-US"/>
-          </a:p>
-          <a:p>
-            <a:r>
-              <a:rPr lang="en-US"/>
-              <a:t>Can't be subsequence of another one.. otherwise</a:t>
-            </a:r>
+            <a:pPr marL="171450" indent="-171450">
+              <a:buFont typeface="Arial"/>
+              <a:buChar char="•"/>
+            </a:pPr>
+            <a:r>
+              <a:rPr lang="en-US" dirty="0" err="1" smtClean="0"/>
+              <a:t>Ab</a:t>
+            </a:r>
+            <a:r>
+              <a:rPr lang="en-US" dirty="0" smtClean="0"/>
+              <a:t> initio repeat finding tool : attempts to identify repeats without using any pre-existing knowledge of known repeat sequences or motifs. </a:t>
+            </a:r>
+          </a:p>
+          <a:p>
+            <a:pPr marL="171450" indent="-171450">
+              <a:buFont typeface="Arial"/>
+              <a:buChar char="•"/>
+            </a:pPr>
+            <a:r>
+              <a:rPr lang="en-US" dirty="0" smtClean="0"/>
+              <a:t>RAIDER is time efficient tool that employs the use of hashin</a:t>
+            </a:r>
+            <a:r>
+              <a:rPr lang="en-US" baseline="0" dirty="0" smtClean="0"/>
+              <a:t>g to build repeats</a:t>
+            </a:r>
+          </a:p>
+          <a:p>
+            <a:pPr marL="171450" indent="-171450">
+              <a:buFont typeface="Arial"/>
+              <a:buChar char="•"/>
+            </a:pPr>
+            <a:r>
+              <a:rPr lang="en-US" baseline="0" dirty="0" smtClean="0"/>
+              <a:t>RAIDER is based on the idea of elementary repeats, from </a:t>
+            </a:r>
+            <a:r>
+              <a:rPr lang="en-US" baseline="0" dirty="0" err="1" smtClean="0"/>
+              <a:t>Zheng</a:t>
+            </a:r>
+            <a:r>
+              <a:rPr lang="en-US" baseline="0" dirty="0" smtClean="0"/>
+              <a:t> and </a:t>
+            </a:r>
+            <a:r>
+              <a:rPr lang="en-US" baseline="0" dirty="0" err="1" smtClean="0"/>
+              <a:t>Lonardi</a:t>
+            </a:r>
+            <a:endParaRPr lang="en-US" dirty="0" smtClean="0"/>
           </a:p>
         </p:txBody>
       </p:sp>
@@ -7055,7 +8283,7 @@
     </p:spTree>
     <p:extLst>
       <p:ext uri="{BB962C8B-B14F-4D97-AF65-F5344CB8AC3E}">
-        <p14:creationId xmlns:p14="http://schemas.microsoft.com/office/powerpoint/2010/main" val="1225217862"/>
+        <p14:creationId xmlns:p14="http://schemas.microsoft.com/office/powerpoint/2010/main" val="3182311092"/>
       </p:ext>
     </p:extLst>
   </p:cSld>
@@ -7109,18 +8337,121 @@
           <a:bodyPr/>
           <a:lstStyle/>
           <a:p>
-            <a:endParaRPr lang="en-US"/>
-          </a:p>
-          <a:p>
-            <a:r>
-              <a:rPr lang="en-US"/>
+            <a:pPr marL="171450" indent="-171450">
+              <a:buFont typeface="Arial"/>
+              <a:buChar char="•"/>
+            </a:pPr>
+            <a:r>
+              <a:rPr lang="en-US" dirty="0" err="1" smtClean="0"/>
+              <a:t>Zheng</a:t>
+            </a:r>
+            <a:r>
+              <a:rPr lang="en-US" dirty="0" smtClean="0"/>
+              <a:t> and </a:t>
+            </a:r>
+            <a:r>
+              <a:rPr lang="en-US" dirty="0" err="1" smtClean="0"/>
+              <a:t>Lonardi</a:t>
+            </a:r>
+            <a:r>
+              <a:rPr lang="en-US" dirty="0" smtClean="0"/>
+              <a:t> </a:t>
+            </a:r>
+          </a:p>
+          <a:p>
+            <a:pPr marL="171450" indent="-171450">
+              <a:buFont typeface="Arial"/>
+              <a:buChar char="•"/>
+            </a:pPr>
+            <a:r>
+              <a:rPr lang="en-US" dirty="0" smtClean="0"/>
+              <a:t>Elementary repeats are a bottom</a:t>
+            </a:r>
+            <a:r>
+              <a:rPr lang="en-US" baseline="0" dirty="0" smtClean="0"/>
+              <a:t> up approach to defining repeats</a:t>
+            </a:r>
+          </a:p>
+          <a:p>
+            <a:pPr marL="171450" indent="-171450">
+              <a:buFont typeface="Arial"/>
+              <a:buChar char="•"/>
+            </a:pPr>
+            <a:r>
+              <a:rPr lang="en-US" dirty="0" smtClean="0"/>
+              <a:t>Basically, they</a:t>
+            </a:r>
+            <a:r>
+              <a:rPr lang="en-US" baseline="0" dirty="0" smtClean="0"/>
+              <a:t> are the maximal length subsequences that meet some sort of frequency requirement</a:t>
+            </a:r>
+          </a:p>
+          <a:p>
+            <a:pPr marL="171450" indent="-171450">
+              <a:buFont typeface="Arial"/>
+              <a:buChar char="•"/>
+            </a:pPr>
+            <a:r>
+              <a:rPr lang="en-US" baseline="0" dirty="0" smtClean="0"/>
+              <a:t>Meet minimum length and frequency</a:t>
+            </a:r>
+          </a:p>
+          <a:p>
+            <a:pPr marL="171450" indent="-171450">
+              <a:buFont typeface="Arial"/>
+              <a:buChar char="•"/>
+            </a:pPr>
+            <a:r>
+              <a:rPr lang="en-US" baseline="0" dirty="0" smtClean="0"/>
+              <a:t>Doesn’t contain subsequence B that occurs more frequently – if this was the case, since we can’t have overlapping repeat families, we would choose to use repeat family with B over A </a:t>
+            </a:r>
+          </a:p>
+          <a:p>
+            <a:pPr marL="171450" indent="-171450">
+              <a:buFont typeface="Arial"/>
+              <a:buChar char="•"/>
+            </a:pPr>
+            <a:r>
+              <a:rPr lang="en-US" baseline="0" dirty="0" smtClean="0"/>
+              <a:t>Can’t be a subsequence of another repeat – if this was the case, every subsequence of repeat of minimum length would be a repeat</a:t>
+            </a:r>
+            <a:endParaRPr lang="en-US" dirty="0" smtClean="0"/>
+          </a:p>
+          <a:p>
+            <a:pPr marL="171450" indent="-171450">
+              <a:buFont typeface="Arial"/>
+              <a:buChar char="•"/>
+            </a:pPr>
+            <a:endParaRPr lang="en-US" dirty="0"/>
+          </a:p>
+          <a:p>
+            <a:r>
+              <a:rPr lang="en-US" dirty="0"/>
               <a:t>----- Meeting Notes (10/22/14 14:27) -----</a:t>
             </a:r>
           </a:p>
           <a:p>
             <a:r>
-              <a:rPr lang="en-US"/>
-              <a:t>Transition between 7 and 8</a:t>
+              <a:rPr lang="en-US" dirty="0"/>
+              <a:t>Slide prior that mentions Nate and his work on RAIDER.</a:t>
+            </a:r>
+          </a:p>
+          <a:p>
+            <a:endParaRPr lang="en-US" dirty="0"/>
+          </a:p>
+          <a:p>
+            <a:r>
+              <a:rPr lang="en-US" dirty="0"/>
+              <a:t>Explain more intuitively.</a:t>
+            </a:r>
+          </a:p>
+          <a:p>
+            <a:endParaRPr lang="en-US" dirty="0"/>
+          </a:p>
+          <a:p>
+            <a:r>
+              <a:rPr lang="en-US" dirty="0"/>
+              <a:t>Can't be subsequence of another one.. otherwise</a:t>
             </a:r>
           </a:p>
         </p:txBody>
@@ -7151,7 +8482,7 @@
     </p:spTree>
     <p:extLst>
       <p:ext uri="{BB962C8B-B14F-4D97-AF65-F5344CB8AC3E}">
-        <p14:creationId xmlns:p14="http://schemas.microsoft.com/office/powerpoint/2010/main" val="2011246577"/>
+        <p14:creationId xmlns:p14="http://schemas.microsoft.com/office/powerpoint/2010/main" val="1225217862"/>
       </p:ext>
     </p:extLst>
   </p:cSld>
@@ -7205,27 +8536,121 @@
           <a:bodyPr/>
           <a:lstStyle/>
           <a:p>
+            <a:pPr marL="171450" indent="-171450">
+              <a:buFont typeface="Arial"/>
+              <a:buChar char="•"/>
+            </a:pPr>
             <a:r>
               <a:rPr lang="en-US" dirty="0" smtClean="0"/>
-              <a:t>Spaced seed = pattern describing which positions in two</a:t>
+              <a:t>Altered definition to encompass</a:t>
             </a:r>
             <a:r>
               <a:rPr lang="en-US" baseline="0" dirty="0" smtClean="0"/>
-              <a:t> strings must match and which positions are not so constrained</a:t>
-            </a:r>
-          </a:p>
-          <a:p>
+              <a:t> approximate repeats</a:t>
+            </a:r>
+          </a:p>
+          <a:p>
+            <a:pPr marL="171450" marR="0" lvl="2" indent="-171450" algn="l" defTabSz="457200" rtl="0" eaLnBrk="1" fontAlgn="auto" latinLnBrk="0" hangingPunct="1">
+              <a:lnSpc>
+                <a:spcPct val="100000"/>
+              </a:lnSpc>
+              <a:spcBef>
+                <a:spcPts val="0"/>
+              </a:spcBef>
+              <a:spcAft>
+                <a:spcPts val="0"/>
+              </a:spcAft>
+              <a:buClrTx/>
+              <a:buSzTx/>
+              <a:buFont typeface="Arial"/>
+              <a:buChar char="•"/>
+              <a:tabLst/>
+              <a:defRPr/>
+            </a:pPr>
+            <a:r>
+              <a:rPr lang="en-US" dirty="0" smtClean="0"/>
+              <a:t>Basically the same</a:t>
+            </a:r>
             <a:r>
               <a:rPr lang="en-US" baseline="0" dirty="0" smtClean="0"/>
+              <a:t> definition, with an added similarity requirement</a:t>
+            </a:r>
+            <a:endParaRPr lang="en-US" dirty="0" smtClean="0"/>
+          </a:p>
+          <a:p>
+            <a:pPr marL="171450" marR="0" lvl="2" indent="-171450" algn="l" defTabSz="457200" rtl="0" eaLnBrk="1" fontAlgn="auto" latinLnBrk="0" hangingPunct="1">
+              <a:lnSpc>
+                <a:spcPct val="100000"/>
+              </a:lnSpc>
+              <a:spcBef>
+                <a:spcPts val="0"/>
+              </a:spcBef>
+              <a:spcAft>
+                <a:spcPts val="0"/>
+              </a:spcAft>
+              <a:buClrTx/>
+              <a:buSzTx/>
+              <a:buFont typeface="Arial"/>
+              <a:buChar char="•"/>
+              <a:tabLst/>
+              <a:defRPr/>
+            </a:pPr>
+            <a:r>
+              <a:rPr lang="en-US" dirty="0" smtClean="0"/>
+              <a:t>All sufficiently long subsequences B of A must correspond to subsequences B’ of A’’ </a:t>
+            </a:r>
+            <a:r>
+              <a:rPr lang="en-US" dirty="0" err="1" smtClean="0"/>
+              <a:t>s.t.</a:t>
+            </a:r>
+            <a:r>
+              <a:rPr lang="en-US" dirty="0" smtClean="0"/>
+              <a:t> </a:t>
+            </a:r>
+            <a:r>
+              <a:rPr lang="en-US" i="1" dirty="0" err="1" smtClean="0"/>
+              <a:t>d</a:t>
+            </a:r>
+            <a:r>
+              <a:rPr lang="en-US" i="1" baseline="-25000" dirty="0" err="1" smtClean="0"/>
+              <a:t>H</a:t>
+            </a:r>
+            <a:r>
+              <a:rPr lang="en-US" i="1" dirty="0" smtClean="0"/>
+              <a:t>(B, B’’) ≤ k</a:t>
+            </a:r>
+          </a:p>
+          <a:p>
+            <a:pPr marL="171450" indent="-171450">
+              <a:buFont typeface="Arial"/>
+              <a:buChar char="•"/>
+            </a:pPr>
+            <a:endParaRPr lang="en-US" baseline="0" dirty="0" smtClean="0"/>
+          </a:p>
+          <a:p>
+            <a:pPr marL="171450" indent="-171450">
+              <a:buFont typeface="Arial"/>
+              <a:buChar char="•"/>
+            </a:pPr>
+            <a:endParaRPr lang="en-US" dirty="0" smtClean="0"/>
+          </a:p>
+          <a:p>
+            <a:endParaRPr lang="en-US" dirty="0" smtClean="0"/>
+          </a:p>
+          <a:p>
+            <a:endParaRPr lang="en-US" dirty="0"/>
+          </a:p>
+          <a:p>
+            <a:r>
+              <a:rPr lang="en-US" dirty="0"/>
               <a:t>----- Meeting Notes (10/22/14 14:27) -----</a:t>
             </a:r>
           </a:p>
           <a:p>
             <a:r>
-              <a:rPr lang="en-US" baseline="0" dirty="0" smtClean="0"/>
-              <a:t>Add transitions</a:t>
-            </a:r>
-            <a:endParaRPr lang="en-US" dirty="0"/>
+              <a:rPr lang="en-US" dirty="0"/>
+              <a:t>Transition between 7 and 8</a:t>
+            </a:r>
           </a:p>
         </p:txBody>
       </p:sp>
@@ -7255,7 +8680,7 @@
     </p:spTree>
     <p:extLst>
       <p:ext uri="{BB962C8B-B14F-4D97-AF65-F5344CB8AC3E}">
-        <p14:creationId xmlns:p14="http://schemas.microsoft.com/office/powerpoint/2010/main" val="1396508923"/>
+        <p14:creationId xmlns:p14="http://schemas.microsoft.com/office/powerpoint/2010/main" val="2011246577"/>
       </p:ext>
     </p:extLst>
   </p:cSld>
@@ -7309,22 +8734,88 @@
           <a:bodyPr/>
           <a:lstStyle/>
           <a:p>
-            <a:endParaRPr lang="en-US"/>
-          </a:p>
-          <a:p>
-            <a:r>
-              <a:rPr lang="en-US"/>
+            <a:pPr marL="171450" indent="-171450">
+              <a:buFont typeface="Arial"/>
+              <a:buChar char="•"/>
+            </a:pPr>
+            <a:r>
+              <a:rPr lang="en-US" dirty="0" smtClean="0"/>
+              <a:t>Spaced seed = pattern describing which positions in two</a:t>
+            </a:r>
+            <a:r>
+              <a:rPr lang="en-US" baseline="0" dirty="0" smtClean="0"/>
+              <a:t> strings must match and which positions are not so </a:t>
+            </a:r>
+            <a:r>
+              <a:rPr lang="en-US" baseline="0" dirty="0" smtClean="0"/>
+              <a:t>constrained</a:t>
+            </a:r>
+          </a:p>
+          <a:p>
+            <a:pPr marL="171450" indent="-171450">
+              <a:buFont typeface="Arial"/>
+              <a:buChar char="•"/>
+            </a:pPr>
+            <a:r>
+              <a:rPr lang="en-US" baseline="0" dirty="0" smtClean="0"/>
+              <a:t>String of 0’s and 1’s</a:t>
+            </a:r>
+          </a:p>
+          <a:p>
+            <a:pPr marL="628650" lvl="1" indent="-171450">
+              <a:buFont typeface="Arial"/>
+              <a:buChar char="•"/>
+            </a:pPr>
+            <a:r>
+              <a:rPr lang="en-US" baseline="0" dirty="0" smtClean="0"/>
+              <a:t>Can be represented by ordered list of matching positions (all 1 positions)</a:t>
+            </a:r>
+          </a:p>
+          <a:p>
+            <a:pPr marL="628650" lvl="1" indent="-171450">
+              <a:buFont typeface="Arial"/>
+              <a:buChar char="•"/>
+            </a:pPr>
+            <a:r>
+              <a:rPr lang="en-US" baseline="0" dirty="0" smtClean="0"/>
+              <a:t>Weight of seed = number of 1 positions</a:t>
+            </a:r>
+          </a:p>
+          <a:p>
+            <a:pPr marL="628650" lvl="1" indent="-171450">
+              <a:buFont typeface="Arial"/>
+              <a:buChar char="•"/>
+            </a:pPr>
+            <a:r>
+              <a:rPr lang="en-US" baseline="0" dirty="0" smtClean="0"/>
+              <a:t>Length/span of seed = total number of positions </a:t>
+            </a:r>
+          </a:p>
+          <a:p>
+            <a:pPr marL="171450" lvl="0" indent="-171450">
+              <a:buFont typeface="Arial"/>
+              <a:buChar char="•"/>
+            </a:pPr>
+            <a:r>
+              <a:rPr lang="en-US" baseline="0" dirty="0" smtClean="0"/>
+              <a:t>Two subsequences match with respect to a spaced seed if all positions corresponding to a 1 in the seed are identical to one another</a:t>
+            </a:r>
+          </a:p>
+          <a:p>
+            <a:endParaRPr lang="en-US" baseline="0" dirty="0" smtClean="0"/>
+          </a:p>
+          <a:p>
+            <a:r>
+              <a:rPr lang="en-US" baseline="0" dirty="0" smtClean="0"/>
               <a:t>----- Meeting Notes (10/22/14 14:27) -----</a:t>
             </a:r>
           </a:p>
           <a:p>
             <a:r>
-              <a:rPr lang="en-US"/>
-              <a:t>Consider using 0's instead of *s</a:t>
-            </a:r>
-          </a:p>
-          <a:p>
-            <a:endParaRPr lang="en-US"/>
+              <a:rPr lang="en-US" baseline="0" dirty="0" smtClean="0"/>
+              <a:t>Add transitions</a:t>
+            </a:r>
+            <a:endParaRPr lang="en-US" dirty="0"/>
           </a:p>
         </p:txBody>
       </p:sp>
@@ -7354,7 +8845,7 @@
     </p:spTree>
     <p:extLst>
       <p:ext uri="{BB962C8B-B14F-4D97-AF65-F5344CB8AC3E}">
-        <p14:creationId xmlns:p14="http://schemas.microsoft.com/office/powerpoint/2010/main" val="3845649364"/>
+        <p14:creationId xmlns:p14="http://schemas.microsoft.com/office/powerpoint/2010/main" val="1396508923"/>
       </p:ext>
     </p:extLst>
   </p:cSld>
@@ -7645,7 +9136,7 @@
             <a:fld id="{34D8DEE8-7A87-4E01-8ADE-4C49CDD43F74}" type="datetime1">
               <a:rPr lang="en-US" smtClean="0"/>
               <a:pPr/>
-              <a:t>10/22/14</a:t>
+              <a:t>10/27/14</a:t>
             </a:fld>
             <a:endParaRPr lang="en-US" dirty="0"/>
           </a:p>
@@ -8041,7 +9532,7 @@
             <a:fld id="{7F8F9461-E3EB-40CD-B93F-E5CBBBD8E0BA}" type="datetimeFigureOut">
               <a:rPr lang="en-US" smtClean="0"/>
               <a:pPr/>
-              <a:t>10/22/14</a:t>
+              <a:t>10/27/14</a:t>
             </a:fld>
             <a:endParaRPr lang="en-US"/>
           </a:p>
@@ -8576,7 +10067,7 @@
             <a:fld id="{60578FA3-38AD-400D-A4D2-18E8EF129E5F}" type="datetime1">
               <a:rPr lang="en-US" smtClean="0"/>
               <a:pPr/>
-              <a:t>10/22/14</a:t>
+              <a:t>10/27/14</a:t>
             </a:fld>
             <a:endParaRPr lang="en-US"/>
           </a:p>
@@ -8710,7 +10201,7 @@
             <a:fld id="{A2EFF424-F111-43CB-9C75-D52325012943}" type="datetime1">
               <a:rPr lang="en-US" smtClean="0"/>
               <a:pPr/>
-              <a:t>10/22/14</a:t>
+              <a:t>10/27/14</a:t>
             </a:fld>
             <a:endParaRPr lang="en-US"/>
           </a:p>
@@ -9255,7 +10746,7 @@
             <a:fld id="{74A8BBF0-342D-409A-9C0A-B1B451E92883}" type="datetime1">
               <a:rPr lang="en-US" smtClean="0"/>
               <a:pPr/>
-              <a:t>10/22/14</a:t>
+              <a:t>10/27/14</a:t>
             </a:fld>
             <a:endParaRPr lang="en-US" dirty="0"/>
           </a:p>
@@ -9553,7 +11044,7 @@
             <a:fld id="{345DA190-4BDC-4D39-B5BB-A14B3E8B1B3D}" type="datetime1">
               <a:rPr lang="en-US" smtClean="0"/>
               <a:pPr/>
-              <a:t>10/22/14</a:t>
+              <a:t>10/27/14</a:t>
             </a:fld>
             <a:endParaRPr lang="en-US"/>
           </a:p>
@@ -10214,7 +11705,7 @@
             <a:fld id="{581D52F2-9B11-4FC0-9217-7D20B3AC9849}" type="datetime1">
               <a:rPr lang="en-US" smtClean="0"/>
               <a:pPr/>
-              <a:t>10/22/14</a:t>
+              <a:t>10/27/14</a:t>
             </a:fld>
             <a:endParaRPr lang="en-US"/>
           </a:p>
@@ -10652,7 +12143,7 @@
             <a:fld id="{4CF13737-8506-438E-ABC0-0BE7E06DCCA6}" type="datetime1">
               <a:rPr lang="en-US" smtClean="0"/>
               <a:pPr/>
-              <a:t>10/22/14</a:t>
+              <a:t>10/27/14</a:t>
             </a:fld>
             <a:endParaRPr lang="en-US"/>
           </a:p>
@@ -10967,7 +12458,7 @@
             <a:fld id="{941D58AA-1C84-40C9-BFEE-631CCB17636C}" type="datetime1">
               <a:rPr lang="en-US" smtClean="0"/>
               <a:pPr/>
-              <a:t>10/22/14</a:t>
+              <a:t>10/27/14</a:t>
             </a:fld>
             <a:endParaRPr lang="en-US"/>
           </a:p>
@@ -11702,7 +13193,7 @@
             <a:fld id="{936542C1-4E96-413B-B72E-6C4B39D85C9D}" type="datetime1">
               <a:rPr lang="en-US" smtClean="0"/>
               <a:pPr/>
-              <a:t>10/22/14</a:t>
+              <a:t>10/27/14</a:t>
             </a:fld>
             <a:endParaRPr lang="en-US"/>
           </a:p>
@@ -12368,7 +13859,7 @@
             <a:fld id="{F0542AA2-D442-471A-9D69-80392E1E581D}" type="datetime1">
               <a:rPr lang="en-US" smtClean="0"/>
               <a:pPr/>
-              <a:t>10/22/14</a:t>
+              <a:t>10/27/14</a:t>
             </a:fld>
             <a:endParaRPr lang="en-US" dirty="0"/>
           </a:p>
@@ -12642,7 +14133,7 @@
             <a:fld id="{EC43563C-D9B3-4432-B336-144C997D6215}" type="datetime1">
               <a:rPr lang="en-US" smtClean="0"/>
               <a:pPr/>
-              <a:t>10/22/14</a:t>
+              <a:t>10/27/14</a:t>
             </a:fld>
             <a:endParaRPr lang="en-US" dirty="0"/>
           </a:p>
@@ -13439,6 +14930,914 @@
           <a:p>
             <a:r>
               <a:rPr lang="en-US" dirty="0" smtClean="0"/>
+              <a:t>Spaced Seed Example</a:t>
+            </a:r>
+            <a:endParaRPr lang="en-US" dirty="0"/>
+          </a:p>
+        </p:txBody>
+      </p:sp>
+      <p:sp>
+        <p:nvSpPr>
+          <p:cNvPr id="4" name="Content Placeholder 3"/>
+          <p:cNvSpPr>
+            <a:spLocks noGrp="1"/>
+          </p:cNvSpPr>
+          <p:nvPr>
+            <p:ph sz="quarter" idx="1"/>
+          </p:nvPr>
+        </p:nvSpPr>
+        <p:spPr/>
+        <p:txBody>
+          <a:bodyPr>
+            <a:normAutofit/>
+          </a:bodyPr>
+          <a:lstStyle/>
+          <a:p>
+            <a:r>
+              <a:rPr lang="en-US" sz="2400" dirty="0" smtClean="0"/>
+              <a:t>π = </a:t>
+            </a:r>
+            <a:r>
+              <a:rPr lang="en-US" sz="2400" dirty="0" smtClean="0"/>
+              <a:t>101</a:t>
+            </a:r>
+            <a:r>
+              <a:rPr lang="en-US" sz="2400" dirty="0" smtClean="0"/>
+              <a:t>0</a:t>
+            </a:r>
+            <a:r>
+              <a:rPr lang="en-US" sz="2400" dirty="0" smtClean="0"/>
+              <a:t>1</a:t>
+            </a:r>
+            <a:r>
+              <a:rPr lang="en-US" sz="2400" dirty="0"/>
+              <a:t>0</a:t>
+            </a:r>
+            <a:r>
+              <a:rPr lang="en-US" sz="2400" dirty="0" smtClean="0"/>
+              <a:t>1</a:t>
+            </a:r>
+            <a:endParaRPr lang="en-US" sz="2400" dirty="0" smtClean="0"/>
+          </a:p>
+          <a:p>
+            <a:pPr lvl="1"/>
+            <a:r>
+              <a:rPr lang="en-US" sz="2400" i="1" dirty="0" smtClean="0"/>
+              <a:t>|</a:t>
+            </a:r>
+            <a:r>
+              <a:rPr lang="en-US" sz="2400" dirty="0"/>
+              <a:t>π| = </a:t>
+            </a:r>
+            <a:r>
+              <a:rPr lang="en-US" sz="2400" dirty="0" smtClean="0"/>
+              <a:t>7, M</a:t>
+            </a:r>
+            <a:r>
+              <a:rPr lang="en-US" sz="2400" baseline="-25000" dirty="0" smtClean="0"/>
+              <a:t>π</a:t>
+            </a:r>
+            <a:r>
+              <a:rPr lang="en-US" sz="2400" dirty="0"/>
+              <a:t>={0,2,4,6</a:t>
+            </a:r>
+            <a:r>
+              <a:rPr lang="en-US" sz="2400" dirty="0" smtClean="0"/>
+              <a:t>}, w</a:t>
+            </a:r>
+            <a:r>
+              <a:rPr lang="en-US" sz="2400" baseline="-25000" dirty="0" smtClean="0"/>
+              <a:t>π</a:t>
+            </a:r>
+            <a:r>
+              <a:rPr lang="en-US" sz="2400" dirty="0" smtClean="0"/>
+              <a:t>=4</a:t>
+            </a:r>
+            <a:endParaRPr lang="en-US" sz="2400" i="1" dirty="0"/>
+          </a:p>
+          <a:p>
+            <a:r>
+              <a:rPr lang="en-US" sz="2400" dirty="0" smtClean="0"/>
+              <a:t>Genomic sequences </a:t>
+            </a:r>
+            <a:r>
+              <a:rPr lang="en-US" sz="2400" i="1" dirty="0" smtClean="0"/>
+              <a:t>q =</a:t>
+            </a:r>
+            <a:r>
+              <a:rPr lang="en-US" sz="2400" dirty="0" smtClean="0"/>
+              <a:t> ATTAGCT, </a:t>
+            </a:r>
+            <a:r>
+              <a:rPr lang="en-US" sz="2400" i="1" dirty="0" smtClean="0"/>
+              <a:t>t = </a:t>
+            </a:r>
+            <a:r>
+              <a:rPr lang="en-US" sz="2400" dirty="0" smtClean="0"/>
+              <a:t>ATTCGAT</a:t>
+            </a:r>
+          </a:p>
+          <a:p>
+            <a:pPr marL="0" indent="0">
+              <a:buNone/>
+            </a:pPr>
+            <a:endParaRPr lang="en-US" i="1" dirty="0" smtClean="0"/>
+          </a:p>
+          <a:p>
+            <a:pPr marL="0" indent="0">
+              <a:buNone/>
+            </a:pPr>
+            <a:endParaRPr lang="en-US" dirty="0" smtClean="0"/>
+          </a:p>
+          <a:p>
+            <a:pPr marL="0" indent="0">
+              <a:buNone/>
+            </a:pPr>
+            <a:endParaRPr lang="en-US" dirty="0"/>
+          </a:p>
+          <a:p>
+            <a:pPr marL="0" indent="0">
+              <a:buNone/>
+            </a:pPr>
+            <a:endParaRPr lang="en-US" dirty="0"/>
+          </a:p>
+          <a:p>
+            <a:pPr marL="0" indent="0">
+              <a:buNone/>
+            </a:pPr>
+            <a:r>
+              <a:rPr lang="en-US" dirty="0" smtClean="0"/>
+              <a:t>So </a:t>
+            </a:r>
+            <a:r>
+              <a:rPr lang="en-US" i="1" dirty="0" smtClean="0"/>
+              <a:t>q</a:t>
+            </a:r>
+            <a:r>
+              <a:rPr lang="en-US" dirty="0" smtClean="0"/>
+              <a:t> matches </a:t>
+            </a:r>
+            <a:r>
+              <a:rPr lang="en-US" i="1" dirty="0" smtClean="0"/>
+              <a:t>t</a:t>
+            </a:r>
+            <a:r>
+              <a:rPr lang="en-US" dirty="0" smtClean="0"/>
+              <a:t> WRT spaced seed π.</a:t>
+            </a:r>
+          </a:p>
+        </p:txBody>
+      </p:sp>
+      <p:sp>
+        <p:nvSpPr>
+          <p:cNvPr id="5" name="Rectangle 4"/>
+          <p:cNvSpPr/>
+          <p:nvPr/>
+        </p:nvSpPr>
+        <p:spPr>
+          <a:xfrm>
+            <a:off x="3700954" y="2429443"/>
+            <a:ext cx="4377764" cy="1754327"/>
+          </a:xfrm>
+          <a:prstGeom prst="rect">
+            <a:avLst/>
+          </a:prstGeom>
+        </p:spPr>
+        <p:txBody>
+          <a:bodyPr wrap="square">
+            <a:spAutoFit/>
+          </a:bodyPr>
+          <a:lstStyle/>
+          <a:p>
+            <a:pPr marL="274320" lvl="1" indent="0">
+              <a:buNone/>
+            </a:pPr>
+            <a:r>
+              <a:rPr lang="en-US" sz="3600" dirty="0" smtClean="0">
+                <a:latin typeface="Courier"/>
+                <a:cs typeface="Courier"/>
+              </a:rPr>
+              <a:t>A T T A G C T</a:t>
+            </a:r>
+            <a:endParaRPr lang="en-US" sz="3600" dirty="0">
+              <a:latin typeface="Courier"/>
+              <a:cs typeface="Courier"/>
+            </a:endParaRPr>
+          </a:p>
+          <a:p>
+            <a:pPr marL="274320" lvl="1" indent="0">
+              <a:buNone/>
+            </a:pPr>
+            <a:r>
+              <a:rPr lang="en-US" sz="3600" dirty="0" smtClean="0">
+                <a:latin typeface="Courier"/>
+                <a:cs typeface="Courier"/>
+              </a:rPr>
+              <a:t>A T T C G A T</a:t>
+            </a:r>
+            <a:endParaRPr lang="en-US" sz="3600" dirty="0">
+              <a:latin typeface="Courier"/>
+              <a:cs typeface="Courier"/>
+            </a:endParaRPr>
+          </a:p>
+          <a:p>
+            <a:pPr marL="274320" lvl="1" indent="0">
+              <a:buNone/>
+            </a:pPr>
+            <a:r>
+              <a:rPr lang="en-US" sz="3600" dirty="0" smtClean="0">
+                <a:latin typeface="Courier"/>
+                <a:cs typeface="Courier"/>
+              </a:rPr>
+              <a:t>1 </a:t>
+            </a:r>
+            <a:r>
+              <a:rPr lang="en-US" sz="3600" dirty="0" smtClean="0">
+                <a:latin typeface="Courier"/>
+                <a:cs typeface="Courier"/>
+              </a:rPr>
+              <a:t>0 </a:t>
+            </a:r>
+            <a:r>
+              <a:rPr lang="en-US" sz="3600" dirty="0" smtClean="0">
+                <a:latin typeface="Courier"/>
+                <a:cs typeface="Courier"/>
+              </a:rPr>
+              <a:t>1 </a:t>
+            </a:r>
+            <a:r>
+              <a:rPr lang="en-US" sz="3600" dirty="0" smtClean="0">
+                <a:latin typeface="Courier"/>
+                <a:cs typeface="Courier"/>
+              </a:rPr>
+              <a:t>0 </a:t>
+            </a:r>
+            <a:r>
+              <a:rPr lang="en-US" sz="3600" dirty="0" smtClean="0">
+                <a:latin typeface="Courier"/>
+                <a:cs typeface="Courier"/>
+              </a:rPr>
+              <a:t>1 </a:t>
+            </a:r>
+            <a:r>
+              <a:rPr lang="en-US" sz="3600" dirty="0" smtClean="0">
+                <a:latin typeface="Courier"/>
+                <a:cs typeface="Courier"/>
+              </a:rPr>
+              <a:t>0 </a:t>
+            </a:r>
+            <a:r>
+              <a:rPr lang="en-US" sz="3600" dirty="0" smtClean="0">
+                <a:latin typeface="Courier"/>
+                <a:cs typeface="Courier"/>
+              </a:rPr>
+              <a:t>1</a:t>
+            </a:r>
+            <a:endParaRPr lang="en-US" sz="3600" dirty="0">
+              <a:latin typeface="Courier"/>
+              <a:cs typeface="Courier"/>
+            </a:endParaRPr>
+          </a:p>
+        </p:txBody>
+      </p:sp>
+      <p:sp>
+        <p:nvSpPr>
+          <p:cNvPr id="8" name="Text Placeholder 7"/>
+          <p:cNvSpPr>
+            <a:spLocks noGrp="1"/>
+          </p:cNvSpPr>
+          <p:nvPr>
+            <p:ph type="body" idx="2"/>
+          </p:nvPr>
+        </p:nvSpPr>
+        <p:spPr/>
+        <p:txBody>
+          <a:bodyPr/>
+          <a:lstStyle/>
+          <a:p>
+            <a:endParaRPr lang="en-US"/>
+          </a:p>
+        </p:txBody>
+      </p:sp>
+      <p:sp>
+        <p:nvSpPr>
+          <p:cNvPr id="7" name="Rectangle 6"/>
+          <p:cNvSpPr/>
+          <p:nvPr/>
+        </p:nvSpPr>
+        <p:spPr>
+          <a:xfrm>
+            <a:off x="3703960" y="2442345"/>
+            <a:ext cx="4377764" cy="1754327"/>
+          </a:xfrm>
+          <a:prstGeom prst="rect">
+            <a:avLst/>
+          </a:prstGeom>
+        </p:spPr>
+        <p:txBody>
+          <a:bodyPr wrap="square">
+            <a:spAutoFit/>
+          </a:bodyPr>
+          <a:lstStyle/>
+          <a:p>
+            <a:pPr marL="274320" lvl="1" indent="0">
+              <a:buNone/>
+            </a:pPr>
+            <a:r>
+              <a:rPr lang="en-US" sz="3600" dirty="0" smtClean="0">
+                <a:solidFill>
+                  <a:srgbClr val="C32D2E"/>
+                </a:solidFill>
+                <a:latin typeface="Courier"/>
+                <a:cs typeface="Courier"/>
+              </a:rPr>
+              <a:t>A</a:t>
+            </a:r>
+            <a:r>
+              <a:rPr lang="en-US" sz="3600" dirty="0" smtClean="0">
+                <a:latin typeface="Courier"/>
+                <a:cs typeface="Courier"/>
+              </a:rPr>
+              <a:t> T </a:t>
+            </a:r>
+            <a:r>
+              <a:rPr lang="en-US" sz="3600" dirty="0" smtClean="0">
+                <a:solidFill>
+                  <a:srgbClr val="C32D2E"/>
+                </a:solidFill>
+                <a:latin typeface="Courier"/>
+                <a:cs typeface="Courier"/>
+              </a:rPr>
+              <a:t>T</a:t>
+            </a:r>
+            <a:r>
+              <a:rPr lang="en-US" sz="3600" dirty="0" smtClean="0">
+                <a:latin typeface="Courier"/>
+                <a:cs typeface="Courier"/>
+              </a:rPr>
+              <a:t> A </a:t>
+            </a:r>
+            <a:r>
+              <a:rPr lang="en-US" sz="3600" dirty="0" smtClean="0">
+                <a:solidFill>
+                  <a:srgbClr val="C32D2E"/>
+                </a:solidFill>
+                <a:latin typeface="Courier"/>
+                <a:cs typeface="Courier"/>
+              </a:rPr>
+              <a:t>G</a:t>
+            </a:r>
+            <a:r>
+              <a:rPr lang="en-US" sz="3600" dirty="0" smtClean="0">
+                <a:latin typeface="Courier"/>
+                <a:cs typeface="Courier"/>
+              </a:rPr>
+              <a:t> C </a:t>
+            </a:r>
+            <a:r>
+              <a:rPr lang="en-US" sz="3600" dirty="0" smtClean="0">
+                <a:solidFill>
+                  <a:srgbClr val="C32D2E"/>
+                </a:solidFill>
+                <a:latin typeface="Courier"/>
+                <a:cs typeface="Courier"/>
+              </a:rPr>
+              <a:t>T</a:t>
+            </a:r>
+            <a:endParaRPr lang="en-US" sz="3600" dirty="0">
+              <a:solidFill>
+                <a:srgbClr val="C32D2E"/>
+              </a:solidFill>
+              <a:latin typeface="Courier"/>
+              <a:cs typeface="Courier"/>
+            </a:endParaRPr>
+          </a:p>
+          <a:p>
+            <a:pPr marL="274320" lvl="1" indent="0">
+              <a:buNone/>
+            </a:pPr>
+            <a:r>
+              <a:rPr lang="en-US" sz="3600" dirty="0" smtClean="0">
+                <a:solidFill>
+                  <a:schemeClr val="accent3"/>
+                </a:solidFill>
+                <a:latin typeface="Courier"/>
+                <a:cs typeface="Courier"/>
+              </a:rPr>
+              <a:t>A</a:t>
+            </a:r>
+            <a:r>
+              <a:rPr lang="en-US" sz="3600" dirty="0" smtClean="0">
+                <a:latin typeface="Courier"/>
+                <a:cs typeface="Courier"/>
+              </a:rPr>
+              <a:t> T </a:t>
+            </a:r>
+            <a:r>
+              <a:rPr lang="en-US" sz="3600" dirty="0" smtClean="0">
+                <a:solidFill>
+                  <a:srgbClr val="C32D2E"/>
+                </a:solidFill>
+                <a:latin typeface="Courier"/>
+                <a:cs typeface="Courier"/>
+              </a:rPr>
+              <a:t>T</a:t>
+            </a:r>
+            <a:r>
+              <a:rPr lang="en-US" sz="3600" dirty="0" smtClean="0">
+                <a:latin typeface="Courier"/>
+                <a:cs typeface="Courier"/>
+              </a:rPr>
+              <a:t> C </a:t>
+            </a:r>
+            <a:r>
+              <a:rPr lang="en-US" sz="3600" dirty="0" smtClean="0">
+                <a:solidFill>
+                  <a:srgbClr val="C32D2E"/>
+                </a:solidFill>
+                <a:latin typeface="Courier"/>
+                <a:cs typeface="Courier"/>
+              </a:rPr>
+              <a:t>G</a:t>
+            </a:r>
+            <a:r>
+              <a:rPr lang="en-US" sz="3600" dirty="0" smtClean="0">
+                <a:latin typeface="Courier"/>
+                <a:cs typeface="Courier"/>
+              </a:rPr>
+              <a:t> A </a:t>
+            </a:r>
+            <a:r>
+              <a:rPr lang="en-US" sz="3600" dirty="0" smtClean="0">
+                <a:solidFill>
+                  <a:srgbClr val="C32D2E"/>
+                </a:solidFill>
+                <a:latin typeface="Courier"/>
+                <a:cs typeface="Courier"/>
+              </a:rPr>
+              <a:t>T</a:t>
+            </a:r>
+            <a:endParaRPr lang="en-US" sz="3600" dirty="0">
+              <a:solidFill>
+                <a:srgbClr val="C32D2E"/>
+              </a:solidFill>
+              <a:latin typeface="Courier"/>
+              <a:cs typeface="Courier"/>
+            </a:endParaRPr>
+          </a:p>
+          <a:p>
+            <a:pPr marL="274320" lvl="1" indent="0">
+              <a:buNone/>
+            </a:pPr>
+            <a:r>
+              <a:rPr lang="en-US" sz="3600" dirty="0" smtClean="0">
+                <a:solidFill>
+                  <a:srgbClr val="C32D2E"/>
+                </a:solidFill>
+                <a:latin typeface="Courier"/>
+                <a:cs typeface="Courier"/>
+              </a:rPr>
+              <a:t>1</a:t>
+            </a:r>
+            <a:r>
+              <a:rPr lang="en-US" sz="3600" dirty="0" smtClean="0">
+                <a:latin typeface="Courier"/>
+                <a:cs typeface="Courier"/>
+              </a:rPr>
+              <a:t> </a:t>
+            </a:r>
+            <a:r>
+              <a:rPr lang="en-US" sz="3600" dirty="0" smtClean="0">
+                <a:latin typeface="Courier"/>
+                <a:cs typeface="Courier"/>
+              </a:rPr>
+              <a:t>0 </a:t>
+            </a:r>
+            <a:r>
+              <a:rPr lang="en-US" sz="3600" dirty="0" smtClean="0">
+                <a:solidFill>
+                  <a:srgbClr val="C32D2E"/>
+                </a:solidFill>
+                <a:latin typeface="Courier"/>
+                <a:cs typeface="Courier"/>
+              </a:rPr>
+              <a:t>1</a:t>
+            </a:r>
+            <a:r>
+              <a:rPr lang="en-US" sz="3600" dirty="0" smtClean="0">
+                <a:latin typeface="Courier"/>
+                <a:cs typeface="Courier"/>
+              </a:rPr>
+              <a:t> </a:t>
+            </a:r>
+            <a:r>
+              <a:rPr lang="en-US" sz="3600" dirty="0">
+                <a:latin typeface="Courier"/>
+                <a:cs typeface="Courier"/>
+              </a:rPr>
+              <a:t>0</a:t>
+            </a:r>
+            <a:r>
+              <a:rPr lang="en-US" sz="3600" dirty="0" smtClean="0">
+                <a:latin typeface="Courier"/>
+                <a:cs typeface="Courier"/>
+              </a:rPr>
+              <a:t> </a:t>
+            </a:r>
+            <a:r>
+              <a:rPr lang="en-US" sz="3600" dirty="0" smtClean="0">
+                <a:solidFill>
+                  <a:srgbClr val="C32D2E"/>
+                </a:solidFill>
+                <a:latin typeface="Courier"/>
+                <a:cs typeface="Courier"/>
+              </a:rPr>
+              <a:t>1</a:t>
+            </a:r>
+            <a:r>
+              <a:rPr lang="en-US" sz="3600" dirty="0" smtClean="0">
+                <a:latin typeface="Courier"/>
+                <a:cs typeface="Courier"/>
+              </a:rPr>
+              <a:t> </a:t>
+            </a:r>
+            <a:r>
+              <a:rPr lang="en-US" sz="3600" dirty="0" smtClean="0">
+                <a:latin typeface="Courier"/>
+                <a:cs typeface="Courier"/>
+              </a:rPr>
+              <a:t>0 </a:t>
+            </a:r>
+            <a:r>
+              <a:rPr lang="en-US" sz="3600" dirty="0" smtClean="0">
+                <a:solidFill>
+                  <a:srgbClr val="C32D2E"/>
+                </a:solidFill>
+                <a:latin typeface="Courier"/>
+                <a:cs typeface="Courier"/>
+              </a:rPr>
+              <a:t>1</a:t>
+            </a:r>
+            <a:endParaRPr lang="en-US" sz="3600" dirty="0">
+              <a:solidFill>
+                <a:srgbClr val="C32D2E"/>
+              </a:solidFill>
+              <a:latin typeface="Courier"/>
+              <a:cs typeface="Courier"/>
+            </a:endParaRPr>
+          </a:p>
+        </p:txBody>
+      </p:sp>
+    </p:spTree>
+    <p:extLst>
+      <p:ext uri="{BB962C8B-B14F-4D97-AF65-F5344CB8AC3E}">
+        <p14:creationId xmlns:p14="http://schemas.microsoft.com/office/powerpoint/2010/main" val="724332886"/>
+      </p:ext>
+    </p:extLst>
+  </p:cSld>
+  <p:clrMapOvr>
+    <a:masterClrMapping/>
+  </p:clrMapOvr>
+  <p:timing>
+    <p:tnLst>
+      <p:par>
+        <p:cTn xmlns:p14="http://schemas.microsoft.com/office/powerpoint/2010/main" id="1" dur="indefinite" restart="never" nodeType="tmRoot">
+          <p:childTnLst>
+            <p:seq concurrent="1" nextAc="seek">
+              <p:cTn id="2" dur="indefinite" nodeType="mainSeq">
+                <p:childTnLst>
+                  <p:par>
+                    <p:cTn id="3" fill="hold">
+                      <p:stCondLst>
+                        <p:cond delay="indefinite"/>
+                      </p:stCondLst>
+                      <p:childTnLst>
+                        <p:par>
+                          <p:cTn id="4" fill="hold">
+                            <p:stCondLst>
+                              <p:cond delay="0"/>
+                            </p:stCondLst>
+                            <p:childTnLst>
+                              <p:par>
+                                <p:cTn id="5" presetID="1" presetClass="entr" presetSubtype="0" fill="hold" grpId="0" nodeType="clickEffect">
+                                  <p:stCondLst>
+                                    <p:cond delay="0"/>
+                                  </p:stCondLst>
+                                  <p:childTnLst>
+                                    <p:set>
+                                      <p:cBhvr>
+                                        <p:cTn id="6" dur="1" fill="hold">
+                                          <p:stCondLst>
+                                            <p:cond delay="0"/>
+                                          </p:stCondLst>
+                                        </p:cTn>
+                                        <p:tgtEl>
+                                          <p:spTgt spid="4">
+                                            <p:txEl>
+                                              <p:pRg st="0" end="0"/>
+                                            </p:txEl>
+                                          </p:spTgt>
+                                        </p:tgtEl>
+                                        <p:attrNameLst>
+                                          <p:attrName>style.visibility</p:attrName>
+                                        </p:attrNameLst>
+                                      </p:cBhvr>
+                                      <p:to>
+                                        <p:strVal val="visible"/>
+                                      </p:to>
+                                    </p:set>
+                                  </p:childTnLst>
+                                </p:cTn>
+                              </p:par>
+                              <p:par>
+                                <p:cTn id="7" presetID="1" presetClass="entr" presetSubtype="0" fill="hold" grpId="0" nodeType="withEffect">
+                                  <p:stCondLst>
+                                    <p:cond delay="0"/>
+                                  </p:stCondLst>
+                                  <p:childTnLst>
+                                    <p:set>
+                                      <p:cBhvr>
+                                        <p:cTn id="8" dur="1" fill="hold">
+                                          <p:stCondLst>
+                                            <p:cond delay="0"/>
+                                          </p:stCondLst>
+                                        </p:cTn>
+                                        <p:tgtEl>
+                                          <p:spTgt spid="4">
+                                            <p:txEl>
+                                              <p:pRg st="1" end="1"/>
+                                            </p:txEl>
+                                          </p:spTgt>
+                                        </p:tgtEl>
+                                        <p:attrNameLst>
+                                          <p:attrName>style.visibility</p:attrName>
+                                        </p:attrNameLst>
+                                      </p:cBhvr>
+                                      <p:to>
+                                        <p:strVal val="visible"/>
+                                      </p:to>
+                                    </p:set>
+                                  </p:childTnLst>
+                                </p:cTn>
+                              </p:par>
+                            </p:childTnLst>
+                          </p:cTn>
+                        </p:par>
+                      </p:childTnLst>
+                    </p:cTn>
+                  </p:par>
+                  <p:par>
+                    <p:cTn id="9" fill="hold">
+                      <p:stCondLst>
+                        <p:cond delay="indefinite"/>
+                      </p:stCondLst>
+                      <p:childTnLst>
+                        <p:par>
+                          <p:cTn id="10" fill="hold">
+                            <p:stCondLst>
+                              <p:cond delay="0"/>
+                            </p:stCondLst>
+                            <p:childTnLst>
+                              <p:par>
+                                <p:cTn id="11" presetID="1" presetClass="entr" presetSubtype="0" fill="hold" grpId="0" nodeType="clickEffect">
+                                  <p:stCondLst>
+                                    <p:cond delay="0"/>
+                                  </p:stCondLst>
+                                  <p:childTnLst>
+                                    <p:set>
+                                      <p:cBhvr>
+                                        <p:cTn id="12" dur="1" fill="hold">
+                                          <p:stCondLst>
+                                            <p:cond delay="0"/>
+                                          </p:stCondLst>
+                                        </p:cTn>
+                                        <p:tgtEl>
+                                          <p:spTgt spid="4">
+                                            <p:txEl>
+                                              <p:pRg st="2" end="2"/>
+                                            </p:txEl>
+                                          </p:spTgt>
+                                        </p:tgtEl>
+                                        <p:attrNameLst>
+                                          <p:attrName>style.visibility</p:attrName>
+                                        </p:attrNameLst>
+                                      </p:cBhvr>
+                                      <p:to>
+                                        <p:strVal val="visible"/>
+                                      </p:to>
+                                    </p:set>
+                                  </p:childTnLst>
+                                </p:cTn>
+                              </p:par>
+                            </p:childTnLst>
+                          </p:cTn>
+                        </p:par>
+                      </p:childTnLst>
+                    </p:cTn>
+                  </p:par>
+                  <p:par>
+                    <p:cTn id="13" fill="hold">
+                      <p:stCondLst>
+                        <p:cond delay="indefinite"/>
+                      </p:stCondLst>
+                      <p:childTnLst>
+                        <p:par>
+                          <p:cTn id="14" fill="hold">
+                            <p:stCondLst>
+                              <p:cond delay="0"/>
+                            </p:stCondLst>
+                            <p:childTnLst>
+                              <p:par>
+                                <p:cTn id="15" presetID="1" presetClass="entr" presetSubtype="0" fill="hold" grpId="0" nodeType="clickEffect">
+                                  <p:stCondLst>
+                                    <p:cond delay="0"/>
+                                  </p:stCondLst>
+                                  <p:childTnLst>
+                                    <p:set>
+                                      <p:cBhvr>
+                                        <p:cTn id="16" dur="1" fill="hold">
+                                          <p:stCondLst>
+                                            <p:cond delay="0"/>
+                                          </p:stCondLst>
+                                        </p:cTn>
+                                        <p:tgtEl>
+                                          <p:spTgt spid="5"/>
+                                        </p:tgtEl>
+                                        <p:attrNameLst>
+                                          <p:attrName>style.visibility</p:attrName>
+                                        </p:attrNameLst>
+                                      </p:cBhvr>
+                                      <p:to>
+                                        <p:strVal val="visible"/>
+                                      </p:to>
+                                    </p:set>
+                                  </p:childTnLst>
+                                </p:cTn>
+                              </p:par>
+                            </p:childTnLst>
+                          </p:cTn>
+                        </p:par>
+                      </p:childTnLst>
+                    </p:cTn>
+                  </p:par>
+                  <p:par>
+                    <p:cTn id="17" fill="hold">
+                      <p:stCondLst>
+                        <p:cond delay="indefinite"/>
+                      </p:stCondLst>
+                      <p:childTnLst>
+                        <p:par>
+                          <p:cTn id="18" fill="hold">
+                            <p:stCondLst>
+                              <p:cond delay="0"/>
+                            </p:stCondLst>
+                            <p:childTnLst>
+                              <p:par>
+                                <p:cTn id="19" presetID="1" presetClass="entr" presetSubtype="0" fill="hold" grpId="0" nodeType="clickEffect">
+                                  <p:stCondLst>
+                                    <p:cond delay="0"/>
+                                  </p:stCondLst>
+                                  <p:childTnLst>
+                                    <p:set>
+                                      <p:cBhvr>
+                                        <p:cTn id="20" dur="1" fill="hold">
+                                          <p:stCondLst>
+                                            <p:cond delay="0"/>
+                                          </p:stCondLst>
+                                        </p:cTn>
+                                        <p:tgtEl>
+                                          <p:spTgt spid="7"/>
+                                        </p:tgtEl>
+                                        <p:attrNameLst>
+                                          <p:attrName>style.visibility</p:attrName>
+                                        </p:attrNameLst>
+                                      </p:cBhvr>
+                                      <p:to>
+                                        <p:strVal val="visible"/>
+                                      </p:to>
+                                    </p:set>
+                                  </p:childTnLst>
+                                </p:cTn>
+                              </p:par>
+                            </p:childTnLst>
+                          </p:cTn>
+                        </p:par>
+                      </p:childTnLst>
+                    </p:cTn>
+                  </p:par>
+                  <p:par>
+                    <p:cTn id="21" fill="hold">
+                      <p:stCondLst>
+                        <p:cond delay="indefinite"/>
+                      </p:stCondLst>
+                      <p:childTnLst>
+                        <p:par>
+                          <p:cTn id="22" fill="hold">
+                            <p:stCondLst>
+                              <p:cond delay="0"/>
+                            </p:stCondLst>
+                            <p:childTnLst>
+                              <p:par>
+                                <p:cTn id="23" presetID="1" presetClass="entr" presetSubtype="0" fill="hold" grpId="0" nodeType="clickEffect">
+                                  <p:stCondLst>
+                                    <p:cond delay="0"/>
+                                  </p:stCondLst>
+                                  <p:childTnLst>
+                                    <p:set>
+                                      <p:cBhvr>
+                                        <p:cTn id="24" dur="1" fill="hold">
+                                          <p:stCondLst>
+                                            <p:cond delay="0"/>
+                                          </p:stCondLst>
+                                        </p:cTn>
+                                        <p:tgtEl>
+                                          <p:spTgt spid="4">
+                                            <p:txEl>
+                                              <p:pRg st="7" end="7"/>
+                                            </p:txEl>
+                                          </p:spTgt>
+                                        </p:tgtEl>
+                                        <p:attrNameLst>
+                                          <p:attrName>style.visibility</p:attrName>
+                                        </p:attrNameLst>
+                                      </p:cBhvr>
+                                      <p:to>
+                                        <p:strVal val="visible"/>
+                                      </p:to>
+                                    </p:set>
+                                  </p:childTnLst>
+                                </p:cTn>
+                              </p:par>
+                            </p:childTnLst>
+                          </p:cTn>
+                        </p:par>
+                      </p:childTnLst>
+                    </p:cTn>
+                  </p:par>
+                </p:childTnLst>
+              </p:cTn>
+              <p:prevCondLst>
+                <p:cond evt="onPrev" delay="0">
+                  <p:tgtEl>
+                    <p:sldTgt/>
+                  </p:tgtEl>
+                </p:cond>
+              </p:prevCondLst>
+              <p:nextCondLst>
+                <p:cond evt="onNext" delay="0">
+                  <p:tgtEl>
+                    <p:sldTgt/>
+                  </p:tgtEl>
+                </p:cond>
+              </p:nextCondLst>
+            </p:seq>
+          </p:childTnLst>
+        </p:cTn>
+      </p:par>
+    </p:tnLst>
+    <p:bldLst>
+      <p:bldP spid="4" grpId="0" build="p"/>
+      <p:bldP spid="5" grpId="0"/>
+      <p:bldP spid="7" grpId="0"/>
+    </p:bldLst>
+  </p:timing>
+</p:sld>
+</file>
+
+<file path=ppt/slides/slide11.xml><?xml version="1.0" encoding="utf-8"?>
+<p:sld xmlns:a="http://schemas.openxmlformats.org/drawingml/2006/main" xmlns:r="http://schemas.openxmlformats.org/officeDocument/2006/relationships" xmlns:p="http://schemas.openxmlformats.org/presentationml/2006/main">
+  <p:cSld>
+    <p:spTree>
+      <p:nvGrpSpPr>
+        <p:cNvPr id="1" name=""/>
+        <p:cNvGrpSpPr/>
+        <p:nvPr/>
+      </p:nvGrpSpPr>
+      <p:grpSpPr>
+        <a:xfrm>
+          <a:off x="0" y="0"/>
+          <a:ext cx="0" cy="0"/>
+          <a:chOff x="0" y="0"/>
+          <a:chExt cx="0" cy="0"/>
+        </a:xfrm>
+      </p:grpSpPr>
+      <p:sp>
+        <p:nvSpPr>
+          <p:cNvPr id="2" name="Title 1"/>
+          <p:cNvSpPr>
+            <a:spLocks noGrp="1"/>
+          </p:cNvSpPr>
+          <p:nvPr>
+            <p:ph type="title"/>
+          </p:nvPr>
+        </p:nvSpPr>
+        <p:spPr/>
+        <p:txBody>
+          <a:bodyPr/>
+          <a:lstStyle/>
+          <a:p>
+            <a:r>
+              <a:rPr lang="en-US" dirty="0" smtClean="0"/>
               <a:t>Spaced Seeds </a:t>
             </a:r>
             <a:r>
@@ -13465,7 +15864,9 @@
         </p:nvSpPr>
         <p:spPr/>
         <p:txBody>
-          <a:bodyPr/>
+          <a:bodyPr>
+            <a:normAutofit/>
+          </a:bodyPr>
           <a:lstStyle/>
           <a:p>
             <a:r>
@@ -13538,11 +15939,89 @@
               <a:rPr lang="en-US" sz="2800" baseline="-25000" dirty="0" smtClean="0"/>
               <a:t>π</a:t>
             </a:r>
-          </a:p>
-          <a:p>
+            <a:endParaRPr lang="en-US" sz="2800" baseline="-25000" dirty="0" smtClean="0"/>
+          </a:p>
+          <a:p>
+            <a:pPr lvl="1"/>
+            <a:r>
+              <a:rPr lang="en-US" dirty="0" err="1" smtClean="0"/>
+              <a:t>d</a:t>
+            </a:r>
+            <a:r>
+              <a:rPr lang="en-US" baseline="-25000" dirty="0" err="1" smtClean="0"/>
+              <a:t>H</a:t>
+            </a:r>
             <a:r>
               <a:rPr lang="en-US" dirty="0" smtClean="0"/>
-              <a:t>Spaced seeds can be used to put an upper bound on the maximum difference between two sequences in order for them to still be considered a valid match</a:t>
+              <a:t>(</a:t>
+            </a:r>
+            <a:r>
+              <a:rPr lang="en-US" dirty="0" err="1" smtClean="0"/>
+              <a:t>q,t</a:t>
+            </a:r>
+            <a:r>
+              <a:rPr lang="en-US" dirty="0" smtClean="0"/>
+              <a:t>) = min number of replacements to transform q -&gt; t</a:t>
+            </a:r>
+          </a:p>
+          <a:p>
+            <a:pPr lvl="1"/>
+            <a:r>
+              <a:rPr lang="en-US" dirty="0"/>
+              <a:t>|π| - </a:t>
+            </a:r>
+            <a:r>
+              <a:rPr lang="en-US" sz="2400" dirty="0" smtClean="0"/>
+              <a:t>w</a:t>
+            </a:r>
+            <a:r>
+              <a:rPr lang="en-US" sz="2400" baseline="-25000" dirty="0" smtClean="0"/>
+              <a:t>π </a:t>
+            </a:r>
+            <a:r>
+              <a:rPr lang="en-US" sz="2400" dirty="0" smtClean="0"/>
+              <a:t> = length of seed – weight of seed</a:t>
+            </a:r>
+          </a:p>
+          <a:p>
+            <a:pPr marL="274320" lvl="1" indent="0">
+              <a:buNone/>
+            </a:pPr>
+            <a:r>
+              <a:rPr lang="en-US" sz="2400" dirty="0" smtClean="0"/>
+              <a:t>	          = length </a:t>
+            </a:r>
+            <a:r>
+              <a:rPr lang="en-US" sz="2400" dirty="0"/>
+              <a:t>of seed </a:t>
+            </a:r>
+            <a:r>
+              <a:rPr lang="en-US" sz="2400" dirty="0" smtClean="0"/>
+              <a:t>– number of  0’s in seed</a:t>
+            </a:r>
+          </a:p>
+          <a:p>
+            <a:pPr marL="274320" lvl="1" indent="0">
+              <a:buNone/>
+            </a:pPr>
+            <a:r>
+              <a:rPr lang="en-US" sz="2400" dirty="0"/>
+              <a:t>	 </a:t>
+            </a:r>
+            <a:r>
+              <a:rPr lang="en-US" sz="2400" dirty="0" smtClean="0"/>
+              <a:t>         = number of 1’s in seed</a:t>
+            </a:r>
+            <a:endParaRPr lang="en-US" dirty="0" smtClean="0"/>
+          </a:p>
+          <a:p>
+            <a:r>
+              <a:rPr lang="en-US" dirty="0" smtClean="0"/>
+              <a:t>Spaced </a:t>
+            </a:r>
+            <a:r>
+              <a:rPr lang="en-US" dirty="0" smtClean="0"/>
+              <a:t>seeds can be used to put an upper bound on the maximum difference between two sequences in order for them to still be considered a valid match</a:t>
             </a:r>
             <a:endParaRPr lang="en-US" dirty="0"/>
           </a:p>
@@ -13716,6 +16195,202 @@
                       </p:childTnLst>
                     </p:cTn>
                   </p:par>
+                  <p:par>
+                    <p:cTn id="15" fill="hold">
+                      <p:stCondLst>
+                        <p:cond delay="indefinite"/>
+                      </p:stCondLst>
+                      <p:childTnLst>
+                        <p:par>
+                          <p:cTn id="16" fill="hold">
+                            <p:stCondLst>
+                              <p:cond delay="0"/>
+                            </p:stCondLst>
+                            <p:childTnLst>
+                              <p:par>
+                                <p:cTn id="17" presetID="1" presetClass="entr" presetSubtype="0" fill="hold" grpId="0" nodeType="clickEffect">
+                                  <p:stCondLst>
+                                    <p:cond delay="0"/>
+                                  </p:stCondLst>
+                                  <p:childTnLst>
+                                    <p:set>
+                                      <p:cBhvr>
+                                        <p:cTn id="18" dur="1" fill="hold">
+                                          <p:stCondLst>
+                                            <p:cond delay="0"/>
+                                          </p:stCondLst>
+                                        </p:cTn>
+                                        <p:tgtEl>
+                                          <p:spTgt spid="3">
+                                            <p:txEl>
+                                              <p:pRg st="3" end="3"/>
+                                            </p:txEl>
+                                          </p:spTgt>
+                                        </p:tgtEl>
+                                        <p:attrNameLst>
+                                          <p:attrName>style.visibility</p:attrName>
+                                        </p:attrNameLst>
+                                      </p:cBhvr>
+                                      <p:to>
+                                        <p:strVal val="visible"/>
+                                      </p:to>
+                                    </p:set>
+                                  </p:childTnLst>
+                                </p:cTn>
+                              </p:par>
+                            </p:childTnLst>
+                          </p:cTn>
+                        </p:par>
+                      </p:childTnLst>
+                    </p:cTn>
+                  </p:par>
+                  <p:par>
+                    <p:cTn id="19" fill="hold">
+                      <p:stCondLst>
+                        <p:cond delay="indefinite"/>
+                      </p:stCondLst>
+                      <p:childTnLst>
+                        <p:par>
+                          <p:cTn id="20" fill="hold">
+                            <p:stCondLst>
+                              <p:cond delay="0"/>
+                            </p:stCondLst>
+                            <p:childTnLst>
+                              <p:par>
+                                <p:cTn id="21" presetID="1" presetClass="entr" presetSubtype="0" fill="hold" grpId="0" nodeType="clickEffect">
+                                  <p:stCondLst>
+                                    <p:cond delay="0"/>
+                                  </p:stCondLst>
+                                  <p:childTnLst>
+                                    <p:set>
+                                      <p:cBhvr>
+                                        <p:cTn id="22" dur="1" fill="hold">
+                                          <p:stCondLst>
+                                            <p:cond delay="0"/>
+                                          </p:stCondLst>
+                                        </p:cTn>
+                                        <p:tgtEl>
+                                          <p:spTgt spid="3">
+                                            <p:txEl>
+                                              <p:pRg st="4" end="4"/>
+                                            </p:txEl>
+                                          </p:spTgt>
+                                        </p:tgtEl>
+                                        <p:attrNameLst>
+                                          <p:attrName>style.visibility</p:attrName>
+                                        </p:attrNameLst>
+                                      </p:cBhvr>
+                                      <p:to>
+                                        <p:strVal val="visible"/>
+                                      </p:to>
+                                    </p:set>
+                                  </p:childTnLst>
+                                </p:cTn>
+                              </p:par>
+                            </p:childTnLst>
+                          </p:cTn>
+                        </p:par>
+                      </p:childTnLst>
+                    </p:cTn>
+                  </p:par>
+                  <p:par>
+                    <p:cTn id="23" fill="hold">
+                      <p:stCondLst>
+                        <p:cond delay="indefinite"/>
+                      </p:stCondLst>
+                      <p:childTnLst>
+                        <p:par>
+                          <p:cTn id="24" fill="hold">
+                            <p:stCondLst>
+                              <p:cond delay="0"/>
+                            </p:stCondLst>
+                            <p:childTnLst>
+                              <p:par>
+                                <p:cTn id="25" presetID="1" presetClass="entr" presetSubtype="0" fill="hold" grpId="0" nodeType="clickEffect">
+                                  <p:stCondLst>
+                                    <p:cond delay="0"/>
+                                  </p:stCondLst>
+                                  <p:childTnLst>
+                                    <p:set>
+                                      <p:cBhvr>
+                                        <p:cTn id="26" dur="1" fill="hold">
+                                          <p:stCondLst>
+                                            <p:cond delay="0"/>
+                                          </p:stCondLst>
+                                        </p:cTn>
+                                        <p:tgtEl>
+                                          <p:spTgt spid="3">
+                                            <p:txEl>
+                                              <p:pRg st="5" end="5"/>
+                                            </p:txEl>
+                                          </p:spTgt>
+                                        </p:tgtEl>
+                                        <p:attrNameLst>
+                                          <p:attrName>style.visibility</p:attrName>
+                                        </p:attrNameLst>
+                                      </p:cBhvr>
+                                      <p:to>
+                                        <p:strVal val="visible"/>
+                                      </p:to>
+                                    </p:set>
+                                  </p:childTnLst>
+                                </p:cTn>
+                              </p:par>
+                            </p:childTnLst>
+                          </p:cTn>
+                        </p:par>
+                      </p:childTnLst>
+                    </p:cTn>
+                  </p:par>
+                  <p:par>
+                    <p:cTn id="27" fill="hold">
+                      <p:stCondLst>
+                        <p:cond delay="indefinite"/>
+                      </p:stCondLst>
+                      <p:childTnLst>
+                        <p:par>
+                          <p:cTn id="28" fill="hold">
+                            <p:stCondLst>
+                              <p:cond delay="0"/>
+                            </p:stCondLst>
+                            <p:childTnLst>
+                              <p:par>
+                                <p:cTn id="29" presetID="1" presetClass="entr" presetSubtype="0" fill="hold" grpId="0" nodeType="clickEffect">
+                                  <p:stCondLst>
+                                    <p:cond delay="0"/>
+                                  </p:stCondLst>
+                                  <p:childTnLst>
+                                    <p:set>
+                                      <p:cBhvr>
+                                        <p:cTn id="30" dur="1" fill="hold">
+                                          <p:stCondLst>
+                                            <p:cond delay="0"/>
+                                          </p:stCondLst>
+                                        </p:cTn>
+                                        <p:tgtEl>
+                                          <p:spTgt spid="3">
+                                            <p:txEl>
+                                              <p:pRg st="6" end="6"/>
+                                            </p:txEl>
+                                          </p:spTgt>
+                                        </p:tgtEl>
+                                        <p:attrNameLst>
+                                          <p:attrName>style.visibility</p:attrName>
+                                        </p:attrNameLst>
+                                      </p:cBhvr>
+                                      <p:to>
+                                        <p:strVal val="visible"/>
+                                      </p:to>
+                                    </p:set>
+                                  </p:childTnLst>
+                                </p:cTn>
+                              </p:par>
+                            </p:childTnLst>
+                          </p:cTn>
+                        </p:par>
+                      </p:childTnLst>
+                    </p:cTn>
+                  </p:par>
                 </p:childTnLst>
               </p:cTn>
               <p:prevCondLst>
@@ -13744,7 +16419,7 @@
 </p:sld>
 </file>
 
-<file path=ppt/slides/slide11.xml><?xml version="1.0" encoding="utf-8"?>
+<file path=ppt/slides/slide12.xml><?xml version="1.0" encoding="utf-8"?>
 <p:sld xmlns:a="http://schemas.openxmlformats.org/drawingml/2006/main" xmlns:r="http://schemas.openxmlformats.org/officeDocument/2006/relationships" xmlns:p="http://schemas.openxmlformats.org/presentationml/2006/main">
   <p:cSld>
     <p:spTree>
@@ -13823,7 +16498,7 @@
 </p:sld>
 </file>
 
-<file path=ppt/slides/slide12.xml><?xml version="1.0" encoding="utf-8"?>
+<file path=ppt/slides/slide13.xml><?xml version="1.0" encoding="utf-8"?>
 <p:sld xmlns:a="http://schemas.openxmlformats.org/drawingml/2006/main" xmlns:r="http://schemas.openxmlformats.org/officeDocument/2006/relationships" xmlns:p="http://schemas.openxmlformats.org/presentationml/2006/main">
   <p:cSld>
     <p:spTree>
@@ -13902,11 +16577,7 @@
           <a:p>
             <a:r>
               <a:rPr lang="en-US" dirty="0" smtClean="0"/>
-              <a:t>We </a:t>
-            </a:r>
-            <a:r>
-              <a:rPr lang="en-US" dirty="0" smtClean="0"/>
-              <a:t>can improve upon RAIDER’s sensitivity to detection of approximate repeats through at least one of (more likely a combination of) the following:</a:t>
+              <a:t>We can improve upon RAIDER’s sensitivity to detection of approximate repeats through at least one of (more likely a combination of) the following:</a:t>
             </a:r>
           </a:p>
           <a:p>
@@ -13916,8 +16587,13 @@
             </a:pPr>
             <a:r>
               <a:rPr lang="en-US" dirty="0" smtClean="0"/>
-              <a:t>Modifying RAIDER algorithm</a:t>
-            </a:r>
+              <a:t>Modifying RAIDER </a:t>
+            </a:r>
+            <a:r>
+              <a:rPr lang="en-US" dirty="0" smtClean="0"/>
+              <a:t>algorithm for use of spaced seeds</a:t>
+            </a:r>
+            <a:endParaRPr lang="en-US" dirty="0" smtClean="0"/>
           </a:p>
           <a:p>
             <a:pPr marL="731520" lvl="1" indent="-457200">
@@ -13926,8 +16602,13 @@
             </a:pPr>
             <a:r>
               <a:rPr lang="en-US" dirty="0" smtClean="0"/>
-              <a:t>Optimizing choice of seed</a:t>
-            </a:r>
+              <a:t>Optimizing choice of </a:t>
+            </a:r>
+            <a:r>
+              <a:rPr lang="en-US" dirty="0" smtClean="0"/>
+              <a:t>spaced seed</a:t>
+            </a:r>
+            <a:endParaRPr lang="en-US" dirty="0" smtClean="0"/>
           </a:p>
           <a:p>
             <a:pPr marL="731520" lvl="1" indent="-457200">
@@ -13936,7 +16617,15 @@
             </a:pPr>
             <a:r>
               <a:rPr lang="en-US" dirty="0" smtClean="0"/>
-              <a:t>Allowing use of multiple seeds</a:t>
+              <a:t>Modifying RAIDER algorithm for</a:t>
+            </a:r>
+            <a:r>
+              <a:rPr lang="en-US" dirty="0" smtClean="0"/>
+              <a:t> </a:t>
+            </a:r>
+            <a:r>
+              <a:rPr lang="en-US" dirty="0" smtClean="0"/>
+              <a:t>use of multiple seeds</a:t>
             </a:r>
           </a:p>
         </p:txBody>
@@ -14330,103 +17019,6 @@
 </p:sld>
 </file>
 
-<file path=ppt/slides/slide13.xml><?xml version="1.0" encoding="utf-8"?>
-<p:sld xmlns:a="http://schemas.openxmlformats.org/drawingml/2006/main" xmlns:r="http://schemas.openxmlformats.org/officeDocument/2006/relationships" xmlns:p="http://schemas.openxmlformats.org/presentationml/2006/main">
-  <p:cSld>
-    <p:spTree>
-      <p:nvGrpSpPr>
-        <p:cNvPr id="1" name=""/>
-        <p:cNvGrpSpPr/>
-        <p:nvPr/>
-      </p:nvGrpSpPr>
-      <p:grpSpPr>
-        <a:xfrm>
-          <a:off x="0" y="0"/>
-          <a:ext cx="0" cy="0"/>
-          <a:chOff x="0" y="0"/>
-          <a:chExt cx="0" cy="0"/>
-        </a:xfrm>
-      </p:grpSpPr>
-      <p:sp>
-        <p:nvSpPr>
-          <p:cNvPr id="2" name="Title 1"/>
-          <p:cNvSpPr>
-            <a:spLocks noGrp="1"/>
-          </p:cNvSpPr>
-          <p:nvPr>
-            <p:ph type="title"/>
-          </p:nvPr>
-        </p:nvSpPr>
-        <p:spPr/>
-        <p:txBody>
-          <a:bodyPr/>
-          <a:lstStyle/>
-          <a:p>
-            <a:r>
-              <a:rPr lang="en-US" dirty="0" smtClean="0"/>
-              <a:t>Part 1: Modified Algorithm</a:t>
-            </a:r>
-            <a:endParaRPr lang="en-US" dirty="0"/>
-          </a:p>
-        </p:txBody>
-      </p:sp>
-      <p:sp>
-        <p:nvSpPr>
-          <p:cNvPr id="3" name="Content Placeholder 2"/>
-          <p:cNvSpPr>
-            <a:spLocks noGrp="1"/>
-          </p:cNvSpPr>
-          <p:nvPr>
-            <p:ph sz="quarter" idx="1"/>
-          </p:nvPr>
-        </p:nvSpPr>
-        <p:spPr/>
-        <p:txBody>
-          <a:bodyPr/>
-          <a:lstStyle/>
-          <a:p>
-            <a:r>
-              <a:rPr lang="en-US" dirty="0" smtClean="0"/>
-              <a:t>Reasoning: RAIDER was not designed around the detection of approximate repeats/ the use of spaced seeds</a:t>
-            </a:r>
-          </a:p>
-          <a:p>
-            <a:r>
-              <a:rPr lang="en-US" dirty="0" smtClean="0"/>
-              <a:t>Approach: Modify algorithm with spaced seeds in mind</a:t>
-            </a:r>
-          </a:p>
-          <a:p>
-            <a:endParaRPr lang="en-US" dirty="0" smtClean="0"/>
-          </a:p>
-          <a:p>
-            <a:endParaRPr lang="en-US" dirty="0" smtClean="0"/>
-          </a:p>
-          <a:p>
-            <a:endParaRPr lang="en-US" dirty="0"/>
-          </a:p>
-        </p:txBody>
-      </p:sp>
-    </p:spTree>
-    <p:extLst>
-      <p:ext uri="{BB962C8B-B14F-4D97-AF65-F5344CB8AC3E}">
-        <p14:creationId xmlns:p14="http://schemas.microsoft.com/office/powerpoint/2010/main" val="2743340914"/>
-      </p:ext>
-    </p:extLst>
-  </p:cSld>
-  <p:clrMapOvr>
-    <a:masterClrMapping/>
-  </p:clrMapOvr>
-  <p:timing>
-    <p:tnLst>
-      <p:par>
-        <p:cTn xmlns:p14="http://schemas.microsoft.com/office/powerpoint/2010/main" id="1" dur="indefinite" restart="never" nodeType="tmRoot"/>
-      </p:par>
-    </p:tnLst>
-  </p:timing>
-</p:sld>
-</file>
-
 <file path=ppt/slides/slide14.xml><?xml version="1.0" encoding="utf-8"?>
 <p:sld xmlns:a="http://schemas.openxmlformats.org/drawingml/2006/main" xmlns:r="http://schemas.openxmlformats.org/officeDocument/2006/relationships" xmlns:p="http://schemas.openxmlformats.org/presentationml/2006/main">
   <p:cSld>
@@ -14461,7 +17053,7 @@
           <a:p>
             <a:r>
               <a:rPr lang="en-US" dirty="0" smtClean="0"/>
-              <a:t>Part 2: Optimized Seed</a:t>
+              <a:t>Part 1: Modified Algorithm</a:t>
             </a:r>
             <a:endParaRPr lang="en-US" dirty="0"/>
           </a:p>
@@ -14484,33 +17076,22 @@
           <a:p>
             <a:r>
               <a:rPr lang="en-US" dirty="0" smtClean="0"/>
-              <a:t>Reasoning</a:t>
-            </a:r>
+              <a:t>Reasoning: RAIDER was not designed around the detection of approximate repeats/ the use of spaced seeds</a:t>
+            </a:r>
+          </a:p>
+          <a:p>
             <a:r>
               <a:rPr lang="en-US" dirty="0" smtClean="0"/>
-              <a:t>: </a:t>
-            </a:r>
-          </a:p>
-          <a:p>
-            <a:pPr lvl="1"/>
-            <a:r>
-              <a:rPr lang="en-US" dirty="0" smtClean="0"/>
-              <a:t>There are likely to be some characteristics that make a spaced seed better (or worse) suited for use in repeat-finding algorithms.</a:t>
-            </a:r>
-            <a:endParaRPr lang="en-US" dirty="0"/>
-          </a:p>
-          <a:p>
-            <a:pPr lvl="1"/>
-            <a:r>
-              <a:rPr lang="en-US" dirty="0" smtClean="0"/>
-              <a:t>A few optimized spaced seeds could be as sensitive to repeat finding as many non-optimized ones.</a:t>
-            </a:r>
-          </a:p>
-          <a:p>
-            <a:r>
-              <a:rPr lang="en-US" dirty="0" smtClean="0"/>
-              <a:t>Approach: Seed design and analysis.</a:t>
-            </a:r>
+              <a:t>Approach: Modify algorithm with spaced seeds in mind</a:t>
+            </a:r>
+          </a:p>
+          <a:p>
+            <a:endParaRPr lang="en-US" dirty="0" smtClean="0"/>
+          </a:p>
+          <a:p>
+            <a:endParaRPr lang="en-US" dirty="0" smtClean="0"/>
+          </a:p>
+          <a:p>
             <a:endParaRPr lang="en-US" dirty="0"/>
           </a:p>
         </p:txBody>
@@ -14518,7 +17099,7 @@
     </p:spTree>
     <p:extLst>
       <p:ext uri="{BB962C8B-B14F-4D97-AF65-F5344CB8AC3E}">
-        <p14:creationId xmlns:p14="http://schemas.microsoft.com/office/powerpoint/2010/main" val="233711762"/>
+        <p14:creationId xmlns:p14="http://schemas.microsoft.com/office/powerpoint/2010/main" val="2743340914"/>
       </p:ext>
     </p:extLst>
   </p:cSld>
@@ -14569,7 +17150,7 @@
           <a:p>
             <a:r>
               <a:rPr lang="en-US" dirty="0" smtClean="0"/>
-              <a:t>Part 3: Multiple Seeds</a:t>
+              <a:t>Part 2: Optimized Seed</a:t>
             </a:r>
             <a:endParaRPr lang="en-US" dirty="0"/>
           </a:p>
@@ -14592,34 +17173,28 @@
           <a:p>
             <a:r>
               <a:rPr lang="en-US" dirty="0" smtClean="0"/>
-              <a:t>Inspiration: </a:t>
-            </a:r>
-            <a:r>
-              <a:rPr lang="en-US" dirty="0" err="1" smtClean="0"/>
-              <a:t>PatternHunter</a:t>
-            </a:r>
+              <a:t>Reasoning: </a:t>
+            </a:r>
+          </a:p>
+          <a:p>
+            <a:pPr lvl="1"/>
             <a:r>
               <a:rPr lang="en-US" dirty="0" smtClean="0"/>
-              <a:t> II</a:t>
-            </a:r>
-          </a:p>
-          <a:p>
+              <a:t>There are likely to be some characteristics that make a spaced seed better (or worse) suited for use in repeat-finding algorithms.</a:t>
+            </a:r>
+            <a:endParaRPr lang="en-US" dirty="0"/>
+          </a:p>
+          <a:p>
+            <a:pPr lvl="1"/>
             <a:r>
               <a:rPr lang="en-US" dirty="0" smtClean="0"/>
-              <a:t>Reasoning:</a:t>
-            </a:r>
-          </a:p>
-          <a:p>
-            <a:pPr lvl="1"/>
+              <a:t>A few optimized spaced seeds could be as sensitive to repeat finding as many non-optimized ones.</a:t>
+            </a:r>
+          </a:p>
+          <a:p>
             <a:r>
               <a:rPr lang="en-US" dirty="0" smtClean="0"/>
-              <a:t>More seeds -&gt; more sensitive.</a:t>
-            </a:r>
-          </a:p>
-          <a:p>
-            <a:r>
-              <a:rPr lang="en-US" dirty="0" smtClean="0"/>
-              <a:t>Approach: Attempt to incorporate multiple seeds into algorithm without time and space complexity blowing up.</a:t>
+              <a:t>Approach: Seed design and analysis.</a:t>
             </a:r>
             <a:endParaRPr lang="en-US" dirty="0"/>
           </a:p>
@@ -14628,7 +17203,7 @@
     </p:spTree>
     <p:extLst>
       <p:ext uri="{BB962C8B-B14F-4D97-AF65-F5344CB8AC3E}">
-        <p14:creationId xmlns:p14="http://schemas.microsoft.com/office/powerpoint/2010/main" val="1127683396"/>
+        <p14:creationId xmlns:p14="http://schemas.microsoft.com/office/powerpoint/2010/main" val="233711762"/>
       </p:ext>
     </p:extLst>
   </p:cSld>
@@ -14679,7 +17254,7 @@
           <a:p>
             <a:r>
               <a:rPr lang="en-US" dirty="0" smtClean="0"/>
-              <a:t>Performance Evaluation</a:t>
+              <a:t>Part 3: Multiple Seeds</a:t>
             </a:r>
             <a:endParaRPr lang="en-US" dirty="0"/>
           </a:p>
@@ -14697,6 +17272,116 @@
         </p:nvSpPr>
         <p:spPr/>
         <p:txBody>
+          <a:bodyPr/>
+          <a:lstStyle/>
+          <a:p>
+            <a:r>
+              <a:rPr lang="en-US" dirty="0" smtClean="0"/>
+              <a:t>Inspiration: </a:t>
+            </a:r>
+            <a:r>
+              <a:rPr lang="en-US" dirty="0" err="1" smtClean="0"/>
+              <a:t>PatternHunter</a:t>
+            </a:r>
+            <a:r>
+              <a:rPr lang="en-US" dirty="0" smtClean="0"/>
+              <a:t> II</a:t>
+            </a:r>
+          </a:p>
+          <a:p>
+            <a:r>
+              <a:rPr lang="en-US" dirty="0" smtClean="0"/>
+              <a:t>Reasoning:</a:t>
+            </a:r>
+          </a:p>
+          <a:p>
+            <a:pPr lvl="1"/>
+            <a:r>
+              <a:rPr lang="en-US" dirty="0" smtClean="0"/>
+              <a:t>More seeds -&gt; more sensitive.</a:t>
+            </a:r>
+          </a:p>
+          <a:p>
+            <a:r>
+              <a:rPr lang="en-US" dirty="0" smtClean="0"/>
+              <a:t>Approach: Attempt to incorporate multiple seeds into algorithm without time and space complexity blowing up.</a:t>
+            </a:r>
+            <a:endParaRPr lang="en-US" dirty="0"/>
+          </a:p>
+        </p:txBody>
+      </p:sp>
+    </p:spTree>
+    <p:extLst>
+      <p:ext uri="{BB962C8B-B14F-4D97-AF65-F5344CB8AC3E}">
+        <p14:creationId xmlns:p14="http://schemas.microsoft.com/office/powerpoint/2010/main" val="1127683396"/>
+      </p:ext>
+    </p:extLst>
+  </p:cSld>
+  <p:clrMapOvr>
+    <a:masterClrMapping/>
+  </p:clrMapOvr>
+  <p:timing>
+    <p:tnLst>
+      <p:par>
+        <p:cTn xmlns:p14="http://schemas.microsoft.com/office/powerpoint/2010/main" id="1" dur="indefinite" restart="never" nodeType="tmRoot"/>
+      </p:par>
+    </p:tnLst>
+  </p:timing>
+</p:sld>
+</file>
+
+<file path=ppt/slides/slide17.xml><?xml version="1.0" encoding="utf-8"?>
+<p:sld xmlns:a="http://schemas.openxmlformats.org/drawingml/2006/main" xmlns:r="http://schemas.openxmlformats.org/officeDocument/2006/relationships" xmlns:p="http://schemas.openxmlformats.org/presentationml/2006/main">
+  <p:cSld>
+    <p:spTree>
+      <p:nvGrpSpPr>
+        <p:cNvPr id="1" name=""/>
+        <p:cNvGrpSpPr/>
+        <p:nvPr/>
+      </p:nvGrpSpPr>
+      <p:grpSpPr>
+        <a:xfrm>
+          <a:off x="0" y="0"/>
+          <a:ext cx="0" cy="0"/>
+          <a:chOff x="0" y="0"/>
+          <a:chExt cx="0" cy="0"/>
+        </a:xfrm>
+      </p:grpSpPr>
+      <p:sp>
+        <p:nvSpPr>
+          <p:cNvPr id="2" name="Title 1"/>
+          <p:cNvSpPr>
+            <a:spLocks noGrp="1"/>
+          </p:cNvSpPr>
+          <p:nvPr>
+            <p:ph type="title"/>
+          </p:nvPr>
+        </p:nvSpPr>
+        <p:spPr/>
+        <p:txBody>
+          <a:bodyPr/>
+          <a:lstStyle/>
+          <a:p>
+            <a:r>
+              <a:rPr lang="en-US" dirty="0" smtClean="0"/>
+              <a:t>Performance Evaluation</a:t>
+            </a:r>
+            <a:endParaRPr lang="en-US" dirty="0"/>
+          </a:p>
+        </p:txBody>
+      </p:sp>
+      <p:sp>
+        <p:nvSpPr>
+          <p:cNvPr id="3" name="Content Placeholder 2"/>
+          <p:cNvSpPr>
+            <a:spLocks noGrp="1"/>
+          </p:cNvSpPr>
+          <p:nvPr>
+            <p:ph sz="quarter" idx="1"/>
+          </p:nvPr>
+        </p:nvSpPr>
+        <p:spPr/>
+        <p:txBody>
           <a:bodyPr>
             <a:normAutofit/>
           </a:bodyPr>
@@ -14724,25 +17409,14 @@
             </a:r>
           </a:p>
           <a:p>
-            <a:pPr lvl="2"/>
+            <a:pPr lvl="1"/>
             <a:r>
               <a:rPr lang="en-US" dirty="0" smtClean="0"/>
-              <a:t>TODO: Ask </a:t>
-            </a:r>
-            <a:r>
-              <a:rPr lang="en-US" dirty="0" err="1" smtClean="0"/>
-              <a:t>Karro</a:t>
+              <a:t>Allows </a:t>
             </a:r>
             <a:r>
               <a:rPr lang="en-US" dirty="0" smtClean="0"/>
-              <a:t> if this sequence has only exact repeats</a:t>
-            </a:r>
-          </a:p>
-          <a:p>
-            <a:pPr lvl="1"/>
-            <a:r>
-              <a:rPr lang="en-US" dirty="0" smtClean="0"/>
-              <a:t>Allows for quantitative comparison of tools</a:t>
+              <a:t>for quantitative comparison of tools</a:t>
             </a:r>
           </a:p>
           <a:p>
@@ -15094,55 +17768,6 @@
                       </p:childTnLst>
                     </p:cTn>
                   </p:par>
-                  <p:par>
-                    <p:cTn id="27" fill="hold">
-                      <p:stCondLst>
-                        <p:cond delay="indefinite"/>
-                      </p:stCondLst>
-                      <p:childTnLst>
-                        <p:par>
-                          <p:cTn id="28" fill="hold">
-                            <p:stCondLst>
-                              <p:cond delay="0"/>
-                            </p:stCondLst>
-                            <p:childTnLst>
-                              <p:par>
-                                <p:cTn id="29" presetID="1" presetClass="entr" presetSubtype="0" fill="hold" grpId="0" nodeType="clickEffect">
-                                  <p:stCondLst>
-                                    <p:cond delay="0"/>
-                                  </p:stCondLst>
-                                  <p:childTnLst>
-                                    <p:set>
-                                      <p:cBhvr>
-                                        <p:cTn id="30" dur="1" fill="hold">
-                                          <p:stCondLst>
-                                            <p:cond delay="0"/>
-                                          </p:stCondLst>
-                                        </p:cTn>
-                                        <p:tgtEl>
-                                          <p:spTgt spid="3">
-                                            <p:txEl>
-                                              <p:pRg st="6" end="6"/>
-                                            </p:txEl>
-                                          </p:spTgt>
-                                        </p:tgtEl>
-                                        <p:attrNameLst>
-                                          <p:attrName>style.visibility</p:attrName>
-                                        </p:attrNameLst>
-                                      </p:cBhvr>
-                                      <p:to>
-                                        <p:strVal val="visible"/>
-                                      </p:to>
-                                    </p:set>
-                                  </p:childTnLst>
-                                </p:cTn>
-                              </p:par>
-                            </p:childTnLst>
-                          </p:cTn>
-                        </p:par>
-                      </p:childTnLst>
-                    </p:cTn>
-                  </p:par>
                 </p:childTnLst>
               </p:cTn>
               <p:prevCondLst>
@@ -15171,7 +17796,7 @@
 </p:sld>
 </file>
 
-<file path=ppt/slides/slide17.xml><?xml version="1.0" encoding="utf-8"?>
+<file path=ppt/slides/slide18.xml><?xml version="1.0" encoding="utf-8"?>
 <p:sld xmlns:a="http://schemas.openxmlformats.org/drawingml/2006/main" xmlns:r="http://schemas.openxmlformats.org/officeDocument/2006/relationships" xmlns:p="http://schemas.openxmlformats.org/presentationml/2006/main">
   <p:cSld>
     <p:spTree>
@@ -15190,6 +17815,122 @@
       </p:grpSpPr>
       <p:sp>
         <p:nvSpPr>
+          <p:cNvPr id="2" name="Title 1"/>
+          <p:cNvSpPr>
+            <a:spLocks noGrp="1"/>
+          </p:cNvSpPr>
+          <p:nvPr>
+            <p:ph type="title"/>
+          </p:nvPr>
+        </p:nvSpPr>
+        <p:spPr/>
+        <p:txBody>
+          <a:bodyPr/>
+          <a:lstStyle/>
+          <a:p>
+            <a:r>
+              <a:rPr lang="en-US" dirty="0" smtClean="0"/>
+              <a:t>Summary</a:t>
+            </a:r>
+            <a:endParaRPr lang="en-US" dirty="0"/>
+          </a:p>
+        </p:txBody>
+      </p:sp>
+      <p:sp>
+        <p:nvSpPr>
+          <p:cNvPr id="3" name="Content Placeholder 2"/>
+          <p:cNvSpPr>
+            <a:spLocks noGrp="1"/>
+          </p:cNvSpPr>
+          <p:nvPr>
+            <p:ph sz="quarter" idx="1"/>
+          </p:nvPr>
+        </p:nvSpPr>
+        <p:spPr/>
+        <p:txBody>
+          <a:bodyPr/>
+          <a:lstStyle/>
+          <a:p>
+            <a:r>
+              <a:rPr lang="en-US" dirty="0" smtClean="0"/>
+              <a:t>Modify RAIDER with spaced seeds in mind</a:t>
+            </a:r>
+          </a:p>
+          <a:p>
+            <a:pPr lvl="1"/>
+            <a:r>
+              <a:rPr lang="en-US" dirty="0" smtClean="0"/>
+              <a:t>Compare performance to original</a:t>
+            </a:r>
+          </a:p>
+          <a:p>
+            <a:r>
+              <a:rPr lang="en-US" dirty="0" smtClean="0"/>
+              <a:t>Design optimized spaced seed</a:t>
+            </a:r>
+          </a:p>
+          <a:p>
+            <a:pPr lvl="1"/>
+            <a:r>
+              <a:rPr lang="en-US" dirty="0" smtClean="0"/>
+              <a:t>Compare performance to current</a:t>
+            </a:r>
+          </a:p>
+          <a:p>
+            <a:r>
+              <a:rPr lang="en-US" dirty="0" smtClean="0"/>
+              <a:t>Modify RAIDER to allow multiple seeds</a:t>
+            </a:r>
+          </a:p>
+          <a:p>
+            <a:pPr lvl="1"/>
+            <a:r>
+              <a:rPr lang="en-US" dirty="0" smtClean="0"/>
+              <a:t>Compare performance to current</a:t>
+            </a:r>
+            <a:endParaRPr lang="en-US" dirty="0"/>
+          </a:p>
+        </p:txBody>
+      </p:sp>
+    </p:spTree>
+    <p:extLst>
+      <p:ext uri="{BB962C8B-B14F-4D97-AF65-F5344CB8AC3E}">
+        <p14:creationId xmlns:p14="http://schemas.microsoft.com/office/powerpoint/2010/main" val="3386513805"/>
+      </p:ext>
+    </p:extLst>
+  </p:cSld>
+  <p:clrMapOvr>
+    <a:masterClrMapping/>
+  </p:clrMapOvr>
+  <p:timing>
+    <p:tnLst>
+      <p:par>
+        <p:cTn xmlns:p14="http://schemas.microsoft.com/office/powerpoint/2010/main" id="1" dur="indefinite" restart="never" nodeType="tmRoot"/>
+      </p:par>
+    </p:tnLst>
+  </p:timing>
+</p:sld>
+</file>
+
+<file path=ppt/slides/slide19.xml><?xml version="1.0" encoding="utf-8"?>
+<p:sld xmlns:a="http://schemas.openxmlformats.org/drawingml/2006/main" xmlns:r="http://schemas.openxmlformats.org/officeDocument/2006/relationships" xmlns:p="http://schemas.openxmlformats.org/presentationml/2006/main">
+  <p:cSld>
+    <p:spTree>
+      <p:nvGrpSpPr>
+        <p:cNvPr id="1" name=""/>
+        <p:cNvGrpSpPr/>
+        <p:nvPr/>
+      </p:nvGrpSpPr>
+      <p:grpSpPr>
+        <a:xfrm>
+          <a:off x="0" y="0"/>
+          <a:ext cx="0" cy="0"/>
+          <a:chOff x="0" y="0"/>
+          <a:chExt cx="0" cy="0"/>
+        </a:xfrm>
+      </p:grpSpPr>
+      <p:sp>
+        <p:nvSpPr>
           <p:cNvPr id="6" name="Title 5"/>
           <p:cNvSpPr>
             <a:spLocks noGrp="1"/>
@@ -15218,14 +17959,14 @@
           <p:nvPr>
             <p:extLst>
               <p:ext uri="{D42A27DB-BD31-4B8C-83A1-F6EECF244321}">
-                <p14:modId xmlns:p14="http://schemas.microsoft.com/office/powerpoint/2010/main" val="685835194"/>
+                <p14:modId xmlns:p14="http://schemas.microsoft.com/office/powerpoint/2010/main" val="876761535"/>
               </p:ext>
             </p:extLst>
           </p:nvPr>
         </p:nvGraphicFramePr>
         <p:xfrm>
-          <a:off x="485589" y="1404470"/>
-          <a:ext cx="8240058" cy="4863353"/>
+          <a:off x="206375" y="1285875"/>
+          <a:ext cx="8693277" cy="5127625"/>
         </p:xfrm>
         <a:graphic>
           <a:graphicData uri="http://schemas.openxmlformats.org/drawingml/2006/diagram">
@@ -15253,7 +17994,86 @@
 </p:sld>
 </file>
 
-<file path=ppt/slides/slide18.xml><?xml version="1.0" encoding="utf-8"?>
+<file path=ppt/slides/slide2.xml><?xml version="1.0" encoding="utf-8"?>
+<p:sld xmlns:a="http://schemas.openxmlformats.org/drawingml/2006/main" xmlns:r="http://schemas.openxmlformats.org/officeDocument/2006/relationships" xmlns:p="http://schemas.openxmlformats.org/presentationml/2006/main">
+  <p:cSld>
+    <p:spTree>
+      <p:nvGrpSpPr>
+        <p:cNvPr id="1" name=""/>
+        <p:cNvGrpSpPr/>
+        <p:nvPr/>
+      </p:nvGrpSpPr>
+      <p:grpSpPr>
+        <a:xfrm>
+          <a:off x="0" y="0"/>
+          <a:ext cx="0" cy="0"/>
+          <a:chOff x="0" y="0"/>
+          <a:chExt cx="0" cy="0"/>
+        </a:xfrm>
+      </p:grpSpPr>
+      <p:sp>
+        <p:nvSpPr>
+          <p:cNvPr id="2" name="Text Placeholder 1"/>
+          <p:cNvSpPr>
+            <a:spLocks noGrp="1"/>
+          </p:cNvSpPr>
+          <p:nvPr>
+            <p:ph type="body" idx="1"/>
+          </p:nvPr>
+        </p:nvSpPr>
+        <p:spPr/>
+        <p:txBody>
+          <a:bodyPr/>
+          <a:lstStyle/>
+          <a:p>
+            <a:endParaRPr lang="en-US"/>
+          </a:p>
+        </p:txBody>
+      </p:sp>
+      <p:sp>
+        <p:nvSpPr>
+          <p:cNvPr id="3" name="Title 2"/>
+          <p:cNvSpPr>
+            <a:spLocks noGrp="1"/>
+          </p:cNvSpPr>
+          <p:nvPr>
+            <p:ph type="title"/>
+          </p:nvPr>
+        </p:nvSpPr>
+        <p:spPr/>
+        <p:txBody>
+          <a:bodyPr/>
+          <a:lstStyle/>
+          <a:p>
+            <a:r>
+              <a:rPr lang="en-US" dirty="0" smtClean="0"/>
+              <a:t>Background</a:t>
+            </a:r>
+            <a:endParaRPr lang="en-US" dirty="0"/>
+          </a:p>
+        </p:txBody>
+      </p:sp>
+    </p:spTree>
+    <p:extLst>
+      <p:ext uri="{BB962C8B-B14F-4D97-AF65-F5344CB8AC3E}">
+        <p14:creationId xmlns:p14="http://schemas.microsoft.com/office/powerpoint/2010/main" val="1411952258"/>
+      </p:ext>
+    </p:extLst>
+  </p:cSld>
+  <p:clrMapOvr>
+    <a:masterClrMapping/>
+  </p:clrMapOvr>
+  <p:timing>
+    <p:tnLst>
+      <p:par>
+        <p:cTn xmlns:p14="http://schemas.microsoft.com/office/powerpoint/2010/main" id="1" dur="indefinite" restart="never" nodeType="tmRoot"/>
+      </p:par>
+    </p:tnLst>
+  </p:timing>
+</p:sld>
+</file>
+
+<file path=ppt/slides/slide20.xml><?xml version="1.0" encoding="utf-8"?>
 <p:sld xmlns:a="http://schemas.openxmlformats.org/drawingml/2006/main" xmlns:r="http://schemas.openxmlformats.org/officeDocument/2006/relationships" xmlns:p="http://schemas.openxmlformats.org/presentationml/2006/main">
   <p:cSld>
     <p:spTree>
@@ -15337,85 +18157,6 @@
 </p:sld>
 </file>
 
-<file path=ppt/slides/slide2.xml><?xml version="1.0" encoding="utf-8"?>
-<p:sld xmlns:a="http://schemas.openxmlformats.org/drawingml/2006/main" xmlns:r="http://schemas.openxmlformats.org/officeDocument/2006/relationships" xmlns:p="http://schemas.openxmlformats.org/presentationml/2006/main">
-  <p:cSld>
-    <p:spTree>
-      <p:nvGrpSpPr>
-        <p:cNvPr id="1" name=""/>
-        <p:cNvGrpSpPr/>
-        <p:nvPr/>
-      </p:nvGrpSpPr>
-      <p:grpSpPr>
-        <a:xfrm>
-          <a:off x="0" y="0"/>
-          <a:ext cx="0" cy="0"/>
-          <a:chOff x="0" y="0"/>
-          <a:chExt cx="0" cy="0"/>
-        </a:xfrm>
-      </p:grpSpPr>
-      <p:sp>
-        <p:nvSpPr>
-          <p:cNvPr id="2" name="Text Placeholder 1"/>
-          <p:cNvSpPr>
-            <a:spLocks noGrp="1"/>
-          </p:cNvSpPr>
-          <p:nvPr>
-            <p:ph type="body" idx="1"/>
-          </p:nvPr>
-        </p:nvSpPr>
-        <p:spPr/>
-        <p:txBody>
-          <a:bodyPr/>
-          <a:lstStyle/>
-          <a:p>
-            <a:endParaRPr lang="en-US"/>
-          </a:p>
-        </p:txBody>
-      </p:sp>
-      <p:sp>
-        <p:nvSpPr>
-          <p:cNvPr id="3" name="Title 2"/>
-          <p:cNvSpPr>
-            <a:spLocks noGrp="1"/>
-          </p:cNvSpPr>
-          <p:nvPr>
-            <p:ph type="title"/>
-          </p:nvPr>
-        </p:nvSpPr>
-        <p:spPr/>
-        <p:txBody>
-          <a:bodyPr/>
-          <a:lstStyle/>
-          <a:p>
-            <a:r>
-              <a:rPr lang="en-US" dirty="0" smtClean="0"/>
-              <a:t>Background</a:t>
-            </a:r>
-            <a:endParaRPr lang="en-US" dirty="0"/>
-          </a:p>
-        </p:txBody>
-      </p:sp>
-    </p:spTree>
-    <p:extLst>
-      <p:ext uri="{BB962C8B-B14F-4D97-AF65-F5344CB8AC3E}">
-        <p14:creationId xmlns:p14="http://schemas.microsoft.com/office/powerpoint/2010/main" val="1411952258"/>
-      </p:ext>
-    </p:extLst>
-  </p:cSld>
-  <p:clrMapOvr>
-    <a:masterClrMapping/>
-  </p:clrMapOvr>
-  <p:timing>
-    <p:tnLst>
-      <p:par>
-        <p:cTn xmlns:p14="http://schemas.microsoft.com/office/powerpoint/2010/main" id="1" dur="indefinite" restart="never" nodeType="tmRoot"/>
-      </p:par>
-    </p:tnLst>
-  </p:timing>
-</p:sld>
-</file>
-
 <file path=ppt/slides/slide3.xml><?xml version="1.0" encoding="utf-8"?>
 <p:sld xmlns:a="http://schemas.openxmlformats.org/drawingml/2006/main" xmlns:r="http://schemas.openxmlformats.org/officeDocument/2006/relationships" xmlns:p="http://schemas.openxmlformats.org/presentationml/2006/main">
   <p:cSld>
@@ -15524,14 +18265,21 @@
             </a:r>
             <a:r>
               <a:rPr lang="en-US" dirty="0" smtClean="0"/>
-              <a:t>={A, C, G, T}</a:t>
-            </a:r>
-            <a:endParaRPr lang="en-US" i="1" dirty="0"/>
-          </a:p>
-          <a:p>
+              <a:t>={A, C, G, </a:t>
+            </a:r>
             <a:r>
               <a:rPr lang="en-US" dirty="0" smtClean="0"/>
-              <a:t>Repetitive DNA</a:t>
+              <a:t>T} </a:t>
+            </a:r>
+          </a:p>
+          <a:p>
+            <a:r>
+              <a:rPr lang="en-US" dirty="0" smtClean="0"/>
+              <a:t>Repetitive </a:t>
+            </a:r>
+            <a:r>
+              <a:rPr lang="en-US" dirty="0" smtClean="0"/>
+              <a:t>DNA</a:t>
             </a:r>
           </a:p>
           <a:p>
@@ -15559,8 +18307,20 @@
             <a:pPr lvl="2"/>
             <a:r>
               <a:rPr lang="en-US" dirty="0" smtClean="0"/>
-              <a:t>Over 50% of human genome</a:t>
-            </a:r>
+              <a:t>Over 50% of human </a:t>
+            </a:r>
+            <a:r>
+              <a:rPr lang="en-US" dirty="0" smtClean="0"/>
+              <a:t>genome </a:t>
+            </a:r>
+            <a:r>
+              <a:rPr lang="en-US" baseline="30000" dirty="0"/>
+              <a:t>[1]</a:t>
+            </a:r>
+            <a:endParaRPr lang="en-US" dirty="0"/>
+          </a:p>
+          <a:p>
+            <a:pPr lvl="2"/>
             <a:endParaRPr lang="en-US" dirty="0" smtClean="0"/>
           </a:p>
         </p:txBody>
@@ -16017,11 +18777,15 @@
           <a:p>
             <a:r>
               <a:rPr lang="en-US" dirty="0" smtClean="0"/>
-              <a:t>How </a:t>
+              <a:t>Two ways </a:t>
+            </a:r>
+            <a:r>
+              <a:rPr lang="en-US" dirty="0" smtClean="0"/>
+              <a:t>strings </a:t>
             </a:r>
             <a:r>
               <a:rPr lang="en-US" dirty="0"/>
-              <a:t>strings differ:</a:t>
+              <a:t>differ:</a:t>
             </a:r>
           </a:p>
           <a:p>
@@ -16049,11 +18813,7 @@
           <a:p>
             <a:r>
               <a:rPr lang="en-US" dirty="0" smtClean="0"/>
-              <a:t>Measuring string </a:t>
-            </a:r>
-            <a:r>
-              <a:rPr lang="en-US" dirty="0" smtClean="0"/>
-              <a:t>similarity</a:t>
+              <a:t>Measuring string similarity</a:t>
             </a:r>
           </a:p>
           <a:p>
@@ -16062,7 +18822,6 @@
               <a:rPr lang="en-US" dirty="0" smtClean="0"/>
               <a:t>Hamming distance</a:t>
             </a:r>
-            <a:endParaRPr lang="en-US" dirty="0" smtClean="0"/>
           </a:p>
         </p:txBody>
       </p:sp>
@@ -16563,7 +19322,7 @@
             <a:r>
               <a:rPr lang="en-US" sz="3200" dirty="0">
                 <a:solidFill>
-                  <a:srgbClr val="75AA2F"/>
+                  <a:schemeClr val="accent2"/>
                 </a:solidFill>
                 <a:latin typeface="Courier"/>
                 <a:cs typeface="Courier"/>
@@ -18642,6 +21401,110 @@
 </file>
 
 <file path=ppt/slides/slide6.xml><?xml version="1.0" encoding="utf-8"?>
+<p:sld xmlns:a="http://schemas.openxmlformats.org/drawingml/2006/main" xmlns:r="http://schemas.openxmlformats.org/officeDocument/2006/relationships" xmlns:p="http://schemas.openxmlformats.org/presentationml/2006/main">
+  <p:cSld>
+    <p:spTree>
+      <p:nvGrpSpPr>
+        <p:cNvPr id="1" name=""/>
+        <p:cNvGrpSpPr/>
+        <p:nvPr/>
+      </p:nvGrpSpPr>
+      <p:grpSpPr>
+        <a:xfrm>
+          <a:off x="0" y="0"/>
+          <a:ext cx="0" cy="0"/>
+          <a:chOff x="0" y="0"/>
+          <a:chExt cx="0" cy="0"/>
+        </a:xfrm>
+      </p:grpSpPr>
+      <p:sp>
+        <p:nvSpPr>
+          <p:cNvPr id="2" name="Title 1"/>
+          <p:cNvSpPr>
+            <a:spLocks noGrp="1"/>
+          </p:cNvSpPr>
+          <p:nvPr>
+            <p:ph type="title"/>
+          </p:nvPr>
+        </p:nvSpPr>
+        <p:spPr/>
+        <p:txBody>
+          <a:bodyPr/>
+          <a:lstStyle/>
+          <a:p>
+            <a:r>
+              <a:rPr lang="en-US" dirty="0" smtClean="0"/>
+              <a:t>RAIDER</a:t>
+            </a:r>
+            <a:endParaRPr lang="en-US" dirty="0"/>
+          </a:p>
+        </p:txBody>
+      </p:sp>
+      <p:sp>
+        <p:nvSpPr>
+          <p:cNvPr id="3" name="Content Placeholder 2"/>
+          <p:cNvSpPr>
+            <a:spLocks noGrp="1"/>
+          </p:cNvSpPr>
+          <p:nvPr>
+            <p:ph sz="quarter" idx="1"/>
+          </p:nvPr>
+        </p:nvSpPr>
+        <p:spPr/>
+        <p:txBody>
+          <a:bodyPr/>
+          <a:lstStyle/>
+          <a:p>
+            <a:r>
+              <a:rPr lang="en-US" dirty="0" err="1" smtClean="0"/>
+              <a:t>Ab</a:t>
+            </a:r>
+            <a:r>
+              <a:rPr lang="en-US" dirty="0" smtClean="0"/>
+              <a:t> initio repeat-finding tool</a:t>
+            </a:r>
+          </a:p>
+          <a:p>
+            <a:r>
+              <a:rPr lang="en-US" dirty="0" smtClean="0"/>
+              <a:t>Time efficient</a:t>
+            </a:r>
+          </a:p>
+          <a:p>
+            <a:r>
+              <a:rPr lang="en-US" dirty="0" smtClean="0"/>
+              <a:t>Hashing technique</a:t>
+            </a:r>
+          </a:p>
+          <a:p>
+            <a:r>
+              <a:rPr lang="en-US" dirty="0" smtClean="0"/>
+              <a:t>Build repeats</a:t>
+            </a:r>
+          </a:p>
+        </p:txBody>
+      </p:sp>
+    </p:spTree>
+    <p:extLst>
+      <p:ext uri="{BB962C8B-B14F-4D97-AF65-F5344CB8AC3E}">
+        <p14:creationId xmlns:p14="http://schemas.microsoft.com/office/powerpoint/2010/main" val="3703155359"/>
+      </p:ext>
+    </p:extLst>
+  </p:cSld>
+  <p:clrMapOvr>
+    <a:masterClrMapping/>
+  </p:clrMapOvr>
+  <p:timing>
+    <p:tnLst>
+      <p:par>
+        <p:cTn xmlns:p14="http://schemas.microsoft.com/office/powerpoint/2010/main" id="1" dur="indefinite" restart="never" nodeType="tmRoot"/>
+      </p:par>
+    </p:tnLst>
+  </p:timing>
+</p:sld>
+</file>
+
+<file path=ppt/slides/slide7.xml><?xml version="1.0" encoding="utf-8"?>
 <p:sld xmlns:a="http://schemas.openxmlformats.org/drawingml/2006/main" xmlns:r="http://schemas.openxmlformats.org/officeDocument/2006/relationships" xmlns:p="http://schemas.openxmlformats.org/presentationml/2006/main">
   <p:cSld>
     <p:spTree>
@@ -21404,7 +24267,7 @@
 </p:sld>
 </file>
 
-<file path=ppt/slides/slide7.xml><?xml version="1.0" encoding="utf-8"?>
+<file path=ppt/slides/slide8.xml><?xml version="1.0" encoding="utf-8"?>
 <p:sld xmlns:a="http://schemas.openxmlformats.org/drawingml/2006/main" xmlns:r="http://schemas.openxmlformats.org/officeDocument/2006/relationships" xmlns:p="http://schemas.openxmlformats.org/presentationml/2006/main">
   <p:cSld>
     <p:spTree>
@@ -21456,7 +24319,9 @@
         </p:nvSpPr>
         <p:spPr/>
         <p:txBody>
-          <a:bodyPr/>
+          <a:bodyPr>
+            <a:normAutofit lnSpcReduction="10000"/>
+          </a:bodyPr>
           <a:lstStyle/>
           <a:p>
             <a:pPr marL="0" indent="0">
@@ -21482,18 +24347,30 @@
             </a:pPr>
             <a:r>
               <a:rPr lang="en-US" dirty="0"/>
-              <a:t>Meets minimum length </a:t>
+              <a:t>Meets minimum </a:t>
             </a:r>
             <a:r>
               <a:rPr lang="en-US" dirty="0" smtClean="0"/>
-              <a:t>and frequency requirements </a:t>
+              <a:t>length, frequency, and similarity </a:t>
+            </a:r>
+            <a:r>
+              <a:rPr lang="en-US" dirty="0" smtClean="0"/>
+              <a:t>requirements </a:t>
             </a:r>
           </a:p>
           <a:p>
             <a:pPr marL="1005840" lvl="2" indent="-457200"/>
             <a:r>
               <a:rPr lang="en-US" dirty="0" smtClean="0"/>
-              <a:t>New definition of frequency of A: the number of discrete subsequences </a:t>
+              <a:t>New definition of frequency of </a:t>
+            </a:r>
+            <a:r>
+              <a:rPr lang="en-US" dirty="0" smtClean="0"/>
+              <a:t>A: </a:t>
+            </a:r>
+            <a:r>
+              <a:rPr lang="en-US" dirty="0" smtClean="0"/>
+              <a:t>the number of discrete subsequences </a:t>
             </a:r>
             <a:r>
               <a:rPr lang="en-US" i="1" dirty="0" smtClean="0"/>
@@ -21512,6 +24389,21 @@
               <a:t> </a:t>
             </a:r>
             <a:r>
+              <a:rPr lang="en-US" dirty="0" smtClean="0"/>
+              <a:t>A and A’’ </a:t>
+            </a:r>
+            <a:r>
+              <a:rPr lang="en-US" dirty="0" smtClean="0"/>
+              <a:t>meet similarity requirement</a:t>
+            </a:r>
+          </a:p>
+          <a:p>
+            <a:pPr marL="1280160" lvl="3" indent="-457200"/>
+            <a:r>
+              <a:rPr lang="en-US" dirty="0" smtClean="0"/>
+              <a:t>i.e. </a:t>
+            </a:r>
+            <a:r>
               <a:rPr lang="en-US" dirty="0" err="1" smtClean="0"/>
               <a:t>d</a:t>
             </a:r>
@@ -21541,21 +24433,9 @@
             </a:r>
             <a:r>
               <a:rPr lang="en-US" dirty="0" smtClean="0"/>
-              <a:t> </a:t>
-            </a:r>
-            <a:r>
-              <a:rPr lang="en-US" i="1" dirty="0" err="1" smtClean="0"/>
-              <a:t>d</a:t>
-            </a:r>
-            <a:r>
-              <a:rPr lang="en-US" i="1" baseline="-25000" dirty="0" err="1" smtClean="0"/>
-              <a:t>H</a:t>
-            </a:r>
-            <a:r>
-              <a:rPr lang="en-US" i="1" dirty="0" smtClean="0"/>
-              <a:t>(B, B’’) ≤ k</a:t>
-            </a:r>
-            <a:endParaRPr lang="en-US" i="1" dirty="0"/>
+              <a:t> B and B’’ also meet similarity req.</a:t>
+            </a:r>
+            <a:endParaRPr lang="en-US" i="1" dirty="0" smtClean="0"/>
           </a:p>
           <a:p>
             <a:pPr marL="731520" lvl="1" indent="-457200">
@@ -21564,15 +24444,7 @@
             </a:pPr>
             <a:r>
               <a:rPr lang="en-US" dirty="0" smtClean="0"/>
-              <a:t>Does </a:t>
-            </a:r>
-            <a:r>
-              <a:rPr lang="en-US" dirty="0"/>
-              <a:t>not contain a subsequence B of sufficient length that </a:t>
-            </a:r>
-            <a:r>
-              <a:rPr lang="en-US" dirty="0" smtClean="0"/>
-              <a:t>occurs more frequently</a:t>
+              <a:t>Does not contain a subsequence B of sufficient length that occurs more frequently</a:t>
             </a:r>
           </a:p>
           <a:p>
@@ -21581,8 +24453,12 @@
               <a:buAutoNum type="arabicPeriod"/>
             </a:pPr>
             <a:r>
+              <a:rPr lang="en-US" dirty="0" smtClean="0"/>
+              <a:t>Is </a:t>
+            </a:r>
+            <a:r>
               <a:rPr lang="en-US" dirty="0"/>
-              <a:t>Is not a subsequence of </a:t>
+              <a:t>not a subsequence of </a:t>
             </a:r>
             <a:r>
               <a:rPr lang="en-US" i="1" dirty="0"/>
@@ -21617,6 +24493,631 @@
     <p:extLst>
       <p:ext uri="{BB962C8B-B14F-4D97-AF65-F5344CB8AC3E}">
         <p14:creationId xmlns:p14="http://schemas.microsoft.com/office/powerpoint/2010/main" val="3106728785"/>
+      </p:ext>
+    </p:extLst>
+  </p:cSld>
+  <p:clrMapOvr>
+    <a:masterClrMapping/>
+  </p:clrMapOvr>
+  <p:timing>
+    <p:tnLst>
+      <p:par>
+        <p:cTn xmlns:p14="http://schemas.microsoft.com/office/powerpoint/2010/main" id="1" dur="indefinite" restart="never" nodeType="tmRoot">
+          <p:childTnLst>
+            <p:seq concurrent="1" nextAc="seek">
+              <p:cTn id="2" dur="indefinite" nodeType="mainSeq">
+                <p:childTnLst>
+                  <p:par>
+                    <p:cTn id="3" fill="hold">
+                      <p:stCondLst>
+                        <p:cond delay="indefinite"/>
+                      </p:stCondLst>
+                      <p:childTnLst>
+                        <p:par>
+                          <p:cTn id="4" fill="hold">
+                            <p:stCondLst>
+                              <p:cond delay="0"/>
+                            </p:stCondLst>
+                            <p:childTnLst>
+                              <p:par>
+                                <p:cTn id="5" presetID="1" presetClass="entr" presetSubtype="0" fill="hold" grpId="0" nodeType="clickEffect">
+                                  <p:stCondLst>
+                                    <p:cond delay="0"/>
+                                  </p:stCondLst>
+                                  <p:childTnLst>
+                                    <p:set>
+                                      <p:cBhvr>
+                                        <p:cTn id="6" dur="1" fill="hold">
+                                          <p:stCondLst>
+                                            <p:cond delay="0"/>
+                                          </p:stCondLst>
+                                        </p:cTn>
+                                        <p:tgtEl>
+                                          <p:spTgt spid="3">
+                                            <p:txEl>
+                                              <p:pRg st="0" end="0"/>
+                                            </p:txEl>
+                                          </p:spTgt>
+                                        </p:tgtEl>
+                                        <p:attrNameLst>
+                                          <p:attrName>style.visibility</p:attrName>
+                                        </p:attrNameLst>
+                                      </p:cBhvr>
+                                      <p:to>
+                                        <p:strVal val="visible"/>
+                                      </p:to>
+                                    </p:set>
+                                  </p:childTnLst>
+                                </p:cTn>
+                              </p:par>
+                            </p:childTnLst>
+                          </p:cTn>
+                        </p:par>
+                      </p:childTnLst>
+                    </p:cTn>
+                  </p:par>
+                  <p:par>
+                    <p:cTn id="7" fill="hold">
+                      <p:stCondLst>
+                        <p:cond delay="indefinite"/>
+                      </p:stCondLst>
+                      <p:childTnLst>
+                        <p:par>
+                          <p:cTn id="8" fill="hold">
+                            <p:stCondLst>
+                              <p:cond delay="0"/>
+                            </p:stCondLst>
+                            <p:childTnLst>
+                              <p:par>
+                                <p:cTn id="9" presetID="1" presetClass="entr" presetSubtype="0" fill="hold" grpId="0" nodeType="clickEffect">
+                                  <p:stCondLst>
+                                    <p:cond delay="0"/>
+                                  </p:stCondLst>
+                                  <p:childTnLst>
+                                    <p:set>
+                                      <p:cBhvr>
+                                        <p:cTn id="10" dur="1" fill="hold">
+                                          <p:stCondLst>
+                                            <p:cond delay="0"/>
+                                          </p:stCondLst>
+                                        </p:cTn>
+                                        <p:tgtEl>
+                                          <p:spTgt spid="3">
+                                            <p:txEl>
+                                              <p:pRg st="1" end="1"/>
+                                            </p:txEl>
+                                          </p:spTgt>
+                                        </p:tgtEl>
+                                        <p:attrNameLst>
+                                          <p:attrName>style.visibility</p:attrName>
+                                        </p:attrNameLst>
+                                      </p:cBhvr>
+                                      <p:to>
+                                        <p:strVal val="visible"/>
+                                      </p:to>
+                                    </p:set>
+                                  </p:childTnLst>
+                                </p:cTn>
+                              </p:par>
+                            </p:childTnLst>
+                          </p:cTn>
+                        </p:par>
+                      </p:childTnLst>
+                    </p:cTn>
+                  </p:par>
+                  <p:par>
+                    <p:cTn id="11" fill="hold">
+                      <p:stCondLst>
+                        <p:cond delay="indefinite"/>
+                      </p:stCondLst>
+                      <p:childTnLst>
+                        <p:par>
+                          <p:cTn id="12" fill="hold">
+                            <p:stCondLst>
+                              <p:cond delay="0"/>
+                            </p:stCondLst>
+                            <p:childTnLst>
+                              <p:par>
+                                <p:cTn id="13" presetID="1" presetClass="entr" presetSubtype="0" fill="hold" grpId="0" nodeType="clickEffect">
+                                  <p:stCondLst>
+                                    <p:cond delay="0"/>
+                                  </p:stCondLst>
+                                  <p:childTnLst>
+                                    <p:set>
+                                      <p:cBhvr>
+                                        <p:cTn id="14" dur="1" fill="hold">
+                                          <p:stCondLst>
+                                            <p:cond delay="0"/>
+                                          </p:stCondLst>
+                                        </p:cTn>
+                                        <p:tgtEl>
+                                          <p:spTgt spid="3">
+                                            <p:txEl>
+                                              <p:pRg st="2" end="2"/>
+                                            </p:txEl>
+                                          </p:spTgt>
+                                        </p:tgtEl>
+                                        <p:attrNameLst>
+                                          <p:attrName>style.visibility</p:attrName>
+                                        </p:attrNameLst>
+                                      </p:cBhvr>
+                                      <p:to>
+                                        <p:strVal val="visible"/>
+                                      </p:to>
+                                    </p:set>
+                                  </p:childTnLst>
+                                </p:cTn>
+                              </p:par>
+                              <p:par>
+                                <p:cTn id="15" presetID="1" presetClass="entr" presetSubtype="0" fill="hold" grpId="0" nodeType="withEffect">
+                                  <p:stCondLst>
+                                    <p:cond delay="0"/>
+                                  </p:stCondLst>
+                                  <p:childTnLst>
+                                    <p:set>
+                                      <p:cBhvr>
+                                        <p:cTn id="16" dur="1" fill="hold">
+                                          <p:stCondLst>
+                                            <p:cond delay="0"/>
+                                          </p:stCondLst>
+                                        </p:cTn>
+                                        <p:tgtEl>
+                                          <p:spTgt spid="3">
+                                            <p:txEl>
+                                              <p:pRg st="3" end="3"/>
+                                            </p:txEl>
+                                          </p:spTgt>
+                                        </p:tgtEl>
+                                        <p:attrNameLst>
+                                          <p:attrName>style.visibility</p:attrName>
+                                        </p:attrNameLst>
+                                      </p:cBhvr>
+                                      <p:to>
+                                        <p:strVal val="visible"/>
+                                      </p:to>
+                                    </p:set>
+                                  </p:childTnLst>
+                                </p:cTn>
+                              </p:par>
+                              <p:par>
+                                <p:cTn id="17" presetID="1" presetClass="entr" presetSubtype="0" fill="hold" grpId="0" nodeType="withEffect">
+                                  <p:stCondLst>
+                                    <p:cond delay="0"/>
+                                  </p:stCondLst>
+                                  <p:childTnLst>
+                                    <p:set>
+                                      <p:cBhvr>
+                                        <p:cTn id="18" dur="1" fill="hold">
+                                          <p:stCondLst>
+                                            <p:cond delay="0"/>
+                                          </p:stCondLst>
+                                        </p:cTn>
+                                        <p:tgtEl>
+                                          <p:spTgt spid="3">
+                                            <p:txEl>
+                                              <p:pRg st="4" end="4"/>
+                                            </p:txEl>
+                                          </p:spTgt>
+                                        </p:tgtEl>
+                                        <p:attrNameLst>
+                                          <p:attrName>style.visibility</p:attrName>
+                                        </p:attrNameLst>
+                                      </p:cBhvr>
+                                      <p:to>
+                                        <p:strVal val="visible"/>
+                                      </p:to>
+                                    </p:set>
+                                  </p:childTnLst>
+                                </p:cTn>
+                              </p:par>
+                            </p:childTnLst>
+                          </p:cTn>
+                        </p:par>
+                      </p:childTnLst>
+                    </p:cTn>
+                  </p:par>
+                  <p:par>
+                    <p:cTn id="19" fill="hold">
+                      <p:stCondLst>
+                        <p:cond delay="indefinite"/>
+                      </p:stCondLst>
+                      <p:childTnLst>
+                        <p:par>
+                          <p:cTn id="20" fill="hold">
+                            <p:stCondLst>
+                              <p:cond delay="0"/>
+                            </p:stCondLst>
+                            <p:childTnLst>
+                              <p:par>
+                                <p:cTn id="21" presetID="1" presetClass="entr" presetSubtype="0" fill="hold" grpId="0" nodeType="clickEffect">
+                                  <p:stCondLst>
+                                    <p:cond delay="0"/>
+                                  </p:stCondLst>
+                                  <p:childTnLst>
+                                    <p:set>
+                                      <p:cBhvr>
+                                        <p:cTn id="22" dur="1" fill="hold">
+                                          <p:stCondLst>
+                                            <p:cond delay="0"/>
+                                          </p:stCondLst>
+                                        </p:cTn>
+                                        <p:tgtEl>
+                                          <p:spTgt spid="3">
+                                            <p:txEl>
+                                              <p:pRg st="5" end="5"/>
+                                            </p:txEl>
+                                          </p:spTgt>
+                                        </p:tgtEl>
+                                        <p:attrNameLst>
+                                          <p:attrName>style.visibility</p:attrName>
+                                        </p:attrNameLst>
+                                      </p:cBhvr>
+                                      <p:to>
+                                        <p:strVal val="visible"/>
+                                      </p:to>
+                                    </p:set>
+                                  </p:childTnLst>
+                                </p:cTn>
+                              </p:par>
+                            </p:childTnLst>
+                          </p:cTn>
+                        </p:par>
+                      </p:childTnLst>
+                    </p:cTn>
+                  </p:par>
+                  <p:par>
+                    <p:cTn id="23" fill="hold">
+                      <p:stCondLst>
+                        <p:cond delay="indefinite"/>
+                      </p:stCondLst>
+                      <p:childTnLst>
+                        <p:par>
+                          <p:cTn id="24" fill="hold">
+                            <p:stCondLst>
+                              <p:cond delay="0"/>
+                            </p:stCondLst>
+                            <p:childTnLst>
+                              <p:par>
+                                <p:cTn id="25" presetID="1" presetClass="entr" presetSubtype="0" fill="hold" grpId="0" nodeType="clickEffect">
+                                  <p:stCondLst>
+                                    <p:cond delay="0"/>
+                                  </p:stCondLst>
+                                  <p:childTnLst>
+                                    <p:set>
+                                      <p:cBhvr>
+                                        <p:cTn id="26" dur="1" fill="hold">
+                                          <p:stCondLst>
+                                            <p:cond delay="0"/>
+                                          </p:stCondLst>
+                                        </p:cTn>
+                                        <p:tgtEl>
+                                          <p:spTgt spid="3">
+                                            <p:txEl>
+                                              <p:pRg st="6" end="6"/>
+                                            </p:txEl>
+                                          </p:spTgt>
+                                        </p:tgtEl>
+                                        <p:attrNameLst>
+                                          <p:attrName>style.visibility</p:attrName>
+                                        </p:attrNameLst>
+                                      </p:cBhvr>
+                                      <p:to>
+                                        <p:strVal val="visible"/>
+                                      </p:to>
+                                    </p:set>
+                                  </p:childTnLst>
+                                </p:cTn>
+                              </p:par>
+                            </p:childTnLst>
+                          </p:cTn>
+                        </p:par>
+                      </p:childTnLst>
+                    </p:cTn>
+                  </p:par>
+                </p:childTnLst>
+              </p:cTn>
+              <p:prevCondLst>
+                <p:cond evt="onPrev" delay="0">
+                  <p:tgtEl>
+                    <p:sldTgt/>
+                  </p:tgtEl>
+                </p:cond>
+              </p:prevCondLst>
+              <p:nextCondLst>
+                <p:cond evt="onNext" delay="0">
+                  <p:tgtEl>
+                    <p:sldTgt/>
+                  </p:tgtEl>
+                </p:cond>
+              </p:nextCondLst>
+            </p:seq>
+          </p:childTnLst>
+        </p:cTn>
+      </p:par>
+    </p:tnLst>
+    <p:bldLst>
+      <p:bldP spid="3" grpId="0" build="p"/>
+    </p:bldLst>
+  </p:timing>
+</p:sld>
+</file>
+
+<file path=ppt/slides/slide9.xml><?xml version="1.0" encoding="utf-8"?>
+<p:sld xmlns:a="http://schemas.openxmlformats.org/drawingml/2006/main" xmlns:r="http://schemas.openxmlformats.org/officeDocument/2006/relationships" xmlns:p="http://schemas.openxmlformats.org/presentationml/2006/main">
+  <p:cSld>
+    <p:spTree>
+      <p:nvGrpSpPr>
+        <p:cNvPr id="1" name=""/>
+        <p:cNvGrpSpPr/>
+        <p:nvPr/>
+      </p:nvGrpSpPr>
+      <p:grpSpPr>
+        <a:xfrm>
+          <a:off x="0" y="0"/>
+          <a:ext cx="0" cy="0"/>
+          <a:chOff x="0" y="0"/>
+          <a:chExt cx="0" cy="0"/>
+        </a:xfrm>
+      </p:grpSpPr>
+      <p:sp>
+        <p:nvSpPr>
+          <p:cNvPr id="2" name="Title 1"/>
+          <p:cNvSpPr>
+            <a:spLocks noGrp="1"/>
+          </p:cNvSpPr>
+          <p:nvPr>
+            <p:ph type="title"/>
+          </p:nvPr>
+        </p:nvSpPr>
+        <p:spPr/>
+        <p:txBody>
+          <a:bodyPr/>
+          <a:lstStyle/>
+          <a:p>
+            <a:r>
+              <a:rPr lang="en-US" dirty="0" smtClean="0"/>
+              <a:t>Spaced Seeds</a:t>
+            </a:r>
+            <a:endParaRPr lang="en-US" dirty="0"/>
+          </a:p>
+        </p:txBody>
+      </p:sp>
+      <p:sp>
+        <p:nvSpPr>
+          <p:cNvPr id="3" name="Content Placeholder 2"/>
+          <p:cNvSpPr>
+            <a:spLocks noGrp="1"/>
+          </p:cNvSpPr>
+          <p:nvPr>
+            <p:ph sz="quarter" idx="1"/>
+          </p:nvPr>
+        </p:nvSpPr>
+        <p:spPr/>
+        <p:txBody>
+          <a:bodyPr/>
+          <a:lstStyle/>
+          <a:p>
+            <a:r>
+              <a:rPr lang="en-US" dirty="0" smtClean="0"/>
+              <a:t>Pattern describing required matching between two strings</a:t>
+            </a:r>
+          </a:p>
+          <a:p>
+            <a:r>
+              <a:rPr lang="en-US" dirty="0" smtClean="0"/>
+              <a:t>String π over alphabet </a:t>
+            </a:r>
+            <a:r>
+              <a:rPr lang="en-US" dirty="0" err="1" smtClean="0"/>
+              <a:t>Σ</a:t>
+            </a:r>
+            <a:r>
+              <a:rPr lang="en-US" dirty="0" smtClean="0"/>
+              <a:t>={</a:t>
+            </a:r>
+            <a:r>
+              <a:rPr lang="en-US" dirty="0" smtClean="0"/>
+              <a:t>1,0}</a:t>
+            </a:r>
+            <a:endParaRPr lang="en-US" dirty="0" smtClean="0"/>
+          </a:p>
+          <a:p>
+            <a:pPr lvl="1"/>
+            <a:r>
+              <a:rPr lang="en-US" dirty="0" smtClean="0"/>
+              <a:t>Ordered list of matching positions M</a:t>
+            </a:r>
+            <a:r>
+              <a:rPr lang="en-US" baseline="-25000" dirty="0" smtClean="0"/>
+              <a:t>π</a:t>
+            </a:r>
+            <a:r>
+              <a:rPr lang="en-US" dirty="0" smtClean="0"/>
+              <a:t>={i</a:t>
+            </a:r>
+            <a:r>
+              <a:rPr lang="en-US" baseline="-25000" dirty="0"/>
+              <a:t>1</a:t>
+            </a:r>
+            <a:r>
+              <a:rPr lang="en-US" dirty="0" smtClean="0"/>
+              <a:t>,…,</a:t>
+            </a:r>
+            <a:r>
+              <a:rPr lang="en-US" dirty="0" err="1" smtClean="0"/>
+              <a:t>i</a:t>
+            </a:r>
+            <a:r>
+              <a:rPr lang="en-US" baseline="-25000" dirty="0" err="1" smtClean="0"/>
+              <a:t>w</a:t>
+            </a:r>
+            <a:r>
+              <a:rPr lang="en-US" dirty="0" smtClean="0"/>
+              <a:t>} </a:t>
+            </a:r>
+          </a:p>
+          <a:p>
+            <a:pPr lvl="1"/>
+            <a:r>
+              <a:rPr lang="en-US" dirty="0"/>
+              <a:t>|</a:t>
+            </a:r>
+            <a:r>
+              <a:rPr lang="en-US" dirty="0" smtClean="0"/>
+              <a:t>M</a:t>
+            </a:r>
+            <a:r>
+              <a:rPr lang="en-US" baseline="-25000" dirty="0" smtClean="0"/>
+              <a:t>π</a:t>
+            </a:r>
+            <a:r>
+              <a:rPr lang="en-US" dirty="0" smtClean="0"/>
+              <a:t>|= weight of seed (w</a:t>
+            </a:r>
+            <a:r>
+              <a:rPr lang="en-US" baseline="-25000" dirty="0" smtClean="0"/>
+              <a:t>π</a:t>
+            </a:r>
+            <a:r>
+              <a:rPr lang="en-US" dirty="0" smtClean="0"/>
+              <a:t>)</a:t>
+            </a:r>
+          </a:p>
+          <a:p>
+            <a:pPr lvl="1"/>
+            <a:r>
+              <a:rPr lang="en-US" dirty="0" smtClean="0"/>
+              <a:t>|π| = length/span of seed</a:t>
+            </a:r>
+          </a:p>
+          <a:p>
+            <a:r>
+              <a:rPr lang="en-US" dirty="0"/>
+              <a:t>Two subsequences </a:t>
+            </a:r>
+            <a:r>
+              <a:rPr lang="en-US" i="1" dirty="0" smtClean="0"/>
+              <a:t>q={q</a:t>
+            </a:r>
+            <a:r>
+              <a:rPr lang="en-US" i="1" baseline="-25000" dirty="0" smtClean="0"/>
+              <a:t>1</a:t>
+            </a:r>
+            <a:r>
+              <a:rPr lang="en-US" i="1" dirty="0"/>
+              <a:t>,…</a:t>
+            </a:r>
+            <a:r>
+              <a:rPr lang="en-US" i="1" dirty="0" smtClean="0"/>
+              <a:t>,</a:t>
+            </a:r>
+            <a:r>
+              <a:rPr lang="en-US" i="1" dirty="0" err="1" smtClean="0"/>
+              <a:t>q</a:t>
+            </a:r>
+            <a:r>
+              <a:rPr lang="en-US" i="1" baseline="-25000" dirty="0" err="1" smtClean="0"/>
+              <a:t>l</a:t>
+            </a:r>
+            <a:r>
+              <a:rPr lang="en-US" i="1" dirty="0"/>
+              <a:t>}</a:t>
+            </a:r>
+            <a:r>
+              <a:rPr lang="en-US" dirty="0"/>
+              <a:t> and </a:t>
+            </a:r>
+            <a:r>
+              <a:rPr lang="en-US" i="1" dirty="0"/>
+              <a:t>t={t</a:t>
+            </a:r>
+            <a:r>
+              <a:rPr lang="en-US" i="1" baseline="-25000" dirty="0"/>
+              <a:t>1</a:t>
+            </a:r>
+            <a:r>
+              <a:rPr lang="en-US" i="1" dirty="0"/>
+              <a:t>,…,</a:t>
+            </a:r>
+            <a:r>
+              <a:rPr lang="en-US" i="1" dirty="0" err="1"/>
+              <a:t>t</a:t>
+            </a:r>
+            <a:r>
+              <a:rPr lang="en-US" i="1" baseline="-25000" dirty="0" err="1"/>
+              <a:t>l</a:t>
+            </a:r>
+            <a:r>
+              <a:rPr lang="en-US" i="1" dirty="0"/>
+              <a:t>}</a:t>
+            </a:r>
+            <a:r>
+              <a:rPr lang="en-US" dirty="0"/>
+              <a:t> of match with respect to π of length </a:t>
+            </a:r>
+            <a:r>
+              <a:rPr lang="en-US" i="1" dirty="0"/>
+              <a:t>l </a:t>
+            </a:r>
+            <a:r>
+              <a:rPr lang="en-US" dirty="0"/>
+              <a:t>if </a:t>
+            </a:r>
+            <a:r>
+              <a:rPr lang="en-US" i="1" dirty="0" smtClean="0"/>
+              <a:t>q</a:t>
+            </a:r>
+            <a:r>
+              <a:rPr lang="en-US" i="1" baseline="-25000" dirty="0" smtClean="0"/>
+              <a:t>i</a:t>
+            </a:r>
+            <a:r>
+              <a:rPr lang="en-US" i="1" dirty="0"/>
+              <a:t>=</a:t>
+            </a:r>
+            <a:r>
+              <a:rPr lang="en-US" i="1" dirty="0" err="1"/>
+              <a:t>t</a:t>
+            </a:r>
+            <a:r>
+              <a:rPr lang="en-US" i="1" baseline="-25000" dirty="0" err="1"/>
+              <a:t>i</a:t>
+            </a:r>
+            <a:r>
+              <a:rPr lang="en-US" i="1" dirty="0"/>
+              <a:t> </a:t>
+            </a:r>
+            <a:r>
+              <a:rPr lang="en-US" dirty="0"/>
+              <a:t>for all </a:t>
+            </a:r>
+            <a:r>
+              <a:rPr lang="en-US" i="1" dirty="0" err="1"/>
+              <a:t>i</a:t>
+            </a:r>
+            <a:r>
+              <a:rPr lang="en-US" i="1" dirty="0"/>
+              <a:t> </a:t>
+            </a:r>
+            <a:r>
+              <a:rPr lang="en-US" dirty="0"/>
+              <a:t>in M</a:t>
+            </a:r>
+            <a:r>
+              <a:rPr lang="en-US" baseline="-25000" dirty="0"/>
+              <a:t>π</a:t>
+            </a:r>
+            <a:r>
+              <a:rPr lang="en-US" dirty="0"/>
+              <a:t> </a:t>
+            </a:r>
+          </a:p>
+        </p:txBody>
+      </p:sp>
+    </p:spTree>
+    <p:extLst>
+      <p:ext uri="{BB962C8B-B14F-4D97-AF65-F5344CB8AC3E}">
+        <p14:creationId xmlns:p14="http://schemas.microsoft.com/office/powerpoint/2010/main" val="3539072890"/>
       </p:ext>
     </p:extLst>
   </p:cSld>
@@ -21948,1114 +25449,6 @@
     </p:tnLst>
     <p:bldLst>
       <p:bldP spid="3" grpId="0" build="p"/>
-    </p:bldLst>
-  </p:timing>
-</p:sld>
-</file>
-
-<file path=ppt/slides/slide8.xml><?xml version="1.0" encoding="utf-8"?>
-<p:sld xmlns:a="http://schemas.openxmlformats.org/drawingml/2006/main" xmlns:r="http://schemas.openxmlformats.org/officeDocument/2006/relationships" xmlns:p="http://schemas.openxmlformats.org/presentationml/2006/main">
-  <p:cSld>
-    <p:spTree>
-      <p:nvGrpSpPr>
-        <p:cNvPr id="1" name=""/>
-        <p:cNvGrpSpPr/>
-        <p:nvPr/>
-      </p:nvGrpSpPr>
-      <p:grpSpPr>
-        <a:xfrm>
-          <a:off x="0" y="0"/>
-          <a:ext cx="0" cy="0"/>
-          <a:chOff x="0" y="0"/>
-          <a:chExt cx="0" cy="0"/>
-        </a:xfrm>
-      </p:grpSpPr>
-      <p:sp>
-        <p:nvSpPr>
-          <p:cNvPr id="2" name="Title 1"/>
-          <p:cNvSpPr>
-            <a:spLocks noGrp="1"/>
-          </p:cNvSpPr>
-          <p:nvPr>
-            <p:ph type="title"/>
-          </p:nvPr>
-        </p:nvSpPr>
-        <p:spPr/>
-        <p:txBody>
-          <a:bodyPr/>
-          <a:lstStyle/>
-          <a:p>
-            <a:r>
-              <a:rPr lang="en-US" dirty="0" smtClean="0"/>
-              <a:t>Spaced Seeds</a:t>
-            </a:r>
-            <a:endParaRPr lang="en-US" dirty="0"/>
-          </a:p>
-        </p:txBody>
-      </p:sp>
-      <p:sp>
-        <p:nvSpPr>
-          <p:cNvPr id="3" name="Content Placeholder 2"/>
-          <p:cNvSpPr>
-            <a:spLocks noGrp="1"/>
-          </p:cNvSpPr>
-          <p:nvPr>
-            <p:ph sz="quarter" idx="1"/>
-          </p:nvPr>
-        </p:nvSpPr>
-        <p:spPr/>
-        <p:txBody>
-          <a:bodyPr/>
-          <a:lstStyle/>
-          <a:p>
-            <a:r>
-              <a:rPr lang="en-US" dirty="0" smtClean="0"/>
-              <a:t>Pattern </a:t>
-            </a:r>
-            <a:r>
-              <a:rPr lang="en-US" dirty="0" smtClean="0"/>
-              <a:t>describing required matching between two strings</a:t>
-            </a:r>
-          </a:p>
-          <a:p>
-            <a:r>
-              <a:rPr lang="en-US" dirty="0" smtClean="0"/>
-              <a:t>String π over alphabet </a:t>
-            </a:r>
-            <a:r>
-              <a:rPr lang="en-US" dirty="0" err="1" smtClean="0"/>
-              <a:t>Σ</a:t>
-            </a:r>
-            <a:r>
-              <a:rPr lang="en-US" dirty="0" smtClean="0"/>
-              <a:t>={1,*}</a:t>
-            </a:r>
-          </a:p>
-          <a:p>
-            <a:pPr lvl="1"/>
-            <a:r>
-              <a:rPr lang="en-US" dirty="0" smtClean="0"/>
-              <a:t>Ordered list of matching positions M</a:t>
-            </a:r>
-            <a:r>
-              <a:rPr lang="en-US" baseline="-25000" dirty="0" smtClean="0"/>
-              <a:t>π</a:t>
-            </a:r>
-            <a:r>
-              <a:rPr lang="en-US" dirty="0" smtClean="0"/>
-              <a:t>={i</a:t>
-            </a:r>
-            <a:r>
-              <a:rPr lang="en-US" baseline="-25000" dirty="0"/>
-              <a:t>1</a:t>
-            </a:r>
-            <a:r>
-              <a:rPr lang="en-US" dirty="0" smtClean="0"/>
-              <a:t>,…,</a:t>
-            </a:r>
-            <a:r>
-              <a:rPr lang="en-US" dirty="0" err="1" smtClean="0"/>
-              <a:t>i</a:t>
-            </a:r>
-            <a:r>
-              <a:rPr lang="en-US" baseline="-25000" dirty="0" err="1" smtClean="0"/>
-              <a:t>w</a:t>
-            </a:r>
-            <a:r>
-              <a:rPr lang="en-US" dirty="0" smtClean="0"/>
-              <a:t>} </a:t>
-            </a:r>
-          </a:p>
-          <a:p>
-            <a:pPr lvl="1"/>
-            <a:r>
-              <a:rPr lang="en-US" dirty="0"/>
-              <a:t>|</a:t>
-            </a:r>
-            <a:r>
-              <a:rPr lang="en-US" dirty="0" smtClean="0"/>
-              <a:t>M</a:t>
-            </a:r>
-            <a:r>
-              <a:rPr lang="en-US" baseline="-25000" dirty="0" smtClean="0"/>
-              <a:t>π</a:t>
-            </a:r>
-            <a:r>
-              <a:rPr lang="en-US" dirty="0" smtClean="0"/>
-              <a:t>|= weight of seed (w</a:t>
-            </a:r>
-            <a:r>
-              <a:rPr lang="en-US" baseline="-25000" dirty="0" smtClean="0"/>
-              <a:t>π</a:t>
-            </a:r>
-            <a:r>
-              <a:rPr lang="en-US" dirty="0" smtClean="0"/>
-              <a:t>)</a:t>
-            </a:r>
-          </a:p>
-          <a:p>
-            <a:pPr lvl="1"/>
-            <a:r>
-              <a:rPr lang="en-US" dirty="0" smtClean="0"/>
-              <a:t>|π| = length/span of seed</a:t>
-            </a:r>
-          </a:p>
-          <a:p>
-            <a:r>
-              <a:rPr lang="en-US" dirty="0"/>
-              <a:t>Two subsequences </a:t>
-            </a:r>
-            <a:r>
-              <a:rPr lang="en-US" i="1" dirty="0" smtClean="0"/>
-              <a:t>q={q</a:t>
-            </a:r>
-            <a:r>
-              <a:rPr lang="en-US" i="1" baseline="-25000" dirty="0" smtClean="0"/>
-              <a:t>1</a:t>
-            </a:r>
-            <a:r>
-              <a:rPr lang="en-US" i="1" dirty="0"/>
-              <a:t>,…</a:t>
-            </a:r>
-            <a:r>
-              <a:rPr lang="en-US" i="1" dirty="0" smtClean="0"/>
-              <a:t>,</a:t>
-            </a:r>
-            <a:r>
-              <a:rPr lang="en-US" i="1" dirty="0" err="1" smtClean="0"/>
-              <a:t>q</a:t>
-            </a:r>
-            <a:r>
-              <a:rPr lang="en-US" i="1" baseline="-25000" dirty="0" err="1" smtClean="0"/>
-              <a:t>l</a:t>
-            </a:r>
-            <a:r>
-              <a:rPr lang="en-US" i="1" dirty="0"/>
-              <a:t>}</a:t>
-            </a:r>
-            <a:r>
-              <a:rPr lang="en-US" dirty="0"/>
-              <a:t> and </a:t>
-            </a:r>
-            <a:r>
-              <a:rPr lang="en-US" i="1" dirty="0"/>
-              <a:t>t={t</a:t>
-            </a:r>
-            <a:r>
-              <a:rPr lang="en-US" i="1" baseline="-25000" dirty="0"/>
-              <a:t>1</a:t>
-            </a:r>
-            <a:r>
-              <a:rPr lang="en-US" i="1" dirty="0"/>
-              <a:t>,…,</a:t>
-            </a:r>
-            <a:r>
-              <a:rPr lang="en-US" i="1" dirty="0" err="1"/>
-              <a:t>t</a:t>
-            </a:r>
-            <a:r>
-              <a:rPr lang="en-US" i="1" baseline="-25000" dirty="0" err="1"/>
-              <a:t>l</a:t>
-            </a:r>
-            <a:r>
-              <a:rPr lang="en-US" i="1" dirty="0"/>
-              <a:t>}</a:t>
-            </a:r>
-            <a:r>
-              <a:rPr lang="en-US" dirty="0"/>
-              <a:t> of match with respect to π of length </a:t>
-            </a:r>
-            <a:r>
-              <a:rPr lang="en-US" i="1" dirty="0"/>
-              <a:t>l </a:t>
-            </a:r>
-            <a:r>
-              <a:rPr lang="en-US" dirty="0"/>
-              <a:t>if </a:t>
-            </a:r>
-            <a:r>
-              <a:rPr lang="en-US" i="1" dirty="0" smtClean="0"/>
-              <a:t>q</a:t>
-            </a:r>
-            <a:r>
-              <a:rPr lang="en-US" i="1" baseline="-25000" dirty="0" smtClean="0"/>
-              <a:t>i</a:t>
-            </a:r>
-            <a:r>
-              <a:rPr lang="en-US" i="1" dirty="0"/>
-              <a:t>=</a:t>
-            </a:r>
-            <a:r>
-              <a:rPr lang="en-US" i="1" dirty="0" err="1"/>
-              <a:t>t</a:t>
-            </a:r>
-            <a:r>
-              <a:rPr lang="en-US" i="1" baseline="-25000" dirty="0" err="1"/>
-              <a:t>i</a:t>
-            </a:r>
-            <a:r>
-              <a:rPr lang="en-US" i="1" dirty="0"/>
-              <a:t> </a:t>
-            </a:r>
-            <a:r>
-              <a:rPr lang="en-US" dirty="0"/>
-              <a:t>for all </a:t>
-            </a:r>
-            <a:r>
-              <a:rPr lang="en-US" i="1" dirty="0" err="1"/>
-              <a:t>i</a:t>
-            </a:r>
-            <a:r>
-              <a:rPr lang="en-US" i="1" dirty="0"/>
-              <a:t> </a:t>
-            </a:r>
-            <a:r>
-              <a:rPr lang="en-US" dirty="0"/>
-              <a:t>in M</a:t>
-            </a:r>
-            <a:r>
-              <a:rPr lang="en-US" baseline="-25000" dirty="0"/>
-              <a:t>π</a:t>
-            </a:r>
-            <a:r>
-              <a:rPr lang="en-US" dirty="0"/>
-              <a:t> </a:t>
-            </a:r>
-          </a:p>
-        </p:txBody>
-      </p:sp>
-    </p:spTree>
-    <p:extLst>
-      <p:ext uri="{BB962C8B-B14F-4D97-AF65-F5344CB8AC3E}">
-        <p14:creationId xmlns:p14="http://schemas.microsoft.com/office/powerpoint/2010/main" val="3539072890"/>
-      </p:ext>
-    </p:extLst>
-  </p:cSld>
-  <p:clrMapOvr>
-    <a:masterClrMapping/>
-  </p:clrMapOvr>
-  <p:timing>
-    <p:tnLst>
-      <p:par>
-        <p:cTn xmlns:p14="http://schemas.microsoft.com/office/powerpoint/2010/main" id="1" dur="indefinite" restart="never" nodeType="tmRoot"/>
-      </p:par>
-    </p:tnLst>
-  </p:timing>
-</p:sld>
-</file>
-
-<file path=ppt/slides/slide9.xml><?xml version="1.0" encoding="utf-8"?>
-<p:sld xmlns:a="http://schemas.openxmlformats.org/drawingml/2006/main" xmlns:r="http://schemas.openxmlformats.org/officeDocument/2006/relationships" xmlns:p="http://schemas.openxmlformats.org/presentationml/2006/main">
-  <p:cSld>
-    <p:spTree>
-      <p:nvGrpSpPr>
-        <p:cNvPr id="1" name=""/>
-        <p:cNvGrpSpPr/>
-        <p:nvPr/>
-      </p:nvGrpSpPr>
-      <p:grpSpPr>
-        <a:xfrm>
-          <a:off x="0" y="0"/>
-          <a:ext cx="0" cy="0"/>
-          <a:chOff x="0" y="0"/>
-          <a:chExt cx="0" cy="0"/>
-        </a:xfrm>
-      </p:grpSpPr>
-      <p:sp>
-        <p:nvSpPr>
-          <p:cNvPr id="2" name="Title 1"/>
-          <p:cNvSpPr>
-            <a:spLocks noGrp="1"/>
-          </p:cNvSpPr>
-          <p:nvPr>
-            <p:ph type="title"/>
-          </p:nvPr>
-        </p:nvSpPr>
-        <p:spPr/>
-        <p:txBody>
-          <a:bodyPr/>
-          <a:lstStyle/>
-          <a:p>
-            <a:r>
-              <a:rPr lang="en-US" dirty="0" smtClean="0"/>
-              <a:t>Spaced Seed Example</a:t>
-            </a:r>
-            <a:endParaRPr lang="en-US" dirty="0"/>
-          </a:p>
-        </p:txBody>
-      </p:sp>
-      <p:sp>
-        <p:nvSpPr>
-          <p:cNvPr id="4" name="Content Placeholder 3"/>
-          <p:cNvSpPr>
-            <a:spLocks noGrp="1"/>
-          </p:cNvSpPr>
-          <p:nvPr>
-            <p:ph sz="quarter" idx="1"/>
-          </p:nvPr>
-        </p:nvSpPr>
-        <p:spPr/>
-        <p:txBody>
-          <a:bodyPr>
-            <a:normAutofit/>
-          </a:bodyPr>
-          <a:lstStyle/>
-          <a:p>
-            <a:r>
-              <a:rPr lang="en-US" sz="2400" dirty="0" smtClean="0"/>
-              <a:t>π = 1*1*1*1</a:t>
-            </a:r>
-          </a:p>
-          <a:p>
-            <a:pPr lvl="1"/>
-            <a:r>
-              <a:rPr lang="en-US" sz="2400" i="1" dirty="0" smtClean="0"/>
-              <a:t>|</a:t>
-            </a:r>
-            <a:r>
-              <a:rPr lang="en-US" sz="2400" dirty="0"/>
-              <a:t>π| = </a:t>
-            </a:r>
-            <a:r>
-              <a:rPr lang="en-US" sz="2400" dirty="0" smtClean="0"/>
-              <a:t>7, M</a:t>
-            </a:r>
-            <a:r>
-              <a:rPr lang="en-US" sz="2400" baseline="-25000" dirty="0" smtClean="0"/>
-              <a:t>π</a:t>
-            </a:r>
-            <a:r>
-              <a:rPr lang="en-US" sz="2400" dirty="0"/>
-              <a:t>={0,2,4,6</a:t>
-            </a:r>
-            <a:r>
-              <a:rPr lang="en-US" sz="2400" dirty="0" smtClean="0"/>
-              <a:t>}, w</a:t>
-            </a:r>
-            <a:r>
-              <a:rPr lang="en-US" sz="2400" baseline="-25000" dirty="0" smtClean="0"/>
-              <a:t>π</a:t>
-            </a:r>
-            <a:r>
-              <a:rPr lang="en-US" sz="2400" dirty="0" smtClean="0"/>
-              <a:t>=4</a:t>
-            </a:r>
-            <a:endParaRPr lang="en-US" sz="2400" i="1" dirty="0"/>
-          </a:p>
-          <a:p>
-            <a:r>
-              <a:rPr lang="en-US" sz="2400" dirty="0" smtClean="0"/>
-              <a:t>Genomic sequences </a:t>
-            </a:r>
-            <a:r>
-              <a:rPr lang="en-US" sz="2400" i="1" dirty="0" smtClean="0"/>
-              <a:t>q =</a:t>
-            </a:r>
-            <a:r>
-              <a:rPr lang="en-US" sz="2400" dirty="0" smtClean="0"/>
-              <a:t> ATTAGCT, </a:t>
-            </a:r>
-            <a:r>
-              <a:rPr lang="en-US" sz="2400" i="1" dirty="0" smtClean="0"/>
-              <a:t>t = </a:t>
-            </a:r>
-            <a:r>
-              <a:rPr lang="en-US" sz="2400" dirty="0" smtClean="0"/>
-              <a:t>ATTCGAT</a:t>
-            </a:r>
-          </a:p>
-          <a:p>
-            <a:pPr marL="0" indent="0">
-              <a:buNone/>
-            </a:pPr>
-            <a:endParaRPr lang="en-US" i="1" dirty="0" smtClean="0"/>
-          </a:p>
-          <a:p>
-            <a:pPr marL="0" indent="0">
-              <a:buNone/>
-            </a:pPr>
-            <a:endParaRPr lang="en-US" dirty="0" smtClean="0"/>
-          </a:p>
-          <a:p>
-            <a:pPr marL="0" indent="0">
-              <a:buNone/>
-            </a:pPr>
-            <a:endParaRPr lang="en-US" dirty="0"/>
-          </a:p>
-          <a:p>
-            <a:pPr marL="0" indent="0">
-              <a:buNone/>
-            </a:pPr>
-            <a:endParaRPr lang="en-US" dirty="0"/>
-          </a:p>
-          <a:p>
-            <a:pPr marL="0" indent="0">
-              <a:buNone/>
-            </a:pPr>
-            <a:r>
-              <a:rPr lang="en-US" dirty="0" smtClean="0"/>
-              <a:t>So </a:t>
-            </a:r>
-            <a:r>
-              <a:rPr lang="en-US" i="1" dirty="0" smtClean="0"/>
-              <a:t>q</a:t>
-            </a:r>
-            <a:r>
-              <a:rPr lang="en-US" dirty="0" smtClean="0"/>
-              <a:t> matches </a:t>
-            </a:r>
-            <a:r>
-              <a:rPr lang="en-US" i="1" dirty="0" smtClean="0"/>
-              <a:t>t</a:t>
-            </a:r>
-            <a:r>
-              <a:rPr lang="en-US" dirty="0" smtClean="0"/>
-              <a:t> WRT spaced seed π.</a:t>
-            </a:r>
-          </a:p>
-        </p:txBody>
-      </p:sp>
-      <p:sp>
-        <p:nvSpPr>
-          <p:cNvPr id="5" name="Rectangle 4"/>
-          <p:cNvSpPr/>
-          <p:nvPr/>
-        </p:nvSpPr>
-        <p:spPr>
-          <a:xfrm>
-            <a:off x="3700954" y="2429443"/>
-            <a:ext cx="4377764" cy="1754327"/>
-          </a:xfrm>
-          <a:prstGeom prst="rect">
-            <a:avLst/>
-          </a:prstGeom>
-        </p:spPr>
-        <p:txBody>
-          <a:bodyPr wrap="square">
-            <a:spAutoFit/>
-          </a:bodyPr>
-          <a:lstStyle/>
-          <a:p>
-            <a:pPr marL="274320" lvl="1" indent="0">
-              <a:buNone/>
-            </a:pPr>
-            <a:r>
-              <a:rPr lang="en-US" sz="3600" dirty="0" smtClean="0">
-                <a:latin typeface="Courier"/>
-                <a:cs typeface="Courier"/>
-              </a:rPr>
-              <a:t>A T T A G C T</a:t>
-            </a:r>
-            <a:endParaRPr lang="en-US" sz="3600" dirty="0">
-              <a:latin typeface="Courier"/>
-              <a:cs typeface="Courier"/>
-            </a:endParaRPr>
-          </a:p>
-          <a:p>
-            <a:pPr marL="274320" lvl="1" indent="0">
-              <a:buNone/>
-            </a:pPr>
-            <a:r>
-              <a:rPr lang="en-US" sz="3600" dirty="0" smtClean="0">
-                <a:latin typeface="Courier"/>
-                <a:cs typeface="Courier"/>
-              </a:rPr>
-              <a:t>A T T C G A T</a:t>
-            </a:r>
-            <a:endParaRPr lang="en-US" sz="3600" dirty="0">
-              <a:latin typeface="Courier"/>
-              <a:cs typeface="Courier"/>
-            </a:endParaRPr>
-          </a:p>
-          <a:p>
-            <a:pPr marL="274320" lvl="1" indent="0">
-              <a:buNone/>
-            </a:pPr>
-            <a:r>
-              <a:rPr lang="en-US" sz="3600" dirty="0" smtClean="0">
-                <a:latin typeface="Courier"/>
-                <a:cs typeface="Courier"/>
-              </a:rPr>
-              <a:t>1 * 1 * 1 * 1</a:t>
-            </a:r>
-            <a:endParaRPr lang="en-US" sz="3600" dirty="0">
-              <a:latin typeface="Courier"/>
-              <a:cs typeface="Courier"/>
-            </a:endParaRPr>
-          </a:p>
-        </p:txBody>
-      </p:sp>
-      <p:sp>
-        <p:nvSpPr>
-          <p:cNvPr id="8" name="Text Placeholder 7"/>
-          <p:cNvSpPr>
-            <a:spLocks noGrp="1"/>
-          </p:cNvSpPr>
-          <p:nvPr>
-            <p:ph type="body" idx="2"/>
-          </p:nvPr>
-        </p:nvSpPr>
-        <p:spPr/>
-        <p:txBody>
-          <a:bodyPr/>
-          <a:lstStyle/>
-          <a:p>
-            <a:endParaRPr lang="en-US"/>
-          </a:p>
-        </p:txBody>
-      </p:sp>
-      <p:sp>
-        <p:nvSpPr>
-          <p:cNvPr id="9" name="Rectangle 8"/>
-          <p:cNvSpPr/>
-          <p:nvPr/>
-        </p:nvSpPr>
-        <p:spPr>
-          <a:xfrm>
-            <a:off x="3703960" y="2442345"/>
-            <a:ext cx="4377764" cy="1754327"/>
-          </a:xfrm>
-          <a:prstGeom prst="rect">
-            <a:avLst/>
-          </a:prstGeom>
-        </p:spPr>
-        <p:txBody>
-          <a:bodyPr wrap="square">
-            <a:spAutoFit/>
-          </a:bodyPr>
-          <a:lstStyle/>
-          <a:p>
-            <a:pPr marL="274320" lvl="1" indent="0">
-              <a:buNone/>
-            </a:pPr>
-            <a:r>
-              <a:rPr lang="en-US" sz="3600" dirty="0" smtClean="0">
-                <a:solidFill>
-                  <a:srgbClr val="C32D2E"/>
-                </a:solidFill>
-                <a:latin typeface="Courier"/>
-                <a:cs typeface="Courier"/>
-              </a:rPr>
-              <a:t>A</a:t>
-            </a:r>
-            <a:r>
-              <a:rPr lang="en-US" sz="3600" dirty="0" smtClean="0">
-                <a:latin typeface="Courier"/>
-                <a:cs typeface="Courier"/>
-              </a:rPr>
-              <a:t> T </a:t>
-            </a:r>
-            <a:r>
-              <a:rPr lang="en-US" sz="3600" dirty="0" smtClean="0">
-                <a:solidFill>
-                  <a:srgbClr val="C32D2E"/>
-                </a:solidFill>
-                <a:latin typeface="Courier"/>
-                <a:cs typeface="Courier"/>
-              </a:rPr>
-              <a:t>T</a:t>
-            </a:r>
-            <a:r>
-              <a:rPr lang="en-US" sz="3600" dirty="0" smtClean="0">
-                <a:latin typeface="Courier"/>
-                <a:cs typeface="Courier"/>
-              </a:rPr>
-              <a:t> A </a:t>
-            </a:r>
-            <a:r>
-              <a:rPr lang="en-US" sz="3600" dirty="0" smtClean="0">
-                <a:solidFill>
-                  <a:srgbClr val="C32D2E"/>
-                </a:solidFill>
-                <a:latin typeface="Courier"/>
-                <a:cs typeface="Courier"/>
-              </a:rPr>
-              <a:t>G</a:t>
-            </a:r>
-            <a:r>
-              <a:rPr lang="en-US" sz="3600" dirty="0" smtClean="0">
-                <a:latin typeface="Courier"/>
-                <a:cs typeface="Courier"/>
-              </a:rPr>
-              <a:t> C </a:t>
-            </a:r>
-            <a:r>
-              <a:rPr lang="en-US" sz="3600" dirty="0" smtClean="0">
-                <a:solidFill>
-                  <a:srgbClr val="C32D2E"/>
-                </a:solidFill>
-                <a:latin typeface="Courier"/>
-                <a:cs typeface="Courier"/>
-              </a:rPr>
-              <a:t>T</a:t>
-            </a:r>
-            <a:endParaRPr lang="en-US" sz="3600" dirty="0">
-              <a:solidFill>
-                <a:srgbClr val="C32D2E"/>
-              </a:solidFill>
-              <a:latin typeface="Courier"/>
-              <a:cs typeface="Courier"/>
-            </a:endParaRPr>
-          </a:p>
-          <a:p>
-            <a:pPr marL="274320" lvl="1" indent="0">
-              <a:buNone/>
-            </a:pPr>
-            <a:r>
-              <a:rPr lang="en-US" sz="3600" dirty="0" smtClean="0">
-                <a:solidFill>
-                  <a:schemeClr val="accent3"/>
-                </a:solidFill>
-                <a:latin typeface="Courier"/>
-                <a:cs typeface="Courier"/>
-              </a:rPr>
-              <a:t>A</a:t>
-            </a:r>
-            <a:r>
-              <a:rPr lang="en-US" sz="3600" dirty="0" smtClean="0">
-                <a:latin typeface="Courier"/>
-                <a:cs typeface="Courier"/>
-              </a:rPr>
-              <a:t> T </a:t>
-            </a:r>
-            <a:r>
-              <a:rPr lang="en-US" sz="3600" dirty="0" smtClean="0">
-                <a:solidFill>
-                  <a:srgbClr val="C32D2E"/>
-                </a:solidFill>
-                <a:latin typeface="Courier"/>
-                <a:cs typeface="Courier"/>
-              </a:rPr>
-              <a:t>T</a:t>
-            </a:r>
-            <a:r>
-              <a:rPr lang="en-US" sz="3600" dirty="0" smtClean="0">
-                <a:latin typeface="Courier"/>
-                <a:cs typeface="Courier"/>
-              </a:rPr>
-              <a:t> C </a:t>
-            </a:r>
-            <a:r>
-              <a:rPr lang="en-US" sz="3600" dirty="0" smtClean="0">
-                <a:solidFill>
-                  <a:srgbClr val="C32D2E"/>
-                </a:solidFill>
-                <a:latin typeface="Courier"/>
-                <a:cs typeface="Courier"/>
-              </a:rPr>
-              <a:t>G</a:t>
-            </a:r>
-            <a:r>
-              <a:rPr lang="en-US" sz="3600" dirty="0" smtClean="0">
-                <a:latin typeface="Courier"/>
-                <a:cs typeface="Courier"/>
-              </a:rPr>
-              <a:t> A </a:t>
-            </a:r>
-            <a:r>
-              <a:rPr lang="en-US" sz="3600" dirty="0" smtClean="0">
-                <a:solidFill>
-                  <a:srgbClr val="C32D2E"/>
-                </a:solidFill>
-                <a:latin typeface="Courier"/>
-                <a:cs typeface="Courier"/>
-              </a:rPr>
-              <a:t>T</a:t>
-            </a:r>
-            <a:endParaRPr lang="en-US" sz="3600" dirty="0">
-              <a:solidFill>
-                <a:srgbClr val="C32D2E"/>
-              </a:solidFill>
-              <a:latin typeface="Courier"/>
-              <a:cs typeface="Courier"/>
-            </a:endParaRPr>
-          </a:p>
-          <a:p>
-            <a:pPr marL="274320" lvl="1" indent="0">
-              <a:buNone/>
-            </a:pPr>
-            <a:r>
-              <a:rPr lang="en-US" sz="3600" dirty="0" smtClean="0">
-                <a:solidFill>
-                  <a:srgbClr val="C32D2E"/>
-                </a:solidFill>
-                <a:latin typeface="Courier"/>
-                <a:cs typeface="Courier"/>
-              </a:rPr>
-              <a:t>1</a:t>
-            </a:r>
-            <a:r>
-              <a:rPr lang="en-US" sz="3600" dirty="0" smtClean="0">
-                <a:latin typeface="Courier"/>
-                <a:cs typeface="Courier"/>
-              </a:rPr>
-              <a:t> * </a:t>
-            </a:r>
-            <a:r>
-              <a:rPr lang="en-US" sz="3600" dirty="0" smtClean="0">
-                <a:solidFill>
-                  <a:srgbClr val="C32D2E"/>
-                </a:solidFill>
-                <a:latin typeface="Courier"/>
-                <a:cs typeface="Courier"/>
-              </a:rPr>
-              <a:t>1</a:t>
-            </a:r>
-            <a:r>
-              <a:rPr lang="en-US" sz="3600" dirty="0" smtClean="0">
-                <a:latin typeface="Courier"/>
-                <a:cs typeface="Courier"/>
-              </a:rPr>
-              <a:t> * </a:t>
-            </a:r>
-            <a:r>
-              <a:rPr lang="en-US" sz="3600" dirty="0" smtClean="0">
-                <a:solidFill>
-                  <a:srgbClr val="C32D2E"/>
-                </a:solidFill>
-                <a:latin typeface="Courier"/>
-                <a:cs typeface="Courier"/>
-              </a:rPr>
-              <a:t>1</a:t>
-            </a:r>
-            <a:r>
-              <a:rPr lang="en-US" sz="3600" dirty="0" smtClean="0">
-                <a:latin typeface="Courier"/>
-                <a:cs typeface="Courier"/>
-              </a:rPr>
-              <a:t> * </a:t>
-            </a:r>
-            <a:r>
-              <a:rPr lang="en-US" sz="3600" dirty="0" smtClean="0">
-                <a:solidFill>
-                  <a:srgbClr val="C32D2E"/>
-                </a:solidFill>
-                <a:latin typeface="Courier"/>
-                <a:cs typeface="Courier"/>
-              </a:rPr>
-              <a:t>1</a:t>
-            </a:r>
-            <a:endParaRPr lang="en-US" sz="3600" dirty="0">
-              <a:solidFill>
-                <a:srgbClr val="C32D2E"/>
-              </a:solidFill>
-              <a:latin typeface="Courier"/>
-              <a:cs typeface="Courier"/>
-            </a:endParaRPr>
-          </a:p>
-        </p:txBody>
-      </p:sp>
-    </p:spTree>
-    <p:extLst>
-      <p:ext uri="{BB962C8B-B14F-4D97-AF65-F5344CB8AC3E}">
-        <p14:creationId xmlns:p14="http://schemas.microsoft.com/office/powerpoint/2010/main" val="724332886"/>
-      </p:ext>
-    </p:extLst>
-  </p:cSld>
-  <p:clrMapOvr>
-    <a:masterClrMapping/>
-  </p:clrMapOvr>
-  <p:timing>
-    <p:tnLst>
-      <p:par>
-        <p:cTn xmlns:p14="http://schemas.microsoft.com/office/powerpoint/2010/main" id="1" dur="indefinite" restart="never" nodeType="tmRoot">
-          <p:childTnLst>
-            <p:seq concurrent="1" nextAc="seek">
-              <p:cTn id="2" dur="indefinite" nodeType="mainSeq">
-                <p:childTnLst>
-                  <p:par>
-                    <p:cTn id="3" fill="hold">
-                      <p:stCondLst>
-                        <p:cond delay="indefinite"/>
-                      </p:stCondLst>
-                      <p:childTnLst>
-                        <p:par>
-                          <p:cTn id="4" fill="hold">
-                            <p:stCondLst>
-                              <p:cond delay="0"/>
-                            </p:stCondLst>
-                            <p:childTnLst>
-                              <p:par>
-                                <p:cTn id="5" presetID="1" presetClass="entr" presetSubtype="0" fill="hold" grpId="0" nodeType="clickEffect">
-                                  <p:stCondLst>
-                                    <p:cond delay="0"/>
-                                  </p:stCondLst>
-                                  <p:childTnLst>
-                                    <p:set>
-                                      <p:cBhvr>
-                                        <p:cTn id="6" dur="1" fill="hold">
-                                          <p:stCondLst>
-                                            <p:cond delay="0"/>
-                                          </p:stCondLst>
-                                        </p:cTn>
-                                        <p:tgtEl>
-                                          <p:spTgt spid="4">
-                                            <p:txEl>
-                                              <p:pRg st="0" end="0"/>
-                                            </p:txEl>
-                                          </p:spTgt>
-                                        </p:tgtEl>
-                                        <p:attrNameLst>
-                                          <p:attrName>style.visibility</p:attrName>
-                                        </p:attrNameLst>
-                                      </p:cBhvr>
-                                      <p:to>
-                                        <p:strVal val="visible"/>
-                                      </p:to>
-                                    </p:set>
-                                  </p:childTnLst>
-                                </p:cTn>
-                              </p:par>
-                              <p:par>
-                                <p:cTn id="7" presetID="1" presetClass="entr" presetSubtype="0" fill="hold" grpId="0" nodeType="withEffect">
-                                  <p:stCondLst>
-                                    <p:cond delay="0"/>
-                                  </p:stCondLst>
-                                  <p:childTnLst>
-                                    <p:set>
-                                      <p:cBhvr>
-                                        <p:cTn id="8" dur="1" fill="hold">
-                                          <p:stCondLst>
-                                            <p:cond delay="0"/>
-                                          </p:stCondLst>
-                                        </p:cTn>
-                                        <p:tgtEl>
-                                          <p:spTgt spid="4">
-                                            <p:txEl>
-                                              <p:pRg st="1" end="1"/>
-                                            </p:txEl>
-                                          </p:spTgt>
-                                        </p:tgtEl>
-                                        <p:attrNameLst>
-                                          <p:attrName>style.visibility</p:attrName>
-                                        </p:attrNameLst>
-                                      </p:cBhvr>
-                                      <p:to>
-                                        <p:strVal val="visible"/>
-                                      </p:to>
-                                    </p:set>
-                                  </p:childTnLst>
-                                </p:cTn>
-                              </p:par>
-                            </p:childTnLst>
-                          </p:cTn>
-                        </p:par>
-                      </p:childTnLst>
-                    </p:cTn>
-                  </p:par>
-                  <p:par>
-                    <p:cTn id="9" fill="hold">
-                      <p:stCondLst>
-                        <p:cond delay="indefinite"/>
-                      </p:stCondLst>
-                      <p:childTnLst>
-                        <p:par>
-                          <p:cTn id="10" fill="hold">
-                            <p:stCondLst>
-                              <p:cond delay="0"/>
-                            </p:stCondLst>
-                            <p:childTnLst>
-                              <p:par>
-                                <p:cTn id="11" presetID="1" presetClass="entr" presetSubtype="0" fill="hold" grpId="0" nodeType="clickEffect">
-                                  <p:stCondLst>
-                                    <p:cond delay="0"/>
-                                  </p:stCondLst>
-                                  <p:childTnLst>
-                                    <p:set>
-                                      <p:cBhvr>
-                                        <p:cTn id="12" dur="1" fill="hold">
-                                          <p:stCondLst>
-                                            <p:cond delay="0"/>
-                                          </p:stCondLst>
-                                        </p:cTn>
-                                        <p:tgtEl>
-                                          <p:spTgt spid="4">
-                                            <p:txEl>
-                                              <p:pRg st="2" end="2"/>
-                                            </p:txEl>
-                                          </p:spTgt>
-                                        </p:tgtEl>
-                                        <p:attrNameLst>
-                                          <p:attrName>style.visibility</p:attrName>
-                                        </p:attrNameLst>
-                                      </p:cBhvr>
-                                      <p:to>
-                                        <p:strVal val="visible"/>
-                                      </p:to>
-                                    </p:set>
-                                  </p:childTnLst>
-                                </p:cTn>
-                              </p:par>
-                            </p:childTnLst>
-                          </p:cTn>
-                        </p:par>
-                      </p:childTnLst>
-                    </p:cTn>
-                  </p:par>
-                  <p:par>
-                    <p:cTn id="13" fill="hold">
-                      <p:stCondLst>
-                        <p:cond delay="indefinite"/>
-                      </p:stCondLst>
-                      <p:childTnLst>
-                        <p:par>
-                          <p:cTn id="14" fill="hold">
-                            <p:stCondLst>
-                              <p:cond delay="0"/>
-                            </p:stCondLst>
-                            <p:childTnLst>
-                              <p:par>
-                                <p:cTn id="15" presetID="1" presetClass="entr" presetSubtype="0" fill="hold" grpId="0" nodeType="clickEffect">
-                                  <p:stCondLst>
-                                    <p:cond delay="0"/>
-                                  </p:stCondLst>
-                                  <p:childTnLst>
-                                    <p:set>
-                                      <p:cBhvr>
-                                        <p:cTn id="16" dur="1" fill="hold">
-                                          <p:stCondLst>
-                                            <p:cond delay="0"/>
-                                          </p:stCondLst>
-                                        </p:cTn>
-                                        <p:tgtEl>
-                                          <p:spTgt spid="5"/>
-                                        </p:tgtEl>
-                                        <p:attrNameLst>
-                                          <p:attrName>style.visibility</p:attrName>
-                                        </p:attrNameLst>
-                                      </p:cBhvr>
-                                      <p:to>
-                                        <p:strVal val="visible"/>
-                                      </p:to>
-                                    </p:set>
-                                  </p:childTnLst>
-                                </p:cTn>
-                              </p:par>
-                            </p:childTnLst>
-                          </p:cTn>
-                        </p:par>
-                      </p:childTnLst>
-                    </p:cTn>
-                  </p:par>
-                  <p:par>
-                    <p:cTn id="17" fill="hold">
-                      <p:stCondLst>
-                        <p:cond delay="indefinite"/>
-                      </p:stCondLst>
-                      <p:childTnLst>
-                        <p:par>
-                          <p:cTn id="18" fill="hold">
-                            <p:stCondLst>
-                              <p:cond delay="0"/>
-                            </p:stCondLst>
-                            <p:childTnLst>
-                              <p:par>
-                                <p:cTn id="19" presetID="1" presetClass="entr" presetSubtype="0" fill="hold" grpId="0" nodeType="clickEffect">
-                                  <p:stCondLst>
-                                    <p:cond delay="0"/>
-                                  </p:stCondLst>
-                                  <p:childTnLst>
-                                    <p:set>
-                                      <p:cBhvr>
-                                        <p:cTn id="20" dur="1" fill="hold">
-                                          <p:stCondLst>
-                                            <p:cond delay="0"/>
-                                          </p:stCondLst>
-                                        </p:cTn>
-                                        <p:tgtEl>
-                                          <p:spTgt spid="9"/>
-                                        </p:tgtEl>
-                                        <p:attrNameLst>
-                                          <p:attrName>style.visibility</p:attrName>
-                                        </p:attrNameLst>
-                                      </p:cBhvr>
-                                      <p:to>
-                                        <p:strVal val="visible"/>
-                                      </p:to>
-                                    </p:set>
-                                  </p:childTnLst>
-                                </p:cTn>
-                              </p:par>
-                            </p:childTnLst>
-                          </p:cTn>
-                        </p:par>
-                      </p:childTnLst>
-                    </p:cTn>
-                  </p:par>
-                  <p:par>
-                    <p:cTn id="21" fill="hold">
-                      <p:stCondLst>
-                        <p:cond delay="indefinite"/>
-                      </p:stCondLst>
-                      <p:childTnLst>
-                        <p:par>
-                          <p:cTn id="22" fill="hold">
-                            <p:stCondLst>
-                              <p:cond delay="0"/>
-                            </p:stCondLst>
-                            <p:childTnLst>
-                              <p:par>
-                                <p:cTn id="23" presetID="1" presetClass="entr" presetSubtype="0" fill="hold" grpId="0" nodeType="clickEffect">
-                                  <p:stCondLst>
-                                    <p:cond delay="0"/>
-                                  </p:stCondLst>
-                                  <p:childTnLst>
-                                    <p:set>
-                                      <p:cBhvr>
-                                        <p:cTn id="24" dur="1" fill="hold">
-                                          <p:stCondLst>
-                                            <p:cond delay="0"/>
-                                          </p:stCondLst>
-                                        </p:cTn>
-                                        <p:tgtEl>
-                                          <p:spTgt spid="4">
-                                            <p:txEl>
-                                              <p:pRg st="7" end="7"/>
-                                            </p:txEl>
-                                          </p:spTgt>
-                                        </p:tgtEl>
-                                        <p:attrNameLst>
-                                          <p:attrName>style.visibility</p:attrName>
-                                        </p:attrNameLst>
-                                      </p:cBhvr>
-                                      <p:to>
-                                        <p:strVal val="visible"/>
-                                      </p:to>
-                                    </p:set>
-                                  </p:childTnLst>
-                                </p:cTn>
-                              </p:par>
-                            </p:childTnLst>
-                          </p:cTn>
-                        </p:par>
-                      </p:childTnLst>
-                    </p:cTn>
-                  </p:par>
-                </p:childTnLst>
-              </p:cTn>
-              <p:prevCondLst>
-                <p:cond evt="onPrev" delay="0">
-                  <p:tgtEl>
-                    <p:sldTgt/>
-                  </p:tgtEl>
-                </p:cond>
-              </p:prevCondLst>
-              <p:nextCondLst>
-                <p:cond evt="onNext" delay="0">
-                  <p:tgtEl>
-                    <p:sldTgt/>
-                  </p:tgtEl>
-                </p:cond>
-              </p:nextCondLst>
-            </p:seq>
-          </p:childTnLst>
-        </p:cTn>
-      </p:par>
-    </p:tnLst>
-    <p:bldLst>
-      <p:bldP spid="4" grpId="0" build="p"/>
-      <p:bldP spid="5" grpId="0"/>
-      <p:bldP spid="9" grpId="0"/>
     </p:bldLst>
   </p:timing>
 </p:sld>
